--- a/第二次组会_2018.10.15.pptx
+++ b/第二次组会_2018.10.15.pptx
@@ -5,7 +5,7 @@
     <p:sldMasterId id="2147483648" r:id="rId1"/>
   </p:sldMasterIdLst>
   <p:notesMasterIdLst>
-    <p:notesMasterId r:id="rId17"/>
+    <p:notesMasterId r:id="rId28"/>
   </p:notesMasterIdLst>
   <p:sldIdLst>
     <p:sldId id="256" r:id="rId2"/>
@@ -23,6 +23,17 @@
     <p:sldId id="266" r:id="rId14"/>
     <p:sldId id="268" r:id="rId15"/>
     <p:sldId id="273" r:id="rId16"/>
+    <p:sldId id="274" r:id="rId17"/>
+    <p:sldId id="302" r:id="rId18"/>
+    <p:sldId id="301" r:id="rId19"/>
+    <p:sldId id="299" r:id="rId20"/>
+    <p:sldId id="304" r:id="rId21"/>
+    <p:sldId id="306" r:id="rId22"/>
+    <p:sldId id="303" r:id="rId23"/>
+    <p:sldId id="295" r:id="rId24"/>
+    <p:sldId id="307" r:id="rId25"/>
+    <p:sldId id="308" r:id="rId26"/>
+    <p:sldId id="293" r:id="rId27"/>
   </p:sldIdLst>
   <p:sldSz cx="12192000" cy="6858000"/>
   <p:notesSz cx="6858000" cy="9144000"/>
@@ -121,6 +132,11 @@
       </a:defRPr>
     </a:lvl9pPr>
   </p:defaultTextStyle>
+  <p:extLst>
+    <p:ext uri="{EFAFB233-063F-42B5-8137-9DF3F51BA10A}">
+      <p15:sldGuideLst xmlns:p15="http://schemas.microsoft.com/office/powerpoint/2012/main"/>
+    </p:ext>
+  </p:extLst>
 </p:presentation>
 </file>
 
@@ -218,7 +234,7 @@
           <a:p>
             <a:fld id="{F3AB8877-6806-4B49-9E07-DB6DB68152F3}" type="datetimeFigureOut">
               <a:rPr lang="zh-CN" altLang="en-US" smtClean="0"/>
-              <a:t>2018/10/13</a:t>
+              <a:t>2018/10/14</a:t>
             </a:fld>
             <a:endParaRPr lang="zh-CN" altLang="en-US"/>
           </a:p>
@@ -915,6 +931,1613 @@
 </p:notes>
 </file>
 
+<file path=ppt/notesSlides/notesSlide11.xml><?xml version="1.0" encoding="utf-8"?>
+<p:notes xmlns:a="http://schemas.openxmlformats.org/drawingml/2006/main" xmlns:r="http://schemas.openxmlformats.org/officeDocument/2006/relationships" xmlns:p="http://schemas.openxmlformats.org/presentationml/2006/main">
+  <p:cSld>
+    <p:spTree>
+      <p:nvGrpSpPr>
+        <p:cNvPr id="1" name=""/>
+        <p:cNvGrpSpPr/>
+        <p:nvPr/>
+      </p:nvGrpSpPr>
+      <p:grpSpPr>
+        <a:xfrm>
+          <a:off x="0" y="0"/>
+          <a:ext cx="0" cy="0"/>
+          <a:chOff x="0" y="0"/>
+          <a:chExt cx="0" cy="0"/>
+        </a:xfrm>
+      </p:grpSpPr>
+      <p:sp>
+        <p:nvSpPr>
+          <p:cNvPr id="2" name="幻灯片图像占位符 1"/>
+          <p:cNvSpPr>
+            <a:spLocks noGrp="1" noRot="1" noChangeAspect="1"/>
+          </p:cNvSpPr>
+          <p:nvPr>
+            <p:ph type="sldImg"/>
+          </p:nvPr>
+        </p:nvSpPr>
+        <p:spPr/>
+      </p:sp>
+      <p:sp>
+        <p:nvSpPr>
+          <p:cNvPr id="3" name="备注占位符 2"/>
+          <p:cNvSpPr>
+            <a:spLocks noGrp="1"/>
+          </p:cNvSpPr>
+          <p:nvPr>
+            <p:ph type="body" idx="1"/>
+          </p:nvPr>
+        </p:nvSpPr>
+        <p:spPr/>
+        <p:txBody>
+          <a:bodyPr/>
+          <a:lstStyle/>
+          <a:p>
+            <a:endParaRPr lang="zh-CN" altLang="en-US" dirty="0"/>
+          </a:p>
+        </p:txBody>
+      </p:sp>
+      <p:sp>
+        <p:nvSpPr>
+          <p:cNvPr id="4" name="灯片编号占位符 3"/>
+          <p:cNvSpPr>
+            <a:spLocks noGrp="1"/>
+          </p:cNvSpPr>
+          <p:nvPr>
+            <p:ph type="sldNum" sz="quarter" idx="5"/>
+          </p:nvPr>
+        </p:nvSpPr>
+        <p:spPr/>
+        <p:txBody>
+          <a:bodyPr/>
+          <a:lstStyle/>
+          <a:p>
+            <a:fld id="{9D43EA00-B718-4ADE-AC24-1709D54B376C}" type="slidenum">
+              <a:rPr lang="zh-CN" altLang="en-US" smtClean="0"/>
+              <a:t>18</a:t>
+            </a:fld>
+            <a:endParaRPr lang="zh-CN" altLang="en-US"/>
+          </a:p>
+        </p:txBody>
+      </p:sp>
+    </p:spTree>
+    <p:extLst>
+      <p:ext uri="{BB962C8B-B14F-4D97-AF65-F5344CB8AC3E}">
+        <p14:creationId xmlns:p14="http://schemas.microsoft.com/office/powerpoint/2010/main" val="3990160817"/>
+      </p:ext>
+    </p:extLst>
+  </p:cSld>
+  <p:clrMapOvr>
+    <a:masterClrMapping/>
+  </p:clrMapOvr>
+</p:notes>
+</file>
+
+<file path=ppt/notesSlides/notesSlide12.xml><?xml version="1.0" encoding="utf-8"?>
+<p:notes xmlns:a="http://schemas.openxmlformats.org/drawingml/2006/main" xmlns:r="http://schemas.openxmlformats.org/officeDocument/2006/relationships" xmlns:p="http://schemas.openxmlformats.org/presentationml/2006/main">
+  <p:cSld>
+    <p:spTree>
+      <p:nvGrpSpPr>
+        <p:cNvPr id="1" name=""/>
+        <p:cNvGrpSpPr/>
+        <p:nvPr/>
+      </p:nvGrpSpPr>
+      <p:grpSpPr>
+        <a:xfrm>
+          <a:off x="0" y="0"/>
+          <a:ext cx="0" cy="0"/>
+          <a:chOff x="0" y="0"/>
+          <a:chExt cx="0" cy="0"/>
+        </a:xfrm>
+      </p:grpSpPr>
+      <p:sp>
+        <p:nvSpPr>
+          <p:cNvPr id="2" name="幻灯片图像占位符 1"/>
+          <p:cNvSpPr>
+            <a:spLocks noGrp="1" noRot="1" noChangeAspect="1"/>
+          </p:cNvSpPr>
+          <p:nvPr>
+            <p:ph type="sldImg"/>
+          </p:nvPr>
+        </p:nvSpPr>
+        <p:spPr/>
+      </p:sp>
+      <p:sp>
+        <p:nvSpPr>
+          <p:cNvPr id="3" name="备注占位符 2"/>
+          <p:cNvSpPr>
+            <a:spLocks noGrp="1"/>
+          </p:cNvSpPr>
+          <p:nvPr>
+            <p:ph type="body" idx="1"/>
+          </p:nvPr>
+        </p:nvSpPr>
+        <p:spPr/>
+        <p:txBody>
+          <a:bodyPr/>
+          <a:lstStyle/>
+          <a:p>
+            <a:pPr marL="0" marR="0" lvl="0" indent="0" algn="l" defTabSz="914400" rtl="0" eaLnBrk="1" fontAlgn="auto" latinLnBrk="0" hangingPunct="1">
+              <a:lnSpc>
+                <a:spcPct val="100000"/>
+              </a:lnSpc>
+              <a:spcBef>
+                <a:spcPts val="0"/>
+              </a:spcBef>
+              <a:spcAft>
+                <a:spcPts val="0"/>
+              </a:spcAft>
+              <a:buClrTx/>
+              <a:buSzTx/>
+              <a:buFontTx/>
+              <a:buNone/>
+              <a:tabLst/>
+              <a:defRPr/>
+            </a:pPr>
+            <a:r>
+              <a:rPr lang="en-US" altLang="zh-CN" dirty="0" err="1"/>
+              <a:t>DenseNet</a:t>
+            </a:r>
+            <a:r>
+              <a:rPr lang="zh-CN" altLang="en-US" dirty="0"/>
+              <a:t>则是让</a:t>
+            </a:r>
+            <a:r>
+              <a:rPr lang="en-US" altLang="zh-CN" dirty="0"/>
+              <a:t>l</a:t>
+            </a:r>
+            <a:r>
+              <a:rPr lang="zh-CN" altLang="en-US" dirty="0"/>
+              <a:t>层的输入直接影响到之后的所有层，并且由于每一层都包含之前所有层的输出信息。因此其</a:t>
+            </a:r>
+            <a:r>
+              <a:rPr lang="zh-CN" altLang="en-US" b="1" dirty="0"/>
+              <a:t>只需要很少的特征图</a:t>
+            </a:r>
+            <a:r>
+              <a:rPr lang="zh-CN" altLang="en-US" dirty="0"/>
+              <a:t>就够了，这也是为什么</a:t>
+            </a:r>
+            <a:r>
+              <a:rPr lang="en-US" altLang="zh-CN" dirty="0" err="1"/>
+              <a:t>DneseNet</a:t>
+            </a:r>
+            <a:r>
+              <a:rPr lang="zh-CN" altLang="en-US" dirty="0"/>
+              <a:t>的参数量较其他模型大大减少的原因。</a:t>
+            </a:r>
+          </a:p>
+          <a:p>
+            <a:endParaRPr lang="zh-CN" altLang="en-US" dirty="0"/>
+          </a:p>
+        </p:txBody>
+      </p:sp>
+      <p:sp>
+        <p:nvSpPr>
+          <p:cNvPr id="4" name="灯片编号占位符 3"/>
+          <p:cNvSpPr>
+            <a:spLocks noGrp="1"/>
+          </p:cNvSpPr>
+          <p:nvPr>
+            <p:ph type="sldNum" sz="quarter" idx="5"/>
+          </p:nvPr>
+        </p:nvSpPr>
+        <p:spPr/>
+        <p:txBody>
+          <a:bodyPr/>
+          <a:lstStyle/>
+          <a:p>
+            <a:fld id="{9D43EA00-B718-4ADE-AC24-1709D54B376C}" type="slidenum">
+              <a:rPr lang="zh-CN" altLang="en-US" smtClean="0"/>
+              <a:t>19</a:t>
+            </a:fld>
+            <a:endParaRPr lang="zh-CN" altLang="en-US"/>
+          </a:p>
+        </p:txBody>
+      </p:sp>
+    </p:spTree>
+    <p:extLst>
+      <p:ext uri="{BB962C8B-B14F-4D97-AF65-F5344CB8AC3E}">
+        <p14:creationId xmlns:p14="http://schemas.microsoft.com/office/powerpoint/2010/main" val="820921372"/>
+      </p:ext>
+    </p:extLst>
+  </p:cSld>
+  <p:clrMapOvr>
+    <a:masterClrMapping/>
+  </p:clrMapOvr>
+</p:notes>
+</file>
+
+<file path=ppt/notesSlides/notesSlide13.xml><?xml version="1.0" encoding="utf-8"?>
+<p:notes xmlns:a="http://schemas.openxmlformats.org/drawingml/2006/main" xmlns:r="http://schemas.openxmlformats.org/officeDocument/2006/relationships" xmlns:p="http://schemas.openxmlformats.org/presentationml/2006/main">
+  <p:cSld>
+    <p:spTree>
+      <p:nvGrpSpPr>
+        <p:cNvPr id="1" name=""/>
+        <p:cNvGrpSpPr/>
+        <p:nvPr/>
+      </p:nvGrpSpPr>
+      <p:grpSpPr>
+        <a:xfrm>
+          <a:off x="0" y="0"/>
+          <a:ext cx="0" cy="0"/>
+          <a:chOff x="0" y="0"/>
+          <a:chExt cx="0" cy="0"/>
+        </a:xfrm>
+      </p:grpSpPr>
+      <p:sp>
+        <p:nvSpPr>
+          <p:cNvPr id="2" name="幻灯片图像占位符 1"/>
+          <p:cNvSpPr>
+            <a:spLocks noGrp="1" noRot="1" noChangeAspect="1"/>
+          </p:cNvSpPr>
+          <p:nvPr>
+            <p:ph type="sldImg"/>
+          </p:nvPr>
+        </p:nvSpPr>
+        <p:spPr/>
+      </p:sp>
+      <p:sp>
+        <p:nvSpPr>
+          <p:cNvPr id="3" name="备注占位符 2"/>
+          <p:cNvSpPr>
+            <a:spLocks noGrp="1"/>
+          </p:cNvSpPr>
+          <p:nvPr>
+            <p:ph type="body" idx="1"/>
+          </p:nvPr>
+        </p:nvSpPr>
+        <p:spPr/>
+        <p:txBody>
+          <a:bodyPr/>
+          <a:lstStyle/>
+          <a:p>
+            <a:pPr marL="0" marR="0" lvl="0" indent="0" algn="l" defTabSz="914400" rtl="0" eaLnBrk="1" fontAlgn="auto" latinLnBrk="0" hangingPunct="1">
+              <a:lnSpc>
+                <a:spcPct val="100000"/>
+              </a:lnSpc>
+              <a:spcBef>
+                <a:spcPts val="0"/>
+              </a:spcBef>
+              <a:spcAft>
+                <a:spcPts val="0"/>
+              </a:spcAft>
+              <a:buClrTx/>
+              <a:buSzTx/>
+              <a:buFontTx/>
+              <a:buNone/>
+              <a:tabLst/>
+              <a:defRPr/>
+            </a:pPr>
+            <a:r>
+              <a:rPr lang="en-US" altLang="zh-CN" dirty="0"/>
+              <a:t>x0</a:t>
+            </a:r>
+            <a:r>
+              <a:rPr lang="zh-CN" altLang="zh-CN" dirty="0"/>
+              <a:t>为输入，</a:t>
+            </a:r>
+            <a:r>
+              <a:rPr lang="en-US" altLang="zh-CN" dirty="0"/>
+              <a:t>Hl(.)</a:t>
+            </a:r>
+            <a:r>
+              <a:rPr lang="zh-CN" altLang="zh-CN" dirty="0"/>
+              <a:t>代表一种非线性的转换</a:t>
+            </a:r>
+            <a:r>
+              <a:rPr lang="zh-CN" altLang="en-US" dirty="0"/>
+              <a:t>，为</a:t>
+            </a:r>
+            <a:r>
+              <a:rPr lang="en-US" altLang="zh-CN" dirty="0"/>
+              <a:t>Batch Normalization (BN)</a:t>
+            </a:r>
+            <a:r>
+              <a:rPr lang="zh-CN" altLang="zh-CN" dirty="0"/>
+              <a:t>，</a:t>
+            </a:r>
+            <a:r>
+              <a:rPr lang="en-US" altLang="zh-CN" dirty="0" err="1"/>
+              <a:t>ReLU</a:t>
+            </a:r>
+            <a:r>
+              <a:rPr lang="zh-CN" altLang="zh-CN" dirty="0"/>
+              <a:t>激活函数和</a:t>
+            </a:r>
+            <a:r>
+              <a:rPr lang="en-US" altLang="zh-CN" dirty="0"/>
+              <a:t>3</a:t>
+            </a:r>
+            <a:r>
+              <a:rPr lang="zh-CN" altLang="zh-CN" dirty="0"/>
+              <a:t>×</a:t>
+            </a:r>
+            <a:r>
+              <a:rPr lang="en-US" altLang="zh-CN" dirty="0"/>
+              <a:t>3</a:t>
+            </a:r>
+            <a:r>
+              <a:rPr lang="zh-CN" altLang="zh-CN" dirty="0"/>
+              <a:t>的卷积</a:t>
+            </a:r>
+            <a:r>
+              <a:rPr lang="zh-CN" altLang="en-US" dirty="0"/>
+              <a:t>，</a:t>
+            </a:r>
+            <a:r>
+              <a:rPr lang="zh-CN" altLang="zh-CN" dirty="0"/>
+              <a:t>第</a:t>
+            </a:r>
+            <a:r>
+              <a:rPr lang="en-US" altLang="zh-CN" dirty="0"/>
+              <a:t>l</a:t>
+            </a:r>
+            <a:r>
+              <a:rPr lang="zh-CN" altLang="zh-CN" dirty="0"/>
+              <a:t>层的输出为</a:t>
+            </a:r>
+            <a:r>
+              <a:rPr lang="en-US" altLang="zh-CN" dirty="0"/>
+              <a:t>xl</a:t>
+            </a:r>
+            <a:endParaRPr lang="zh-CN" altLang="zh-CN" dirty="0"/>
+          </a:p>
+          <a:p>
+            <a:pPr marL="0" marR="0" lvl="0" indent="0" algn="l" defTabSz="914400" rtl="0" eaLnBrk="1" fontAlgn="auto" latinLnBrk="0" hangingPunct="1">
+              <a:lnSpc>
+                <a:spcPct val="100000"/>
+              </a:lnSpc>
+              <a:spcBef>
+                <a:spcPts val="0"/>
+              </a:spcBef>
+              <a:spcAft>
+                <a:spcPts val="0"/>
+              </a:spcAft>
+              <a:buClrTx/>
+              <a:buSzTx/>
+              <a:buFontTx/>
+              <a:buNone/>
+              <a:tabLst/>
+              <a:defRPr/>
+            </a:pPr>
+            <a:endParaRPr lang="en-US" altLang="zh-CN" dirty="0"/>
+          </a:p>
+          <a:p>
+            <a:pPr marL="0" marR="0" lvl="0" indent="0" algn="l" defTabSz="914400" rtl="0" eaLnBrk="1" fontAlgn="auto" latinLnBrk="0" hangingPunct="1">
+              <a:lnSpc>
+                <a:spcPct val="100000"/>
+              </a:lnSpc>
+              <a:spcBef>
+                <a:spcPts val="0"/>
+              </a:spcBef>
+              <a:spcAft>
+                <a:spcPts val="0"/>
+              </a:spcAft>
+              <a:buClrTx/>
+              <a:buSzTx/>
+              <a:buFontTx/>
+              <a:buNone/>
+              <a:tabLst/>
+              <a:defRPr/>
+            </a:pPr>
+            <a:r>
+              <a:rPr lang="zh-CN" altLang="zh-CN" dirty="0"/>
+              <a:t>不同层的连接需要相同的特征图，但是池化层也是必不可少的。引入多重密集连接的</a:t>
+            </a:r>
+            <a:r>
+              <a:rPr lang="en-US" altLang="zh-CN" dirty="0"/>
+              <a:t>dense blocks</a:t>
+            </a:r>
+            <a:r>
+              <a:rPr lang="zh-CN" altLang="zh-CN" dirty="0"/>
+              <a:t>，在每个</a:t>
+            </a:r>
+            <a:r>
+              <a:rPr lang="en-US" altLang="zh-CN" dirty="0"/>
+              <a:t>block</a:t>
+            </a:r>
+            <a:r>
+              <a:rPr lang="zh-CN" altLang="zh-CN" dirty="0"/>
+              <a:t>中间的是</a:t>
+            </a:r>
+            <a:r>
+              <a:rPr lang="en-US" altLang="zh-CN" dirty="0"/>
+              <a:t>transition layers</a:t>
+            </a:r>
+            <a:r>
+              <a:rPr lang="zh-CN" altLang="zh-CN" dirty="0"/>
+              <a:t>（过渡层），</a:t>
+            </a:r>
+            <a:r>
+              <a:rPr lang="en-US" altLang="zh-CN" dirty="0"/>
+              <a:t>transition layer</a:t>
+            </a:r>
+            <a:r>
+              <a:rPr lang="zh-CN" altLang="zh-CN" dirty="0"/>
+              <a:t>包含</a:t>
+            </a:r>
+            <a:r>
+              <a:rPr lang="en-US" altLang="zh-CN" dirty="0"/>
+              <a:t>batch normalization </a:t>
+            </a:r>
+            <a:r>
+              <a:rPr lang="zh-CN" altLang="zh-CN" dirty="0"/>
+              <a:t>层，</a:t>
+            </a:r>
+            <a:r>
+              <a:rPr lang="en-US" altLang="zh-CN" dirty="0"/>
+              <a:t>1×1</a:t>
+            </a:r>
+            <a:r>
+              <a:rPr lang="zh-CN" altLang="zh-CN" dirty="0"/>
+              <a:t>卷积和池化</a:t>
+            </a:r>
+            <a:endParaRPr lang="en-US" altLang="zh-CN" dirty="0"/>
+          </a:p>
+          <a:p>
+            <a:pPr marL="0" marR="0" lvl="0" indent="0" algn="l" defTabSz="914400" rtl="0" eaLnBrk="1" fontAlgn="auto" latinLnBrk="0" hangingPunct="1">
+              <a:lnSpc>
+                <a:spcPct val="100000"/>
+              </a:lnSpc>
+              <a:spcBef>
+                <a:spcPts val="0"/>
+              </a:spcBef>
+              <a:spcAft>
+                <a:spcPts val="0"/>
+              </a:spcAft>
+              <a:buClrTx/>
+              <a:buSzTx/>
+              <a:buFontTx/>
+              <a:buNone/>
+              <a:tabLst/>
+              <a:defRPr/>
+            </a:pPr>
+            <a:endParaRPr lang="en-US" altLang="zh-CN" dirty="0"/>
+          </a:p>
+          <a:p>
+            <a:pPr marL="0" marR="0" lvl="0" indent="0" algn="l" defTabSz="914400" rtl="0" eaLnBrk="1" fontAlgn="auto" latinLnBrk="0" hangingPunct="1">
+              <a:lnSpc>
+                <a:spcPct val="100000"/>
+              </a:lnSpc>
+              <a:spcBef>
+                <a:spcPts val="0"/>
+              </a:spcBef>
+              <a:spcAft>
+                <a:spcPts val="0"/>
+              </a:spcAft>
+              <a:buClrTx/>
+              <a:buSzTx/>
+              <a:buFontTx/>
+              <a:buNone/>
+              <a:tabLst/>
+              <a:defRPr/>
+            </a:pPr>
+            <a:r>
+              <a:rPr lang="en-US" altLang="zh-CN" dirty="0"/>
+              <a:t>Growth rate</a:t>
+            </a:r>
+            <a:r>
+              <a:rPr lang="zh-CN" altLang="en-US" dirty="0"/>
+              <a:t>：</a:t>
+            </a:r>
+            <a:r>
+              <a:rPr lang="en-US" altLang="zh-CN" dirty="0"/>
+              <a:t>Hl(.)</a:t>
+            </a:r>
+            <a:r>
+              <a:rPr lang="zh-CN" altLang="zh-CN" dirty="0"/>
+              <a:t>函数输出</a:t>
+            </a:r>
+            <a:r>
+              <a:rPr lang="en-US" altLang="zh-CN" dirty="0"/>
+              <a:t>k</a:t>
+            </a:r>
+            <a:r>
+              <a:rPr lang="zh-CN" altLang="zh-CN" dirty="0"/>
+              <a:t>个特征图，表明第</a:t>
+            </a:r>
+            <a:r>
+              <a:rPr lang="en-US" altLang="zh-CN" dirty="0"/>
+              <a:t>l</a:t>
+            </a:r>
+            <a:r>
+              <a:rPr lang="zh-CN" altLang="zh-CN" dirty="0"/>
+              <a:t>层有</a:t>
+            </a:r>
+            <a:r>
+              <a:rPr lang="en-US" altLang="zh-CN" dirty="0"/>
+              <a:t>k(l-1)+k0</a:t>
+            </a:r>
+            <a:r>
+              <a:rPr lang="zh-CN" altLang="zh-CN" dirty="0"/>
+              <a:t>个输入特征图，</a:t>
+            </a:r>
+            <a:r>
+              <a:rPr lang="en-US" altLang="zh-CN" dirty="0"/>
+              <a:t>k0</a:t>
+            </a:r>
+            <a:r>
+              <a:rPr lang="zh-CN" altLang="zh-CN" dirty="0"/>
+              <a:t>是输入图像的通道数。超参数</a:t>
+            </a:r>
+            <a:r>
+              <a:rPr lang="en-US" altLang="zh-CN" dirty="0"/>
+              <a:t>k</a:t>
+            </a:r>
+            <a:r>
+              <a:rPr lang="zh-CN" altLang="zh-CN" dirty="0"/>
+              <a:t>设定的小，为</a:t>
+            </a:r>
+            <a:r>
+              <a:rPr lang="en-US" altLang="zh-CN" dirty="0"/>
+              <a:t>12</a:t>
+            </a:r>
+            <a:r>
+              <a:rPr lang="zh-CN" altLang="zh-CN" dirty="0"/>
+              <a:t>，为了防止网络过宽，提高参数效率。</a:t>
+            </a:r>
+            <a:endParaRPr lang="en-US" altLang="zh-CN" dirty="0"/>
+          </a:p>
+          <a:p>
+            <a:pPr marL="0" marR="0" lvl="0" indent="0" algn="l" defTabSz="914400" rtl="0" eaLnBrk="1" fontAlgn="auto" latinLnBrk="0" hangingPunct="1">
+              <a:lnSpc>
+                <a:spcPct val="100000"/>
+              </a:lnSpc>
+              <a:spcBef>
+                <a:spcPts val="0"/>
+              </a:spcBef>
+              <a:spcAft>
+                <a:spcPts val="0"/>
+              </a:spcAft>
+              <a:buClrTx/>
+              <a:buSzTx/>
+              <a:buFontTx/>
+              <a:buNone/>
+              <a:tabLst/>
+              <a:defRPr/>
+            </a:pPr>
+            <a:endParaRPr lang="en-US" altLang="zh-CN" dirty="0"/>
+          </a:p>
+          <a:p>
+            <a:pPr marL="0" marR="0" lvl="0" indent="0" algn="l" defTabSz="914400" rtl="0" eaLnBrk="1" fontAlgn="auto" latinLnBrk="0" hangingPunct="1">
+              <a:lnSpc>
+                <a:spcPct val="100000"/>
+              </a:lnSpc>
+              <a:spcBef>
+                <a:spcPts val="0"/>
+              </a:spcBef>
+              <a:spcAft>
+                <a:spcPts val="0"/>
+              </a:spcAft>
+              <a:buClrTx/>
+              <a:buSzTx/>
+              <a:buFontTx/>
+              <a:buNone/>
+              <a:tabLst/>
+              <a:defRPr/>
+            </a:pPr>
+            <a:r>
+              <a:rPr lang="en-US" altLang="zh-CN" dirty="0"/>
+              <a:t>Bottleneck layers</a:t>
+            </a:r>
+            <a:r>
+              <a:rPr lang="zh-CN" altLang="en-US" dirty="0"/>
+              <a:t>：</a:t>
+            </a:r>
+            <a:r>
+              <a:rPr lang="zh-CN" altLang="zh-CN" dirty="0"/>
+              <a:t>和</a:t>
+            </a:r>
+            <a:r>
+              <a:rPr lang="en-US" altLang="zh-CN" dirty="0" err="1"/>
+              <a:t>ResNet</a:t>
+            </a:r>
+            <a:r>
+              <a:rPr lang="zh-CN" altLang="zh-CN" dirty="0"/>
+              <a:t>一样，在</a:t>
+            </a:r>
+            <a:r>
+              <a:rPr lang="en-US" altLang="zh-CN" dirty="0"/>
+              <a:t>3</a:t>
+            </a:r>
+            <a:r>
+              <a:rPr lang="zh-CN" altLang="zh-CN" dirty="0"/>
+              <a:t>×</a:t>
+            </a:r>
+            <a:r>
+              <a:rPr lang="en-US" altLang="zh-CN" dirty="0"/>
+              <a:t>3</a:t>
+            </a:r>
+            <a:r>
+              <a:rPr lang="zh-CN" altLang="zh-CN" dirty="0"/>
+              <a:t>卷积之前加入</a:t>
+            </a:r>
+            <a:r>
+              <a:rPr lang="en-US" altLang="zh-CN" dirty="0"/>
+              <a:t>1</a:t>
+            </a:r>
+            <a:r>
+              <a:rPr lang="zh-CN" altLang="zh-CN" dirty="0"/>
+              <a:t>×</a:t>
+            </a:r>
+            <a:r>
+              <a:rPr lang="en-US" altLang="zh-CN" dirty="0"/>
+              <a:t>1</a:t>
+            </a:r>
+            <a:r>
+              <a:rPr lang="zh-CN" altLang="zh-CN" dirty="0"/>
+              <a:t>卷积来减少维度，增加计算效率</a:t>
+            </a:r>
+          </a:p>
+          <a:p>
+            <a:endParaRPr lang="en-US" altLang="zh-CN" dirty="0"/>
+          </a:p>
+          <a:p>
+            <a:pPr marL="0" marR="0" lvl="0" indent="0" algn="l" defTabSz="914400" rtl="0" eaLnBrk="1" fontAlgn="auto" latinLnBrk="0" hangingPunct="1">
+              <a:lnSpc>
+                <a:spcPct val="100000"/>
+              </a:lnSpc>
+              <a:spcBef>
+                <a:spcPts val="0"/>
+              </a:spcBef>
+              <a:spcAft>
+                <a:spcPts val="0"/>
+              </a:spcAft>
+              <a:buClrTx/>
+              <a:buSzTx/>
+              <a:buFontTx/>
+              <a:buNone/>
+              <a:tabLst/>
+              <a:defRPr/>
+            </a:pPr>
+            <a:r>
+              <a:rPr lang="zh-CN" altLang="zh-CN" dirty="0"/>
+              <a:t>在</a:t>
+            </a:r>
+            <a:r>
+              <a:rPr lang="en-US" altLang="zh-CN" dirty="0"/>
+              <a:t>transition layers</a:t>
+            </a:r>
+            <a:r>
+              <a:rPr lang="zh-CN" altLang="zh-CN" dirty="0"/>
+              <a:t>中使用。设</a:t>
+            </a:r>
+            <a:r>
+              <a:rPr lang="en-US" altLang="zh-CN" dirty="0"/>
+              <a:t>dense block</a:t>
+            </a:r>
+            <a:r>
+              <a:rPr lang="zh-CN" altLang="zh-CN" dirty="0"/>
+              <a:t>有</a:t>
+            </a:r>
+            <a:r>
+              <a:rPr lang="en-US" altLang="zh-CN" dirty="0"/>
+              <a:t>m</a:t>
+            </a:r>
+            <a:r>
+              <a:rPr lang="zh-CN" altLang="zh-CN" dirty="0"/>
+              <a:t>个特征图，经过</a:t>
+            </a:r>
+            <a:r>
+              <a:rPr lang="en-US" altLang="zh-CN" dirty="0"/>
+              <a:t>transition layers</a:t>
+            </a:r>
+            <a:r>
+              <a:rPr lang="zh-CN" altLang="zh-CN" dirty="0"/>
+              <a:t>产生</a:t>
+            </a:r>
+            <a:r>
+              <a:rPr lang="en-US" altLang="zh-CN" dirty="0" err="1"/>
+              <a:t>θm</a:t>
+            </a:r>
+            <a:r>
+              <a:rPr lang="zh-CN" altLang="zh-CN" dirty="0"/>
+              <a:t>个输出。将</a:t>
+            </a:r>
+            <a:r>
+              <a:rPr lang="en-US" altLang="zh-CN" dirty="0"/>
+              <a:t>θ&lt;1</a:t>
+            </a:r>
+            <a:r>
+              <a:rPr lang="zh-CN" altLang="zh-CN" dirty="0"/>
+              <a:t>的</a:t>
+            </a:r>
+            <a:r>
+              <a:rPr lang="en-US" altLang="zh-CN" dirty="0" err="1"/>
+              <a:t>DenseNet</a:t>
+            </a:r>
+            <a:r>
+              <a:rPr lang="zh-CN" altLang="zh-CN" dirty="0"/>
+              <a:t>称为</a:t>
+            </a:r>
+            <a:r>
+              <a:rPr lang="en-US" altLang="zh-CN" dirty="0" err="1"/>
+              <a:t>DenseNet</a:t>
+            </a:r>
+            <a:r>
+              <a:rPr lang="en-US" altLang="zh-CN" dirty="0"/>
+              <a:t>-C</a:t>
+            </a:r>
+            <a:r>
+              <a:rPr lang="zh-CN" altLang="zh-CN" dirty="0"/>
+              <a:t>，如果同时使用</a:t>
+            </a:r>
+            <a:r>
+              <a:rPr lang="en-US" altLang="zh-CN" dirty="0"/>
+              <a:t>bottleneck </a:t>
+            </a:r>
+            <a:r>
+              <a:rPr lang="zh-CN" altLang="zh-CN" dirty="0"/>
+              <a:t>和</a:t>
+            </a:r>
+            <a:r>
+              <a:rPr lang="en-US" altLang="zh-CN" dirty="0"/>
+              <a:t>θ &lt; 1 </a:t>
+            </a:r>
+            <a:r>
+              <a:rPr lang="zh-CN" altLang="zh-CN" dirty="0"/>
+              <a:t>，称为</a:t>
+            </a:r>
+            <a:r>
+              <a:rPr lang="en-US" altLang="zh-CN" dirty="0" err="1"/>
+              <a:t>DenseNet</a:t>
+            </a:r>
+            <a:r>
+              <a:rPr lang="en-US" altLang="zh-CN" dirty="0"/>
+              <a:t>-BC.</a:t>
+            </a:r>
+            <a:endParaRPr lang="zh-CN" altLang="zh-CN" dirty="0"/>
+          </a:p>
+          <a:p>
+            <a:endParaRPr lang="zh-CN" altLang="en-US" dirty="0"/>
+          </a:p>
+          <a:p>
+            <a:pPr marL="0" marR="0" lvl="0" indent="0" algn="l" defTabSz="914400" rtl="0" eaLnBrk="1" fontAlgn="auto" latinLnBrk="0" hangingPunct="1">
+              <a:lnSpc>
+                <a:spcPct val="100000"/>
+              </a:lnSpc>
+              <a:spcBef>
+                <a:spcPts val="0"/>
+              </a:spcBef>
+              <a:spcAft>
+                <a:spcPts val="0"/>
+              </a:spcAft>
+              <a:buClrTx/>
+              <a:buSzTx/>
+              <a:buFontTx/>
+              <a:buNone/>
+              <a:tabLst/>
+              <a:defRPr/>
+            </a:pPr>
+            <a:endParaRPr lang="zh-CN" altLang="zh-CN" dirty="0"/>
+          </a:p>
+          <a:p>
+            <a:endParaRPr lang="zh-CN" altLang="en-US" dirty="0"/>
+          </a:p>
+        </p:txBody>
+      </p:sp>
+      <p:sp>
+        <p:nvSpPr>
+          <p:cNvPr id="4" name="灯片编号占位符 3"/>
+          <p:cNvSpPr>
+            <a:spLocks noGrp="1"/>
+          </p:cNvSpPr>
+          <p:nvPr>
+            <p:ph type="sldNum" sz="quarter" idx="5"/>
+          </p:nvPr>
+        </p:nvSpPr>
+        <p:spPr/>
+        <p:txBody>
+          <a:bodyPr/>
+          <a:lstStyle/>
+          <a:p>
+            <a:fld id="{9D43EA00-B718-4ADE-AC24-1709D54B376C}" type="slidenum">
+              <a:rPr lang="zh-CN" altLang="en-US" smtClean="0"/>
+              <a:t>20</a:t>
+            </a:fld>
+            <a:endParaRPr lang="zh-CN" altLang="en-US"/>
+          </a:p>
+        </p:txBody>
+      </p:sp>
+    </p:spTree>
+    <p:extLst>
+      <p:ext uri="{BB962C8B-B14F-4D97-AF65-F5344CB8AC3E}">
+        <p14:creationId xmlns:p14="http://schemas.microsoft.com/office/powerpoint/2010/main" val="911775451"/>
+      </p:ext>
+    </p:extLst>
+  </p:cSld>
+  <p:clrMapOvr>
+    <a:masterClrMapping/>
+  </p:clrMapOvr>
+</p:notes>
+</file>
+
+<file path=ppt/notesSlides/notesSlide14.xml><?xml version="1.0" encoding="utf-8"?>
+<p:notes xmlns:a="http://schemas.openxmlformats.org/drawingml/2006/main" xmlns:r="http://schemas.openxmlformats.org/officeDocument/2006/relationships" xmlns:p="http://schemas.openxmlformats.org/presentationml/2006/main">
+  <p:cSld>
+    <p:spTree>
+      <p:nvGrpSpPr>
+        <p:cNvPr id="1" name=""/>
+        <p:cNvGrpSpPr/>
+        <p:nvPr/>
+      </p:nvGrpSpPr>
+      <p:grpSpPr>
+        <a:xfrm>
+          <a:off x="0" y="0"/>
+          <a:ext cx="0" cy="0"/>
+          <a:chOff x="0" y="0"/>
+          <a:chExt cx="0" cy="0"/>
+        </a:xfrm>
+      </p:grpSpPr>
+      <p:sp>
+        <p:nvSpPr>
+          <p:cNvPr id="2" name="幻灯片图像占位符 1"/>
+          <p:cNvSpPr>
+            <a:spLocks noGrp="1" noRot="1" noChangeAspect="1"/>
+          </p:cNvSpPr>
+          <p:nvPr>
+            <p:ph type="sldImg"/>
+          </p:nvPr>
+        </p:nvSpPr>
+        <p:spPr/>
+      </p:sp>
+      <p:sp>
+        <p:nvSpPr>
+          <p:cNvPr id="3" name="备注占位符 2"/>
+          <p:cNvSpPr>
+            <a:spLocks noGrp="1"/>
+          </p:cNvSpPr>
+          <p:nvPr>
+            <p:ph type="body" idx="1"/>
+          </p:nvPr>
+        </p:nvSpPr>
+        <p:spPr/>
+        <p:txBody>
+          <a:bodyPr/>
+          <a:lstStyle/>
+          <a:p>
+            <a:pPr marL="0" marR="0" lvl="0" indent="0" algn="l" defTabSz="914400" rtl="0" eaLnBrk="1" fontAlgn="auto" latinLnBrk="0" hangingPunct="1">
+              <a:lnSpc>
+                <a:spcPct val="100000"/>
+              </a:lnSpc>
+              <a:spcBef>
+                <a:spcPts val="0"/>
+              </a:spcBef>
+              <a:spcAft>
+                <a:spcPts val="0"/>
+              </a:spcAft>
+              <a:buClrTx/>
+              <a:buSzTx/>
+              <a:buFontTx/>
+              <a:buNone/>
+              <a:tabLst/>
+              <a:defRPr/>
+            </a:pPr>
+            <a:r>
+              <a:rPr lang="zh-CN" altLang="zh-CN" dirty="0"/>
+              <a:t>不同层的连接需要相同的特征图，但是池化层也是必不可少的。引入多重密集连接的</a:t>
+            </a:r>
+            <a:r>
+              <a:rPr lang="en-US" altLang="zh-CN" dirty="0"/>
+              <a:t>dense blocks</a:t>
+            </a:r>
+            <a:r>
+              <a:rPr lang="zh-CN" altLang="zh-CN" dirty="0"/>
+              <a:t>，在每个</a:t>
+            </a:r>
+            <a:r>
+              <a:rPr lang="en-US" altLang="zh-CN" dirty="0"/>
+              <a:t>block</a:t>
+            </a:r>
+            <a:r>
+              <a:rPr lang="zh-CN" altLang="zh-CN" dirty="0"/>
+              <a:t>中间的是</a:t>
+            </a:r>
+            <a:r>
+              <a:rPr lang="en-US" altLang="zh-CN" dirty="0"/>
+              <a:t>transition layers</a:t>
+            </a:r>
+            <a:r>
+              <a:rPr lang="zh-CN" altLang="zh-CN" dirty="0"/>
+              <a:t>（过渡层），</a:t>
+            </a:r>
+            <a:r>
+              <a:rPr lang="en-US" altLang="zh-CN" dirty="0"/>
+              <a:t>transition layer</a:t>
+            </a:r>
+            <a:r>
+              <a:rPr lang="zh-CN" altLang="zh-CN" dirty="0"/>
+              <a:t>包含</a:t>
+            </a:r>
+            <a:r>
+              <a:rPr lang="en-US" altLang="zh-CN" dirty="0"/>
+              <a:t>batch normalization </a:t>
+            </a:r>
+            <a:r>
+              <a:rPr lang="zh-CN" altLang="zh-CN" dirty="0"/>
+              <a:t>层，</a:t>
+            </a:r>
+            <a:r>
+              <a:rPr lang="en-US" altLang="zh-CN" dirty="0"/>
+              <a:t>1×1</a:t>
+            </a:r>
+            <a:r>
+              <a:rPr lang="zh-CN" altLang="zh-CN" dirty="0"/>
+              <a:t>卷积和池化</a:t>
+            </a:r>
+            <a:endParaRPr lang="en-US" altLang="zh-CN" dirty="0"/>
+          </a:p>
+          <a:p>
+            <a:pPr marL="0" marR="0" lvl="0" indent="0" algn="l" defTabSz="914400" rtl="0" eaLnBrk="1" fontAlgn="auto" latinLnBrk="0" hangingPunct="1">
+              <a:lnSpc>
+                <a:spcPct val="100000"/>
+              </a:lnSpc>
+              <a:spcBef>
+                <a:spcPts val="0"/>
+              </a:spcBef>
+              <a:spcAft>
+                <a:spcPts val="0"/>
+              </a:spcAft>
+              <a:buClrTx/>
+              <a:buSzTx/>
+              <a:buFontTx/>
+              <a:buNone/>
+              <a:tabLst/>
+              <a:defRPr/>
+            </a:pPr>
+            <a:endParaRPr lang="en-US" altLang="zh-CN" dirty="0"/>
+          </a:p>
+          <a:p>
+            <a:pPr marL="0" marR="0" lvl="0" indent="0" algn="l" defTabSz="914400" rtl="0" eaLnBrk="1" fontAlgn="auto" latinLnBrk="0" hangingPunct="1">
+              <a:lnSpc>
+                <a:spcPct val="100000"/>
+              </a:lnSpc>
+              <a:spcBef>
+                <a:spcPts val="0"/>
+              </a:spcBef>
+              <a:spcAft>
+                <a:spcPts val="0"/>
+              </a:spcAft>
+              <a:buClrTx/>
+              <a:buSzTx/>
+              <a:buFontTx/>
+              <a:buNone/>
+              <a:tabLst/>
+              <a:defRPr/>
+            </a:pPr>
+            <a:r>
+              <a:rPr lang="en-US" altLang="zh-CN" dirty="0"/>
+              <a:t>Growth rate</a:t>
+            </a:r>
+            <a:r>
+              <a:rPr lang="zh-CN" altLang="en-US" dirty="0"/>
+              <a:t>：</a:t>
+            </a:r>
+            <a:r>
+              <a:rPr lang="en-US" altLang="zh-CN" dirty="0"/>
+              <a:t>Hl(.)</a:t>
+            </a:r>
+            <a:r>
+              <a:rPr lang="zh-CN" altLang="zh-CN" dirty="0"/>
+              <a:t>函数输出</a:t>
+            </a:r>
+            <a:r>
+              <a:rPr lang="en-US" altLang="zh-CN" dirty="0"/>
+              <a:t>k</a:t>
+            </a:r>
+            <a:r>
+              <a:rPr lang="zh-CN" altLang="zh-CN" dirty="0"/>
+              <a:t>个特征图，表明第</a:t>
+            </a:r>
+            <a:r>
+              <a:rPr lang="en-US" altLang="zh-CN" dirty="0"/>
+              <a:t>l</a:t>
+            </a:r>
+            <a:r>
+              <a:rPr lang="zh-CN" altLang="zh-CN" dirty="0"/>
+              <a:t>层有</a:t>
+            </a:r>
+            <a:r>
+              <a:rPr lang="en-US" altLang="zh-CN" dirty="0"/>
+              <a:t>k(l-1)+k0</a:t>
+            </a:r>
+            <a:r>
+              <a:rPr lang="zh-CN" altLang="zh-CN" dirty="0"/>
+              <a:t>个输入特征图，</a:t>
+            </a:r>
+            <a:r>
+              <a:rPr lang="en-US" altLang="zh-CN" dirty="0"/>
+              <a:t>k0</a:t>
+            </a:r>
+            <a:r>
+              <a:rPr lang="zh-CN" altLang="zh-CN" dirty="0"/>
+              <a:t>是输入图像的通道数。超参数</a:t>
+            </a:r>
+            <a:r>
+              <a:rPr lang="en-US" altLang="zh-CN" dirty="0"/>
+              <a:t>k</a:t>
+            </a:r>
+            <a:r>
+              <a:rPr lang="zh-CN" altLang="zh-CN" dirty="0"/>
+              <a:t>设定的小，为</a:t>
+            </a:r>
+            <a:r>
+              <a:rPr lang="en-US" altLang="zh-CN" dirty="0"/>
+              <a:t>12</a:t>
+            </a:r>
+            <a:r>
+              <a:rPr lang="zh-CN" altLang="zh-CN" dirty="0"/>
+              <a:t>，为了防止网络过宽，提高参数效率。</a:t>
+            </a:r>
+            <a:endParaRPr lang="en-US" altLang="zh-CN" dirty="0"/>
+          </a:p>
+          <a:p>
+            <a:pPr marL="0" marR="0" lvl="0" indent="0" algn="l" defTabSz="914400" rtl="0" eaLnBrk="1" fontAlgn="auto" latinLnBrk="0" hangingPunct="1">
+              <a:lnSpc>
+                <a:spcPct val="100000"/>
+              </a:lnSpc>
+              <a:spcBef>
+                <a:spcPts val="0"/>
+              </a:spcBef>
+              <a:spcAft>
+                <a:spcPts val="0"/>
+              </a:spcAft>
+              <a:buClrTx/>
+              <a:buSzTx/>
+              <a:buFontTx/>
+              <a:buNone/>
+              <a:tabLst/>
+              <a:defRPr/>
+            </a:pPr>
+            <a:endParaRPr lang="en-US" altLang="zh-CN" dirty="0"/>
+          </a:p>
+          <a:p>
+            <a:pPr marL="0" marR="0" lvl="0" indent="0" algn="l" defTabSz="914400" rtl="0" eaLnBrk="1" fontAlgn="auto" latinLnBrk="0" hangingPunct="1">
+              <a:lnSpc>
+                <a:spcPct val="100000"/>
+              </a:lnSpc>
+              <a:spcBef>
+                <a:spcPts val="0"/>
+              </a:spcBef>
+              <a:spcAft>
+                <a:spcPts val="0"/>
+              </a:spcAft>
+              <a:buClrTx/>
+              <a:buSzTx/>
+              <a:buFontTx/>
+              <a:buNone/>
+              <a:tabLst/>
+              <a:defRPr/>
+            </a:pPr>
+            <a:r>
+              <a:rPr lang="en-US" altLang="zh-CN" dirty="0"/>
+              <a:t>Bottleneck layers</a:t>
+            </a:r>
+            <a:r>
+              <a:rPr lang="zh-CN" altLang="en-US" dirty="0"/>
+              <a:t>：</a:t>
+            </a:r>
+            <a:r>
+              <a:rPr lang="zh-CN" altLang="zh-CN" dirty="0"/>
+              <a:t>和</a:t>
+            </a:r>
+            <a:r>
+              <a:rPr lang="en-US" altLang="zh-CN" dirty="0" err="1"/>
+              <a:t>ResNet</a:t>
+            </a:r>
+            <a:r>
+              <a:rPr lang="zh-CN" altLang="zh-CN" dirty="0"/>
+              <a:t>一样，在</a:t>
+            </a:r>
+            <a:r>
+              <a:rPr lang="en-US" altLang="zh-CN" dirty="0"/>
+              <a:t>3</a:t>
+            </a:r>
+            <a:r>
+              <a:rPr lang="zh-CN" altLang="zh-CN" dirty="0"/>
+              <a:t>×</a:t>
+            </a:r>
+            <a:r>
+              <a:rPr lang="en-US" altLang="zh-CN" dirty="0"/>
+              <a:t>3</a:t>
+            </a:r>
+            <a:r>
+              <a:rPr lang="zh-CN" altLang="zh-CN" dirty="0"/>
+              <a:t>卷积之前加入</a:t>
+            </a:r>
+            <a:r>
+              <a:rPr lang="en-US" altLang="zh-CN" dirty="0"/>
+              <a:t>1</a:t>
+            </a:r>
+            <a:r>
+              <a:rPr lang="zh-CN" altLang="zh-CN" dirty="0"/>
+              <a:t>×</a:t>
+            </a:r>
+            <a:r>
+              <a:rPr lang="en-US" altLang="zh-CN" dirty="0"/>
+              <a:t>1</a:t>
+            </a:r>
+            <a:r>
+              <a:rPr lang="zh-CN" altLang="zh-CN" dirty="0"/>
+              <a:t>卷积来减少维度，增加计算效率</a:t>
+            </a:r>
+          </a:p>
+          <a:p>
+            <a:endParaRPr lang="en-US" altLang="zh-CN" dirty="0"/>
+          </a:p>
+          <a:p>
+            <a:pPr marL="0" marR="0" lvl="0" indent="0" algn="l" defTabSz="914400" rtl="0" eaLnBrk="1" fontAlgn="auto" latinLnBrk="0" hangingPunct="1">
+              <a:lnSpc>
+                <a:spcPct val="100000"/>
+              </a:lnSpc>
+              <a:spcBef>
+                <a:spcPts val="0"/>
+              </a:spcBef>
+              <a:spcAft>
+                <a:spcPts val="0"/>
+              </a:spcAft>
+              <a:buClrTx/>
+              <a:buSzTx/>
+              <a:buFontTx/>
+              <a:buNone/>
+              <a:tabLst/>
+              <a:defRPr/>
+            </a:pPr>
+            <a:r>
+              <a:rPr lang="zh-CN" altLang="zh-CN" dirty="0"/>
+              <a:t>在</a:t>
+            </a:r>
+            <a:r>
+              <a:rPr lang="en-US" altLang="zh-CN" dirty="0"/>
+              <a:t>transition layers</a:t>
+            </a:r>
+            <a:r>
+              <a:rPr lang="zh-CN" altLang="zh-CN" dirty="0"/>
+              <a:t>中使用。设</a:t>
+            </a:r>
+            <a:r>
+              <a:rPr lang="en-US" altLang="zh-CN" dirty="0"/>
+              <a:t>dense block</a:t>
+            </a:r>
+            <a:r>
+              <a:rPr lang="zh-CN" altLang="zh-CN" dirty="0"/>
+              <a:t>有</a:t>
+            </a:r>
+            <a:r>
+              <a:rPr lang="en-US" altLang="zh-CN" dirty="0"/>
+              <a:t>m</a:t>
+            </a:r>
+            <a:r>
+              <a:rPr lang="zh-CN" altLang="zh-CN" dirty="0"/>
+              <a:t>个特征图，经过</a:t>
+            </a:r>
+            <a:r>
+              <a:rPr lang="en-US" altLang="zh-CN" dirty="0"/>
+              <a:t>transition layers</a:t>
+            </a:r>
+            <a:r>
+              <a:rPr lang="zh-CN" altLang="zh-CN" dirty="0"/>
+              <a:t>产生</a:t>
+            </a:r>
+            <a:r>
+              <a:rPr lang="en-US" altLang="zh-CN" dirty="0" err="1"/>
+              <a:t>θm</a:t>
+            </a:r>
+            <a:r>
+              <a:rPr lang="zh-CN" altLang="zh-CN" dirty="0"/>
+              <a:t>个输出。将</a:t>
+            </a:r>
+            <a:r>
+              <a:rPr lang="en-US" altLang="zh-CN" dirty="0"/>
+              <a:t>θ&lt;1</a:t>
+            </a:r>
+            <a:r>
+              <a:rPr lang="zh-CN" altLang="zh-CN" dirty="0"/>
+              <a:t>的</a:t>
+            </a:r>
+            <a:r>
+              <a:rPr lang="en-US" altLang="zh-CN" dirty="0" err="1"/>
+              <a:t>DenseNet</a:t>
+            </a:r>
+            <a:r>
+              <a:rPr lang="zh-CN" altLang="zh-CN" dirty="0"/>
+              <a:t>称为</a:t>
+            </a:r>
+            <a:r>
+              <a:rPr lang="en-US" altLang="zh-CN" dirty="0" err="1"/>
+              <a:t>DenseNet</a:t>
+            </a:r>
+            <a:r>
+              <a:rPr lang="en-US" altLang="zh-CN" dirty="0"/>
+              <a:t>-C</a:t>
+            </a:r>
+            <a:r>
+              <a:rPr lang="zh-CN" altLang="zh-CN" dirty="0"/>
+              <a:t>，如果同时使用</a:t>
+            </a:r>
+            <a:r>
+              <a:rPr lang="en-US" altLang="zh-CN" dirty="0"/>
+              <a:t>bottleneck </a:t>
+            </a:r>
+            <a:r>
+              <a:rPr lang="zh-CN" altLang="zh-CN" dirty="0"/>
+              <a:t>和</a:t>
+            </a:r>
+            <a:r>
+              <a:rPr lang="en-US" altLang="zh-CN" dirty="0"/>
+              <a:t>θ &lt; 1 </a:t>
+            </a:r>
+            <a:r>
+              <a:rPr lang="zh-CN" altLang="zh-CN" dirty="0"/>
+              <a:t>，称为</a:t>
+            </a:r>
+            <a:r>
+              <a:rPr lang="en-US" altLang="zh-CN" dirty="0" err="1"/>
+              <a:t>DenseNet</a:t>
+            </a:r>
+            <a:r>
+              <a:rPr lang="en-US" altLang="zh-CN" dirty="0"/>
+              <a:t>-BC.</a:t>
+            </a:r>
+            <a:endParaRPr lang="zh-CN" altLang="zh-CN" dirty="0"/>
+          </a:p>
+          <a:p>
+            <a:endParaRPr lang="zh-CN" altLang="en-US" dirty="0"/>
+          </a:p>
+          <a:p>
+            <a:pPr marL="0" marR="0" lvl="0" indent="0" algn="l" defTabSz="914400" rtl="0" eaLnBrk="1" fontAlgn="auto" latinLnBrk="0" hangingPunct="1">
+              <a:lnSpc>
+                <a:spcPct val="100000"/>
+              </a:lnSpc>
+              <a:spcBef>
+                <a:spcPts val="0"/>
+              </a:spcBef>
+              <a:spcAft>
+                <a:spcPts val="0"/>
+              </a:spcAft>
+              <a:buClrTx/>
+              <a:buSzTx/>
+              <a:buFontTx/>
+              <a:buNone/>
+              <a:tabLst/>
+              <a:defRPr/>
+            </a:pPr>
+            <a:endParaRPr lang="zh-CN" altLang="zh-CN" dirty="0"/>
+          </a:p>
+          <a:p>
+            <a:endParaRPr lang="zh-CN" altLang="en-US" dirty="0"/>
+          </a:p>
+          <a:p>
+            <a:endParaRPr lang="zh-CN" altLang="en-US" dirty="0"/>
+          </a:p>
+        </p:txBody>
+      </p:sp>
+      <p:sp>
+        <p:nvSpPr>
+          <p:cNvPr id="4" name="灯片编号占位符 3"/>
+          <p:cNvSpPr>
+            <a:spLocks noGrp="1"/>
+          </p:cNvSpPr>
+          <p:nvPr>
+            <p:ph type="sldNum" sz="quarter" idx="5"/>
+          </p:nvPr>
+        </p:nvSpPr>
+        <p:spPr/>
+        <p:txBody>
+          <a:bodyPr/>
+          <a:lstStyle/>
+          <a:p>
+            <a:fld id="{9D43EA00-B718-4ADE-AC24-1709D54B376C}" type="slidenum">
+              <a:rPr lang="zh-CN" altLang="en-US" smtClean="0"/>
+              <a:t>21</a:t>
+            </a:fld>
+            <a:endParaRPr lang="zh-CN" altLang="en-US"/>
+          </a:p>
+        </p:txBody>
+      </p:sp>
+    </p:spTree>
+    <p:extLst>
+      <p:ext uri="{BB962C8B-B14F-4D97-AF65-F5344CB8AC3E}">
+        <p14:creationId xmlns:p14="http://schemas.microsoft.com/office/powerpoint/2010/main" val="3728962325"/>
+      </p:ext>
+    </p:extLst>
+  </p:cSld>
+  <p:clrMapOvr>
+    <a:masterClrMapping/>
+  </p:clrMapOvr>
+</p:notes>
+</file>
+
+<file path=ppt/notesSlides/notesSlide15.xml><?xml version="1.0" encoding="utf-8"?>
+<p:notes xmlns:a="http://schemas.openxmlformats.org/drawingml/2006/main" xmlns:r="http://schemas.openxmlformats.org/officeDocument/2006/relationships" xmlns:p="http://schemas.openxmlformats.org/presentationml/2006/main">
+  <p:cSld>
+    <p:spTree>
+      <p:nvGrpSpPr>
+        <p:cNvPr id="1" name=""/>
+        <p:cNvGrpSpPr/>
+        <p:nvPr/>
+      </p:nvGrpSpPr>
+      <p:grpSpPr>
+        <a:xfrm>
+          <a:off x="0" y="0"/>
+          <a:ext cx="0" cy="0"/>
+          <a:chOff x="0" y="0"/>
+          <a:chExt cx="0" cy="0"/>
+        </a:xfrm>
+      </p:grpSpPr>
+      <p:sp>
+        <p:nvSpPr>
+          <p:cNvPr id="2" name="幻灯片图像占位符 1"/>
+          <p:cNvSpPr>
+            <a:spLocks noGrp="1" noRot="1" noChangeAspect="1"/>
+          </p:cNvSpPr>
+          <p:nvPr>
+            <p:ph type="sldImg"/>
+          </p:nvPr>
+        </p:nvSpPr>
+        <p:spPr/>
+      </p:sp>
+      <p:sp>
+        <p:nvSpPr>
+          <p:cNvPr id="3" name="备注占位符 2"/>
+          <p:cNvSpPr>
+            <a:spLocks noGrp="1"/>
+          </p:cNvSpPr>
+          <p:nvPr>
+            <p:ph type="body" idx="1"/>
+          </p:nvPr>
+        </p:nvSpPr>
+        <p:spPr/>
+        <p:txBody>
+          <a:bodyPr/>
+          <a:lstStyle/>
+          <a:p>
+            <a:pPr marL="0" marR="0" lvl="0" indent="0" algn="l" defTabSz="914400" rtl="0" eaLnBrk="1" fontAlgn="auto" latinLnBrk="0" hangingPunct="1">
+              <a:lnSpc>
+                <a:spcPct val="150000"/>
+              </a:lnSpc>
+              <a:spcBef>
+                <a:spcPts val="0"/>
+              </a:spcBef>
+              <a:spcAft>
+                <a:spcPts val="0"/>
+              </a:spcAft>
+              <a:buClrTx/>
+              <a:buSzTx/>
+              <a:buFontTx/>
+              <a:buNone/>
+              <a:tabLst/>
+              <a:defRPr/>
+            </a:pPr>
+            <a:r>
+              <a:rPr lang="zh-CN" altLang="en-US" sz="1200" dirty="0"/>
+              <a:t>上图是一个包含五层的</a:t>
+            </a:r>
+            <a:r>
+              <a:rPr lang="en-US" altLang="zh-CN" sz="1200" dirty="0"/>
+              <a:t>Dense Block</a:t>
+            </a:r>
+            <a:r>
+              <a:rPr lang="zh-CN" altLang="en-US" sz="1200" dirty="0"/>
+              <a:t>，层与层之间的激励函数即</a:t>
+            </a:r>
+            <a:r>
+              <a:rPr lang="en-US" altLang="zh-CN" sz="1200" dirty="0"/>
+              <a:t>Hl</a:t>
+            </a:r>
+            <a:r>
+              <a:rPr lang="zh-CN" altLang="en-US" sz="1200" dirty="0"/>
+              <a:t>为</a:t>
+            </a:r>
+            <a:r>
+              <a:rPr lang="en-US" altLang="zh-CN" sz="1200" dirty="0"/>
+              <a:t>BN-</a:t>
+            </a:r>
+            <a:r>
+              <a:rPr lang="en-US" altLang="zh-CN" sz="1200" dirty="0" err="1"/>
+              <a:t>ReLU</a:t>
+            </a:r>
+            <a:r>
+              <a:rPr lang="en-US" altLang="zh-CN" sz="1200" dirty="0"/>
+              <a:t>-Conv(3x3)</a:t>
+            </a:r>
+            <a:r>
+              <a:rPr lang="zh-CN" altLang="en-US" sz="1200" dirty="0"/>
+              <a:t>的结构</a:t>
+            </a:r>
+            <a:endParaRPr lang="en-US" altLang="zh-CN" sz="1200" dirty="0"/>
+          </a:p>
+          <a:p>
+            <a:pPr>
+              <a:lnSpc>
+                <a:spcPct val="150000"/>
+              </a:lnSpc>
+            </a:pPr>
+            <a:endParaRPr lang="en-US" altLang="zh-CN" dirty="0"/>
+          </a:p>
+          <a:p>
+            <a:pPr>
+              <a:lnSpc>
+                <a:spcPct val="150000"/>
+              </a:lnSpc>
+            </a:pPr>
+            <a:r>
+              <a:rPr lang="zh-CN" altLang="zh-CN" dirty="0"/>
+              <a:t>保证网络中层间最大的信息流，将每个层都直接的连在一起。</a:t>
+            </a:r>
+          </a:p>
+          <a:p>
+            <a:pPr>
+              <a:lnSpc>
+                <a:spcPct val="150000"/>
+              </a:lnSpc>
+            </a:pPr>
+            <a:r>
+              <a:rPr lang="zh-CN" altLang="zh-CN" dirty="0"/>
+              <a:t>每层都获得了额外的来自之前所有层的输入，并且把自己的特征图传给所有的下面的层</a:t>
+            </a:r>
+            <a:r>
+              <a:rPr lang="zh-CN" altLang="en-US" dirty="0"/>
+              <a:t>。</a:t>
+            </a:r>
+            <a:endParaRPr lang="zh-CN" altLang="zh-CN" dirty="0"/>
+          </a:p>
+          <a:p>
+            <a:pPr>
+              <a:lnSpc>
+                <a:spcPct val="150000"/>
+              </a:lnSpc>
+            </a:pPr>
+            <a:endParaRPr lang="en-US" altLang="zh-CN" dirty="0"/>
+          </a:p>
+          <a:p>
+            <a:pPr>
+              <a:lnSpc>
+                <a:spcPct val="100000"/>
+              </a:lnSpc>
+            </a:pPr>
+            <a:r>
+              <a:rPr lang="en-US" altLang="zh-CN" sz="1200" dirty="0"/>
+              <a:t>bottleneck layer</a:t>
+            </a:r>
+            <a:r>
+              <a:rPr lang="zh-CN" altLang="en-US" sz="1200" dirty="0"/>
+              <a:t>：每个</a:t>
+            </a:r>
+            <a:r>
+              <a:rPr lang="en-US" altLang="zh-CN" sz="1200" dirty="0"/>
+              <a:t>dense block</a:t>
+            </a:r>
+            <a:r>
+              <a:rPr lang="zh-CN" altLang="en-US" sz="1200" dirty="0"/>
+              <a:t>的</a:t>
+            </a:r>
+            <a:r>
+              <a:rPr lang="en-US" altLang="zh-CN" sz="1200" dirty="0"/>
+              <a:t>3×3</a:t>
+            </a:r>
+            <a:r>
+              <a:rPr lang="zh-CN" altLang="en-US" sz="1200" dirty="0"/>
+              <a:t>卷积前面都包含了一个</a:t>
+            </a:r>
+            <a:r>
+              <a:rPr lang="en-US" altLang="zh-CN" sz="1200" dirty="0"/>
+              <a:t>1×1</a:t>
+            </a:r>
+            <a:r>
+              <a:rPr lang="zh-CN" altLang="en-US" sz="1200" dirty="0"/>
+              <a:t>的卷积操作，就是</a:t>
+            </a:r>
+            <a:r>
+              <a:rPr lang="en-US" altLang="zh-CN" sz="1200" dirty="0"/>
+              <a:t>bottleneck </a:t>
+            </a:r>
+            <a:r>
+              <a:rPr lang="zh-CN" altLang="en-US" sz="1200" dirty="0"/>
+              <a:t>层，目的是减少输入的</a:t>
+            </a:r>
+            <a:r>
+              <a:rPr lang="en-US" altLang="zh-CN" sz="1200" dirty="0"/>
+              <a:t>feature map</a:t>
+            </a:r>
+            <a:r>
+              <a:rPr lang="zh-CN" altLang="en-US" sz="1200" dirty="0"/>
+              <a:t>数量，将</a:t>
+            </a:r>
+            <a:r>
+              <a:rPr lang="en-US" altLang="zh-CN" sz="1200" dirty="0"/>
+              <a:t>Hl</a:t>
+            </a:r>
+            <a:r>
+              <a:rPr lang="zh-CN" altLang="en-US" sz="1200" dirty="0"/>
+              <a:t>改为</a:t>
+            </a:r>
+            <a:r>
+              <a:rPr lang="en-US" altLang="zh-CN" sz="1200" dirty="0"/>
+              <a:t>BN-</a:t>
+            </a:r>
+            <a:r>
+              <a:rPr lang="en-US" altLang="zh-CN" sz="1200" dirty="0" err="1"/>
+              <a:t>ReLU</a:t>
+            </a:r>
+            <a:r>
+              <a:rPr lang="en-US" altLang="zh-CN" sz="1200" dirty="0"/>
+              <a:t>-Conv(1x1)-BN-</a:t>
+            </a:r>
+            <a:r>
+              <a:rPr lang="en-US" altLang="zh-CN" sz="1200" dirty="0" err="1"/>
+              <a:t>ReLU</a:t>
+            </a:r>
+            <a:r>
+              <a:rPr lang="en-US" altLang="zh-CN" sz="1200" dirty="0"/>
+              <a:t>-Conv(3x3)</a:t>
+            </a:r>
+            <a:r>
+              <a:rPr lang="zh-CN" altLang="en-US" sz="1200" dirty="0"/>
+              <a:t>的结构，记为</a:t>
+            </a:r>
+            <a:r>
+              <a:rPr lang="en-US" altLang="zh-CN" sz="1200" dirty="0" err="1"/>
+              <a:t>DenseNet</a:t>
+            </a:r>
+            <a:r>
+              <a:rPr lang="en-US" altLang="zh-CN" sz="1200" dirty="0"/>
+              <a:t>-B </a:t>
+            </a:r>
+            <a:endParaRPr lang="zh-CN" altLang="en-US" sz="1200" dirty="0"/>
+          </a:p>
+          <a:p>
+            <a:pPr>
+              <a:lnSpc>
+                <a:spcPct val="150000"/>
+              </a:lnSpc>
+            </a:pPr>
+            <a:endParaRPr lang="zh-CN" altLang="en-US" dirty="0"/>
+          </a:p>
+          <a:p>
+            <a:endParaRPr lang="zh-CN" altLang="en-US" dirty="0"/>
+          </a:p>
+        </p:txBody>
+      </p:sp>
+      <p:sp>
+        <p:nvSpPr>
+          <p:cNvPr id="4" name="灯片编号占位符 3"/>
+          <p:cNvSpPr>
+            <a:spLocks noGrp="1"/>
+          </p:cNvSpPr>
+          <p:nvPr>
+            <p:ph type="sldNum" sz="quarter" idx="5"/>
+          </p:nvPr>
+        </p:nvSpPr>
+        <p:spPr/>
+        <p:txBody>
+          <a:bodyPr/>
+          <a:lstStyle/>
+          <a:p>
+            <a:fld id="{9D43EA00-B718-4ADE-AC24-1709D54B376C}" type="slidenum">
+              <a:rPr lang="zh-CN" altLang="en-US" smtClean="0"/>
+              <a:t>22</a:t>
+            </a:fld>
+            <a:endParaRPr lang="zh-CN" altLang="en-US"/>
+          </a:p>
+        </p:txBody>
+      </p:sp>
+    </p:spTree>
+    <p:extLst>
+      <p:ext uri="{BB962C8B-B14F-4D97-AF65-F5344CB8AC3E}">
+        <p14:creationId xmlns:p14="http://schemas.microsoft.com/office/powerpoint/2010/main" val="516118437"/>
+      </p:ext>
+    </p:extLst>
+  </p:cSld>
+  <p:clrMapOvr>
+    <a:masterClrMapping/>
+  </p:clrMapOvr>
+</p:notes>
+</file>
+
 <file path=ppt/notesSlides/notesSlide2.xml><?xml version="1.0" encoding="utf-8"?>
 <p:notes xmlns:a="http://schemas.openxmlformats.org/drawingml/2006/main" xmlns:r="http://schemas.openxmlformats.org/officeDocument/2006/relationships" xmlns:p="http://schemas.openxmlformats.org/presentationml/2006/main">
   <p:cSld>
@@ -3831,7 +5454,7 @@
           <a:p>
             <a:fld id="{CB1D299A-6B22-4BCA-929F-609FF49119CF}" type="datetimeFigureOut">
               <a:rPr lang="zh-CN" altLang="en-US" smtClean="0"/>
-              <a:t>2018/10/13</a:t>
+              <a:t>2018/10/14</a:t>
             </a:fld>
             <a:endParaRPr lang="zh-CN" altLang="en-US"/>
           </a:p>
@@ -4029,7 +5652,7 @@
           <a:p>
             <a:fld id="{CB1D299A-6B22-4BCA-929F-609FF49119CF}" type="datetimeFigureOut">
               <a:rPr lang="zh-CN" altLang="en-US" smtClean="0"/>
-              <a:t>2018/10/13</a:t>
+              <a:t>2018/10/14</a:t>
             </a:fld>
             <a:endParaRPr lang="zh-CN" altLang="en-US"/>
           </a:p>
@@ -4237,7 +5860,7 @@
           <a:p>
             <a:fld id="{CB1D299A-6B22-4BCA-929F-609FF49119CF}" type="datetimeFigureOut">
               <a:rPr lang="zh-CN" altLang="en-US" smtClean="0"/>
-              <a:t>2018/10/13</a:t>
+              <a:t>2018/10/14</a:t>
             </a:fld>
             <a:endParaRPr lang="zh-CN" altLang="en-US"/>
           </a:p>
@@ -4435,7 +6058,7 @@
           <a:p>
             <a:fld id="{CB1D299A-6B22-4BCA-929F-609FF49119CF}" type="datetimeFigureOut">
               <a:rPr lang="zh-CN" altLang="en-US" smtClean="0"/>
-              <a:t>2018/10/13</a:t>
+              <a:t>2018/10/14</a:t>
             </a:fld>
             <a:endParaRPr lang="zh-CN" altLang="en-US"/>
           </a:p>
@@ -4710,7 +6333,7 @@
           <a:p>
             <a:fld id="{CB1D299A-6B22-4BCA-929F-609FF49119CF}" type="datetimeFigureOut">
               <a:rPr lang="zh-CN" altLang="en-US" smtClean="0"/>
-              <a:t>2018/10/13</a:t>
+              <a:t>2018/10/14</a:t>
             </a:fld>
             <a:endParaRPr lang="zh-CN" altLang="en-US"/>
           </a:p>
@@ -4975,7 +6598,7 @@
           <a:p>
             <a:fld id="{CB1D299A-6B22-4BCA-929F-609FF49119CF}" type="datetimeFigureOut">
               <a:rPr lang="zh-CN" altLang="en-US" smtClean="0"/>
-              <a:t>2018/10/13</a:t>
+              <a:t>2018/10/14</a:t>
             </a:fld>
             <a:endParaRPr lang="zh-CN" altLang="en-US"/>
           </a:p>
@@ -5387,7 +7010,7 @@
           <a:p>
             <a:fld id="{CB1D299A-6B22-4BCA-929F-609FF49119CF}" type="datetimeFigureOut">
               <a:rPr lang="zh-CN" altLang="en-US" smtClean="0"/>
-              <a:t>2018/10/13</a:t>
+              <a:t>2018/10/14</a:t>
             </a:fld>
             <a:endParaRPr lang="zh-CN" altLang="en-US"/>
           </a:p>
@@ -5528,7 +7151,7 @@
           <a:p>
             <a:fld id="{CB1D299A-6B22-4BCA-929F-609FF49119CF}" type="datetimeFigureOut">
               <a:rPr lang="zh-CN" altLang="en-US" smtClean="0"/>
-              <a:t>2018/10/13</a:t>
+              <a:t>2018/10/14</a:t>
             </a:fld>
             <a:endParaRPr lang="zh-CN" altLang="en-US"/>
           </a:p>
@@ -5641,7 +7264,7 @@
           <a:p>
             <a:fld id="{CB1D299A-6B22-4BCA-929F-609FF49119CF}" type="datetimeFigureOut">
               <a:rPr lang="zh-CN" altLang="en-US" smtClean="0"/>
-              <a:t>2018/10/13</a:t>
+              <a:t>2018/10/14</a:t>
             </a:fld>
             <a:endParaRPr lang="zh-CN" altLang="en-US"/>
           </a:p>
@@ -5952,7 +7575,7 @@
           <a:p>
             <a:fld id="{CB1D299A-6B22-4BCA-929F-609FF49119CF}" type="datetimeFigureOut">
               <a:rPr lang="zh-CN" altLang="en-US" smtClean="0"/>
-              <a:t>2018/10/13</a:t>
+              <a:t>2018/10/14</a:t>
             </a:fld>
             <a:endParaRPr lang="zh-CN" altLang="en-US"/>
           </a:p>
@@ -6240,7 +7863,7 @@
           <a:p>
             <a:fld id="{CB1D299A-6B22-4BCA-929F-609FF49119CF}" type="datetimeFigureOut">
               <a:rPr lang="zh-CN" altLang="en-US" smtClean="0"/>
-              <a:t>2018/10/13</a:t>
+              <a:t>2018/10/14</a:t>
             </a:fld>
             <a:endParaRPr lang="zh-CN" altLang="en-US"/>
           </a:p>
@@ -6481,7 +8104,7 @@
           <a:p>
             <a:fld id="{CB1D299A-6B22-4BCA-929F-609FF49119CF}" type="datetimeFigureOut">
               <a:rPr lang="zh-CN" altLang="en-US" smtClean="0"/>
-              <a:t>2018/10/13</a:t>
+              <a:t>2018/10/14</a:t>
             </a:fld>
             <a:endParaRPr lang="zh-CN" altLang="en-US"/>
           </a:p>
@@ -7714,6 +9337,817 @@
 </p:sld>
 </file>
 
+<file path=ppt/slides/slide16.xml><?xml version="1.0" encoding="utf-8"?>
+<p:sld xmlns:a="http://schemas.openxmlformats.org/drawingml/2006/main" xmlns:r="http://schemas.openxmlformats.org/officeDocument/2006/relationships" xmlns:p="http://schemas.openxmlformats.org/presentationml/2006/main">
+  <p:cSld>
+    <p:spTree>
+      <p:nvGrpSpPr>
+        <p:cNvPr id="1" name=""/>
+        <p:cNvGrpSpPr/>
+        <p:nvPr/>
+      </p:nvGrpSpPr>
+      <p:grpSpPr>
+        <a:xfrm>
+          <a:off x="0" y="0"/>
+          <a:ext cx="0" cy="0"/>
+          <a:chOff x="0" y="0"/>
+          <a:chExt cx="0" cy="0"/>
+        </a:xfrm>
+      </p:grpSpPr>
+      <p:sp>
+        <p:nvSpPr>
+          <p:cNvPr id="3" name="内容占位符 2">
+            <a:extLst>
+              <a:ext uri="{FF2B5EF4-FFF2-40B4-BE49-F238E27FC236}">
+                <a16:creationId xmlns:a16="http://schemas.microsoft.com/office/drawing/2014/main" id="{BCF73969-26D5-4F50-A818-209F00AE48AF}"/>
+              </a:ext>
+            </a:extLst>
+          </p:cNvPr>
+          <p:cNvSpPr>
+            <a:spLocks noGrp="1"/>
+          </p:cNvSpPr>
+          <p:nvPr>
+            <p:ph idx="1"/>
+          </p:nvPr>
+        </p:nvSpPr>
+        <p:spPr>
+          <a:xfrm>
+            <a:off x="2641600" y="2917825"/>
+            <a:ext cx="6908800" cy="511175"/>
+          </a:xfrm>
+        </p:spPr>
+        <p:txBody>
+          <a:bodyPr/>
+          <a:lstStyle/>
+          <a:p>
+            <a:pPr marL="0" indent="0">
+              <a:buNone/>
+            </a:pPr>
+            <a:r>
+              <a:rPr lang="en-US" altLang="zh-CN" dirty="0"/>
+              <a:t>Densely Connected Convolutional Networks</a:t>
+            </a:r>
+            <a:endParaRPr lang="zh-CN" altLang="en-US" dirty="0"/>
+          </a:p>
+        </p:txBody>
+      </p:sp>
+    </p:spTree>
+    <p:extLst>
+      <p:ext uri="{BB962C8B-B14F-4D97-AF65-F5344CB8AC3E}">
+        <p14:creationId xmlns:p14="http://schemas.microsoft.com/office/powerpoint/2010/main" val="2026281871"/>
+      </p:ext>
+    </p:extLst>
+  </p:cSld>
+  <p:clrMapOvr>
+    <a:masterClrMapping/>
+  </p:clrMapOvr>
+</p:sld>
+</file>
+
+<file path=ppt/slides/slide17.xml><?xml version="1.0" encoding="utf-8"?>
+<p:sld xmlns:a="http://schemas.openxmlformats.org/drawingml/2006/main" xmlns:r="http://schemas.openxmlformats.org/officeDocument/2006/relationships" xmlns:p="http://schemas.openxmlformats.org/presentationml/2006/main">
+  <p:cSld>
+    <p:spTree>
+      <p:nvGrpSpPr>
+        <p:cNvPr id="1" name=""/>
+        <p:cNvGrpSpPr/>
+        <p:nvPr/>
+      </p:nvGrpSpPr>
+      <p:grpSpPr>
+        <a:xfrm>
+          <a:off x="0" y="0"/>
+          <a:ext cx="0" cy="0"/>
+          <a:chOff x="0" y="0"/>
+          <a:chExt cx="0" cy="0"/>
+        </a:xfrm>
+      </p:grpSpPr>
+      <p:sp>
+        <p:nvSpPr>
+          <p:cNvPr id="2" name="标题 1">
+            <a:extLst>
+              <a:ext uri="{FF2B5EF4-FFF2-40B4-BE49-F238E27FC236}">
+                <a16:creationId xmlns:a16="http://schemas.microsoft.com/office/drawing/2014/main" id="{40D805EA-6A3C-41A7-B01A-7A610E9A3049}"/>
+              </a:ext>
+            </a:extLst>
+          </p:cNvPr>
+          <p:cNvSpPr>
+            <a:spLocks noGrp="1"/>
+          </p:cNvSpPr>
+          <p:nvPr>
+            <p:ph type="title"/>
+          </p:nvPr>
+        </p:nvSpPr>
+        <p:spPr/>
+        <p:txBody>
+          <a:bodyPr/>
+          <a:lstStyle/>
+          <a:p>
+            <a:r>
+              <a:rPr lang="zh-CN" altLang="en-US" dirty="0"/>
+              <a:t>简介</a:t>
+            </a:r>
+          </a:p>
+        </p:txBody>
+      </p:sp>
+      <p:sp>
+        <p:nvSpPr>
+          <p:cNvPr id="3" name="内容占位符 2">
+            <a:extLst>
+              <a:ext uri="{FF2B5EF4-FFF2-40B4-BE49-F238E27FC236}">
+                <a16:creationId xmlns:a16="http://schemas.microsoft.com/office/drawing/2014/main" id="{73E2CF32-CB76-4E3A-87CA-7F92F879D517}"/>
+              </a:ext>
+            </a:extLst>
+          </p:cNvPr>
+          <p:cNvSpPr>
+            <a:spLocks noGrp="1"/>
+          </p:cNvSpPr>
+          <p:nvPr>
+            <p:ph idx="1"/>
+          </p:nvPr>
+        </p:nvSpPr>
+        <p:spPr/>
+        <p:txBody>
+          <a:bodyPr>
+            <a:normAutofit fontScale="85000" lnSpcReduction="20000"/>
+          </a:bodyPr>
+          <a:lstStyle/>
+          <a:p>
+            <a:pPr>
+              <a:lnSpc>
+                <a:spcPct val="170000"/>
+              </a:lnSpc>
+            </a:pPr>
+            <a:r>
+              <a:rPr lang="zh-CN" altLang="zh-CN" dirty="0"/>
+              <a:t>最近的工作表明，如果卷积网络在靠近输入的层和靠近输出的层之间包含较短的连接，则卷积网络可以更深，更准确，并且更有效。</a:t>
+            </a:r>
+            <a:endParaRPr lang="en-US" altLang="zh-CN" dirty="0"/>
+          </a:p>
+          <a:p>
+            <a:pPr>
+              <a:lnSpc>
+                <a:spcPct val="170000"/>
+              </a:lnSpc>
+            </a:pPr>
+            <a:r>
+              <a:rPr lang="zh-CN" altLang="zh-CN" dirty="0"/>
+              <a:t>本文介绍了密集卷积网络（</a:t>
+            </a:r>
+            <a:r>
+              <a:rPr lang="en-US" altLang="zh-CN" dirty="0" err="1"/>
+              <a:t>DenseNet</a:t>
+            </a:r>
+            <a:r>
+              <a:rPr lang="zh-CN" altLang="zh-CN" dirty="0"/>
+              <a:t>），它以前馈的方式将每一层连接到每一层。对于每个图层，所有在前图层的</a:t>
+            </a:r>
+            <a:r>
+              <a:rPr lang="zh-CN" altLang="en-US" dirty="0"/>
+              <a:t>特征图</a:t>
+            </a:r>
+            <a:r>
+              <a:rPr lang="zh-CN" altLang="zh-CN" dirty="0"/>
+              <a:t>用作输入，其自身的</a:t>
+            </a:r>
+            <a:r>
+              <a:rPr lang="zh-CN" altLang="en-US" dirty="0"/>
+              <a:t>特征图</a:t>
+            </a:r>
+            <a:r>
+              <a:rPr lang="zh-CN" altLang="zh-CN" dirty="0"/>
+              <a:t>用作所有后续图层的输入。</a:t>
+            </a:r>
+            <a:endParaRPr lang="en-US" altLang="zh-CN" dirty="0"/>
+          </a:p>
+          <a:p>
+            <a:pPr>
+              <a:lnSpc>
+                <a:spcPct val="170000"/>
+              </a:lnSpc>
+            </a:pPr>
+            <a:r>
+              <a:rPr lang="en-US" altLang="zh-CN" dirty="0"/>
+              <a:t> </a:t>
+            </a:r>
+            <a:r>
+              <a:rPr lang="en-US" altLang="zh-CN" dirty="0" err="1"/>
+              <a:t>DenseNets</a:t>
+            </a:r>
+            <a:r>
+              <a:rPr lang="zh-CN" altLang="zh-CN" dirty="0"/>
+              <a:t>具有几个引人注目的优点：它们可以缓解消失梯度问题，加强特征传播，并大幅减少参数数量。</a:t>
+            </a:r>
+          </a:p>
+          <a:p>
+            <a:pPr>
+              <a:lnSpc>
+                <a:spcPct val="170000"/>
+              </a:lnSpc>
+            </a:pPr>
+            <a:endParaRPr lang="zh-CN" altLang="en-US" dirty="0"/>
+          </a:p>
+        </p:txBody>
+      </p:sp>
+    </p:spTree>
+    <p:extLst>
+      <p:ext uri="{BB962C8B-B14F-4D97-AF65-F5344CB8AC3E}">
+        <p14:creationId xmlns:p14="http://schemas.microsoft.com/office/powerpoint/2010/main" val="3970373844"/>
+      </p:ext>
+    </p:extLst>
+  </p:cSld>
+  <p:clrMapOvr>
+    <a:masterClrMapping/>
+  </p:clrMapOvr>
+</p:sld>
+</file>
+
+<file path=ppt/slides/slide18.xml><?xml version="1.0" encoding="utf-8"?>
+<p:sld xmlns:a="http://schemas.openxmlformats.org/drawingml/2006/main" xmlns:r="http://schemas.openxmlformats.org/officeDocument/2006/relationships" xmlns:p="http://schemas.openxmlformats.org/presentationml/2006/main">
+  <p:cSld>
+    <p:spTree>
+      <p:nvGrpSpPr>
+        <p:cNvPr id="1" name=""/>
+        <p:cNvGrpSpPr/>
+        <p:nvPr/>
+      </p:nvGrpSpPr>
+      <p:grpSpPr>
+        <a:xfrm>
+          <a:off x="0" y="0"/>
+          <a:ext cx="0" cy="0"/>
+          <a:chOff x="0" y="0"/>
+          <a:chExt cx="0" cy="0"/>
+        </a:xfrm>
+      </p:grpSpPr>
+      <p:sp>
+        <p:nvSpPr>
+          <p:cNvPr id="2" name="标题 1">
+            <a:extLst>
+              <a:ext uri="{FF2B5EF4-FFF2-40B4-BE49-F238E27FC236}">
+                <a16:creationId xmlns:a16="http://schemas.microsoft.com/office/drawing/2014/main" id="{C17B3800-E761-4996-9893-8AE753F5BA25}"/>
+              </a:ext>
+            </a:extLst>
+          </p:cNvPr>
+          <p:cNvSpPr>
+            <a:spLocks noGrp="1"/>
+          </p:cNvSpPr>
+          <p:nvPr>
+            <p:ph type="title"/>
+          </p:nvPr>
+        </p:nvSpPr>
+        <p:spPr/>
+        <p:txBody>
+          <a:bodyPr/>
+          <a:lstStyle/>
+          <a:p>
+            <a:r>
+              <a:rPr lang="zh-CN" altLang="en-US" dirty="0"/>
+              <a:t>特点</a:t>
+            </a:r>
+          </a:p>
+        </p:txBody>
+      </p:sp>
+      <p:sp>
+        <p:nvSpPr>
+          <p:cNvPr id="3" name="内容占位符 2">
+            <a:extLst>
+              <a:ext uri="{FF2B5EF4-FFF2-40B4-BE49-F238E27FC236}">
+                <a16:creationId xmlns:a16="http://schemas.microsoft.com/office/drawing/2014/main" id="{335AF711-EC88-4AC5-9480-68B58ACD40A4}"/>
+              </a:ext>
+            </a:extLst>
+          </p:cNvPr>
+          <p:cNvSpPr>
+            <a:spLocks noGrp="1"/>
+          </p:cNvSpPr>
+          <p:nvPr>
+            <p:ph idx="1"/>
+          </p:nvPr>
+        </p:nvSpPr>
+        <p:spPr/>
+        <p:txBody>
+          <a:bodyPr>
+            <a:normAutofit fontScale="85000" lnSpcReduction="20000"/>
+          </a:bodyPr>
+          <a:lstStyle/>
+          <a:p>
+            <a:pPr>
+              <a:lnSpc>
+                <a:spcPct val="150000"/>
+              </a:lnSpc>
+            </a:pPr>
+            <a:r>
+              <a:rPr lang="zh-CN" altLang="zh-CN" dirty="0"/>
+              <a:t>保证网络中层间最大的信息流，将每个层都直接的连在一起。</a:t>
+            </a:r>
+          </a:p>
+          <a:p>
+            <a:pPr>
+              <a:lnSpc>
+                <a:spcPct val="150000"/>
+              </a:lnSpc>
+            </a:pPr>
+            <a:r>
+              <a:rPr lang="zh-CN" altLang="zh-CN" dirty="0"/>
+              <a:t>每层都获得了额外的来自之前所有层的输入，并且把自己的特征图传给所有的下面的层</a:t>
+            </a:r>
+            <a:r>
+              <a:rPr lang="zh-CN" altLang="en-US" dirty="0"/>
+              <a:t>。</a:t>
+            </a:r>
+            <a:endParaRPr lang="zh-CN" altLang="zh-CN" dirty="0"/>
+          </a:p>
+          <a:p>
+            <a:pPr>
+              <a:lnSpc>
+                <a:spcPct val="150000"/>
+              </a:lnSpc>
+            </a:pPr>
+            <a:r>
+              <a:rPr lang="en-US" altLang="zh-CN" dirty="0" err="1"/>
+              <a:t>ResNet</a:t>
+            </a:r>
+            <a:r>
+              <a:rPr lang="zh-CN" altLang="en-US" dirty="0"/>
+              <a:t>通过相加</a:t>
+            </a:r>
+            <a:r>
+              <a:rPr lang="en-US" altLang="zh-CN" dirty="0"/>
+              <a:t>(summation)</a:t>
+            </a:r>
+            <a:r>
+              <a:rPr lang="zh-CN" altLang="en-US" dirty="0"/>
+              <a:t>来结合特征</a:t>
+            </a:r>
+            <a:r>
+              <a:rPr lang="zh-CN" altLang="zh-CN" dirty="0"/>
+              <a:t>，我们通过连接</a:t>
+            </a:r>
+            <a:r>
+              <a:rPr lang="en-US" altLang="zh-CN" dirty="0"/>
+              <a:t>(concatenate)</a:t>
+            </a:r>
+            <a:r>
+              <a:rPr lang="zh-CN" altLang="zh-CN" dirty="0"/>
+              <a:t>来结合特征。第</a:t>
+            </a:r>
+            <a:r>
+              <a:rPr lang="en-US" altLang="zh-CN" dirty="0"/>
+              <a:t>l</a:t>
+            </a:r>
+            <a:r>
+              <a:rPr lang="zh-CN" altLang="zh-CN" dirty="0"/>
+              <a:t>层有</a:t>
+            </a:r>
+            <a:r>
+              <a:rPr lang="en-US" altLang="zh-CN" dirty="0"/>
+              <a:t>l</a:t>
+            </a:r>
+            <a:r>
+              <a:rPr lang="zh-CN" altLang="zh-CN" dirty="0"/>
+              <a:t>个输入，包含所有之前的卷积</a:t>
+            </a:r>
+            <a:r>
+              <a:rPr lang="en-US" altLang="zh-CN" dirty="0"/>
+              <a:t>block</a:t>
+            </a:r>
+            <a:r>
+              <a:rPr lang="zh-CN" altLang="zh-CN" dirty="0"/>
+              <a:t>的特征图，它的自己的特征图传给了所有的后面的</a:t>
+            </a:r>
+            <a:r>
+              <a:rPr lang="en-US" altLang="zh-CN" dirty="0"/>
+              <a:t>L-l</a:t>
+            </a:r>
+            <a:r>
+              <a:rPr lang="zh-CN" altLang="zh-CN" dirty="0"/>
+              <a:t>层。这样在</a:t>
+            </a:r>
+            <a:r>
+              <a:rPr lang="en-US" altLang="zh-CN" dirty="0"/>
+              <a:t>L</a:t>
+            </a:r>
+            <a:r>
+              <a:rPr lang="zh-CN" altLang="zh-CN" dirty="0"/>
+              <a:t>层的网络中有</a:t>
+            </a:r>
+            <a:r>
+              <a:rPr lang="en-US" altLang="zh-CN" dirty="0"/>
+              <a:t>L(L+1)/2</a:t>
+            </a:r>
+            <a:r>
+              <a:rPr lang="zh-CN" altLang="zh-CN" dirty="0"/>
+              <a:t>个连接。因为这种密集连接模式，此网络成为</a:t>
+            </a:r>
+            <a:r>
+              <a:rPr lang="en-US" altLang="zh-CN" dirty="0"/>
+              <a:t>Dense Convolutional  Network (</a:t>
+            </a:r>
+            <a:r>
+              <a:rPr lang="en-US" altLang="zh-CN" dirty="0" err="1"/>
+              <a:t>DenseNet</a:t>
+            </a:r>
+            <a:r>
+              <a:rPr lang="en-US" altLang="zh-CN" dirty="0"/>
+              <a:t>).</a:t>
+            </a:r>
+            <a:endParaRPr lang="zh-CN" altLang="zh-CN" dirty="0"/>
+          </a:p>
+          <a:p>
+            <a:pPr>
+              <a:lnSpc>
+                <a:spcPct val="150000"/>
+              </a:lnSpc>
+            </a:pPr>
+            <a:endParaRPr lang="zh-CN" altLang="en-US" dirty="0"/>
+          </a:p>
+        </p:txBody>
+      </p:sp>
+    </p:spTree>
+    <p:extLst>
+      <p:ext uri="{BB962C8B-B14F-4D97-AF65-F5344CB8AC3E}">
+        <p14:creationId xmlns:p14="http://schemas.microsoft.com/office/powerpoint/2010/main" val="2993886571"/>
+      </p:ext>
+    </p:extLst>
+  </p:cSld>
+  <p:clrMapOvr>
+    <a:masterClrMapping/>
+  </p:clrMapOvr>
+</p:sld>
+</file>
+
+<file path=ppt/slides/slide19.xml><?xml version="1.0" encoding="utf-8"?>
+<p:sld xmlns:a="http://schemas.openxmlformats.org/drawingml/2006/main" xmlns:r="http://schemas.openxmlformats.org/officeDocument/2006/relationships" xmlns:p="http://schemas.openxmlformats.org/presentationml/2006/main">
+  <p:cSld>
+    <p:spTree>
+      <p:nvGrpSpPr>
+        <p:cNvPr id="1" name=""/>
+        <p:cNvGrpSpPr/>
+        <p:nvPr/>
+      </p:nvGrpSpPr>
+      <p:grpSpPr>
+        <a:xfrm>
+          <a:off x="0" y="0"/>
+          <a:ext cx="0" cy="0"/>
+          <a:chOff x="0" y="0"/>
+          <a:chExt cx="0" cy="0"/>
+        </a:xfrm>
+      </p:grpSpPr>
+      <p:sp>
+        <p:nvSpPr>
+          <p:cNvPr id="2" name="标题 1">
+            <a:extLst>
+              <a:ext uri="{FF2B5EF4-FFF2-40B4-BE49-F238E27FC236}">
+                <a16:creationId xmlns:a16="http://schemas.microsoft.com/office/drawing/2014/main" id="{177335D0-419D-4856-B652-042B74CA0AC6}"/>
+              </a:ext>
+            </a:extLst>
+          </p:cNvPr>
+          <p:cNvSpPr>
+            <a:spLocks noGrp="1"/>
+          </p:cNvSpPr>
+          <p:nvPr>
+            <p:ph type="title"/>
+          </p:nvPr>
+        </p:nvSpPr>
+        <p:spPr/>
+        <p:txBody>
+          <a:bodyPr>
+            <a:noAutofit/>
+          </a:bodyPr>
+          <a:lstStyle/>
+          <a:p>
+            <a:br>
+              <a:rPr lang="en-US" altLang="zh-CN" b="1" dirty="0"/>
+            </a:br>
+            <a:r>
+              <a:rPr lang="en-US" altLang="zh-CN" dirty="0" err="1">
+                <a:latin typeface="宋体" panose="02010600030101010101" pitchFamily="2" charset="-122"/>
+                <a:ea typeface="宋体" panose="02010600030101010101" pitchFamily="2" charset="-122"/>
+              </a:rPr>
+              <a:t>DenseNet</a:t>
+            </a:r>
+            <a:r>
+              <a:rPr lang="zh-CN" altLang="en-US" dirty="0">
+                <a:latin typeface="宋体" panose="02010600030101010101" pitchFamily="2" charset="-122"/>
+                <a:ea typeface="宋体" panose="02010600030101010101" pitchFamily="2" charset="-122"/>
+              </a:rPr>
+              <a:t>与</a:t>
+            </a:r>
+            <a:r>
+              <a:rPr lang="en-US" altLang="zh-CN" dirty="0" err="1">
+                <a:latin typeface="宋体" panose="02010600030101010101" pitchFamily="2" charset="-122"/>
+                <a:ea typeface="宋体" panose="02010600030101010101" pitchFamily="2" charset="-122"/>
+              </a:rPr>
+              <a:t>ResNet</a:t>
+            </a:r>
+            <a:r>
+              <a:rPr lang="zh-CN" altLang="en-US" dirty="0">
+                <a:latin typeface="宋体" panose="02010600030101010101" pitchFamily="2" charset="-122"/>
+                <a:ea typeface="宋体" panose="02010600030101010101" pitchFamily="2" charset="-122"/>
+              </a:rPr>
+              <a:t>对比</a:t>
+            </a:r>
+            <a:br>
+              <a:rPr lang="zh-CN" altLang="en-US" b="1" dirty="0"/>
+            </a:br>
+            <a:endParaRPr lang="zh-CN" altLang="en-US" dirty="0"/>
+          </a:p>
+        </p:txBody>
+      </p:sp>
+      <p:pic>
+        <p:nvPicPr>
+          <p:cNvPr id="4" name="图片 3">
+            <a:extLst>
+              <a:ext uri="{FF2B5EF4-FFF2-40B4-BE49-F238E27FC236}">
+                <a16:creationId xmlns:a16="http://schemas.microsoft.com/office/drawing/2014/main" id="{99E03B9C-13C3-486E-A2B3-24EE4C0A75D1}"/>
+              </a:ext>
+            </a:extLst>
+          </p:cNvPr>
+          <p:cNvPicPr>
+            <a:picLocks noChangeAspect="1"/>
+          </p:cNvPicPr>
+          <p:nvPr/>
+        </p:nvPicPr>
+        <p:blipFill>
+          <a:blip r:embed="rId3"/>
+          <a:stretch>
+            <a:fillRect/>
+          </a:stretch>
+        </p:blipFill>
+        <p:spPr>
+          <a:xfrm>
+            <a:off x="817951" y="3510847"/>
+            <a:ext cx="4962396" cy="758954"/>
+          </a:xfrm>
+          <a:prstGeom prst="rect">
+            <a:avLst/>
+          </a:prstGeom>
+        </p:spPr>
+      </p:pic>
+      <p:sp>
+        <p:nvSpPr>
+          <p:cNvPr id="7" name="内容占位符 6">
+            <a:extLst>
+              <a:ext uri="{FF2B5EF4-FFF2-40B4-BE49-F238E27FC236}">
+                <a16:creationId xmlns:a16="http://schemas.microsoft.com/office/drawing/2014/main" id="{0CA23C1F-C99A-41D7-AEBA-0B91207B3935}"/>
+              </a:ext>
+            </a:extLst>
+          </p:cNvPr>
+          <p:cNvSpPr>
+            <a:spLocks noGrp="1"/>
+          </p:cNvSpPr>
+          <p:nvPr>
+            <p:ph idx="1"/>
+          </p:nvPr>
+        </p:nvSpPr>
+        <p:spPr>
+          <a:xfrm>
+            <a:off x="6096000" y="3064080"/>
+            <a:ext cx="5257800" cy="1584120"/>
+          </a:xfrm>
+        </p:spPr>
+        <p:txBody>
+          <a:bodyPr>
+            <a:noAutofit/>
+          </a:bodyPr>
+          <a:lstStyle/>
+          <a:p>
+            <a:pPr marL="0" indent="0">
+              <a:lnSpc>
+                <a:spcPct val="150000"/>
+              </a:lnSpc>
+              <a:buNone/>
+            </a:pPr>
+            <a:r>
+              <a:rPr lang="en-US" altLang="zh-CN" sz="1800" dirty="0" err="1"/>
+              <a:t>ResNet</a:t>
+            </a:r>
+            <a:r>
+              <a:rPr lang="zh-CN" altLang="en-US" sz="1800" dirty="0"/>
+              <a:t>除了本层与下一层的连接之外，还增加了一个</a:t>
+            </a:r>
+            <a:r>
+              <a:rPr lang="en-US" altLang="zh-CN" sz="1800" dirty="0"/>
+              <a:t>skip-connection</a:t>
+            </a:r>
+            <a:r>
+              <a:rPr lang="zh-CN" altLang="en-US" sz="1800" dirty="0"/>
+              <a:t>。对于</a:t>
+            </a:r>
+            <a:r>
+              <a:rPr lang="en-US" altLang="zh-CN" sz="1800" dirty="0" err="1"/>
+              <a:t>ResNet</a:t>
+            </a:r>
+            <a:r>
+              <a:rPr lang="zh-CN" altLang="en-US" sz="1800" dirty="0"/>
+              <a:t>，</a:t>
+            </a:r>
+            <a:r>
+              <a:rPr lang="en-US" altLang="zh-CN" sz="1800" dirty="0"/>
+              <a:t>l</a:t>
+            </a:r>
+            <a:r>
+              <a:rPr lang="zh-CN" altLang="en-US" sz="1800" dirty="0"/>
+              <a:t>层的输出是</a:t>
+            </a:r>
+            <a:r>
+              <a:rPr lang="en-US" altLang="zh-CN" sz="1800" dirty="0"/>
+              <a:t>l-1</a:t>
+            </a:r>
+            <a:r>
+              <a:rPr lang="zh-CN" altLang="en-US" sz="1800" dirty="0"/>
+              <a:t>层的输出加上对</a:t>
+            </a:r>
+            <a:r>
+              <a:rPr lang="en-US" altLang="zh-CN" sz="1800" dirty="0"/>
+              <a:t>l-1</a:t>
+            </a:r>
+            <a:r>
+              <a:rPr lang="zh-CN" altLang="en-US" sz="1800" dirty="0"/>
+              <a:t>层输出的非线性变换。</a:t>
+            </a:r>
+          </a:p>
+        </p:txBody>
+      </p:sp>
+      <p:pic>
+        <p:nvPicPr>
+          <p:cNvPr id="8" name="图片 7">
+            <a:extLst>
+              <a:ext uri="{FF2B5EF4-FFF2-40B4-BE49-F238E27FC236}">
+                <a16:creationId xmlns:a16="http://schemas.microsoft.com/office/drawing/2014/main" id="{9876FAFB-2996-4211-B8D0-5E807EB5D9A8}"/>
+              </a:ext>
+            </a:extLst>
+          </p:cNvPr>
+          <p:cNvPicPr>
+            <a:picLocks noChangeAspect="1"/>
+          </p:cNvPicPr>
+          <p:nvPr/>
+        </p:nvPicPr>
+        <p:blipFill>
+          <a:blip r:embed="rId4"/>
+          <a:stretch>
+            <a:fillRect/>
+          </a:stretch>
+        </p:blipFill>
+        <p:spPr>
+          <a:xfrm>
+            <a:off x="754225" y="1904839"/>
+            <a:ext cx="3963155" cy="641341"/>
+          </a:xfrm>
+          <a:prstGeom prst="rect">
+            <a:avLst/>
+          </a:prstGeom>
+        </p:spPr>
+      </p:pic>
+      <p:sp>
+        <p:nvSpPr>
+          <p:cNvPr id="9" name="文本框 8">
+            <a:extLst>
+              <a:ext uri="{FF2B5EF4-FFF2-40B4-BE49-F238E27FC236}">
+                <a16:creationId xmlns:a16="http://schemas.microsoft.com/office/drawing/2014/main" id="{4D08A95B-5480-4057-B42E-4293EBB47671}"/>
+              </a:ext>
+            </a:extLst>
+          </p:cNvPr>
+          <p:cNvSpPr txBox="1"/>
+          <p:nvPr/>
+        </p:nvSpPr>
+        <p:spPr>
+          <a:xfrm>
+            <a:off x="6096000" y="1825214"/>
+            <a:ext cx="4927600" cy="968791"/>
+          </a:xfrm>
+          <a:prstGeom prst="rect">
+            <a:avLst/>
+          </a:prstGeom>
+          <a:noFill/>
+        </p:spPr>
+        <p:txBody>
+          <a:bodyPr wrap="square" rtlCol="0">
+            <a:spAutoFit/>
+          </a:bodyPr>
+          <a:lstStyle/>
+          <a:p>
+            <a:pPr>
+              <a:lnSpc>
+                <a:spcPct val="150000"/>
+              </a:lnSpc>
+            </a:pPr>
+            <a:r>
+              <a:rPr lang="zh-CN" altLang="en-US" sz="2000" dirty="0"/>
+              <a:t>最原始的前馈卷积神经网络，将第</a:t>
+            </a:r>
+            <a:r>
+              <a:rPr lang="en-US" altLang="zh-CN" sz="2000" dirty="0"/>
+              <a:t>l</a:t>
+            </a:r>
+            <a:r>
+              <a:rPr lang="zh-CN" altLang="en-US" sz="2000" dirty="0"/>
+              <a:t>层的输出作为第</a:t>
+            </a:r>
+            <a:r>
+              <a:rPr lang="en-US" altLang="zh-CN" sz="2000" dirty="0"/>
+              <a:t>l+1</a:t>
+            </a:r>
+            <a:r>
+              <a:rPr lang="zh-CN" altLang="en-US" sz="2000" dirty="0"/>
+              <a:t>层的输入，</a:t>
+            </a:r>
+          </a:p>
+        </p:txBody>
+      </p:sp>
+      <p:pic>
+        <p:nvPicPr>
+          <p:cNvPr id="10" name="图片 9">
+            <a:extLst>
+              <a:ext uri="{FF2B5EF4-FFF2-40B4-BE49-F238E27FC236}">
+                <a16:creationId xmlns:a16="http://schemas.microsoft.com/office/drawing/2014/main" id="{9C48F1BE-D9A1-429E-928A-98A337F94912}"/>
+              </a:ext>
+            </a:extLst>
+          </p:cNvPr>
+          <p:cNvPicPr>
+            <a:picLocks noChangeAspect="1"/>
+          </p:cNvPicPr>
+          <p:nvPr/>
+        </p:nvPicPr>
+        <p:blipFill>
+          <a:blip r:embed="rId5"/>
+          <a:stretch>
+            <a:fillRect/>
+          </a:stretch>
+        </p:blipFill>
+        <p:spPr>
+          <a:xfrm>
+            <a:off x="754225" y="5153236"/>
+            <a:ext cx="5089848" cy="705892"/>
+          </a:xfrm>
+          <a:prstGeom prst="rect">
+            <a:avLst/>
+          </a:prstGeom>
+        </p:spPr>
+      </p:pic>
+      <p:sp>
+        <p:nvSpPr>
+          <p:cNvPr id="16" name="文本框 15">
+            <a:extLst>
+              <a:ext uri="{FF2B5EF4-FFF2-40B4-BE49-F238E27FC236}">
+                <a16:creationId xmlns:a16="http://schemas.microsoft.com/office/drawing/2014/main" id="{E8077F0D-419B-4ED8-B875-BC7D5A51F7E2}"/>
+              </a:ext>
+            </a:extLst>
+          </p:cNvPr>
+          <p:cNvSpPr txBox="1"/>
+          <p:nvPr/>
+        </p:nvSpPr>
+        <p:spPr>
+          <a:xfrm>
+            <a:off x="6096000" y="4767518"/>
+            <a:ext cx="5089848" cy="1296637"/>
+          </a:xfrm>
+          <a:prstGeom prst="rect">
+            <a:avLst/>
+          </a:prstGeom>
+          <a:noFill/>
+        </p:spPr>
+        <p:txBody>
+          <a:bodyPr wrap="square" rtlCol="0">
+            <a:spAutoFit/>
+          </a:bodyPr>
+          <a:lstStyle/>
+          <a:p>
+            <a:pPr>
+              <a:lnSpc>
+                <a:spcPct val="150000"/>
+              </a:lnSpc>
+            </a:pPr>
+            <a:r>
+              <a:rPr lang="en-US" altLang="zh-CN" dirty="0" err="1"/>
+              <a:t>DenseNet</a:t>
+            </a:r>
+            <a:r>
+              <a:rPr lang="zh-CN" altLang="en-US" dirty="0"/>
+              <a:t>则是让</a:t>
+            </a:r>
+            <a:r>
+              <a:rPr lang="en-US" altLang="zh-CN" dirty="0"/>
+              <a:t>l</a:t>
+            </a:r>
+            <a:r>
+              <a:rPr lang="zh-CN" altLang="en-US" dirty="0"/>
+              <a:t>层的输入直接影响到之后的所有层，并且由于每一层都包含之前所有层的输出信息。</a:t>
+            </a:r>
+          </a:p>
+        </p:txBody>
+      </p:sp>
+    </p:spTree>
+    <p:extLst>
+      <p:ext uri="{BB962C8B-B14F-4D97-AF65-F5344CB8AC3E}">
+        <p14:creationId xmlns:p14="http://schemas.microsoft.com/office/powerpoint/2010/main" val="3973744190"/>
+      </p:ext>
+    </p:extLst>
+  </p:cSld>
+  <p:clrMapOvr>
+    <a:masterClrMapping/>
+  </p:clrMapOvr>
+</p:sld>
+</file>
+
 <file path=ppt/slides/slide2.xml><?xml version="1.0" encoding="utf-8"?>
 <p:sld xmlns:a="http://schemas.openxmlformats.org/drawingml/2006/main" xmlns:r="http://schemas.openxmlformats.org/officeDocument/2006/relationships" xmlns:p="http://schemas.openxmlformats.org/presentationml/2006/main">
   <p:cSld>
@@ -7772,6 +10206,1086 @@
     <p:extLst>
       <p:ext uri="{BB962C8B-B14F-4D97-AF65-F5344CB8AC3E}">
         <p14:creationId xmlns:p14="http://schemas.microsoft.com/office/powerpoint/2010/main" val="2467074975"/>
+      </p:ext>
+    </p:extLst>
+  </p:cSld>
+  <p:clrMapOvr>
+    <a:masterClrMapping/>
+  </p:clrMapOvr>
+</p:sld>
+</file>
+
+<file path=ppt/slides/slide20.xml><?xml version="1.0" encoding="utf-8"?>
+<p:sld xmlns:a="http://schemas.openxmlformats.org/drawingml/2006/main" xmlns:r="http://schemas.openxmlformats.org/officeDocument/2006/relationships" xmlns:p="http://schemas.openxmlformats.org/presentationml/2006/main">
+  <p:cSld>
+    <p:spTree>
+      <p:nvGrpSpPr>
+        <p:cNvPr id="1" name=""/>
+        <p:cNvGrpSpPr/>
+        <p:nvPr/>
+      </p:nvGrpSpPr>
+      <p:grpSpPr>
+        <a:xfrm>
+          <a:off x="0" y="0"/>
+          <a:ext cx="0" cy="0"/>
+          <a:chOff x="0" y="0"/>
+          <a:chExt cx="0" cy="0"/>
+        </a:xfrm>
+      </p:grpSpPr>
+      <p:sp>
+        <p:nvSpPr>
+          <p:cNvPr id="2" name="标题 1">
+            <a:extLst>
+              <a:ext uri="{FF2B5EF4-FFF2-40B4-BE49-F238E27FC236}">
+                <a16:creationId xmlns:a16="http://schemas.microsoft.com/office/drawing/2014/main" id="{912FBE75-2C1D-4AB4-A2D5-8751AB0F9589}"/>
+              </a:ext>
+            </a:extLst>
+          </p:cNvPr>
+          <p:cNvSpPr>
+            <a:spLocks noGrp="1"/>
+          </p:cNvSpPr>
+          <p:nvPr>
+            <p:ph type="title"/>
+          </p:nvPr>
+        </p:nvSpPr>
+        <p:spPr/>
+        <p:txBody>
+          <a:bodyPr/>
+          <a:lstStyle/>
+          <a:p>
+            <a:r>
+              <a:rPr lang="en-US" altLang="zh-CN" dirty="0" err="1"/>
+              <a:t>DenseNet</a:t>
+            </a:r>
+            <a:r>
+              <a:rPr lang="zh-CN" altLang="en-US" dirty="0"/>
+              <a:t>设计</a:t>
+            </a:r>
+          </a:p>
+        </p:txBody>
+      </p:sp>
+      <p:sp>
+        <p:nvSpPr>
+          <p:cNvPr id="3" name="内容占位符 2">
+            <a:extLst>
+              <a:ext uri="{FF2B5EF4-FFF2-40B4-BE49-F238E27FC236}">
+                <a16:creationId xmlns:a16="http://schemas.microsoft.com/office/drawing/2014/main" id="{DCB6F769-7065-4128-98F2-EA278AAF1884}"/>
+              </a:ext>
+            </a:extLst>
+          </p:cNvPr>
+          <p:cNvSpPr>
+            <a:spLocks noGrp="1"/>
+          </p:cNvSpPr>
+          <p:nvPr>
+            <p:ph idx="1"/>
+          </p:nvPr>
+        </p:nvSpPr>
+        <p:spPr>
+          <a:xfrm>
+            <a:off x="838200" y="1825624"/>
+            <a:ext cx="10515600" cy="4575175"/>
+          </a:xfrm>
+        </p:spPr>
+        <p:txBody>
+          <a:bodyPr>
+            <a:normAutofit fontScale="77500" lnSpcReduction="20000"/>
+          </a:bodyPr>
+          <a:lstStyle/>
+          <a:p>
+            <a:pPr>
+              <a:lnSpc>
+                <a:spcPct val="160000"/>
+              </a:lnSpc>
+            </a:pPr>
+            <a:r>
+              <a:rPr lang="en-US" altLang="zh-CN" dirty="0"/>
+              <a:t>Hl(.)</a:t>
+            </a:r>
+            <a:r>
+              <a:rPr lang="zh-CN" altLang="zh-CN" dirty="0"/>
+              <a:t>代表一种非线性的转换</a:t>
+            </a:r>
+            <a:r>
+              <a:rPr lang="zh-CN" altLang="en-US" dirty="0"/>
+              <a:t>，为</a:t>
+            </a:r>
+            <a:r>
+              <a:rPr lang="en-US" altLang="zh-CN" dirty="0"/>
+              <a:t>Batch Normalization (BN)</a:t>
+            </a:r>
+            <a:r>
+              <a:rPr lang="zh-CN" altLang="zh-CN" dirty="0"/>
+              <a:t>，</a:t>
+            </a:r>
+            <a:r>
+              <a:rPr lang="en-US" altLang="zh-CN" dirty="0" err="1"/>
+              <a:t>ReLU</a:t>
+            </a:r>
+            <a:r>
+              <a:rPr lang="zh-CN" altLang="zh-CN" dirty="0"/>
+              <a:t>激活函数和</a:t>
+            </a:r>
+            <a:r>
+              <a:rPr lang="en-US" altLang="zh-CN" dirty="0"/>
+              <a:t>3</a:t>
+            </a:r>
+            <a:r>
+              <a:rPr lang="zh-CN" altLang="zh-CN" dirty="0"/>
+              <a:t>×</a:t>
+            </a:r>
+            <a:r>
+              <a:rPr lang="en-US" altLang="zh-CN" dirty="0"/>
+              <a:t>3</a:t>
+            </a:r>
+            <a:r>
+              <a:rPr lang="zh-CN" altLang="zh-CN" dirty="0"/>
+              <a:t>的卷积</a:t>
+            </a:r>
+            <a:endParaRPr lang="en-US" altLang="zh-CN" dirty="0"/>
+          </a:p>
+          <a:p>
+            <a:pPr>
+              <a:lnSpc>
+                <a:spcPct val="160000"/>
+              </a:lnSpc>
+            </a:pPr>
+            <a:r>
+              <a:rPr lang="zh-CN" altLang="en-US" dirty="0"/>
+              <a:t>引入</a:t>
+            </a:r>
+            <a:r>
+              <a:rPr lang="en-US" altLang="zh-CN" dirty="0"/>
+              <a:t>dense blocks</a:t>
+            </a:r>
+            <a:r>
+              <a:rPr lang="zh-CN" altLang="en-US" dirty="0"/>
+              <a:t>和</a:t>
+            </a:r>
+            <a:r>
+              <a:rPr lang="en-US" altLang="zh-CN" dirty="0"/>
+              <a:t>transition layers</a:t>
+            </a:r>
+            <a:r>
+              <a:rPr lang="zh-CN" altLang="zh-CN" dirty="0"/>
+              <a:t>（过渡层</a:t>
+            </a:r>
+            <a:r>
+              <a:rPr lang="zh-CN" altLang="en-US" dirty="0"/>
+              <a:t>）</a:t>
+            </a:r>
+            <a:endParaRPr lang="en-US" altLang="zh-CN" dirty="0"/>
+          </a:p>
+          <a:p>
+            <a:pPr>
+              <a:lnSpc>
+                <a:spcPct val="160000"/>
+              </a:lnSpc>
+            </a:pPr>
+            <a:r>
+              <a:rPr lang="en-US" altLang="zh-CN" dirty="0"/>
+              <a:t>Growth rate k</a:t>
+            </a:r>
+          </a:p>
+          <a:p>
+            <a:pPr>
+              <a:lnSpc>
+                <a:spcPct val="150000"/>
+              </a:lnSpc>
+            </a:pPr>
+            <a:r>
+              <a:rPr lang="en-US" altLang="zh-CN" dirty="0"/>
+              <a:t>Bottleneck layers</a:t>
+            </a:r>
+            <a:r>
+              <a:rPr lang="zh-CN" altLang="en-US" dirty="0"/>
+              <a:t>：</a:t>
+            </a:r>
+            <a:r>
+              <a:rPr lang="en-US" altLang="zh-CN" dirty="0"/>
+              <a:t>BN-</a:t>
+            </a:r>
+            <a:r>
+              <a:rPr lang="en-US" altLang="zh-CN" dirty="0" err="1"/>
+              <a:t>ReLU</a:t>
+            </a:r>
+            <a:r>
+              <a:rPr lang="en-US" altLang="zh-CN" dirty="0"/>
+              <a:t>-Conv(1× 1)-BN-</a:t>
+            </a:r>
+            <a:r>
+              <a:rPr lang="en-US" altLang="zh-CN" dirty="0" err="1"/>
+              <a:t>ReLU</a:t>
+            </a:r>
+            <a:r>
+              <a:rPr lang="en-US" altLang="zh-CN" dirty="0"/>
+              <a:t>-Conv(3×3) </a:t>
+            </a:r>
+            <a:r>
+              <a:rPr lang="zh-CN" altLang="zh-CN" dirty="0"/>
+              <a:t>版本的</a:t>
+            </a:r>
+            <a:r>
+              <a:rPr lang="en-US" altLang="zh-CN" dirty="0"/>
+              <a:t>Hl(.)</a:t>
+            </a:r>
+            <a:r>
+              <a:rPr lang="zh-CN" altLang="en-US" dirty="0"/>
+              <a:t>，</a:t>
+            </a:r>
+            <a:r>
+              <a:rPr lang="zh-CN" altLang="zh-CN" dirty="0"/>
+              <a:t>称为</a:t>
+            </a:r>
+            <a:r>
+              <a:rPr lang="en-US" altLang="zh-CN" dirty="0" err="1"/>
+              <a:t>DenseNet</a:t>
+            </a:r>
+            <a:r>
+              <a:rPr lang="en-US" altLang="zh-CN" dirty="0"/>
+              <a:t>-B</a:t>
+            </a:r>
+            <a:endParaRPr lang="zh-CN" altLang="zh-CN" dirty="0"/>
+          </a:p>
+          <a:p>
+            <a:pPr>
+              <a:lnSpc>
+                <a:spcPct val="150000"/>
+              </a:lnSpc>
+            </a:pPr>
+            <a:r>
+              <a:rPr lang="en-US" altLang="zh-CN" dirty="0"/>
+              <a:t>Compression</a:t>
+            </a:r>
+            <a:r>
+              <a:rPr lang="zh-CN" altLang="zh-CN" dirty="0"/>
+              <a:t>压缩</a:t>
+            </a:r>
+            <a:r>
+              <a:rPr lang="zh-CN" altLang="en-US" dirty="0"/>
+              <a:t>：</a:t>
+            </a:r>
+            <a:r>
+              <a:rPr lang="zh-CN" altLang="zh-CN" dirty="0"/>
+              <a:t>在</a:t>
+            </a:r>
+            <a:r>
+              <a:rPr lang="en-US" altLang="zh-CN" dirty="0"/>
+              <a:t>transition layers</a:t>
+            </a:r>
+            <a:r>
+              <a:rPr lang="zh-CN" altLang="zh-CN" dirty="0"/>
+              <a:t>中使用</a:t>
+            </a:r>
+            <a:r>
+              <a:rPr lang="zh-CN" altLang="en-US" dirty="0"/>
+              <a:t>，</a:t>
+            </a:r>
+            <a:r>
+              <a:rPr lang="zh-CN" altLang="zh-CN" dirty="0"/>
+              <a:t>产生</a:t>
+            </a:r>
+            <a:r>
+              <a:rPr lang="en-US" altLang="zh-CN" dirty="0" err="1"/>
+              <a:t>θm</a:t>
+            </a:r>
+            <a:r>
+              <a:rPr lang="zh-CN" altLang="zh-CN" dirty="0"/>
+              <a:t>个输出。将</a:t>
+            </a:r>
+            <a:r>
+              <a:rPr lang="en-US" altLang="zh-CN" dirty="0"/>
+              <a:t>θ&lt;1</a:t>
+            </a:r>
+            <a:r>
+              <a:rPr lang="zh-CN" altLang="zh-CN" dirty="0"/>
+              <a:t>的</a:t>
+            </a:r>
+            <a:r>
+              <a:rPr lang="en-US" altLang="zh-CN" dirty="0" err="1"/>
+              <a:t>DenseNet</a:t>
+            </a:r>
+            <a:r>
+              <a:rPr lang="zh-CN" altLang="zh-CN" dirty="0"/>
+              <a:t>称为</a:t>
+            </a:r>
+            <a:r>
+              <a:rPr lang="en-US" altLang="zh-CN" dirty="0" err="1"/>
+              <a:t>DenseNet</a:t>
+            </a:r>
+            <a:r>
+              <a:rPr lang="en-US" altLang="zh-CN" dirty="0"/>
+              <a:t>-C</a:t>
+            </a:r>
+            <a:r>
+              <a:rPr lang="zh-CN" altLang="zh-CN" dirty="0"/>
+              <a:t>，如果同时使用</a:t>
+            </a:r>
+            <a:r>
+              <a:rPr lang="en-US" altLang="zh-CN" dirty="0"/>
+              <a:t>bottleneck </a:t>
+            </a:r>
+            <a:r>
+              <a:rPr lang="zh-CN" altLang="zh-CN" dirty="0"/>
+              <a:t>和</a:t>
+            </a:r>
+            <a:r>
+              <a:rPr lang="en-US" altLang="zh-CN" dirty="0"/>
+              <a:t>θ &lt; 1 </a:t>
+            </a:r>
+            <a:r>
+              <a:rPr lang="zh-CN" altLang="zh-CN" dirty="0"/>
+              <a:t>，称为</a:t>
+            </a:r>
+            <a:r>
+              <a:rPr lang="en-US" altLang="zh-CN" dirty="0" err="1"/>
+              <a:t>DenseNet</a:t>
+            </a:r>
+            <a:r>
+              <a:rPr lang="en-US" altLang="zh-CN" dirty="0"/>
+              <a:t>-BC.</a:t>
+            </a:r>
+            <a:endParaRPr lang="zh-CN" altLang="zh-CN" dirty="0"/>
+          </a:p>
+          <a:p>
+            <a:pPr>
+              <a:lnSpc>
+                <a:spcPct val="160000"/>
+              </a:lnSpc>
+            </a:pPr>
+            <a:endParaRPr lang="zh-CN" altLang="zh-CN" dirty="0"/>
+          </a:p>
+          <a:p>
+            <a:pPr>
+              <a:lnSpc>
+                <a:spcPct val="160000"/>
+              </a:lnSpc>
+            </a:pPr>
+            <a:endParaRPr lang="zh-CN" altLang="en-US" dirty="0"/>
+          </a:p>
+        </p:txBody>
+      </p:sp>
+    </p:spTree>
+    <p:extLst>
+      <p:ext uri="{BB962C8B-B14F-4D97-AF65-F5344CB8AC3E}">
+        <p14:creationId xmlns:p14="http://schemas.microsoft.com/office/powerpoint/2010/main" val="2256525570"/>
+      </p:ext>
+    </p:extLst>
+  </p:cSld>
+  <p:clrMapOvr>
+    <a:masterClrMapping/>
+  </p:clrMapOvr>
+</p:sld>
+</file>
+
+<file path=ppt/slides/slide21.xml><?xml version="1.0" encoding="utf-8"?>
+<p:sld xmlns:a="http://schemas.openxmlformats.org/drawingml/2006/main" xmlns:r="http://schemas.openxmlformats.org/officeDocument/2006/relationships" xmlns:p="http://schemas.openxmlformats.org/presentationml/2006/main">
+  <p:cSld>
+    <p:spTree>
+      <p:nvGrpSpPr>
+        <p:cNvPr id="1" name=""/>
+        <p:cNvGrpSpPr/>
+        <p:nvPr/>
+      </p:nvGrpSpPr>
+      <p:grpSpPr>
+        <a:xfrm>
+          <a:off x="0" y="0"/>
+          <a:ext cx="0" cy="0"/>
+          <a:chOff x="0" y="0"/>
+          <a:chExt cx="0" cy="0"/>
+        </a:xfrm>
+      </p:grpSpPr>
+      <p:pic>
+        <p:nvPicPr>
+          <p:cNvPr id="4" name="内容占位符 3">
+            <a:extLst>
+              <a:ext uri="{FF2B5EF4-FFF2-40B4-BE49-F238E27FC236}">
+                <a16:creationId xmlns:a16="http://schemas.microsoft.com/office/drawing/2014/main" id="{7AFF4B8F-3B46-43FF-8B7E-B7901D394724}"/>
+              </a:ext>
+            </a:extLst>
+          </p:cNvPr>
+          <p:cNvPicPr>
+            <a:picLocks noGrp="1"/>
+          </p:cNvPicPr>
+          <p:nvPr>
+            <p:ph idx="1"/>
+          </p:nvPr>
+        </p:nvPicPr>
+        <p:blipFill>
+          <a:blip r:embed="rId3"/>
+          <a:stretch>
+            <a:fillRect/>
+          </a:stretch>
+        </p:blipFill>
+        <p:spPr>
+          <a:xfrm>
+            <a:off x="419100" y="2506334"/>
+            <a:ext cx="11353800" cy="1845332"/>
+          </a:xfrm>
+          <a:prstGeom prst="rect">
+            <a:avLst/>
+          </a:prstGeom>
+        </p:spPr>
+      </p:pic>
+    </p:spTree>
+    <p:extLst>
+      <p:ext uri="{BB962C8B-B14F-4D97-AF65-F5344CB8AC3E}">
+        <p14:creationId xmlns:p14="http://schemas.microsoft.com/office/powerpoint/2010/main" val="4074150995"/>
+      </p:ext>
+    </p:extLst>
+  </p:cSld>
+  <p:clrMapOvr>
+    <a:masterClrMapping/>
+  </p:clrMapOvr>
+</p:sld>
+</file>
+
+<file path=ppt/slides/slide22.xml><?xml version="1.0" encoding="utf-8"?>
+<p:sld xmlns:a="http://schemas.openxmlformats.org/drawingml/2006/main" xmlns:r="http://schemas.openxmlformats.org/officeDocument/2006/relationships" xmlns:p="http://schemas.openxmlformats.org/presentationml/2006/main">
+  <p:cSld>
+    <p:spTree>
+      <p:nvGrpSpPr>
+        <p:cNvPr id="1" name=""/>
+        <p:cNvGrpSpPr/>
+        <p:nvPr/>
+      </p:nvGrpSpPr>
+      <p:grpSpPr>
+        <a:xfrm>
+          <a:off x="0" y="0"/>
+          <a:ext cx="0" cy="0"/>
+          <a:chOff x="0" y="0"/>
+          <a:chExt cx="0" cy="0"/>
+        </a:xfrm>
+      </p:grpSpPr>
+      <p:pic>
+        <p:nvPicPr>
+          <p:cNvPr id="4" name="内容占位符 3">
+            <a:extLst>
+              <a:ext uri="{FF2B5EF4-FFF2-40B4-BE49-F238E27FC236}">
+                <a16:creationId xmlns:a16="http://schemas.microsoft.com/office/drawing/2014/main" id="{F8FBBCC9-0144-4CDA-818F-486F3762549E}"/>
+              </a:ext>
+            </a:extLst>
+          </p:cNvPr>
+          <p:cNvPicPr>
+            <a:picLocks noGrp="1"/>
+          </p:cNvPicPr>
+          <p:nvPr>
+            <p:ph idx="1"/>
+          </p:nvPr>
+        </p:nvPicPr>
+        <p:blipFill>
+          <a:blip r:embed="rId3"/>
+          <a:stretch>
+            <a:fillRect/>
+          </a:stretch>
+        </p:blipFill>
+        <p:spPr>
+          <a:xfrm>
+            <a:off x="1156548" y="305792"/>
+            <a:ext cx="9878904" cy="6246415"/>
+          </a:xfrm>
+          <a:prstGeom prst="rect">
+            <a:avLst/>
+          </a:prstGeom>
+        </p:spPr>
+      </p:pic>
+    </p:spTree>
+    <p:extLst>
+      <p:ext uri="{BB962C8B-B14F-4D97-AF65-F5344CB8AC3E}">
+        <p14:creationId xmlns:p14="http://schemas.microsoft.com/office/powerpoint/2010/main" val="3530238187"/>
+      </p:ext>
+    </p:extLst>
+  </p:cSld>
+  <p:clrMapOvr>
+    <a:masterClrMapping/>
+  </p:clrMapOvr>
+</p:sld>
+</file>
+
+<file path=ppt/slides/slide23.xml><?xml version="1.0" encoding="utf-8"?>
+<p:sld xmlns:a="http://schemas.openxmlformats.org/drawingml/2006/main" xmlns:r="http://schemas.openxmlformats.org/officeDocument/2006/relationships" xmlns:p="http://schemas.openxmlformats.org/presentationml/2006/main">
+  <p:cSld>
+    <p:spTree>
+      <p:nvGrpSpPr>
+        <p:cNvPr id="1" name=""/>
+        <p:cNvGrpSpPr/>
+        <p:nvPr/>
+      </p:nvGrpSpPr>
+      <p:grpSpPr>
+        <a:xfrm>
+          <a:off x="0" y="0"/>
+          <a:ext cx="0" cy="0"/>
+          <a:chOff x="0" y="0"/>
+          <a:chExt cx="0" cy="0"/>
+        </a:xfrm>
+      </p:grpSpPr>
+      <p:sp>
+        <p:nvSpPr>
+          <p:cNvPr id="2" name="标题 1">
+            <a:extLst>
+              <a:ext uri="{FF2B5EF4-FFF2-40B4-BE49-F238E27FC236}">
+                <a16:creationId xmlns:a16="http://schemas.microsoft.com/office/drawing/2014/main" id="{177335D0-419D-4856-B652-042B74CA0AC6}"/>
+              </a:ext>
+            </a:extLst>
+          </p:cNvPr>
+          <p:cNvSpPr>
+            <a:spLocks noGrp="1"/>
+          </p:cNvSpPr>
+          <p:nvPr>
+            <p:ph type="title"/>
+          </p:nvPr>
+        </p:nvSpPr>
+        <p:spPr/>
+        <p:txBody>
+          <a:bodyPr/>
+          <a:lstStyle/>
+          <a:p>
+            <a:r>
+              <a:rPr lang="en-US" altLang="zh-CN" dirty="0" err="1"/>
+              <a:t>DenseNet</a:t>
+            </a:r>
+            <a:r>
+              <a:rPr lang="zh-CN" altLang="en-US" dirty="0"/>
+              <a:t>中</a:t>
+            </a:r>
+            <a:r>
+              <a:rPr lang="en-US" altLang="zh-CN" dirty="0"/>
+              <a:t>transition layer</a:t>
+            </a:r>
+            <a:r>
+              <a:rPr lang="zh-CN" altLang="en-US" dirty="0"/>
+              <a:t>作用</a:t>
+            </a:r>
+          </a:p>
+        </p:txBody>
+      </p:sp>
+      <p:sp>
+        <p:nvSpPr>
+          <p:cNvPr id="3" name="内容占位符 2">
+            <a:extLst>
+              <a:ext uri="{FF2B5EF4-FFF2-40B4-BE49-F238E27FC236}">
+                <a16:creationId xmlns:a16="http://schemas.microsoft.com/office/drawing/2014/main" id="{C09DB33B-1D6C-491C-B125-F584F61C67EA}"/>
+              </a:ext>
+            </a:extLst>
+          </p:cNvPr>
+          <p:cNvSpPr>
+            <a:spLocks noGrp="1"/>
+          </p:cNvSpPr>
+          <p:nvPr>
+            <p:ph idx="1"/>
+          </p:nvPr>
+        </p:nvSpPr>
+        <p:spPr>
+          <a:xfrm>
+            <a:off x="838200" y="2926637"/>
+            <a:ext cx="10515600" cy="3566238"/>
+          </a:xfrm>
+        </p:spPr>
+        <p:txBody>
+          <a:bodyPr>
+            <a:normAutofit/>
+          </a:bodyPr>
+          <a:lstStyle/>
+          <a:p>
+            <a:pPr>
+              <a:lnSpc>
+                <a:spcPct val="120000"/>
+              </a:lnSpc>
+            </a:pPr>
+            <a:r>
+              <a:rPr lang="en-US" altLang="zh-CN" dirty="0" err="1"/>
+              <a:t>Compreession</a:t>
+            </a:r>
+            <a:r>
+              <a:rPr lang="zh-CN" altLang="en-US" dirty="0"/>
+              <a:t>：在两个</a:t>
+            </a:r>
+            <a:r>
+              <a:rPr lang="en-US" altLang="zh-CN" dirty="0"/>
+              <a:t>Dense block</a:t>
+            </a:r>
+            <a:r>
+              <a:rPr lang="zh-CN" altLang="en-US" dirty="0"/>
+              <a:t>中出现，为了减少通道数。假设一个</a:t>
+            </a:r>
+            <a:r>
+              <a:rPr lang="en-US" altLang="zh-CN" dirty="0"/>
+              <a:t>Dense block</a:t>
+            </a:r>
+            <a:r>
+              <a:rPr lang="zh-CN" altLang="en-US" dirty="0"/>
+              <a:t>的输出是</a:t>
+            </a:r>
+            <a:r>
+              <a:rPr lang="en-US" altLang="zh-CN" dirty="0"/>
+              <a:t>m</a:t>
+            </a:r>
+            <a:r>
+              <a:rPr lang="zh-CN" altLang="en-US" dirty="0"/>
+              <a:t>，设置一个压缩值</a:t>
+            </a:r>
+            <a:r>
+              <a:rPr lang="en-US" altLang="zh-CN" dirty="0"/>
+              <a:t>θ</a:t>
+            </a:r>
+            <a:r>
+              <a:rPr lang="zh-CN" altLang="en-US" dirty="0"/>
+              <a:t>，每两个</a:t>
+            </a:r>
+            <a:r>
+              <a:rPr lang="en-US" altLang="zh-CN" dirty="0"/>
+              <a:t>dense block</a:t>
+            </a:r>
+            <a:r>
+              <a:rPr lang="zh-CN" altLang="en-US" dirty="0"/>
+              <a:t>之间又增加了</a:t>
+            </a:r>
+            <a:r>
+              <a:rPr lang="en-US" altLang="zh-CN" dirty="0"/>
+              <a:t>1*1</a:t>
+            </a:r>
+            <a:r>
+              <a:rPr lang="zh-CN" altLang="en-US" dirty="0"/>
+              <a:t>的卷积操作，将</a:t>
+            </a:r>
+            <a:r>
+              <a:rPr lang="en-US" altLang="zh-CN" dirty="0"/>
+              <a:t>dense block</a:t>
+            </a:r>
+            <a:r>
+              <a:rPr lang="zh-CN" altLang="en-US" dirty="0"/>
+              <a:t>的输出压缩成</a:t>
+            </a:r>
+            <a:r>
+              <a:rPr lang="en-US" altLang="zh-CN" dirty="0" err="1"/>
+              <a:t>θm</a:t>
+            </a:r>
+            <a:r>
+              <a:rPr lang="zh-CN" altLang="en-US" dirty="0"/>
+              <a:t>个通道。一般来说</a:t>
+            </a:r>
+            <a:r>
+              <a:rPr lang="en-US" altLang="zh-CN" dirty="0"/>
+              <a:t>θ</a:t>
+            </a:r>
+            <a:r>
+              <a:rPr lang="zh-CN" altLang="en-US" dirty="0"/>
+              <a:t>设置成</a:t>
+            </a:r>
+            <a:r>
+              <a:rPr lang="en-US" altLang="zh-CN" dirty="0"/>
+              <a:t>0.5</a:t>
+            </a:r>
+            <a:r>
+              <a:rPr lang="zh-CN" altLang="en-US" dirty="0"/>
+              <a:t>。</a:t>
+            </a:r>
+            <a:endParaRPr lang="en-US" altLang="zh-CN" dirty="0"/>
+          </a:p>
+          <a:p>
+            <a:pPr>
+              <a:lnSpc>
+                <a:spcPct val="120000"/>
+              </a:lnSpc>
+            </a:pPr>
+            <a:r>
+              <a:rPr lang="en-US" altLang="zh-CN" dirty="0" err="1"/>
+              <a:t>Compresion</a:t>
+            </a:r>
+            <a:r>
+              <a:rPr lang="zh-CN" altLang="en-US" dirty="0"/>
+              <a:t>属于</a:t>
+            </a:r>
+            <a:r>
+              <a:rPr lang="en-US" altLang="zh-CN" dirty="0"/>
+              <a:t>transition layers</a:t>
+            </a:r>
+            <a:r>
+              <a:rPr lang="zh-CN" altLang="en-US" dirty="0"/>
+              <a:t>，如果使用了</a:t>
+            </a:r>
+            <a:r>
+              <a:rPr lang="en-US" altLang="zh-CN" dirty="0"/>
+              <a:t>bottleneck</a:t>
+            </a:r>
+            <a:r>
+              <a:rPr lang="zh-CN" altLang="en-US" dirty="0"/>
+              <a:t>和</a:t>
+            </a:r>
+            <a:r>
+              <a:rPr lang="en-US" altLang="zh-CN" dirty="0"/>
+              <a:t>compression</a:t>
+            </a:r>
+            <a:r>
+              <a:rPr lang="zh-CN" altLang="en-US" dirty="0"/>
+              <a:t>，网络就称作</a:t>
+            </a:r>
+            <a:r>
+              <a:rPr lang="en-US" altLang="zh-CN" dirty="0" err="1"/>
+              <a:t>DenseNet</a:t>
+            </a:r>
+            <a:r>
+              <a:rPr lang="en-US" altLang="zh-CN" dirty="0"/>
+              <a:t>-BC</a:t>
+            </a:r>
+            <a:r>
+              <a:rPr lang="zh-CN" altLang="en-US" dirty="0"/>
+              <a:t>。</a:t>
+            </a:r>
+            <a:endParaRPr lang="en-US" altLang="zh-CN" b="1" dirty="0"/>
+          </a:p>
+          <a:p>
+            <a:pPr>
+              <a:lnSpc>
+                <a:spcPct val="120000"/>
+              </a:lnSpc>
+            </a:pPr>
+            <a:endParaRPr lang="en-US" altLang="zh-CN" b="1" dirty="0"/>
+          </a:p>
+          <a:p>
+            <a:pPr>
+              <a:lnSpc>
+                <a:spcPct val="120000"/>
+              </a:lnSpc>
+            </a:pPr>
+            <a:endParaRPr lang="en-US" altLang="zh-CN" b="1" dirty="0"/>
+          </a:p>
+          <a:p>
+            <a:pPr>
+              <a:lnSpc>
+                <a:spcPct val="120000"/>
+              </a:lnSpc>
+            </a:pPr>
+            <a:endParaRPr lang="zh-CN" altLang="en-US" dirty="0"/>
+          </a:p>
+        </p:txBody>
+      </p:sp>
+      <p:pic>
+        <p:nvPicPr>
+          <p:cNvPr id="5" name="图片 4">
+            <a:extLst>
+              <a:ext uri="{FF2B5EF4-FFF2-40B4-BE49-F238E27FC236}">
+                <a16:creationId xmlns:a16="http://schemas.microsoft.com/office/drawing/2014/main" id="{241A2FA4-44C1-488B-BDBF-973BBDF7AB90}"/>
+              </a:ext>
+            </a:extLst>
+          </p:cNvPr>
+          <p:cNvPicPr>
+            <a:picLocks noChangeAspect="1"/>
+          </p:cNvPicPr>
+          <p:nvPr/>
+        </p:nvPicPr>
+        <p:blipFill>
+          <a:blip r:embed="rId2"/>
+          <a:stretch>
+            <a:fillRect/>
+          </a:stretch>
+        </p:blipFill>
+        <p:spPr>
+          <a:xfrm>
+            <a:off x="1908782" y="1352938"/>
+            <a:ext cx="8374436" cy="1448900"/>
+          </a:xfrm>
+          <a:prstGeom prst="rect">
+            <a:avLst/>
+          </a:prstGeom>
+        </p:spPr>
+      </p:pic>
+    </p:spTree>
+    <p:extLst>
+      <p:ext uri="{BB962C8B-B14F-4D97-AF65-F5344CB8AC3E}">
+        <p14:creationId xmlns:p14="http://schemas.microsoft.com/office/powerpoint/2010/main" val="3958604092"/>
+      </p:ext>
+    </p:extLst>
+  </p:cSld>
+  <p:clrMapOvr>
+    <a:masterClrMapping/>
+  </p:clrMapOvr>
+</p:sld>
+</file>
+
+<file path=ppt/slides/slide24.xml><?xml version="1.0" encoding="utf-8"?>
+<p:sld xmlns:a="http://schemas.openxmlformats.org/drawingml/2006/main" xmlns:r="http://schemas.openxmlformats.org/officeDocument/2006/relationships" xmlns:p="http://schemas.openxmlformats.org/presentationml/2006/main">
+  <p:cSld>
+    <p:spTree>
+      <p:nvGrpSpPr>
+        <p:cNvPr id="1" name=""/>
+        <p:cNvGrpSpPr/>
+        <p:nvPr/>
+      </p:nvGrpSpPr>
+      <p:grpSpPr>
+        <a:xfrm>
+          <a:off x="0" y="0"/>
+          <a:ext cx="0" cy="0"/>
+          <a:chOff x="0" y="0"/>
+          <a:chExt cx="0" cy="0"/>
+        </a:xfrm>
+      </p:grpSpPr>
+      <p:pic>
+        <p:nvPicPr>
+          <p:cNvPr id="4" name="内容占位符 3">
+            <a:extLst>
+              <a:ext uri="{FF2B5EF4-FFF2-40B4-BE49-F238E27FC236}">
+                <a16:creationId xmlns:a16="http://schemas.microsoft.com/office/drawing/2014/main" id="{29CAE4D2-A666-4778-B265-171BBF8E5C31}"/>
+              </a:ext>
+            </a:extLst>
+          </p:cNvPr>
+          <p:cNvPicPr>
+            <a:picLocks noGrp="1"/>
+          </p:cNvPicPr>
+          <p:nvPr>
+            <p:ph idx="1"/>
+          </p:nvPr>
+        </p:nvPicPr>
+        <p:blipFill>
+          <a:blip r:embed="rId2"/>
+          <a:stretch>
+            <a:fillRect/>
+          </a:stretch>
+        </p:blipFill>
+        <p:spPr>
+          <a:xfrm>
+            <a:off x="993405" y="937418"/>
+            <a:ext cx="10205189" cy="4983163"/>
+          </a:xfrm>
+          <a:prstGeom prst="rect">
+            <a:avLst/>
+          </a:prstGeom>
+        </p:spPr>
+      </p:pic>
+    </p:spTree>
+    <p:extLst>
+      <p:ext uri="{BB962C8B-B14F-4D97-AF65-F5344CB8AC3E}">
+        <p14:creationId xmlns:p14="http://schemas.microsoft.com/office/powerpoint/2010/main" val="1737157274"/>
+      </p:ext>
+    </p:extLst>
+  </p:cSld>
+  <p:clrMapOvr>
+    <a:masterClrMapping/>
+  </p:clrMapOvr>
+</p:sld>
+</file>
+
+<file path=ppt/slides/slide25.xml><?xml version="1.0" encoding="utf-8"?>
+<p:sld xmlns:a="http://schemas.openxmlformats.org/drawingml/2006/main" xmlns:r="http://schemas.openxmlformats.org/officeDocument/2006/relationships" xmlns:p="http://schemas.openxmlformats.org/presentationml/2006/main">
+  <p:cSld>
+    <p:spTree>
+      <p:nvGrpSpPr>
+        <p:cNvPr id="1" name=""/>
+        <p:cNvGrpSpPr/>
+        <p:nvPr/>
+      </p:nvGrpSpPr>
+      <p:grpSpPr>
+        <a:xfrm>
+          <a:off x="0" y="0"/>
+          <a:ext cx="0" cy="0"/>
+          <a:chOff x="0" y="0"/>
+          <a:chExt cx="0" cy="0"/>
+        </a:xfrm>
+      </p:grpSpPr>
+      <p:pic>
+        <p:nvPicPr>
+          <p:cNvPr id="4" name="内容占位符 3">
+            <a:extLst>
+              <a:ext uri="{FF2B5EF4-FFF2-40B4-BE49-F238E27FC236}">
+                <a16:creationId xmlns:a16="http://schemas.microsoft.com/office/drawing/2014/main" id="{523C7C11-4667-4ED6-BDA9-3C6DFF2F8370}"/>
+              </a:ext>
+            </a:extLst>
+          </p:cNvPr>
+          <p:cNvPicPr>
+            <a:picLocks noGrp="1"/>
+          </p:cNvPicPr>
+          <p:nvPr>
+            <p:ph idx="1"/>
+          </p:nvPr>
+        </p:nvPicPr>
+        <p:blipFill>
+          <a:blip r:embed="rId2"/>
+          <a:stretch>
+            <a:fillRect/>
+          </a:stretch>
+        </p:blipFill>
+        <p:spPr>
+          <a:xfrm>
+            <a:off x="666750" y="1378724"/>
+            <a:ext cx="10858500" cy="4100551"/>
+          </a:xfrm>
+          <a:prstGeom prst="rect">
+            <a:avLst/>
+          </a:prstGeom>
+        </p:spPr>
+      </p:pic>
+    </p:spTree>
+    <p:extLst>
+      <p:ext uri="{BB962C8B-B14F-4D97-AF65-F5344CB8AC3E}">
+        <p14:creationId xmlns:p14="http://schemas.microsoft.com/office/powerpoint/2010/main" val="2529928990"/>
+      </p:ext>
+    </p:extLst>
+  </p:cSld>
+  <p:clrMapOvr>
+    <a:masterClrMapping/>
+  </p:clrMapOvr>
+</p:sld>
+</file>
+
+<file path=ppt/slides/slide26.xml><?xml version="1.0" encoding="utf-8"?>
+<p:sld xmlns:a="http://schemas.openxmlformats.org/drawingml/2006/main" xmlns:r="http://schemas.openxmlformats.org/officeDocument/2006/relationships" xmlns:p="http://schemas.openxmlformats.org/presentationml/2006/main">
+  <p:cSld>
+    <p:spTree>
+      <p:nvGrpSpPr>
+        <p:cNvPr id="1" name=""/>
+        <p:cNvGrpSpPr/>
+        <p:nvPr/>
+      </p:nvGrpSpPr>
+      <p:grpSpPr>
+        <a:xfrm>
+          <a:off x="0" y="0"/>
+          <a:ext cx="0" cy="0"/>
+          <a:chOff x="0" y="0"/>
+          <a:chExt cx="0" cy="0"/>
+        </a:xfrm>
+      </p:grpSpPr>
+      <p:sp>
+        <p:nvSpPr>
+          <p:cNvPr id="2" name="标题 1">
+            <a:extLst>
+              <a:ext uri="{FF2B5EF4-FFF2-40B4-BE49-F238E27FC236}">
+                <a16:creationId xmlns:a16="http://schemas.microsoft.com/office/drawing/2014/main" id="{177335D0-419D-4856-B652-042B74CA0AC6}"/>
+              </a:ext>
+            </a:extLst>
+          </p:cNvPr>
+          <p:cNvSpPr>
+            <a:spLocks noGrp="1"/>
+          </p:cNvSpPr>
+          <p:nvPr>
+            <p:ph type="title"/>
+          </p:nvPr>
+        </p:nvSpPr>
+        <p:spPr/>
+        <p:txBody>
+          <a:bodyPr/>
+          <a:lstStyle/>
+          <a:p>
+            <a:r>
+              <a:rPr lang="en-US" altLang="zh-CN" dirty="0" err="1"/>
+              <a:t>DenseNet</a:t>
+            </a:r>
+            <a:r>
+              <a:rPr lang="zh-CN" altLang="en-US" dirty="0"/>
+              <a:t>优点</a:t>
+            </a:r>
+          </a:p>
+        </p:txBody>
+      </p:sp>
+      <p:sp>
+        <p:nvSpPr>
+          <p:cNvPr id="3" name="内容占位符 2">
+            <a:extLst>
+              <a:ext uri="{FF2B5EF4-FFF2-40B4-BE49-F238E27FC236}">
+                <a16:creationId xmlns:a16="http://schemas.microsoft.com/office/drawing/2014/main" id="{C09DB33B-1D6C-491C-B125-F584F61C67EA}"/>
+              </a:ext>
+            </a:extLst>
+          </p:cNvPr>
+          <p:cNvSpPr>
+            <a:spLocks noGrp="1"/>
+          </p:cNvSpPr>
+          <p:nvPr>
+            <p:ph idx="1"/>
+          </p:nvPr>
+        </p:nvSpPr>
+        <p:spPr/>
+        <p:txBody>
+          <a:bodyPr/>
+          <a:lstStyle/>
+          <a:p>
+            <a:pPr>
+              <a:lnSpc>
+                <a:spcPct val="150000"/>
+              </a:lnSpc>
+            </a:pPr>
+            <a:r>
+              <a:rPr lang="zh-CN" altLang="en-US" dirty="0">
+                <a:latin typeface="宋体" panose="02010600030101010101" pitchFamily="2" charset="-122"/>
+                <a:ea typeface="宋体" panose="02010600030101010101" pitchFamily="2" charset="-122"/>
+              </a:rPr>
+              <a:t>减轻了梯度消失</a:t>
+            </a:r>
+            <a:endParaRPr lang="en-US" altLang="zh-CN" dirty="0">
+              <a:latin typeface="宋体" panose="02010600030101010101" pitchFamily="2" charset="-122"/>
+              <a:ea typeface="宋体" panose="02010600030101010101" pitchFamily="2" charset="-122"/>
+            </a:endParaRPr>
+          </a:p>
+          <a:p>
+            <a:pPr>
+              <a:lnSpc>
+                <a:spcPct val="150000"/>
+              </a:lnSpc>
+            </a:pPr>
+            <a:r>
+              <a:rPr lang="zh-CN" altLang="en-US" dirty="0">
+                <a:latin typeface="宋体" panose="02010600030101010101" pitchFamily="2" charset="-122"/>
+                <a:ea typeface="宋体" panose="02010600030101010101" pitchFamily="2" charset="-122"/>
+              </a:rPr>
+              <a:t>加强了</a:t>
+            </a:r>
+            <a:r>
+              <a:rPr lang="en-US" altLang="zh-CN" dirty="0">
+                <a:latin typeface="宋体" panose="02010600030101010101" pitchFamily="2" charset="-122"/>
+                <a:ea typeface="宋体" panose="02010600030101010101" pitchFamily="2" charset="-122"/>
+              </a:rPr>
+              <a:t>feature</a:t>
+            </a:r>
+            <a:r>
+              <a:rPr lang="zh-CN" altLang="en-US" dirty="0">
+                <a:latin typeface="宋体" panose="02010600030101010101" pitchFamily="2" charset="-122"/>
+                <a:ea typeface="宋体" panose="02010600030101010101" pitchFamily="2" charset="-122"/>
+              </a:rPr>
+              <a:t>的传递 </a:t>
+            </a:r>
+            <a:endParaRPr lang="en-US" altLang="zh-CN" dirty="0">
+              <a:latin typeface="宋体" panose="02010600030101010101" pitchFamily="2" charset="-122"/>
+              <a:ea typeface="宋体" panose="02010600030101010101" pitchFamily="2" charset="-122"/>
+            </a:endParaRPr>
+          </a:p>
+          <a:p>
+            <a:pPr>
+              <a:lnSpc>
+                <a:spcPct val="150000"/>
+              </a:lnSpc>
+            </a:pPr>
+            <a:r>
+              <a:rPr lang="zh-CN" altLang="en-US" dirty="0">
+                <a:latin typeface="宋体" panose="02010600030101010101" pitchFamily="2" charset="-122"/>
+                <a:ea typeface="宋体" panose="02010600030101010101" pitchFamily="2" charset="-122"/>
+              </a:rPr>
+              <a:t>更有效地利用了</a:t>
+            </a:r>
+            <a:r>
+              <a:rPr lang="en-US" altLang="zh-CN" dirty="0">
+                <a:latin typeface="宋体" panose="02010600030101010101" pitchFamily="2" charset="-122"/>
+                <a:ea typeface="宋体" panose="02010600030101010101" pitchFamily="2" charset="-122"/>
+              </a:rPr>
+              <a:t>feature </a:t>
+            </a:r>
+          </a:p>
+          <a:p>
+            <a:pPr>
+              <a:lnSpc>
+                <a:spcPct val="150000"/>
+              </a:lnSpc>
+            </a:pPr>
+            <a:r>
+              <a:rPr lang="zh-CN" altLang="en-US" dirty="0">
+                <a:latin typeface="宋体" panose="02010600030101010101" pitchFamily="2" charset="-122"/>
+                <a:ea typeface="宋体" panose="02010600030101010101" pitchFamily="2" charset="-122"/>
+              </a:rPr>
+              <a:t>一定程度上较少了参数数量</a:t>
+            </a:r>
+          </a:p>
+        </p:txBody>
+      </p:sp>
+    </p:spTree>
+    <p:extLst>
+      <p:ext uri="{BB962C8B-B14F-4D97-AF65-F5344CB8AC3E}">
+        <p14:creationId xmlns:p14="http://schemas.microsoft.com/office/powerpoint/2010/main" val="1229496484"/>
       </p:ext>
     </p:extLst>
   </p:cSld>

--- a/第二次组会_2018.10.15.pptx
+++ b/第二次组会_2018.10.15.pptx
@@ -5,7 +5,7 @@
     <p:sldMasterId id="2147483648" r:id="rId1"/>
   </p:sldMasterIdLst>
   <p:notesMasterIdLst>
-    <p:notesMasterId r:id="rId28"/>
+    <p:notesMasterId r:id="rId27"/>
   </p:notesMasterIdLst>
   <p:sldIdLst>
     <p:sldId id="256" r:id="rId2"/>
@@ -25,15 +25,14 @@
     <p:sldId id="273" r:id="rId16"/>
     <p:sldId id="274" r:id="rId17"/>
     <p:sldId id="302" r:id="rId18"/>
-    <p:sldId id="301" r:id="rId19"/>
-    <p:sldId id="299" r:id="rId20"/>
-    <p:sldId id="304" r:id="rId21"/>
-    <p:sldId id="306" r:id="rId22"/>
-    <p:sldId id="303" r:id="rId23"/>
-    <p:sldId id="295" r:id="rId24"/>
-    <p:sldId id="307" r:id="rId25"/>
-    <p:sldId id="308" r:id="rId26"/>
-    <p:sldId id="293" r:id="rId27"/>
+    <p:sldId id="304" r:id="rId19"/>
+    <p:sldId id="303" r:id="rId20"/>
+    <p:sldId id="299" r:id="rId21"/>
+    <p:sldId id="309" r:id="rId22"/>
+    <p:sldId id="307" r:id="rId23"/>
+    <p:sldId id="310" r:id="rId24"/>
+    <p:sldId id="308" r:id="rId25"/>
+    <p:sldId id="301" r:id="rId26"/>
   </p:sldIdLst>
   <p:sldSz cx="12192000" cy="6858000"/>
   <p:notesSz cx="6858000" cy="9144000"/>
@@ -234,7 +233,7 @@
           <a:p>
             <a:fld id="{F3AB8877-6806-4B49-9E07-DB6DB68152F3}" type="datetimeFigureOut">
               <a:rPr lang="zh-CN" altLang="en-US" smtClean="0"/>
-              <a:t>2018/10/14</a:t>
+              <a:t>2018/10/15</a:t>
             </a:fld>
             <a:endParaRPr lang="zh-CN" altLang="en-US"/>
           </a:p>
@@ -996,7 +995,7 @@
           <a:p>
             <a:fld id="{9D43EA00-B718-4ADE-AC24-1709D54B376C}" type="slidenum">
               <a:rPr lang="zh-CN" altLang="en-US" smtClean="0"/>
-              <a:t>18</a:t>
+              <a:t>17</a:t>
             </a:fld>
             <a:endParaRPr lang="zh-CN" altLang="en-US"/>
           </a:p>
@@ -1005,7 +1004,7 @@
     </p:spTree>
     <p:extLst>
       <p:ext uri="{BB962C8B-B14F-4D97-AF65-F5344CB8AC3E}">
-        <p14:creationId xmlns:p14="http://schemas.microsoft.com/office/powerpoint/2010/main" val="3990160817"/>
+        <p14:creationId xmlns:p14="http://schemas.microsoft.com/office/powerpoint/2010/main" val="3757397115"/>
       </p:ext>
     </p:extLst>
   </p:cSld>
@@ -1077,37 +1076,439 @@
               <a:defRPr/>
             </a:pPr>
             <a:r>
+              <a:rPr lang="en-US" altLang="zh-CN" dirty="0"/>
+              <a:t>x0</a:t>
+            </a:r>
+            <a:r>
+              <a:rPr lang="zh-CN" altLang="zh-CN" dirty="0"/>
+              <a:t>为输入，</a:t>
+            </a:r>
+            <a:r>
+              <a:rPr lang="en-US" altLang="zh-CN" dirty="0"/>
+              <a:t>Hl(.)</a:t>
+            </a:r>
+            <a:r>
+              <a:rPr lang="zh-CN" altLang="zh-CN" dirty="0"/>
+              <a:t>代表一种非线性的转换</a:t>
+            </a:r>
+            <a:r>
+              <a:rPr lang="zh-CN" altLang="en-US" dirty="0"/>
+              <a:t>，为</a:t>
+            </a:r>
+            <a:r>
+              <a:rPr lang="en-US" altLang="zh-CN" dirty="0"/>
+              <a:t>Batch Normalization (BN)</a:t>
+            </a:r>
+            <a:r>
+              <a:rPr lang="zh-CN" altLang="zh-CN" dirty="0"/>
+              <a:t>，</a:t>
+            </a:r>
+            <a:r>
               <a:rPr lang="en-US" altLang="zh-CN" dirty="0" err="1"/>
-              <a:t>DenseNet</a:t>
+              <a:t>ReLU</a:t>
+            </a:r>
+            <a:r>
+              <a:rPr lang="zh-CN" altLang="zh-CN" dirty="0"/>
+              <a:t>激活函数和</a:t>
+            </a:r>
+            <a:r>
+              <a:rPr lang="en-US" altLang="zh-CN" dirty="0"/>
+              <a:t>3</a:t>
+            </a:r>
+            <a:r>
+              <a:rPr lang="zh-CN" altLang="zh-CN" dirty="0"/>
+              <a:t>×</a:t>
+            </a:r>
+            <a:r>
+              <a:rPr lang="en-US" altLang="zh-CN" dirty="0"/>
+              <a:t>3</a:t>
+            </a:r>
+            <a:r>
+              <a:rPr lang="zh-CN" altLang="zh-CN" dirty="0"/>
+              <a:t>的卷积</a:t>
             </a:r>
             <a:r>
               <a:rPr lang="zh-CN" altLang="en-US" dirty="0"/>
-              <a:t>则是让</a:t>
+              <a:t>，</a:t>
+            </a:r>
+            <a:r>
+              <a:rPr lang="zh-CN" altLang="zh-CN" dirty="0"/>
+              <a:t>第</a:t>
             </a:r>
             <a:r>
               <a:rPr lang="en-US" altLang="zh-CN" dirty="0"/>
               <a:t>l</a:t>
             </a:r>
             <a:r>
+              <a:rPr lang="zh-CN" altLang="zh-CN" dirty="0"/>
+              <a:t>层的输出为</a:t>
+            </a:r>
+            <a:r>
+              <a:rPr lang="en-US" altLang="zh-CN" dirty="0"/>
+              <a:t>xl</a:t>
+            </a:r>
+            <a:endParaRPr lang="zh-CN" altLang="zh-CN" dirty="0"/>
+          </a:p>
+          <a:p>
+            <a:pPr marL="0" marR="0" lvl="0" indent="0" algn="l" defTabSz="914400" rtl="0" eaLnBrk="1" fontAlgn="auto" latinLnBrk="0" hangingPunct="1">
+              <a:lnSpc>
+                <a:spcPct val="100000"/>
+              </a:lnSpc>
+              <a:spcBef>
+                <a:spcPts val="0"/>
+              </a:spcBef>
+              <a:spcAft>
+                <a:spcPts val="0"/>
+              </a:spcAft>
+              <a:buClrTx/>
+              <a:buSzTx/>
+              <a:buFontTx/>
+              <a:buNone/>
+              <a:tabLst/>
+              <a:defRPr/>
+            </a:pPr>
+            <a:endParaRPr lang="en-US" altLang="zh-CN" dirty="0"/>
+          </a:p>
+          <a:p>
+            <a:pPr marL="0" marR="0" lvl="0" indent="0" algn="l" defTabSz="914400" rtl="0" eaLnBrk="1" fontAlgn="auto" latinLnBrk="0" hangingPunct="1">
+              <a:lnSpc>
+                <a:spcPct val="100000"/>
+              </a:lnSpc>
+              <a:spcBef>
+                <a:spcPts val="0"/>
+              </a:spcBef>
+              <a:spcAft>
+                <a:spcPts val="0"/>
+              </a:spcAft>
+              <a:buClrTx/>
+              <a:buSzTx/>
+              <a:buFontTx/>
+              <a:buNone/>
+              <a:tabLst/>
+              <a:defRPr/>
+            </a:pPr>
+            <a:r>
+              <a:rPr lang="zh-CN" altLang="zh-CN" dirty="0"/>
+              <a:t>不同层的连接需要相同的特征图，但是池化层也是必不可少的。引入多重密集连接的</a:t>
+            </a:r>
+            <a:r>
+              <a:rPr lang="en-US" altLang="zh-CN" dirty="0"/>
+              <a:t>dense blocks</a:t>
+            </a:r>
+            <a:r>
+              <a:rPr lang="zh-CN" altLang="zh-CN" dirty="0"/>
+              <a:t>，在每个</a:t>
+            </a:r>
+            <a:r>
+              <a:rPr lang="en-US" altLang="zh-CN" dirty="0"/>
+              <a:t>block</a:t>
+            </a:r>
+            <a:r>
+              <a:rPr lang="zh-CN" altLang="zh-CN" dirty="0"/>
+              <a:t>中间的是</a:t>
+            </a:r>
+            <a:r>
+              <a:rPr lang="en-US" altLang="zh-CN" dirty="0"/>
+              <a:t>transition layers</a:t>
+            </a:r>
+            <a:r>
+              <a:rPr lang="zh-CN" altLang="zh-CN" dirty="0"/>
+              <a:t>（过渡层），</a:t>
+            </a:r>
+            <a:r>
+              <a:rPr lang="en-US" altLang="zh-CN" dirty="0"/>
+              <a:t>transition layer</a:t>
+            </a:r>
+            <a:r>
+              <a:rPr lang="zh-CN" altLang="zh-CN" dirty="0"/>
+              <a:t>包含</a:t>
+            </a:r>
+            <a:r>
+              <a:rPr lang="en-US" altLang="zh-CN" dirty="0"/>
+              <a:t>batch normalization </a:t>
+            </a:r>
+            <a:r>
+              <a:rPr lang="zh-CN" altLang="zh-CN" dirty="0"/>
+              <a:t>层，</a:t>
+            </a:r>
+            <a:r>
+              <a:rPr lang="en-US" altLang="zh-CN" dirty="0"/>
+              <a:t>1×1</a:t>
+            </a:r>
+            <a:r>
+              <a:rPr lang="zh-CN" altLang="zh-CN" dirty="0"/>
+              <a:t>卷积和池化</a:t>
+            </a:r>
+            <a:endParaRPr lang="en-US" altLang="zh-CN" dirty="0"/>
+          </a:p>
+          <a:p>
+            <a:pPr marL="0" marR="0" lvl="0" indent="0" algn="l" defTabSz="914400" rtl="0" eaLnBrk="1" fontAlgn="auto" latinLnBrk="0" hangingPunct="1">
+              <a:lnSpc>
+                <a:spcPct val="100000"/>
+              </a:lnSpc>
+              <a:spcBef>
+                <a:spcPts val="0"/>
+              </a:spcBef>
+              <a:spcAft>
+                <a:spcPts val="0"/>
+              </a:spcAft>
+              <a:buClrTx/>
+              <a:buSzTx/>
+              <a:buFontTx/>
+              <a:buNone/>
+              <a:tabLst/>
+              <a:defRPr/>
+            </a:pPr>
+            <a:endParaRPr lang="en-US" altLang="zh-CN" dirty="0"/>
+          </a:p>
+          <a:p>
+            <a:pPr marL="0" marR="0" lvl="0" indent="0" algn="l" defTabSz="914400" rtl="0" eaLnBrk="1" fontAlgn="auto" latinLnBrk="0" hangingPunct="1">
+              <a:lnSpc>
+                <a:spcPct val="100000"/>
+              </a:lnSpc>
+              <a:spcBef>
+                <a:spcPts val="0"/>
+              </a:spcBef>
+              <a:spcAft>
+                <a:spcPts val="0"/>
+              </a:spcAft>
+              <a:buClrTx/>
+              <a:buSzTx/>
+              <a:buFontTx/>
+              <a:buNone/>
+              <a:tabLst/>
+              <a:defRPr/>
+            </a:pPr>
+            <a:r>
+              <a:rPr lang="en-US" altLang="zh-CN" dirty="0"/>
+              <a:t>Growth rate</a:t>
+            </a:r>
+            <a:r>
               <a:rPr lang="zh-CN" altLang="en-US" dirty="0"/>
-              <a:t>层的输入直接影响到之后的所有层，并且由于每一层都包含之前所有层的输出信息。因此其</a:t>
-            </a:r>
-            <a:r>
-              <a:rPr lang="zh-CN" altLang="en-US" b="1" dirty="0"/>
-              <a:t>只需要很少的特征图</a:t>
+              <a:t>：</a:t>
+            </a:r>
+            <a:r>
+              <a:rPr lang="en-US" altLang="zh-CN" dirty="0"/>
+              <a:t>Hl(.)</a:t>
+            </a:r>
+            <a:r>
+              <a:rPr lang="zh-CN" altLang="zh-CN" dirty="0"/>
+              <a:t>函数输出</a:t>
+            </a:r>
+            <a:r>
+              <a:rPr lang="en-US" altLang="zh-CN" dirty="0"/>
+              <a:t>k</a:t>
+            </a:r>
+            <a:r>
+              <a:rPr lang="zh-CN" altLang="zh-CN" dirty="0"/>
+              <a:t>个特征图，表明第</a:t>
+            </a:r>
+            <a:r>
+              <a:rPr lang="en-US" altLang="zh-CN" dirty="0"/>
+              <a:t>l</a:t>
+            </a:r>
+            <a:r>
+              <a:rPr lang="zh-CN" altLang="zh-CN" dirty="0"/>
+              <a:t>层有</a:t>
+            </a:r>
+            <a:r>
+              <a:rPr lang="en-US" altLang="zh-CN" dirty="0"/>
+              <a:t>k(l-1)+k0</a:t>
+            </a:r>
+            <a:r>
+              <a:rPr lang="zh-CN" altLang="zh-CN" dirty="0"/>
+              <a:t>个输入特征图，</a:t>
+            </a:r>
+            <a:r>
+              <a:rPr lang="en-US" altLang="zh-CN" dirty="0"/>
+              <a:t>k0</a:t>
+            </a:r>
+            <a:r>
+              <a:rPr lang="zh-CN" altLang="zh-CN" dirty="0"/>
+              <a:t>是输入图像的通道数。超参数</a:t>
+            </a:r>
+            <a:r>
+              <a:rPr lang="en-US" altLang="zh-CN" dirty="0"/>
+              <a:t>k</a:t>
+            </a:r>
+            <a:r>
+              <a:rPr lang="zh-CN" altLang="zh-CN" dirty="0"/>
+              <a:t>设定的小，为</a:t>
+            </a:r>
+            <a:r>
+              <a:rPr lang="en-US" altLang="zh-CN" dirty="0"/>
+              <a:t>12</a:t>
+            </a:r>
+            <a:r>
+              <a:rPr lang="zh-CN" altLang="zh-CN" dirty="0"/>
+              <a:t>，为了防止网络过宽，提高参数效率。</a:t>
+            </a:r>
+            <a:endParaRPr lang="en-US" altLang="zh-CN" dirty="0"/>
+          </a:p>
+          <a:p>
+            <a:pPr marL="0" marR="0" lvl="0" indent="0" algn="l" defTabSz="914400" rtl="0" eaLnBrk="1" fontAlgn="auto" latinLnBrk="0" hangingPunct="1">
+              <a:lnSpc>
+                <a:spcPct val="100000"/>
+              </a:lnSpc>
+              <a:spcBef>
+                <a:spcPts val="0"/>
+              </a:spcBef>
+              <a:spcAft>
+                <a:spcPts val="0"/>
+              </a:spcAft>
+              <a:buClrTx/>
+              <a:buSzTx/>
+              <a:buFontTx/>
+              <a:buNone/>
+              <a:tabLst/>
+              <a:defRPr/>
+            </a:pPr>
+            <a:endParaRPr lang="en-US" altLang="zh-CN" dirty="0"/>
+          </a:p>
+          <a:p>
+            <a:pPr marL="0" marR="0" lvl="0" indent="0" algn="l" defTabSz="914400" rtl="0" eaLnBrk="1" fontAlgn="auto" latinLnBrk="0" hangingPunct="1">
+              <a:lnSpc>
+                <a:spcPct val="100000"/>
+              </a:lnSpc>
+              <a:spcBef>
+                <a:spcPts val="0"/>
+              </a:spcBef>
+              <a:spcAft>
+                <a:spcPts val="0"/>
+              </a:spcAft>
+              <a:buClrTx/>
+              <a:buSzTx/>
+              <a:buFontTx/>
+              <a:buNone/>
+              <a:tabLst/>
+              <a:defRPr/>
+            </a:pPr>
+            <a:r>
+              <a:rPr lang="en-US" altLang="zh-CN" dirty="0"/>
+              <a:t>Bottleneck layers</a:t>
             </a:r>
             <a:r>
               <a:rPr lang="zh-CN" altLang="en-US" dirty="0"/>
-              <a:t>就够了，这也是为什么</a:t>
-            </a:r>
-            <a:r>
-              <a:rPr lang="en-US" altLang="zh-CN" dirty="0" err="1"/>
-              <a:t>DneseNet</a:t>
+              <a:t>：</a:t>
+            </a:r>
+            <a:r>
+              <a:rPr lang="zh-CN" altLang="zh-CN" dirty="0"/>
+              <a:t>在</a:t>
+            </a:r>
+            <a:r>
+              <a:rPr lang="en-US" altLang="zh-CN" dirty="0"/>
+              <a:t>3</a:t>
+            </a:r>
+            <a:r>
+              <a:rPr lang="zh-CN" altLang="zh-CN" dirty="0"/>
+              <a:t>×</a:t>
+            </a:r>
+            <a:r>
+              <a:rPr lang="en-US" altLang="zh-CN" dirty="0"/>
+              <a:t>3</a:t>
+            </a:r>
+            <a:r>
+              <a:rPr lang="zh-CN" altLang="zh-CN" dirty="0"/>
+              <a:t>卷积之前加入</a:t>
+            </a:r>
+            <a:r>
+              <a:rPr lang="en-US" altLang="zh-CN" dirty="0"/>
+              <a:t>1</a:t>
+            </a:r>
+            <a:r>
+              <a:rPr lang="zh-CN" altLang="zh-CN" dirty="0"/>
+              <a:t>×</a:t>
+            </a:r>
+            <a:r>
+              <a:rPr lang="en-US" altLang="zh-CN" dirty="0"/>
+              <a:t>1</a:t>
+            </a:r>
+            <a:r>
+              <a:rPr lang="zh-CN" altLang="zh-CN" dirty="0"/>
+              <a:t>卷积来减少维度，增加计算效率</a:t>
             </a:r>
             <a:r>
               <a:rPr lang="zh-CN" altLang="en-US" dirty="0"/>
-              <a:t>的参数量较其他模型大大减少的原因。</a:t>
-            </a:r>
+              <a:t>，</a:t>
+            </a:r>
+            <a:r>
+              <a:rPr lang="zh-CN" altLang="en-US" sz="1200" dirty="0"/>
+              <a:t>就是</a:t>
+            </a:r>
+            <a:r>
+              <a:rPr lang="en-US" altLang="zh-CN" sz="1200" dirty="0"/>
+              <a:t>bottleneck </a:t>
+            </a:r>
+            <a:r>
+              <a:rPr lang="zh-CN" altLang="en-US" sz="1200" dirty="0"/>
+              <a:t>层。将</a:t>
+            </a:r>
+            <a:r>
+              <a:rPr lang="en-US" altLang="zh-CN" sz="1200" dirty="0"/>
+              <a:t>Hl</a:t>
+            </a:r>
+            <a:r>
+              <a:rPr lang="zh-CN" altLang="en-US" sz="1200" dirty="0"/>
+              <a:t>改为</a:t>
+            </a:r>
+            <a:r>
+              <a:rPr lang="en-US" altLang="zh-CN" sz="1200" dirty="0"/>
+              <a:t>BN-</a:t>
+            </a:r>
+            <a:r>
+              <a:rPr lang="en-US" altLang="zh-CN" sz="1200" dirty="0" err="1"/>
+              <a:t>ReLU</a:t>
+            </a:r>
+            <a:r>
+              <a:rPr lang="en-US" altLang="zh-CN" sz="1200" dirty="0"/>
+              <a:t>-Conv(1x1)-BN-</a:t>
+            </a:r>
+            <a:r>
+              <a:rPr lang="en-US" altLang="zh-CN" sz="1200" dirty="0" err="1"/>
+              <a:t>ReLU</a:t>
+            </a:r>
+            <a:r>
+              <a:rPr lang="en-US" altLang="zh-CN" sz="1200" dirty="0"/>
+              <a:t>-Conv(3x3)</a:t>
+            </a:r>
+            <a:r>
+              <a:rPr lang="zh-CN" altLang="en-US" sz="1200" dirty="0"/>
+              <a:t>的结构，记为</a:t>
+            </a:r>
+            <a:r>
+              <a:rPr lang="en-US" altLang="zh-CN" sz="1200" dirty="0" err="1"/>
+              <a:t>DenseNet</a:t>
+            </a:r>
+            <a:r>
+              <a:rPr lang="en-US" altLang="zh-CN" sz="1200" dirty="0"/>
+              <a:t>-B </a:t>
+            </a:r>
+          </a:p>
+          <a:p>
+            <a:endParaRPr lang="en-US" altLang="zh-CN" dirty="0"/>
+          </a:p>
+          <a:p>
+            <a:endParaRPr lang="zh-CN" altLang="en-US" dirty="0"/>
+          </a:p>
+          <a:p>
+            <a:pPr marL="0" marR="0" lvl="0" indent="0" algn="l" defTabSz="914400" rtl="0" eaLnBrk="1" fontAlgn="auto" latinLnBrk="0" hangingPunct="1">
+              <a:lnSpc>
+                <a:spcPct val="100000"/>
+              </a:lnSpc>
+              <a:spcBef>
+                <a:spcPts val="0"/>
+              </a:spcBef>
+              <a:spcAft>
+                <a:spcPts val="0"/>
+              </a:spcAft>
+              <a:buClrTx/>
+              <a:buSzTx/>
+              <a:buFontTx/>
+              <a:buNone/>
+              <a:tabLst/>
+              <a:defRPr/>
+            </a:pPr>
+            <a:endParaRPr lang="zh-CN" altLang="zh-CN" dirty="0"/>
           </a:p>
           <a:p>
             <a:endParaRPr lang="zh-CN" altLang="en-US" dirty="0"/>
@@ -1131,7 +1532,7 @@
           <a:p>
             <a:fld id="{9D43EA00-B718-4ADE-AC24-1709D54B376C}" type="slidenum">
               <a:rPr lang="zh-CN" altLang="en-US" smtClean="0"/>
-              <a:t>19</a:t>
+              <a:t>18</a:t>
             </a:fld>
             <a:endParaRPr lang="zh-CN" altLang="en-US"/>
           </a:p>
@@ -1140,7 +1541,7 @@
     </p:spTree>
     <p:extLst>
       <p:ext uri="{BB962C8B-B14F-4D97-AF65-F5344CB8AC3E}">
-        <p14:creationId xmlns:p14="http://schemas.microsoft.com/office/powerpoint/2010/main" val="820921372"/>
+        <p14:creationId xmlns:p14="http://schemas.microsoft.com/office/powerpoint/2010/main" val="911775451"/>
       </p:ext>
     </p:extLst>
   </p:cSld>
@@ -1196,7 +1597,7 @@
           <a:p>
             <a:pPr marL="0" marR="0" lvl="0" indent="0" algn="l" defTabSz="914400" rtl="0" eaLnBrk="1" fontAlgn="auto" latinLnBrk="0" hangingPunct="1">
               <a:lnSpc>
-                <a:spcPct val="100000"/>
+                <a:spcPct val="150000"/>
               </a:lnSpc>
               <a:spcBef>
                 <a:spcPts val="0"/>
@@ -1212,83 +1613,63 @@
               <a:defRPr/>
             </a:pPr>
             <a:r>
-              <a:rPr lang="en-US" altLang="zh-CN" dirty="0"/>
-              <a:t>x0</a:t>
-            </a:r>
-            <a:r>
-              <a:rPr lang="zh-CN" altLang="zh-CN" dirty="0"/>
-              <a:t>为输入，</a:t>
-            </a:r>
-            <a:r>
-              <a:rPr lang="en-US" altLang="zh-CN" dirty="0"/>
-              <a:t>Hl(.)</a:t>
-            </a:r>
-            <a:r>
-              <a:rPr lang="zh-CN" altLang="zh-CN" dirty="0"/>
-              <a:t>代表一种非线性的转换</a:t>
-            </a:r>
-            <a:r>
-              <a:rPr lang="zh-CN" altLang="en-US" dirty="0"/>
-              <a:t>，为</a:t>
-            </a:r>
-            <a:r>
-              <a:rPr lang="en-US" altLang="zh-CN" dirty="0"/>
-              <a:t>Batch Normalization (BN)</a:t>
-            </a:r>
-            <a:r>
-              <a:rPr lang="zh-CN" altLang="zh-CN" dirty="0"/>
+              <a:rPr lang="zh-CN" altLang="en-US" sz="1200" dirty="0"/>
+              <a:t>上图是一个包含五层的</a:t>
+            </a:r>
+            <a:r>
+              <a:rPr lang="en-US" altLang="zh-CN" sz="1200" dirty="0"/>
+              <a:t>Dense Block</a:t>
+            </a:r>
+            <a:r>
+              <a:rPr lang="zh-CN" altLang="en-US" sz="1200" dirty="0"/>
               <a:t>，</a:t>
             </a:r>
             <a:r>
-              <a:rPr lang="en-US" altLang="zh-CN" dirty="0" err="1"/>
+              <a:rPr lang="en-US" altLang="zh-CN" sz="1200" dirty="0"/>
+              <a:t>dense block</a:t>
+            </a:r>
+            <a:r>
+              <a:rPr lang="zh-CN" altLang="en-US" sz="1200" dirty="0"/>
+              <a:t>是</a:t>
+            </a:r>
+            <a:r>
+              <a:rPr lang="en-US" altLang="zh-CN" sz="1200" dirty="0" err="1"/>
+              <a:t>DenseNet</a:t>
+            </a:r>
+            <a:r>
+              <a:rPr lang="zh-CN" altLang="en-US" sz="1200" dirty="0"/>
+              <a:t>的组成单元。层与层之间的激励函数即</a:t>
+            </a:r>
+            <a:r>
+              <a:rPr lang="en-US" altLang="zh-CN" sz="1200" dirty="0"/>
+              <a:t>Hl</a:t>
+            </a:r>
+            <a:r>
+              <a:rPr lang="zh-CN" altLang="en-US" sz="1200" dirty="0"/>
+              <a:t>为</a:t>
+            </a:r>
+            <a:r>
+              <a:rPr lang="en-US" altLang="zh-CN" sz="1200" dirty="0"/>
+              <a:t>BN-</a:t>
+            </a:r>
+            <a:r>
+              <a:rPr lang="en-US" altLang="zh-CN" sz="1200" dirty="0" err="1"/>
               <a:t>ReLU</a:t>
             </a:r>
             <a:r>
-              <a:rPr lang="zh-CN" altLang="zh-CN" dirty="0"/>
-              <a:t>激活函数和</a:t>
-            </a:r>
-            <a:r>
-              <a:rPr lang="en-US" altLang="zh-CN" dirty="0"/>
-              <a:t>3</a:t>
-            </a:r>
-            <a:r>
-              <a:rPr lang="zh-CN" altLang="zh-CN" dirty="0"/>
-              <a:t>×</a:t>
-            </a:r>
-            <a:r>
-              <a:rPr lang="en-US" altLang="zh-CN" dirty="0"/>
-              <a:t>3</a:t>
-            </a:r>
-            <a:r>
-              <a:rPr lang="zh-CN" altLang="zh-CN" dirty="0"/>
-              <a:t>的卷积</a:t>
-            </a:r>
-            <a:r>
-              <a:rPr lang="zh-CN" altLang="en-US" dirty="0"/>
-              <a:t>，</a:t>
-            </a:r>
-            <a:r>
-              <a:rPr lang="zh-CN" altLang="zh-CN" dirty="0"/>
-              <a:t>第</a:t>
-            </a:r>
-            <a:r>
-              <a:rPr lang="en-US" altLang="zh-CN" dirty="0"/>
-              <a:t>l</a:t>
-            </a:r>
-            <a:r>
-              <a:rPr lang="zh-CN" altLang="zh-CN" dirty="0"/>
-              <a:t>层的输出为</a:t>
-            </a:r>
-            <a:r>
-              <a:rPr lang="en-US" altLang="zh-CN" dirty="0"/>
-              <a:t>xl</a:t>
-            </a:r>
-            <a:endParaRPr lang="zh-CN" altLang="zh-CN" dirty="0"/>
+              <a:rPr lang="en-US" altLang="zh-CN" sz="1200" dirty="0"/>
+              <a:t>-Conv(3x3)</a:t>
+            </a:r>
+            <a:r>
+              <a:rPr lang="zh-CN" altLang="en-US" sz="1200" dirty="0"/>
+              <a:t>的结构</a:t>
+            </a:r>
+            <a:endParaRPr lang="en-US" altLang="zh-CN" sz="1200" dirty="0"/>
           </a:p>
           <a:p>
             <a:pPr marL="0" marR="0" lvl="0" indent="0" algn="l" defTabSz="914400" rtl="0" eaLnBrk="1" fontAlgn="auto" latinLnBrk="0" hangingPunct="1">
               <a:lnSpc>
-                <a:spcPct val="100000"/>
+                <a:spcPct val="150000"/>
               </a:lnSpc>
               <a:spcBef>
                 <a:spcPts val="0"/>
@@ -1303,12 +1684,12 @@
               <a:tabLst/>
               <a:defRPr/>
             </a:pPr>
-            <a:endParaRPr lang="en-US" altLang="zh-CN" dirty="0"/>
+            <a:endParaRPr lang="en-US" altLang="zh-CN" sz="1200" dirty="0"/>
           </a:p>
           <a:p>
             <a:pPr marL="0" marR="0" lvl="0" indent="0" algn="l" defTabSz="914400" rtl="0" eaLnBrk="1" fontAlgn="auto" latinLnBrk="0" hangingPunct="1">
               <a:lnSpc>
-                <a:spcPct val="100000"/>
+                <a:spcPct val="150000"/>
               </a:lnSpc>
               <a:spcBef>
                 <a:spcPts val="0"/>
@@ -1325,15 +1706,23 @@
             </a:pPr>
             <a:r>
               <a:rPr lang="zh-CN" altLang="zh-CN" dirty="0"/>
-              <a:t>不同层的连接需要相同的特征图，但是池化层也是必不可少的。引入多重密集连接的</a:t>
+              <a:t>第</a:t>
             </a:r>
             <a:r>
               <a:rPr lang="en-US" altLang="zh-CN" dirty="0"/>
-              <a:t>dense blocks</a:t>
+              <a:t>l</a:t>
             </a:r>
             <a:r>
               <a:rPr lang="zh-CN" altLang="zh-CN" dirty="0"/>
-              <a:t>，在每个</a:t>
+              <a:t>层有</a:t>
+            </a:r>
+            <a:r>
+              <a:rPr lang="en-US" altLang="zh-CN" dirty="0"/>
+              <a:t>l</a:t>
+            </a:r>
+            <a:r>
+              <a:rPr lang="zh-CN" altLang="zh-CN" dirty="0"/>
+              <a:t>个输入，包含所有之前的卷积</a:t>
             </a:r>
             <a:r>
               <a:rPr lang="en-US" altLang="zh-CN" dirty="0"/>
@@ -1341,378 +1730,77 @@
             </a:r>
             <a:r>
               <a:rPr lang="zh-CN" altLang="zh-CN" dirty="0"/>
-              <a:t>中间的是</a:t>
+              <a:t>的特征图，它的自己的特征图传给了所有的后面的</a:t>
             </a:r>
             <a:r>
               <a:rPr lang="en-US" altLang="zh-CN" dirty="0"/>
-              <a:t>transition layers</a:t>
+              <a:t>L-l</a:t>
             </a:r>
             <a:r>
               <a:rPr lang="zh-CN" altLang="zh-CN" dirty="0"/>
-              <a:t>（过渡层），</a:t>
+              <a:t>层。这样在</a:t>
             </a:r>
             <a:r>
               <a:rPr lang="en-US" altLang="zh-CN" dirty="0"/>
-              <a:t>transition layer</a:t>
+              <a:t>L</a:t>
             </a:r>
             <a:r>
               <a:rPr lang="zh-CN" altLang="zh-CN" dirty="0"/>
-              <a:t>包含</a:t>
+              <a:t>层的网络中有</a:t>
             </a:r>
             <a:r>
               <a:rPr lang="en-US" altLang="zh-CN" dirty="0"/>
-              <a:t>batch normalization </a:t>
+              <a:t>L(L+1)/2</a:t>
             </a:r>
             <a:r>
               <a:rPr lang="zh-CN" altLang="zh-CN" dirty="0"/>
-              <a:t>层，</a:t>
+              <a:t>个连接。因为这种密集连接模式，此网络成为</a:t>
             </a:r>
             <a:r>
               <a:rPr lang="en-US" altLang="zh-CN" dirty="0"/>
-              <a:t>1×1</a:t>
-            </a:r>
-            <a:r>
-              <a:rPr lang="zh-CN" altLang="zh-CN" dirty="0"/>
-              <a:t>卷积和池化</a:t>
-            </a:r>
+              <a:t>Dense Convolutional  Network (</a:t>
+            </a:r>
+            <a:r>
+              <a:rPr lang="en-US" altLang="zh-CN" dirty="0" err="1"/>
+              <a:t>DenseNet</a:t>
+            </a:r>
+            <a:r>
+              <a:rPr lang="en-US" altLang="zh-CN" dirty="0"/>
+              <a:t>).</a:t>
+            </a:r>
+            <a:endParaRPr lang="zh-CN" altLang="zh-CN" dirty="0"/>
+          </a:p>
+          <a:p>
+            <a:pPr>
+              <a:lnSpc>
+                <a:spcPct val="150000"/>
+              </a:lnSpc>
+            </a:pPr>
             <a:endParaRPr lang="en-US" altLang="zh-CN" dirty="0"/>
           </a:p>
           <a:p>
-            <a:pPr marL="0" marR="0" lvl="0" indent="0" algn="l" defTabSz="914400" rtl="0" eaLnBrk="1" fontAlgn="auto" latinLnBrk="0" hangingPunct="1">
+            <a:pPr>
               <a:lnSpc>
                 <a:spcPct val="100000"/>
               </a:lnSpc>
-              <a:spcBef>
-                <a:spcPts val="0"/>
-              </a:spcBef>
-              <a:spcAft>
-                <a:spcPts val="0"/>
-              </a:spcAft>
-              <a:buClrTx/>
-              <a:buSzTx/>
-              <a:buFontTx/>
-              <a:buNone/>
-              <a:tabLst/>
-              <a:defRPr/>
             </a:pPr>
-            <a:endParaRPr lang="en-US" altLang="zh-CN" dirty="0"/>
-          </a:p>
-          <a:p>
-            <a:pPr marL="0" marR="0" lvl="0" indent="0" algn="l" defTabSz="914400" rtl="0" eaLnBrk="1" fontAlgn="auto" latinLnBrk="0" hangingPunct="1">
+            <a:endParaRPr lang="en-US" altLang="zh-CN" sz="1200" dirty="0"/>
+          </a:p>
+          <a:p>
+            <a:pPr>
               <a:lnSpc>
                 <a:spcPct val="100000"/>
               </a:lnSpc>
-              <a:spcBef>
-                <a:spcPts val="0"/>
-              </a:spcBef>
-              <a:spcAft>
-                <a:spcPts val="0"/>
-              </a:spcAft>
-              <a:buClrTx/>
-              <a:buSzTx/>
-              <a:buFontTx/>
-              <a:buNone/>
-              <a:tabLst/>
-              <a:defRPr/>
             </a:pPr>
-            <a:r>
-              <a:rPr lang="en-US" altLang="zh-CN" dirty="0"/>
-              <a:t>Growth rate</a:t>
-            </a:r>
-            <a:r>
-              <a:rPr lang="zh-CN" altLang="en-US" dirty="0"/>
-              <a:t>：</a:t>
-            </a:r>
-            <a:r>
-              <a:rPr lang="en-US" altLang="zh-CN" dirty="0"/>
-              <a:t>Hl(.)</a:t>
-            </a:r>
-            <a:r>
-              <a:rPr lang="zh-CN" altLang="zh-CN" dirty="0"/>
-              <a:t>函数输出</a:t>
-            </a:r>
-            <a:r>
-              <a:rPr lang="en-US" altLang="zh-CN" dirty="0"/>
-              <a:t>k</a:t>
-            </a:r>
-            <a:r>
-              <a:rPr lang="zh-CN" altLang="zh-CN" dirty="0"/>
-              <a:t>个特征图，表明第</a:t>
-            </a:r>
-            <a:r>
-              <a:rPr lang="en-US" altLang="zh-CN" dirty="0"/>
-              <a:t>l</a:t>
-            </a:r>
-            <a:r>
-              <a:rPr lang="zh-CN" altLang="zh-CN" dirty="0"/>
-              <a:t>层有</a:t>
-            </a:r>
-            <a:r>
-              <a:rPr lang="en-US" altLang="zh-CN" dirty="0"/>
-              <a:t>k(l-1)+k0</a:t>
-            </a:r>
-            <a:r>
-              <a:rPr lang="zh-CN" altLang="zh-CN" dirty="0"/>
-              <a:t>个输入特征图，</a:t>
-            </a:r>
-            <a:r>
-              <a:rPr lang="en-US" altLang="zh-CN" dirty="0"/>
-              <a:t>k0</a:t>
-            </a:r>
-            <a:r>
-              <a:rPr lang="zh-CN" altLang="zh-CN" dirty="0"/>
-              <a:t>是输入图像的通道数。超参数</a:t>
-            </a:r>
-            <a:r>
-              <a:rPr lang="en-US" altLang="zh-CN" dirty="0"/>
-              <a:t>k</a:t>
-            </a:r>
-            <a:r>
-              <a:rPr lang="zh-CN" altLang="zh-CN" dirty="0"/>
-              <a:t>设定的小，为</a:t>
-            </a:r>
-            <a:r>
-              <a:rPr lang="en-US" altLang="zh-CN" dirty="0"/>
-              <a:t>12</a:t>
-            </a:r>
-            <a:r>
-              <a:rPr lang="zh-CN" altLang="zh-CN" dirty="0"/>
-              <a:t>，为了防止网络过宽，提高参数效率。</a:t>
-            </a:r>
-            <a:endParaRPr lang="en-US" altLang="zh-CN" dirty="0"/>
-          </a:p>
-          <a:p>
-            <a:pPr marL="0" marR="0" lvl="0" indent="0" algn="l" defTabSz="914400" rtl="0" eaLnBrk="1" fontAlgn="auto" latinLnBrk="0" hangingPunct="1">
+            <a:endParaRPr lang="zh-CN" altLang="en-US" sz="1200" dirty="0"/>
+          </a:p>
+          <a:p>
+            <a:pPr>
               <a:lnSpc>
-                <a:spcPct val="100000"/>
+                <a:spcPct val="150000"/>
               </a:lnSpc>
-              <a:spcBef>
-                <a:spcPts val="0"/>
-              </a:spcBef>
-              <a:spcAft>
-                <a:spcPts val="0"/>
-              </a:spcAft>
-              <a:buClrTx/>
-              <a:buSzTx/>
-              <a:buFontTx/>
-              <a:buNone/>
-              <a:tabLst/>
-              <a:defRPr/>
             </a:pPr>
-            <a:endParaRPr lang="en-US" altLang="zh-CN" dirty="0"/>
-          </a:p>
-          <a:p>
-            <a:pPr marL="0" marR="0" lvl="0" indent="0" algn="l" defTabSz="914400" rtl="0" eaLnBrk="1" fontAlgn="auto" latinLnBrk="0" hangingPunct="1">
-              <a:lnSpc>
-                <a:spcPct val="100000"/>
-              </a:lnSpc>
-              <a:spcBef>
-                <a:spcPts val="0"/>
-              </a:spcBef>
-              <a:spcAft>
-                <a:spcPts val="0"/>
-              </a:spcAft>
-              <a:buClrTx/>
-              <a:buSzTx/>
-              <a:buFontTx/>
-              <a:buNone/>
-              <a:tabLst/>
-              <a:defRPr/>
-            </a:pPr>
-            <a:r>
-              <a:rPr lang="en-US" altLang="zh-CN" dirty="0"/>
-              <a:t>Bottleneck layers</a:t>
-            </a:r>
-            <a:r>
-              <a:rPr lang="zh-CN" altLang="en-US" dirty="0"/>
-              <a:t>：</a:t>
-            </a:r>
-            <a:r>
-              <a:rPr lang="zh-CN" altLang="zh-CN" dirty="0"/>
-              <a:t>和</a:t>
-            </a:r>
-            <a:r>
-              <a:rPr lang="en-US" altLang="zh-CN" dirty="0" err="1"/>
-              <a:t>ResNet</a:t>
-            </a:r>
-            <a:r>
-              <a:rPr lang="zh-CN" altLang="zh-CN" dirty="0"/>
-              <a:t>一样，在</a:t>
-            </a:r>
-            <a:r>
-              <a:rPr lang="en-US" altLang="zh-CN" dirty="0"/>
-              <a:t>3</a:t>
-            </a:r>
-            <a:r>
-              <a:rPr lang="zh-CN" altLang="zh-CN" dirty="0"/>
-              <a:t>×</a:t>
-            </a:r>
-            <a:r>
-              <a:rPr lang="en-US" altLang="zh-CN" dirty="0"/>
-              <a:t>3</a:t>
-            </a:r>
-            <a:r>
-              <a:rPr lang="zh-CN" altLang="zh-CN" dirty="0"/>
-              <a:t>卷积之前加入</a:t>
-            </a:r>
-            <a:r>
-              <a:rPr lang="en-US" altLang="zh-CN" dirty="0"/>
-              <a:t>1</a:t>
-            </a:r>
-            <a:r>
-              <a:rPr lang="zh-CN" altLang="zh-CN" dirty="0"/>
-              <a:t>×</a:t>
-            </a:r>
-            <a:r>
-              <a:rPr lang="en-US" altLang="zh-CN" dirty="0"/>
-              <a:t>1</a:t>
-            </a:r>
-            <a:r>
-              <a:rPr lang="zh-CN" altLang="zh-CN" dirty="0"/>
-              <a:t>卷积来减少维度，增加计算效率</a:t>
-            </a:r>
-          </a:p>
-          <a:p>
-            <a:endParaRPr lang="en-US" altLang="zh-CN" dirty="0"/>
-          </a:p>
-          <a:p>
-            <a:pPr marL="0" marR="0" lvl="0" indent="0" algn="l" defTabSz="914400" rtl="0" eaLnBrk="1" fontAlgn="auto" latinLnBrk="0" hangingPunct="1">
-              <a:lnSpc>
-                <a:spcPct val="100000"/>
-              </a:lnSpc>
-              <a:spcBef>
-                <a:spcPts val="0"/>
-              </a:spcBef>
-              <a:spcAft>
-                <a:spcPts val="0"/>
-              </a:spcAft>
-              <a:buClrTx/>
-              <a:buSzTx/>
-              <a:buFontTx/>
-              <a:buNone/>
-              <a:tabLst/>
-              <a:defRPr/>
-            </a:pPr>
-            <a:r>
-              <a:rPr lang="zh-CN" altLang="zh-CN" dirty="0"/>
-              <a:t>在</a:t>
-            </a:r>
-            <a:r>
-              <a:rPr lang="en-US" altLang="zh-CN" dirty="0"/>
-              <a:t>transition layers</a:t>
-            </a:r>
-            <a:r>
-              <a:rPr lang="zh-CN" altLang="zh-CN" dirty="0"/>
-              <a:t>中使用。设</a:t>
-            </a:r>
-            <a:r>
-              <a:rPr lang="en-US" altLang="zh-CN" dirty="0"/>
-              <a:t>dense block</a:t>
-            </a:r>
-            <a:r>
-              <a:rPr lang="zh-CN" altLang="zh-CN" dirty="0"/>
-              <a:t>有</a:t>
-            </a:r>
-            <a:r>
-              <a:rPr lang="en-US" altLang="zh-CN" dirty="0"/>
-              <a:t>m</a:t>
-            </a:r>
-            <a:r>
-              <a:rPr lang="zh-CN" altLang="zh-CN" dirty="0"/>
-              <a:t>个特征图，经过</a:t>
-            </a:r>
-            <a:r>
-              <a:rPr lang="en-US" altLang="zh-CN" dirty="0"/>
-              <a:t>transition layers</a:t>
-            </a:r>
-            <a:r>
-              <a:rPr lang="zh-CN" altLang="zh-CN" dirty="0"/>
-              <a:t>产生</a:t>
-            </a:r>
-            <a:r>
-              <a:rPr lang="en-US" altLang="zh-CN" dirty="0" err="1"/>
-              <a:t>θm</a:t>
-            </a:r>
-            <a:r>
-              <a:rPr lang="zh-CN" altLang="zh-CN" dirty="0"/>
-              <a:t>个输出。将</a:t>
-            </a:r>
-            <a:r>
-              <a:rPr lang="en-US" altLang="zh-CN" dirty="0"/>
-              <a:t>θ&lt;1</a:t>
-            </a:r>
-            <a:r>
-              <a:rPr lang="zh-CN" altLang="zh-CN" dirty="0"/>
-              <a:t>的</a:t>
-            </a:r>
-            <a:r>
-              <a:rPr lang="en-US" altLang="zh-CN" dirty="0" err="1"/>
-              <a:t>DenseNet</a:t>
-            </a:r>
-            <a:r>
-              <a:rPr lang="zh-CN" altLang="zh-CN" dirty="0"/>
-              <a:t>称为</a:t>
-            </a:r>
-            <a:r>
-              <a:rPr lang="en-US" altLang="zh-CN" dirty="0" err="1"/>
-              <a:t>DenseNet</a:t>
-            </a:r>
-            <a:r>
-              <a:rPr lang="en-US" altLang="zh-CN" dirty="0"/>
-              <a:t>-C</a:t>
-            </a:r>
-            <a:r>
-              <a:rPr lang="zh-CN" altLang="zh-CN" dirty="0"/>
-              <a:t>，如果同时使用</a:t>
-            </a:r>
-            <a:r>
-              <a:rPr lang="en-US" altLang="zh-CN" dirty="0"/>
-              <a:t>bottleneck </a:t>
-            </a:r>
-            <a:r>
-              <a:rPr lang="zh-CN" altLang="zh-CN" dirty="0"/>
-              <a:t>和</a:t>
-            </a:r>
-            <a:r>
-              <a:rPr lang="en-US" altLang="zh-CN" dirty="0"/>
-              <a:t>θ &lt; 1 </a:t>
-            </a:r>
-            <a:r>
-              <a:rPr lang="zh-CN" altLang="zh-CN" dirty="0"/>
-              <a:t>，称为</a:t>
-            </a:r>
-            <a:r>
-              <a:rPr lang="en-US" altLang="zh-CN" dirty="0" err="1"/>
-              <a:t>DenseNet</a:t>
-            </a:r>
-            <a:r>
-              <a:rPr lang="en-US" altLang="zh-CN" dirty="0"/>
-              <a:t>-BC.</a:t>
-            </a:r>
-            <a:endParaRPr lang="zh-CN" altLang="zh-CN" dirty="0"/>
-          </a:p>
-          <a:p>
             <a:endParaRPr lang="zh-CN" altLang="en-US" dirty="0"/>
-          </a:p>
-          <a:p>
-            <a:pPr marL="0" marR="0" lvl="0" indent="0" algn="l" defTabSz="914400" rtl="0" eaLnBrk="1" fontAlgn="auto" latinLnBrk="0" hangingPunct="1">
-              <a:lnSpc>
-                <a:spcPct val="100000"/>
-              </a:lnSpc>
-              <a:spcBef>
-                <a:spcPts val="0"/>
-              </a:spcBef>
-              <a:spcAft>
-                <a:spcPts val="0"/>
-              </a:spcAft>
-              <a:buClrTx/>
-              <a:buSzTx/>
-              <a:buFontTx/>
-              <a:buNone/>
-              <a:tabLst/>
-              <a:defRPr/>
-            </a:pPr>
-            <a:endParaRPr lang="zh-CN" altLang="zh-CN" dirty="0"/>
           </a:p>
           <a:p>
             <a:endParaRPr lang="zh-CN" altLang="en-US" dirty="0"/>
@@ -1736,7 +1824,7 @@
           <a:p>
             <a:fld id="{9D43EA00-B718-4ADE-AC24-1709D54B376C}" type="slidenum">
               <a:rPr lang="zh-CN" altLang="en-US" smtClean="0"/>
-              <a:t>20</a:t>
+              <a:t>19</a:t>
             </a:fld>
             <a:endParaRPr lang="zh-CN" altLang="en-US"/>
           </a:p>
@@ -1745,7 +1833,7 @@
     </p:spTree>
     <p:extLst>
       <p:ext uri="{BB962C8B-B14F-4D97-AF65-F5344CB8AC3E}">
-        <p14:creationId xmlns:p14="http://schemas.microsoft.com/office/powerpoint/2010/main" val="911775451"/>
+        <p14:creationId xmlns:p14="http://schemas.microsoft.com/office/powerpoint/2010/main" val="516118437"/>
       </p:ext>
     </p:extLst>
   </p:cSld>
@@ -1817,58 +1905,54 @@
               <a:defRPr/>
             </a:pPr>
             <a:r>
-              <a:rPr lang="zh-CN" altLang="zh-CN" dirty="0"/>
-              <a:t>不同层的连接需要相同的特征图，但是池化层也是必不可少的。引入多重密集连接的</a:t>
-            </a:r>
-            <a:r>
-              <a:rPr lang="en-US" altLang="zh-CN" dirty="0"/>
-              <a:t>dense blocks</a:t>
-            </a:r>
-            <a:r>
-              <a:rPr lang="zh-CN" altLang="zh-CN" dirty="0"/>
-              <a:t>，在每个</a:t>
-            </a:r>
-            <a:r>
-              <a:rPr lang="en-US" altLang="zh-CN" dirty="0"/>
-              <a:t>block</a:t>
-            </a:r>
-            <a:r>
-              <a:rPr lang="zh-CN" altLang="zh-CN" dirty="0"/>
-              <a:t>中间的是</a:t>
-            </a:r>
-            <a:r>
-              <a:rPr lang="en-US" altLang="zh-CN" dirty="0"/>
-              <a:t>transition layers</a:t>
-            </a:r>
-            <a:r>
-              <a:rPr lang="zh-CN" altLang="zh-CN" dirty="0"/>
-              <a:t>（过渡层），</a:t>
-            </a:r>
-            <a:r>
-              <a:rPr lang="en-US" altLang="zh-CN" dirty="0"/>
-              <a:t>transition layer</a:t>
-            </a:r>
-            <a:r>
-              <a:rPr lang="zh-CN" altLang="zh-CN" dirty="0"/>
-              <a:t>包含</a:t>
-            </a:r>
-            <a:r>
-              <a:rPr lang="en-US" altLang="zh-CN" dirty="0"/>
-              <a:t>batch normalization </a:t>
-            </a:r>
-            <a:r>
-              <a:rPr lang="zh-CN" altLang="zh-CN" dirty="0"/>
-              <a:t>层，</a:t>
-            </a:r>
-            <a:r>
-              <a:rPr lang="en-US" altLang="zh-CN" dirty="0"/>
-              <a:t>1×1</a:t>
-            </a:r>
-            <a:r>
-              <a:rPr lang="zh-CN" altLang="zh-CN" dirty="0"/>
-              <a:t>卷积和池化</a:t>
-            </a:r>
-            <a:endParaRPr lang="en-US" altLang="zh-CN" dirty="0"/>
+              <a:rPr lang="en-US" altLang="zh-CN" sz="1200" dirty="0" err="1"/>
+              <a:t>ResNet</a:t>
+            </a:r>
+            <a:r>
+              <a:rPr lang="zh-CN" altLang="en-US" sz="1200" dirty="0"/>
+              <a:t>除了本层与下一层的连接之外，还增加了一个</a:t>
+            </a:r>
+            <a:r>
+              <a:rPr lang="en-US" altLang="zh-CN" sz="1200" dirty="0"/>
+              <a:t>skip-connection</a:t>
+            </a:r>
+            <a:r>
+              <a:rPr lang="zh-CN" altLang="en-US" sz="1200" dirty="0"/>
+              <a:t>。对于</a:t>
+            </a:r>
+            <a:r>
+              <a:rPr lang="en-US" altLang="zh-CN" sz="1200" dirty="0" err="1"/>
+              <a:t>ResNet</a:t>
+            </a:r>
+            <a:r>
+              <a:rPr lang="zh-CN" altLang="en-US" sz="1200" dirty="0"/>
+              <a:t>，</a:t>
+            </a:r>
+            <a:r>
+              <a:rPr lang="en-US" altLang="zh-CN" sz="1200" dirty="0"/>
+              <a:t>l</a:t>
+            </a:r>
+            <a:r>
+              <a:rPr lang="zh-CN" altLang="en-US" sz="1200" dirty="0"/>
+              <a:t>层的输出是</a:t>
+            </a:r>
+            <a:r>
+              <a:rPr lang="en-US" altLang="zh-CN" sz="1200" dirty="0"/>
+              <a:t>l-1</a:t>
+            </a:r>
+            <a:r>
+              <a:rPr lang="zh-CN" altLang="en-US" sz="1200" dirty="0"/>
+              <a:t>层的输出加上对</a:t>
+            </a:r>
+            <a:r>
+              <a:rPr lang="en-US" altLang="zh-CN" sz="1200" dirty="0"/>
+              <a:t>l-1</a:t>
+            </a:r>
+            <a:r>
+              <a:rPr lang="zh-CN" altLang="en-US" sz="1200" dirty="0"/>
+              <a:t>层输出的非线性变换。</a:t>
+            </a:r>
+            <a:endParaRPr lang="en-US" altLang="zh-CN" sz="1200" dirty="0"/>
           </a:p>
           <a:p>
             <a:pPr marL="0" marR="0" lvl="0" indent="0" algn="l" defTabSz="914400" rtl="0" eaLnBrk="1" fontAlgn="auto" latinLnBrk="0" hangingPunct="1">
@@ -1891,7 +1975,7 @@
             <a:endParaRPr lang="en-US" altLang="zh-CN" dirty="0"/>
           </a:p>
           <a:p>
-            <a:pPr marL="0" marR="0" lvl="0" indent="0" algn="l" defTabSz="914400" rtl="0" eaLnBrk="1" fontAlgn="auto" latinLnBrk="0" hangingPunct="1">
+            <a:pPr marL="0" marR="0" lvl="0" indent="0" algn="l" defTabSz="914400" rtl="0" eaLnBrk="1" fontAlgn="ctr" latinLnBrk="0" hangingPunct="1">
               <a:lnSpc>
                 <a:spcPct val="100000"/>
               </a:lnSpc>
@@ -1909,70 +1993,290 @@
               <a:defRPr/>
             </a:pPr>
             <a:r>
-              <a:rPr lang="en-US" altLang="zh-CN" dirty="0"/>
-              <a:t>Growth rate</a:t>
-            </a:r>
-            <a:r>
-              <a:rPr lang="zh-CN" altLang="en-US" dirty="0"/>
-              <a:t>：</a:t>
-            </a:r>
-            <a:r>
-              <a:rPr lang="en-US" altLang="zh-CN" dirty="0"/>
-              <a:t>Hl(.)</a:t>
-            </a:r>
-            <a:r>
-              <a:rPr lang="zh-CN" altLang="zh-CN" dirty="0"/>
-              <a:t>函数输出</a:t>
-            </a:r>
-            <a:r>
-              <a:rPr lang="en-US" altLang="zh-CN" dirty="0"/>
-              <a:t>k</a:t>
-            </a:r>
-            <a:r>
-              <a:rPr lang="zh-CN" altLang="zh-CN" dirty="0"/>
-              <a:t>个特征图，表明第</a:t>
-            </a:r>
-            <a:r>
-              <a:rPr lang="en-US" altLang="zh-CN" dirty="0"/>
+              <a:rPr lang="en-US" altLang="zh-CN" sz="1200" kern="1200" dirty="0" err="1">
+                <a:solidFill>
+                  <a:schemeClr val="tx1"/>
+                </a:solidFill>
+                <a:effectLst/>
+                <a:latin typeface="+mn-lt"/>
+                <a:ea typeface="+mn-ea"/>
+                <a:cs typeface="+mn-cs"/>
+              </a:rPr>
+              <a:t>DenseNet</a:t>
+            </a:r>
+            <a:r>
+              <a:rPr lang="zh-CN" altLang="zh-CN" sz="1200" kern="1200" dirty="0">
+                <a:solidFill>
+                  <a:schemeClr val="tx1"/>
+                </a:solidFill>
+                <a:effectLst/>
+                <a:latin typeface="+mn-lt"/>
+                <a:ea typeface="+mn-ea"/>
+                <a:cs typeface="+mn-cs"/>
+              </a:rPr>
+              <a:t>通过连接（</a:t>
+            </a:r>
+            <a:r>
+              <a:rPr lang="en-US" altLang="zh-CN" sz="1200" kern="1200" dirty="0">
+                <a:solidFill>
+                  <a:schemeClr val="tx1"/>
+                </a:solidFill>
+                <a:effectLst/>
+                <a:latin typeface="+mn-lt"/>
+                <a:ea typeface="+mn-ea"/>
+                <a:cs typeface="+mn-cs"/>
+              </a:rPr>
+              <a:t>concatenate</a:t>
+            </a:r>
+            <a:r>
+              <a:rPr lang="zh-CN" altLang="zh-CN" sz="1200" kern="1200" dirty="0">
+                <a:solidFill>
+                  <a:schemeClr val="tx1"/>
+                </a:solidFill>
+                <a:effectLst/>
+                <a:latin typeface="+mn-lt"/>
+                <a:ea typeface="+mn-ea"/>
+                <a:cs typeface="+mn-cs"/>
+              </a:rPr>
+              <a:t>）</a:t>
+            </a:r>
+            <a:r>
+              <a:rPr lang="en-US" altLang="zh-CN" sz="1200" b="0" i="0" kern="1200" dirty="0">
+                <a:solidFill>
+                  <a:schemeClr val="tx1"/>
+                </a:solidFill>
+                <a:effectLst/>
+                <a:latin typeface="+mn-lt"/>
+                <a:ea typeface="+mn-ea"/>
+                <a:cs typeface="+mn-cs"/>
+              </a:rPr>
+              <a:t> /</a:t>
+            </a:r>
+            <a:r>
+              <a:rPr lang="en-US" altLang="zh-CN" sz="1200" b="0" i="0" kern="1200" dirty="0" err="1">
+                <a:solidFill>
+                  <a:schemeClr val="tx1"/>
+                </a:solidFill>
+                <a:effectLst/>
+                <a:latin typeface="+mn-lt"/>
+                <a:ea typeface="+mn-ea"/>
+                <a:cs typeface="+mn-cs"/>
+              </a:rPr>
+              <a:t>kən'kætɪneɪt</a:t>
+            </a:r>
+            <a:r>
+              <a:rPr lang="en-US" altLang="zh-CN" sz="1200" b="0" i="0" kern="1200" dirty="0">
+                <a:solidFill>
+                  <a:schemeClr val="tx1"/>
+                </a:solidFill>
+                <a:effectLst/>
+                <a:latin typeface="+mn-lt"/>
+                <a:ea typeface="+mn-ea"/>
+                <a:cs typeface="+mn-cs"/>
+              </a:rPr>
+              <a:t>/</a:t>
+            </a:r>
+            <a:r>
+              <a:rPr lang="zh-CN" altLang="zh-CN" sz="1200" kern="1200" dirty="0">
+                <a:solidFill>
+                  <a:schemeClr val="tx1"/>
+                </a:solidFill>
+                <a:effectLst/>
+                <a:latin typeface="+mn-lt"/>
+                <a:ea typeface="+mn-ea"/>
+                <a:cs typeface="+mn-cs"/>
+              </a:rPr>
+              <a:t>来结合特征。第</a:t>
+            </a:r>
+            <a:r>
+              <a:rPr lang="en-US" altLang="zh-CN" sz="1200" kern="1200" dirty="0">
+                <a:solidFill>
+                  <a:schemeClr val="tx1"/>
+                </a:solidFill>
+                <a:effectLst/>
+                <a:latin typeface="+mn-lt"/>
+                <a:ea typeface="+mn-ea"/>
+                <a:cs typeface="+mn-cs"/>
+              </a:rPr>
               <a:t>l</a:t>
             </a:r>
             <a:r>
-              <a:rPr lang="zh-CN" altLang="zh-CN" dirty="0"/>
+              <a:rPr lang="zh-CN" altLang="zh-CN" sz="1200" kern="1200" dirty="0">
+                <a:solidFill>
+                  <a:schemeClr val="tx1"/>
+                </a:solidFill>
+                <a:effectLst/>
+                <a:latin typeface="+mn-lt"/>
+                <a:ea typeface="+mn-ea"/>
+                <a:cs typeface="+mn-cs"/>
+              </a:rPr>
               <a:t>层有</a:t>
             </a:r>
             <a:r>
-              <a:rPr lang="en-US" altLang="zh-CN" dirty="0"/>
-              <a:t>k(l-1)+k0</a:t>
-            </a:r>
-            <a:r>
-              <a:rPr lang="zh-CN" altLang="zh-CN" dirty="0"/>
-              <a:t>个输入特征图，</a:t>
-            </a:r>
-            <a:r>
-              <a:rPr lang="en-US" altLang="zh-CN" dirty="0"/>
-              <a:t>k0</a:t>
-            </a:r>
-            <a:r>
-              <a:rPr lang="zh-CN" altLang="zh-CN" dirty="0"/>
-              <a:t>是输入图像的通道数。超参数</a:t>
-            </a:r>
-            <a:r>
-              <a:rPr lang="en-US" altLang="zh-CN" dirty="0"/>
-              <a:t>k</a:t>
-            </a:r>
-            <a:r>
-              <a:rPr lang="zh-CN" altLang="zh-CN" dirty="0"/>
-              <a:t>设定的小，为</a:t>
-            </a:r>
-            <a:r>
-              <a:rPr lang="en-US" altLang="zh-CN" dirty="0"/>
-              <a:t>12</a:t>
-            </a:r>
-            <a:r>
-              <a:rPr lang="zh-CN" altLang="zh-CN" dirty="0"/>
-              <a:t>，为了防止网络过宽，提高参数效率。</a:t>
-            </a:r>
-            <a:endParaRPr lang="en-US" altLang="zh-CN" dirty="0"/>
+              <a:rPr lang="en-US" altLang="zh-CN" sz="1200" kern="1200" dirty="0">
+                <a:solidFill>
+                  <a:schemeClr val="tx1"/>
+                </a:solidFill>
+                <a:effectLst/>
+                <a:latin typeface="+mn-lt"/>
+                <a:ea typeface="+mn-ea"/>
+                <a:cs typeface="+mn-cs"/>
+              </a:rPr>
+              <a:t>l</a:t>
+            </a:r>
+            <a:r>
+              <a:rPr lang="zh-CN" altLang="zh-CN" sz="1200" kern="1200" dirty="0">
+                <a:solidFill>
+                  <a:schemeClr val="tx1"/>
+                </a:solidFill>
+                <a:effectLst/>
+                <a:latin typeface="+mn-lt"/>
+                <a:ea typeface="+mn-ea"/>
+                <a:cs typeface="+mn-cs"/>
+              </a:rPr>
+              <a:t>个输入，包含所有之前的卷积</a:t>
+            </a:r>
+            <a:r>
+              <a:rPr lang="en-US" altLang="zh-CN" sz="1200" kern="1200" dirty="0">
+                <a:solidFill>
+                  <a:schemeClr val="tx1"/>
+                </a:solidFill>
+                <a:effectLst/>
+                <a:latin typeface="+mn-lt"/>
+                <a:ea typeface="+mn-ea"/>
+                <a:cs typeface="+mn-cs"/>
+              </a:rPr>
+              <a:t>block</a:t>
+            </a:r>
+            <a:r>
+              <a:rPr lang="zh-CN" altLang="zh-CN" sz="1200" kern="1200" dirty="0">
+                <a:solidFill>
+                  <a:schemeClr val="tx1"/>
+                </a:solidFill>
+                <a:effectLst/>
+                <a:latin typeface="+mn-lt"/>
+                <a:ea typeface="+mn-ea"/>
+                <a:cs typeface="+mn-cs"/>
+              </a:rPr>
+              <a:t>的特征图，它的自己的特征图传给了所有的后面的</a:t>
+            </a:r>
+            <a:r>
+              <a:rPr lang="en-US" altLang="zh-CN" sz="1200" kern="1200" dirty="0">
+                <a:solidFill>
+                  <a:schemeClr val="tx1"/>
+                </a:solidFill>
+                <a:effectLst/>
+                <a:latin typeface="+mn-lt"/>
+                <a:ea typeface="+mn-ea"/>
+                <a:cs typeface="+mn-cs"/>
+              </a:rPr>
+              <a:t>L-l</a:t>
+            </a:r>
+            <a:r>
+              <a:rPr lang="zh-CN" altLang="zh-CN" sz="1200" kern="1200" dirty="0">
+                <a:solidFill>
+                  <a:schemeClr val="tx1"/>
+                </a:solidFill>
+                <a:effectLst/>
+                <a:latin typeface="+mn-lt"/>
+                <a:ea typeface="+mn-ea"/>
+                <a:cs typeface="+mn-cs"/>
+              </a:rPr>
+              <a:t>层。这样在</a:t>
+            </a:r>
+            <a:r>
+              <a:rPr lang="en-US" altLang="zh-CN" sz="1200" kern="1200" dirty="0">
+                <a:solidFill>
+                  <a:schemeClr val="tx1"/>
+                </a:solidFill>
+                <a:effectLst/>
+                <a:latin typeface="+mn-lt"/>
+                <a:ea typeface="+mn-ea"/>
+                <a:cs typeface="+mn-cs"/>
+              </a:rPr>
+              <a:t>L</a:t>
+            </a:r>
+            <a:r>
+              <a:rPr lang="zh-CN" altLang="zh-CN" sz="1200" kern="1200" dirty="0">
+                <a:solidFill>
+                  <a:schemeClr val="tx1"/>
+                </a:solidFill>
+                <a:effectLst/>
+                <a:latin typeface="+mn-lt"/>
+                <a:ea typeface="+mn-ea"/>
+                <a:cs typeface="+mn-cs"/>
+              </a:rPr>
+              <a:t>层的网络中有</a:t>
+            </a:r>
+            <a:r>
+              <a:rPr lang="en-US" altLang="zh-CN" sz="1200" kern="1200" dirty="0">
+                <a:solidFill>
+                  <a:schemeClr val="tx1"/>
+                </a:solidFill>
+                <a:effectLst/>
+                <a:latin typeface="+mn-lt"/>
+                <a:ea typeface="+mn-ea"/>
+                <a:cs typeface="+mn-cs"/>
+              </a:rPr>
+              <a:t>L(L+1)/2</a:t>
+            </a:r>
+            <a:r>
+              <a:rPr lang="zh-CN" altLang="zh-CN" sz="1200" kern="1200" dirty="0">
+                <a:solidFill>
+                  <a:schemeClr val="tx1"/>
+                </a:solidFill>
+                <a:effectLst/>
+                <a:latin typeface="+mn-lt"/>
+                <a:ea typeface="+mn-ea"/>
+                <a:cs typeface="+mn-cs"/>
+              </a:rPr>
+              <a:t>个连接。因为这种密集连接模式，此网络成为</a:t>
+            </a:r>
+            <a:r>
+              <a:rPr lang="en-US" altLang="zh-CN" sz="1200" kern="1200" dirty="0">
+                <a:solidFill>
+                  <a:schemeClr val="tx1"/>
+                </a:solidFill>
+                <a:effectLst/>
+                <a:latin typeface="+mn-lt"/>
+                <a:ea typeface="+mn-ea"/>
+                <a:cs typeface="+mn-cs"/>
+              </a:rPr>
+              <a:t>Dense Convolutional  Network (</a:t>
+            </a:r>
+            <a:r>
+              <a:rPr lang="en-US" altLang="zh-CN" sz="1200" kern="1200" dirty="0" err="1">
+                <a:solidFill>
+                  <a:schemeClr val="tx1"/>
+                </a:solidFill>
+                <a:effectLst/>
+                <a:latin typeface="+mn-lt"/>
+                <a:ea typeface="+mn-ea"/>
+                <a:cs typeface="+mn-cs"/>
+              </a:rPr>
+              <a:t>DenseNet</a:t>
+            </a:r>
+            <a:r>
+              <a:rPr lang="en-US" altLang="zh-CN" sz="1200" kern="1200" dirty="0">
+                <a:solidFill>
+                  <a:schemeClr val="tx1"/>
+                </a:solidFill>
+                <a:effectLst/>
+                <a:latin typeface="+mn-lt"/>
+                <a:ea typeface="+mn-ea"/>
+                <a:cs typeface="+mn-cs"/>
+              </a:rPr>
+              <a:t>).</a:t>
+            </a:r>
+            <a:endParaRPr lang="zh-CN" altLang="zh-CN" sz="1200" kern="1200" dirty="0">
+              <a:solidFill>
+                <a:schemeClr val="tx1"/>
+              </a:solidFill>
+              <a:effectLst/>
+              <a:latin typeface="+mn-lt"/>
+              <a:ea typeface="+mn-ea"/>
+              <a:cs typeface="+mn-cs"/>
+            </a:endParaRPr>
           </a:p>
           <a:p>
             <a:pPr marL="0" marR="0" lvl="0" indent="0" algn="l" defTabSz="914400" rtl="0" eaLnBrk="1" fontAlgn="auto" latinLnBrk="0" hangingPunct="1">
@@ -2013,59 +2317,37 @@
               <a:defRPr/>
             </a:pPr>
             <a:r>
+              <a:rPr lang="en-US" altLang="zh-CN" dirty="0" err="1"/>
+              <a:t>DenseNet</a:t>
+            </a:r>
+            <a:r>
+              <a:rPr lang="zh-CN" altLang="en-US" dirty="0"/>
+              <a:t>则是让</a:t>
+            </a:r>
+            <a:r>
               <a:rPr lang="en-US" altLang="zh-CN" dirty="0"/>
-              <a:t>Bottleneck layers</a:t>
+              <a:t>l</a:t>
             </a:r>
             <a:r>
               <a:rPr lang="zh-CN" altLang="en-US" dirty="0"/>
-              <a:t>：</a:t>
-            </a:r>
-            <a:r>
-              <a:rPr lang="zh-CN" altLang="zh-CN" dirty="0"/>
-              <a:t>和</a:t>
+              <a:t>层的输入直接影响到之后的所有层，并且由于每一层都包含之前所有层的输出信息。因此其</a:t>
+            </a:r>
+            <a:r>
+              <a:rPr lang="zh-CN" altLang="en-US" b="1" dirty="0"/>
+              <a:t>只需要很少的特征图</a:t>
+            </a:r>
+            <a:r>
+              <a:rPr lang="zh-CN" altLang="en-US" dirty="0"/>
+              <a:t>就够了，这也是为什么</a:t>
             </a:r>
             <a:r>
               <a:rPr lang="en-US" altLang="zh-CN" dirty="0" err="1"/>
-              <a:t>ResNet</a:t>
-            </a:r>
-            <a:r>
-              <a:rPr lang="zh-CN" altLang="zh-CN" dirty="0"/>
-              <a:t>一样，在</a:t>
-            </a:r>
-            <a:r>
-              <a:rPr lang="en-US" altLang="zh-CN" dirty="0"/>
-              <a:t>3</a:t>
-            </a:r>
-            <a:r>
-              <a:rPr lang="zh-CN" altLang="zh-CN" dirty="0"/>
-              <a:t>×</a:t>
-            </a:r>
-            <a:r>
-              <a:rPr lang="en-US" altLang="zh-CN" dirty="0"/>
-              <a:t>3</a:t>
-            </a:r>
-            <a:r>
-              <a:rPr lang="zh-CN" altLang="zh-CN" dirty="0"/>
-              <a:t>卷积之前加入</a:t>
-            </a:r>
-            <a:r>
-              <a:rPr lang="en-US" altLang="zh-CN" dirty="0"/>
-              <a:t>1</a:t>
-            </a:r>
-            <a:r>
-              <a:rPr lang="zh-CN" altLang="zh-CN" dirty="0"/>
-              <a:t>×</a:t>
-            </a:r>
-            <a:r>
-              <a:rPr lang="en-US" altLang="zh-CN" dirty="0"/>
-              <a:t>1</a:t>
-            </a:r>
-            <a:r>
-              <a:rPr lang="zh-CN" altLang="zh-CN" dirty="0"/>
-              <a:t>卷积来减少维度，增加计算效率</a:t>
-            </a:r>
-          </a:p>
-          <a:p>
+              <a:t>DenseNet</a:t>
+            </a:r>
+            <a:r>
+              <a:rPr lang="zh-CN" altLang="en-US" dirty="0"/>
+              <a:t>的参数量较其他模型大大减少的原因。</a:t>
+            </a:r>
             <a:endParaRPr lang="en-US" altLang="zh-CN" dirty="0"/>
           </a:p>
           <a:p>
@@ -2086,128 +2368,6 @@
               <a:tabLst/>
               <a:defRPr/>
             </a:pPr>
-            <a:r>
-              <a:rPr lang="zh-CN" altLang="zh-CN" dirty="0"/>
-              <a:t>在</a:t>
-            </a:r>
-            <a:r>
-              <a:rPr lang="en-US" altLang="zh-CN" dirty="0"/>
-              <a:t>transition layers</a:t>
-            </a:r>
-            <a:r>
-              <a:rPr lang="zh-CN" altLang="zh-CN" dirty="0"/>
-              <a:t>中使用。设</a:t>
-            </a:r>
-            <a:r>
-              <a:rPr lang="en-US" altLang="zh-CN" dirty="0"/>
-              <a:t>dense block</a:t>
-            </a:r>
-            <a:r>
-              <a:rPr lang="zh-CN" altLang="zh-CN" dirty="0"/>
-              <a:t>有</a:t>
-            </a:r>
-            <a:r>
-              <a:rPr lang="en-US" altLang="zh-CN" dirty="0"/>
-              <a:t>m</a:t>
-            </a:r>
-            <a:r>
-              <a:rPr lang="zh-CN" altLang="zh-CN" dirty="0"/>
-              <a:t>个特征图，经过</a:t>
-            </a:r>
-            <a:r>
-              <a:rPr lang="en-US" altLang="zh-CN" dirty="0"/>
-              <a:t>transition layers</a:t>
-            </a:r>
-            <a:r>
-              <a:rPr lang="zh-CN" altLang="zh-CN" dirty="0"/>
-              <a:t>产生</a:t>
-            </a:r>
-            <a:r>
-              <a:rPr lang="en-US" altLang="zh-CN" dirty="0" err="1"/>
-              <a:t>θm</a:t>
-            </a:r>
-            <a:r>
-              <a:rPr lang="zh-CN" altLang="zh-CN" dirty="0"/>
-              <a:t>个输出。将</a:t>
-            </a:r>
-            <a:r>
-              <a:rPr lang="en-US" altLang="zh-CN" dirty="0"/>
-              <a:t>θ&lt;1</a:t>
-            </a:r>
-            <a:r>
-              <a:rPr lang="zh-CN" altLang="zh-CN" dirty="0"/>
-              <a:t>的</a:t>
-            </a:r>
-            <a:r>
-              <a:rPr lang="en-US" altLang="zh-CN" dirty="0" err="1"/>
-              <a:t>DenseNet</a:t>
-            </a:r>
-            <a:r>
-              <a:rPr lang="zh-CN" altLang="zh-CN" dirty="0"/>
-              <a:t>称为</a:t>
-            </a:r>
-            <a:r>
-              <a:rPr lang="en-US" altLang="zh-CN" dirty="0" err="1"/>
-              <a:t>DenseNet</a:t>
-            </a:r>
-            <a:r>
-              <a:rPr lang="en-US" altLang="zh-CN" dirty="0"/>
-              <a:t>-C</a:t>
-            </a:r>
-            <a:r>
-              <a:rPr lang="zh-CN" altLang="zh-CN" dirty="0"/>
-              <a:t>，如果同时使用</a:t>
-            </a:r>
-            <a:r>
-              <a:rPr lang="en-US" altLang="zh-CN" dirty="0"/>
-              <a:t>bottleneck </a:t>
-            </a:r>
-            <a:r>
-              <a:rPr lang="zh-CN" altLang="zh-CN" dirty="0"/>
-              <a:t>和</a:t>
-            </a:r>
-            <a:r>
-              <a:rPr lang="en-US" altLang="zh-CN" dirty="0"/>
-              <a:t>θ &lt; 1 </a:t>
-            </a:r>
-            <a:r>
-              <a:rPr lang="zh-CN" altLang="zh-CN" dirty="0"/>
-              <a:t>，称为</a:t>
-            </a:r>
-            <a:r>
-              <a:rPr lang="en-US" altLang="zh-CN" dirty="0" err="1"/>
-              <a:t>DenseNet</a:t>
-            </a:r>
-            <a:r>
-              <a:rPr lang="en-US" altLang="zh-CN" dirty="0"/>
-              <a:t>-BC.</a:t>
-            </a:r>
-            <a:endParaRPr lang="zh-CN" altLang="zh-CN" dirty="0"/>
-          </a:p>
-          <a:p>
-            <a:endParaRPr lang="zh-CN" altLang="en-US" dirty="0"/>
-          </a:p>
-          <a:p>
-            <a:pPr marL="0" marR="0" lvl="0" indent="0" algn="l" defTabSz="914400" rtl="0" eaLnBrk="1" fontAlgn="auto" latinLnBrk="0" hangingPunct="1">
-              <a:lnSpc>
-                <a:spcPct val="100000"/>
-              </a:lnSpc>
-              <a:spcBef>
-                <a:spcPts val="0"/>
-              </a:spcBef>
-              <a:spcAft>
-                <a:spcPts val="0"/>
-              </a:spcAft>
-              <a:buClrTx/>
-              <a:buSzTx/>
-              <a:buFontTx/>
-              <a:buNone/>
-              <a:tabLst/>
-              <a:defRPr/>
-            </a:pPr>
-            <a:endParaRPr lang="zh-CN" altLang="zh-CN" dirty="0"/>
-          </a:p>
-          <a:p>
             <a:endParaRPr lang="zh-CN" altLang="en-US" dirty="0"/>
           </a:p>
           <a:p>
@@ -2232,7 +2392,7 @@
           <a:p>
             <a:fld id="{9D43EA00-B718-4ADE-AC24-1709D54B376C}" type="slidenum">
               <a:rPr lang="zh-CN" altLang="en-US" smtClean="0"/>
-              <a:t>21</a:t>
+              <a:t>20</a:t>
             </a:fld>
             <a:endParaRPr lang="zh-CN" altLang="en-US"/>
           </a:p>
@@ -2241,7 +2401,7 @@
     </p:spTree>
     <p:extLst>
       <p:ext uri="{BB962C8B-B14F-4D97-AF65-F5344CB8AC3E}">
-        <p14:creationId xmlns:p14="http://schemas.microsoft.com/office/powerpoint/2010/main" val="3728962325"/>
+        <p14:creationId xmlns:p14="http://schemas.microsoft.com/office/powerpoint/2010/main" val="820921372"/>
       </p:ext>
     </p:extLst>
   </p:cSld>
@@ -2297,7 +2457,7 @@
           <a:p>
             <a:pPr marL="0" marR="0" lvl="0" indent="0" algn="l" defTabSz="914400" rtl="0" eaLnBrk="1" fontAlgn="auto" latinLnBrk="0" hangingPunct="1">
               <a:lnSpc>
-                <a:spcPct val="150000"/>
+                <a:spcPct val="100000"/>
               </a:lnSpc>
               <a:spcBef>
                 <a:spcPts val="0"/>
@@ -2313,131 +2473,284 @@
               <a:defRPr/>
             </a:pPr>
             <a:r>
+              <a:rPr lang="zh-CN" altLang="zh-CN" dirty="0"/>
+              <a:t>在</a:t>
+            </a:r>
+            <a:r>
+              <a:rPr lang="en-US" altLang="zh-CN" dirty="0"/>
+              <a:t>transition layers</a:t>
+            </a:r>
+            <a:r>
+              <a:rPr lang="zh-CN" altLang="zh-CN" dirty="0"/>
+              <a:t>中使用。设</a:t>
+            </a:r>
+            <a:r>
+              <a:rPr lang="en-US" altLang="zh-CN" dirty="0"/>
+              <a:t>dense block</a:t>
+            </a:r>
+            <a:r>
+              <a:rPr lang="zh-CN" altLang="zh-CN" dirty="0"/>
+              <a:t>有</a:t>
+            </a:r>
+            <a:r>
+              <a:rPr lang="en-US" altLang="zh-CN" dirty="0"/>
+              <a:t>m</a:t>
+            </a:r>
+            <a:r>
+              <a:rPr lang="zh-CN" altLang="zh-CN" dirty="0"/>
+              <a:t>个特征图，经过</a:t>
+            </a:r>
+            <a:r>
+              <a:rPr lang="en-US" altLang="zh-CN" dirty="0"/>
+              <a:t>transition layers</a:t>
+            </a:r>
+            <a:r>
+              <a:rPr lang="zh-CN" altLang="zh-CN" dirty="0"/>
+              <a:t>产生</a:t>
+            </a:r>
+            <a:r>
+              <a:rPr lang="en-US" altLang="zh-CN" dirty="0" err="1"/>
+              <a:t>θm</a:t>
+            </a:r>
+            <a:r>
+              <a:rPr lang="zh-CN" altLang="zh-CN" dirty="0"/>
+              <a:t>个输出。将</a:t>
+            </a:r>
+            <a:r>
+              <a:rPr lang="en-US" altLang="zh-CN" dirty="0"/>
+              <a:t>θ&lt;1</a:t>
+            </a:r>
+            <a:r>
+              <a:rPr lang="zh-CN" altLang="zh-CN" dirty="0"/>
+              <a:t>的</a:t>
+            </a:r>
+            <a:r>
+              <a:rPr lang="en-US" altLang="zh-CN" dirty="0" err="1"/>
+              <a:t>DenseNet</a:t>
+            </a:r>
+            <a:r>
+              <a:rPr lang="zh-CN" altLang="zh-CN" dirty="0"/>
+              <a:t>称为</a:t>
+            </a:r>
+            <a:r>
+              <a:rPr lang="en-US" altLang="zh-CN" dirty="0" err="1"/>
+              <a:t>DenseNet</a:t>
+            </a:r>
+            <a:r>
+              <a:rPr lang="en-US" altLang="zh-CN" dirty="0"/>
+              <a:t>-C</a:t>
+            </a:r>
+            <a:r>
+              <a:rPr lang="zh-CN" altLang="zh-CN" dirty="0"/>
+              <a:t>，如果同时使用</a:t>
+            </a:r>
+            <a:r>
+              <a:rPr lang="en-US" altLang="zh-CN" dirty="0"/>
+              <a:t>bottleneck </a:t>
+            </a:r>
+            <a:r>
+              <a:rPr lang="zh-CN" altLang="zh-CN" dirty="0"/>
+              <a:t>和</a:t>
+            </a:r>
+            <a:r>
+              <a:rPr lang="en-US" altLang="zh-CN" dirty="0"/>
+              <a:t>θ &lt; 1 </a:t>
+            </a:r>
+            <a:r>
+              <a:rPr lang="zh-CN" altLang="zh-CN" dirty="0"/>
+              <a:t>，称为</a:t>
+            </a:r>
+            <a:r>
+              <a:rPr lang="en-US" altLang="zh-CN" dirty="0" err="1"/>
+              <a:t>DenseNet</a:t>
+            </a:r>
+            <a:r>
+              <a:rPr lang="en-US" altLang="zh-CN" dirty="0"/>
+              <a:t>-BC.</a:t>
+            </a:r>
+            <a:endParaRPr lang="zh-CN" altLang="zh-CN" dirty="0"/>
+          </a:p>
+          <a:p>
+            <a:endParaRPr lang="zh-CN" altLang="en-US" dirty="0"/>
+          </a:p>
+        </p:txBody>
+      </p:sp>
+      <p:sp>
+        <p:nvSpPr>
+          <p:cNvPr id="4" name="灯片编号占位符 3"/>
+          <p:cNvSpPr>
+            <a:spLocks noGrp="1"/>
+          </p:cNvSpPr>
+          <p:nvPr>
+            <p:ph type="sldNum" sz="quarter" idx="5"/>
+          </p:nvPr>
+        </p:nvSpPr>
+        <p:spPr/>
+        <p:txBody>
+          <a:bodyPr/>
+          <a:lstStyle/>
+          <a:p>
+            <a:fld id="{9D43EA00-B718-4ADE-AC24-1709D54B376C}" type="slidenum">
+              <a:rPr lang="zh-CN" altLang="en-US" smtClean="0"/>
+              <a:t>21</a:t>
+            </a:fld>
+            <a:endParaRPr lang="zh-CN" altLang="en-US"/>
+          </a:p>
+        </p:txBody>
+      </p:sp>
+    </p:spTree>
+    <p:extLst>
+      <p:ext uri="{BB962C8B-B14F-4D97-AF65-F5344CB8AC3E}">
+        <p14:creationId xmlns:p14="http://schemas.microsoft.com/office/powerpoint/2010/main" val="2893849493"/>
+      </p:ext>
+    </p:extLst>
+  </p:cSld>
+  <p:clrMapOvr>
+    <a:masterClrMapping/>
+  </p:clrMapOvr>
+</p:notes>
+</file>
+
+<file path=ppt/notesSlides/notesSlide16.xml><?xml version="1.0" encoding="utf-8"?>
+<p:notes xmlns:a="http://schemas.openxmlformats.org/drawingml/2006/main" xmlns:r="http://schemas.openxmlformats.org/officeDocument/2006/relationships" xmlns:p="http://schemas.openxmlformats.org/presentationml/2006/main">
+  <p:cSld>
+    <p:spTree>
+      <p:nvGrpSpPr>
+        <p:cNvPr id="1" name=""/>
+        <p:cNvGrpSpPr/>
+        <p:nvPr/>
+      </p:nvGrpSpPr>
+      <p:grpSpPr>
+        <a:xfrm>
+          <a:off x="0" y="0"/>
+          <a:ext cx="0" cy="0"/>
+          <a:chOff x="0" y="0"/>
+          <a:chExt cx="0" cy="0"/>
+        </a:xfrm>
+      </p:grpSpPr>
+      <p:sp>
+        <p:nvSpPr>
+          <p:cNvPr id="2" name="幻灯片图像占位符 1"/>
+          <p:cNvSpPr>
+            <a:spLocks noGrp="1" noRot="1" noChangeAspect="1"/>
+          </p:cNvSpPr>
+          <p:nvPr>
+            <p:ph type="sldImg"/>
+          </p:nvPr>
+        </p:nvSpPr>
+        <p:spPr/>
+      </p:sp>
+      <p:sp>
+        <p:nvSpPr>
+          <p:cNvPr id="3" name="备注占位符 2"/>
+          <p:cNvSpPr>
+            <a:spLocks noGrp="1"/>
+          </p:cNvSpPr>
+          <p:nvPr>
+            <p:ph type="body" idx="1"/>
+          </p:nvPr>
+        </p:nvSpPr>
+        <p:spPr/>
+        <p:txBody>
+          <a:bodyPr/>
+          <a:lstStyle/>
+          <a:p>
+            <a:r>
               <a:rPr lang="zh-CN" altLang="en-US" sz="1200" dirty="0"/>
-              <a:t>上图是一个包含五层的</a:t>
+              <a:t>这些</a:t>
             </a:r>
             <a:r>
               <a:rPr lang="en-US" altLang="zh-CN" sz="1200" dirty="0"/>
-              <a:t>Dense Block</a:t>
+              <a:t>feature map </a:t>
             </a:r>
             <a:r>
               <a:rPr lang="zh-CN" altLang="en-US" sz="1200" dirty="0"/>
-              <a:t>，层与层之间的激励函数即</a:t>
+              <a:t>可以视作</a:t>
+            </a:r>
+            <a:r>
+              <a:rPr lang="en-US" altLang="zh-CN" sz="1200" dirty="0" err="1"/>
+              <a:t>DenseNet</a:t>
             </a:r>
             <a:r>
               <a:rPr lang="en-US" altLang="zh-CN" sz="1200" dirty="0"/>
-              <a:t>Hl</a:t>
+              <a:t> </a:t>
             </a:r>
             <a:r>
               <a:rPr lang="zh-CN" altLang="en-US" sz="1200" dirty="0"/>
-              <a:t>为</a:t>
+              <a:t>块的全局状态。每层输出的</a:t>
             </a:r>
             <a:r>
               <a:rPr lang="en-US" altLang="zh-CN" sz="1200" dirty="0"/>
-              <a:t>BN-</a:t>
+              <a:t>feature map </a:t>
+            </a:r>
+            <a:r>
+              <a:rPr lang="zh-CN" altLang="en-US" sz="1200" dirty="0"/>
+              <a:t>都将被添加到块的这个全局状态中。</a:t>
+            </a:r>
+            <a:endParaRPr lang="en-US" altLang="zh-CN" sz="1200" dirty="0"/>
+          </a:p>
+          <a:p>
+            <a:endParaRPr lang="en-US" altLang="zh-CN" sz="1200" dirty="0"/>
+          </a:p>
+          <a:p>
+            <a:r>
+              <a:rPr lang="zh-CN" altLang="en-US" sz="1200" dirty="0"/>
+              <a:t>因此</a:t>
+            </a:r>
+            <a:r>
+              <a:rPr lang="en-US" altLang="zh-CN" sz="1200" dirty="0"/>
+              <a:t>feature map </a:t>
+            </a:r>
+            <a:r>
+              <a:rPr lang="zh-CN" altLang="en-US" sz="1200" dirty="0"/>
+              <a:t>无需逐层复制（因为它是全局共享）。这也是</a:t>
             </a:r>
             <a:r>
               <a:rPr lang="en-US" altLang="zh-CN" sz="1200" dirty="0" err="1"/>
-              <a:t>ReLU</a:t>
+              <a:t>DenseNet</a:t>
             </a:r>
             <a:r>
               <a:rPr lang="en-US" altLang="zh-CN" sz="1200" dirty="0"/>
-              <a:t>-Conv(3x3)</a:t>
+              <a:t> </a:t>
             </a:r>
             <a:r>
               <a:rPr lang="zh-CN" altLang="en-US" sz="1200" dirty="0"/>
-              <a:t>的结构</a:t>
+              <a:t>与传统网络结构不同的地方。</a:t>
             </a:r>
             <a:endParaRPr lang="en-US" altLang="zh-CN" sz="1200" dirty="0"/>
           </a:p>
           <a:p>
-            <a:pPr>
-              <a:lnSpc>
-                <a:spcPct val="150000"/>
-              </a:lnSpc>
-            </a:pPr>
-            <a:endParaRPr lang="en-US" altLang="zh-CN" dirty="0"/>
-          </a:p>
-          <a:p>
-            <a:pPr>
-              <a:lnSpc>
-                <a:spcPct val="150000"/>
-              </a:lnSpc>
-            </a:pPr>
-            <a:r>
-              <a:rPr lang="zh-CN" altLang="zh-CN" dirty="0"/>
-              <a:t>保证网络中层间最大的信息流，将每个层都直接的连在一起。</a:t>
-            </a:r>
-          </a:p>
-          <a:p>
-            <a:pPr>
-              <a:lnSpc>
-                <a:spcPct val="150000"/>
-              </a:lnSpc>
-            </a:pPr>
-            <a:r>
-              <a:rPr lang="zh-CN" altLang="zh-CN" dirty="0"/>
-              <a:t>每层都获得了额外的来自之前所有层的输入，并且把自己的特征图传给所有的下面的层</a:t>
-            </a:r>
-            <a:r>
-              <a:rPr lang="zh-CN" altLang="en-US" dirty="0"/>
-              <a:t>。</a:t>
-            </a:r>
-            <a:endParaRPr lang="zh-CN" altLang="zh-CN" dirty="0"/>
-          </a:p>
-          <a:p>
-            <a:pPr>
-              <a:lnSpc>
-                <a:spcPct val="150000"/>
-              </a:lnSpc>
-            </a:pPr>
-            <a:endParaRPr lang="en-US" altLang="zh-CN" dirty="0"/>
-          </a:p>
-          <a:p>
-            <a:pPr>
+            <a:endParaRPr lang="en-US" altLang="zh-CN" sz="1200" dirty="0"/>
+          </a:p>
+          <a:p>
+            <a:pPr marL="0" marR="0" lvl="0" indent="0" algn="l" defTabSz="914400" rtl="0" eaLnBrk="1" fontAlgn="auto" latinLnBrk="0" hangingPunct="1">
               <a:lnSpc>
                 <a:spcPct val="100000"/>
               </a:lnSpc>
+              <a:spcBef>
+                <a:spcPts val="0"/>
+              </a:spcBef>
+              <a:spcAft>
+                <a:spcPts val="0"/>
+              </a:spcAft>
+              <a:buClrTx/>
+              <a:buSzTx/>
+              <a:buFontTx/>
+              <a:buNone/>
+              <a:tabLst/>
+              <a:defRPr/>
             </a:pPr>
             <a:r>
+              <a:rPr lang="en-US" altLang="zh-CN" sz="1200" dirty="0" err="1"/>
+              <a:t>DenseNet</a:t>
+            </a:r>
+            <a:r>
               <a:rPr lang="en-US" altLang="zh-CN" sz="1200" dirty="0"/>
-              <a:t>bottleneck layer</a:t>
+              <a:t> </a:t>
             </a:r>
             <a:r>
               <a:rPr lang="zh-CN" altLang="en-US" sz="1200" dirty="0"/>
-              <a:t>：每个</a:t>
-            </a:r>
-            <a:r>
-              <a:rPr lang="en-US" altLang="zh-CN" sz="1200" dirty="0"/>
-              <a:t>dense block</a:t>
-            </a:r>
-            <a:r>
-              <a:rPr lang="zh-CN" altLang="en-US" sz="1200" dirty="0"/>
-              <a:t>的</a:t>
-            </a:r>
-            <a:r>
-              <a:rPr lang="en-US" altLang="zh-CN" sz="1200" dirty="0"/>
-              <a:t>3×3</a:t>
-            </a:r>
-            <a:r>
-              <a:rPr lang="zh-CN" altLang="en-US" sz="1200" dirty="0"/>
-              <a:t>卷积前面都包含了一个</a:t>
-            </a:r>
-            <a:r>
-              <a:rPr lang="en-US" altLang="zh-CN" sz="1200" dirty="0"/>
-              <a:t>1×1</a:t>
-            </a:r>
-            <a:r>
-              <a:rPr lang="zh-CN" altLang="en-US" sz="1200" dirty="0"/>
-              <a:t>的卷积操作，就是</a:t>
-            </a:r>
-            <a:r>
-              <a:rPr lang="en-US" altLang="zh-CN" sz="1200" dirty="0"/>
-              <a:t>bottleneck </a:t>
-            </a:r>
-            <a:r>
-              <a:rPr lang="zh-CN" altLang="en-US" sz="1200" dirty="0"/>
-              <a:t>层，目的是减少输入的</a:t>
+              <a:t>将“变动”的信息（当前层输出的</a:t>
             </a:r>
             <a:r>
               <a:rPr lang="en-US" altLang="zh-CN" sz="1200" dirty="0"/>
@@ -2445,39 +2758,7 @@
             </a:r>
             <a:r>
               <a:rPr lang="zh-CN" altLang="en-US" sz="1200" dirty="0"/>
-              <a:t>数量，将</a:t>
-            </a:r>
-            <a:r>
-              <a:rPr lang="en-US" altLang="zh-CN" sz="1200" dirty="0"/>
-              <a:t>Hl</a:t>
-            </a:r>
-            <a:r>
-              <a:rPr lang="zh-CN" altLang="en-US" sz="1200" dirty="0"/>
-              <a:t>改为</a:t>
-            </a:r>
-            <a:r>
-              <a:rPr lang="en-US" altLang="zh-CN" sz="1200" dirty="0"/>
-              <a:t>BN-</a:t>
-            </a:r>
-            <a:r>
-              <a:rPr lang="en-US" altLang="zh-CN" sz="1200" dirty="0" err="1"/>
-              <a:t>ReLU</a:t>
-            </a:r>
-            <a:r>
-              <a:rPr lang="en-US" altLang="zh-CN" sz="1200" dirty="0"/>
-              <a:t>-Conv(1x1)-BN-</a:t>
-            </a:r>
-            <a:r>
-              <a:rPr lang="en-US" altLang="zh-CN" sz="1200" dirty="0" err="1"/>
-              <a:t>ReLU</a:t>
-            </a:r>
-            <a:r>
-              <a:rPr lang="en-US" altLang="zh-CN" sz="1200" dirty="0"/>
-              <a:t>-Conv(3x3)</a:t>
-            </a:r>
-            <a:r>
-              <a:rPr lang="zh-CN" altLang="en-US" sz="1200" dirty="0"/>
-              <a:t>的结构，记为</a:t>
+              <a:t>） 添加到“集体知识” 。最终分类器基于</a:t>
             </a:r>
             <a:r>
               <a:rPr lang="en-US" altLang="zh-CN" sz="1200" dirty="0" err="1"/>
@@ -2485,17 +2766,92 @@
             </a:r>
             <a:r>
               <a:rPr lang="en-US" altLang="zh-CN" sz="1200" dirty="0"/>
-              <a:t>-B </a:t>
-            </a:r>
+              <a:t> </a:t>
+            </a:r>
+            <a:r>
+              <a:rPr lang="zh-CN" altLang="en-US" sz="1200" dirty="0"/>
+              <a:t>块的所有</a:t>
+            </a:r>
+            <a:r>
+              <a:rPr lang="en-US" altLang="zh-CN" sz="1200" dirty="0"/>
+              <a:t>feature map </a:t>
+            </a:r>
+            <a:r>
+              <a:rPr lang="zh-CN" altLang="en-US" sz="1200" dirty="0"/>
+              <a:t>。</a:t>
+            </a:r>
+            <a:endParaRPr lang="en-US" altLang="zh-CN" sz="1200" dirty="0"/>
+          </a:p>
+          <a:p>
+            <a:pPr marL="0" marR="0" lvl="0" indent="0" algn="l" defTabSz="914400" rtl="0" eaLnBrk="1" fontAlgn="auto" latinLnBrk="0" hangingPunct="1">
+              <a:lnSpc>
+                <a:spcPct val="100000"/>
+              </a:lnSpc>
+              <a:spcBef>
+                <a:spcPts val="0"/>
+              </a:spcBef>
+              <a:spcAft>
+                <a:spcPts val="0"/>
+              </a:spcAft>
+              <a:buClrTx/>
+              <a:buSzTx/>
+              <a:buFontTx/>
+              <a:buNone/>
+              <a:tabLst/>
+              <a:defRPr/>
+            </a:pPr>
+            <a:endParaRPr lang="en-US" altLang="zh-CN" sz="1200" dirty="0"/>
+          </a:p>
+          <a:p>
+            <a:pPr marL="0" marR="0" lvl="0" indent="0" algn="l" defTabSz="914400" rtl="0" eaLnBrk="1" fontAlgn="auto" latinLnBrk="0" hangingPunct="1">
+              <a:lnSpc>
+                <a:spcPct val="100000"/>
+              </a:lnSpc>
+              <a:spcBef>
+                <a:spcPts val="0"/>
+              </a:spcBef>
+              <a:spcAft>
+                <a:spcPts val="0"/>
+              </a:spcAft>
+              <a:buClrTx/>
+              <a:buSzTx/>
+              <a:buFontTx/>
+              <a:buNone/>
+              <a:tabLst/>
+              <a:defRPr/>
+            </a:pPr>
+            <a:r>
+              <a:rPr lang="en-US" altLang="zh-CN" sz="1200" dirty="0" err="1"/>
+              <a:t>DenseNet</a:t>
+            </a:r>
+            <a:r>
+              <a:rPr lang="en-US" altLang="zh-CN" sz="1200" dirty="0"/>
+              <a:t> </a:t>
+            </a:r>
+            <a:r>
+              <a:rPr lang="zh-CN" altLang="en-US" sz="1200" dirty="0"/>
+              <a:t>提高精度的一个可能的解释是：各层通过较短的连接（最多需要经过两个或者三个过渡层）直接从损失函数中接收额外的监督信息。</a:t>
+            </a:r>
+          </a:p>
+          <a:p>
+            <a:pPr marL="0" marR="0" lvl="0" indent="0" algn="l" defTabSz="914400" rtl="0" eaLnBrk="1" fontAlgn="auto" latinLnBrk="0" hangingPunct="1">
+              <a:lnSpc>
+                <a:spcPct val="100000"/>
+              </a:lnSpc>
+              <a:spcBef>
+                <a:spcPts val="0"/>
+              </a:spcBef>
+              <a:spcAft>
+                <a:spcPts val="0"/>
+              </a:spcAft>
+              <a:buClrTx/>
+              <a:buSzTx/>
+              <a:buFontTx/>
+              <a:buNone/>
+              <a:tabLst/>
+              <a:defRPr/>
+            </a:pPr>
             <a:endParaRPr lang="zh-CN" altLang="en-US" sz="1200" dirty="0"/>
-          </a:p>
-          <a:p>
-            <a:pPr>
-              <a:lnSpc>
-                <a:spcPct val="150000"/>
-              </a:lnSpc>
-            </a:pPr>
-            <a:endParaRPr lang="zh-CN" altLang="en-US" dirty="0"/>
           </a:p>
           <a:p>
             <a:endParaRPr lang="zh-CN" altLang="en-US" dirty="0"/>
@@ -2519,7 +2875,7 @@
           <a:p>
             <a:fld id="{9D43EA00-B718-4ADE-AC24-1709D54B376C}" type="slidenum">
               <a:rPr lang="zh-CN" altLang="en-US" smtClean="0"/>
-              <a:t>22</a:t>
+              <a:t>23</a:t>
             </a:fld>
             <a:endParaRPr lang="zh-CN" altLang="en-US"/>
           </a:p>
@@ -2528,7 +2884,338 @@
     </p:spTree>
     <p:extLst>
       <p:ext uri="{BB962C8B-B14F-4D97-AF65-F5344CB8AC3E}">
-        <p14:creationId xmlns:p14="http://schemas.microsoft.com/office/powerpoint/2010/main" val="516118437"/>
+        <p14:creationId xmlns:p14="http://schemas.microsoft.com/office/powerpoint/2010/main" val="328071411"/>
+      </p:ext>
+    </p:extLst>
+  </p:cSld>
+  <p:clrMapOvr>
+    <a:masterClrMapping/>
+  </p:clrMapOvr>
+</p:notes>
+</file>
+
+<file path=ppt/notesSlides/notesSlide17.xml><?xml version="1.0" encoding="utf-8"?>
+<p:notes xmlns:a="http://schemas.openxmlformats.org/drawingml/2006/main" xmlns:r="http://schemas.openxmlformats.org/officeDocument/2006/relationships" xmlns:p="http://schemas.openxmlformats.org/presentationml/2006/main">
+  <p:cSld>
+    <p:spTree>
+      <p:nvGrpSpPr>
+        <p:cNvPr id="1" name=""/>
+        <p:cNvGrpSpPr/>
+        <p:nvPr/>
+      </p:nvGrpSpPr>
+      <p:grpSpPr>
+        <a:xfrm>
+          <a:off x="0" y="0"/>
+          <a:ext cx="0" cy="0"/>
+          <a:chOff x="0" y="0"/>
+          <a:chExt cx="0" cy="0"/>
+        </a:xfrm>
+      </p:grpSpPr>
+      <p:sp>
+        <p:nvSpPr>
+          <p:cNvPr id="2" name="幻灯片图像占位符 1"/>
+          <p:cNvSpPr>
+            <a:spLocks noGrp="1" noRot="1" noChangeAspect="1"/>
+          </p:cNvSpPr>
+          <p:nvPr>
+            <p:ph type="sldImg"/>
+          </p:nvPr>
+        </p:nvSpPr>
+        <p:spPr/>
+      </p:sp>
+      <p:sp>
+        <p:nvSpPr>
+          <p:cNvPr id="3" name="备注占位符 2"/>
+          <p:cNvSpPr>
+            <a:spLocks noGrp="1"/>
+          </p:cNvSpPr>
+          <p:nvPr>
+            <p:ph type="body" idx="1"/>
+          </p:nvPr>
+        </p:nvSpPr>
+        <p:spPr/>
+        <p:txBody>
+          <a:bodyPr/>
+          <a:lstStyle/>
+          <a:p>
+            <a:pPr marL="228600" indent="-228600">
+              <a:buAutoNum type="arabicPeriod"/>
+            </a:pPr>
+            <a:r>
+              <a:rPr lang="zh-CN" altLang="en-US" sz="1200" b="0" i="0" kern="1200" dirty="0">
+                <a:solidFill>
+                  <a:schemeClr val="tx1"/>
+                </a:solidFill>
+                <a:effectLst/>
+                <a:latin typeface="+mn-lt"/>
+                <a:ea typeface="+mn-ea"/>
+                <a:cs typeface="+mn-cs"/>
+              </a:rPr>
+              <a:t>缓解梯度消失的问题。因为每层都可以直接从损失函数和原始输入中获取梯度，从而易于训练。</a:t>
+            </a:r>
+            <a:endParaRPr lang="en-US" altLang="zh-CN" sz="1200" b="0" i="0" kern="1200" dirty="0">
+              <a:solidFill>
+                <a:schemeClr val="tx1"/>
+              </a:solidFill>
+              <a:effectLst/>
+              <a:latin typeface="+mn-lt"/>
+              <a:ea typeface="+mn-ea"/>
+              <a:cs typeface="+mn-cs"/>
+            </a:endParaRPr>
+          </a:p>
+          <a:p>
+            <a:pPr marL="228600" indent="-228600">
+              <a:buAutoNum type="arabicPeriod"/>
+            </a:pPr>
+            <a:endParaRPr lang="zh-CN" altLang="en-US" sz="1200" b="0" i="0" kern="1200" dirty="0">
+              <a:solidFill>
+                <a:schemeClr val="tx1"/>
+              </a:solidFill>
+              <a:effectLst/>
+              <a:latin typeface="+mn-lt"/>
+              <a:ea typeface="+mn-ea"/>
+              <a:cs typeface="+mn-cs"/>
+            </a:endParaRPr>
+          </a:p>
+          <a:p>
+            <a:r>
+              <a:rPr lang="en-US" altLang="zh-CN" sz="1200" b="0" i="0" kern="1200" dirty="0">
+                <a:solidFill>
+                  <a:schemeClr val="tx1"/>
+                </a:solidFill>
+                <a:effectLst/>
+                <a:latin typeface="+mn-lt"/>
+                <a:ea typeface="+mn-ea"/>
+                <a:cs typeface="+mn-cs"/>
+              </a:rPr>
+              <a:t>2. </a:t>
+            </a:r>
+            <a:r>
+              <a:rPr lang="zh-CN" altLang="en-US" sz="1200" b="0" i="0" kern="1200" dirty="0">
+                <a:solidFill>
+                  <a:schemeClr val="tx1"/>
+                </a:solidFill>
+                <a:effectLst/>
+                <a:latin typeface="+mn-lt"/>
+                <a:ea typeface="+mn-ea"/>
+                <a:cs typeface="+mn-cs"/>
+              </a:rPr>
+              <a:t>密集连接还具有正则化的效应，缓解了小训练集任务的过拟合。</a:t>
+            </a:r>
+            <a:endParaRPr lang="en-US" altLang="zh-CN" sz="1200" b="0" i="0" kern="1200" dirty="0">
+              <a:solidFill>
+                <a:schemeClr val="tx1"/>
+              </a:solidFill>
+              <a:effectLst/>
+              <a:latin typeface="+mn-lt"/>
+              <a:ea typeface="+mn-ea"/>
+              <a:cs typeface="+mn-cs"/>
+            </a:endParaRPr>
+          </a:p>
+          <a:p>
+            <a:endParaRPr lang="zh-CN" altLang="en-US" sz="1200" b="0" i="0" kern="1200" dirty="0">
+              <a:solidFill>
+                <a:schemeClr val="tx1"/>
+              </a:solidFill>
+              <a:effectLst/>
+              <a:latin typeface="+mn-lt"/>
+              <a:ea typeface="+mn-ea"/>
+              <a:cs typeface="+mn-cs"/>
+            </a:endParaRPr>
+          </a:p>
+          <a:p>
+            <a:pPr marL="0" marR="0" lvl="0" indent="0" algn="l" defTabSz="914400" rtl="0" eaLnBrk="1" fontAlgn="auto" latinLnBrk="0" hangingPunct="1">
+              <a:lnSpc>
+                <a:spcPct val="100000"/>
+              </a:lnSpc>
+              <a:spcBef>
+                <a:spcPts val="0"/>
+              </a:spcBef>
+              <a:spcAft>
+                <a:spcPts val="0"/>
+              </a:spcAft>
+              <a:buClrTx/>
+              <a:buSzTx/>
+              <a:buFontTx/>
+              <a:buNone/>
+              <a:tabLst/>
+              <a:defRPr/>
+            </a:pPr>
+            <a:r>
+              <a:rPr lang="en-US" altLang="zh-CN" sz="1200" b="0" i="0" kern="1200" dirty="0">
+                <a:solidFill>
+                  <a:schemeClr val="tx1"/>
+                </a:solidFill>
+                <a:effectLst/>
+                <a:latin typeface="+mn-lt"/>
+                <a:ea typeface="+mn-ea"/>
+                <a:cs typeface="+mn-cs"/>
+              </a:rPr>
+              <a:t>3. </a:t>
+            </a:r>
+            <a:r>
+              <a:rPr lang="zh-CN" altLang="en-US" sz="1200" b="0" i="0" kern="1200" dirty="0">
+                <a:solidFill>
+                  <a:schemeClr val="tx1"/>
+                </a:solidFill>
+                <a:effectLst/>
+                <a:latin typeface="+mn-lt"/>
+                <a:ea typeface="+mn-ea"/>
+                <a:cs typeface="+mn-cs"/>
+              </a:rPr>
+              <a:t>鼓励特征重用。</a:t>
+            </a:r>
+            <a:r>
+              <a:rPr lang="zh-CN" altLang="zh-CN" dirty="0"/>
+              <a:t>保证网络中层间最大的信息流，将每个层都直接的连在一起。每层都获得了额外的来自之前所有层的输入，并且把自己的特征图传给所有的下面的层</a:t>
+            </a:r>
+            <a:r>
+              <a:rPr lang="zh-CN" altLang="en-US" dirty="0"/>
+              <a:t>。</a:t>
+            </a:r>
+            <a:endParaRPr lang="zh-CN" altLang="zh-CN" dirty="0"/>
+          </a:p>
+          <a:p>
+            <a:endParaRPr lang="zh-CN" altLang="en-US" sz="1200" b="0" i="0" kern="1200" dirty="0">
+              <a:solidFill>
+                <a:schemeClr val="tx1"/>
+              </a:solidFill>
+              <a:effectLst/>
+              <a:latin typeface="+mn-lt"/>
+              <a:ea typeface="+mn-ea"/>
+              <a:cs typeface="+mn-cs"/>
+            </a:endParaRPr>
+          </a:p>
+          <a:p>
+            <a:r>
+              <a:rPr lang="en-US" altLang="zh-CN" sz="1200" b="0" i="0" kern="1200" dirty="0">
+                <a:solidFill>
+                  <a:schemeClr val="tx1"/>
+                </a:solidFill>
+                <a:effectLst/>
+                <a:latin typeface="+mn-lt"/>
+                <a:ea typeface="+mn-ea"/>
+                <a:cs typeface="+mn-cs"/>
+              </a:rPr>
+              <a:t>4. </a:t>
+            </a:r>
+            <a:r>
+              <a:rPr lang="zh-CN" altLang="en-US" sz="1200" b="0" i="0" kern="1200" dirty="0">
+                <a:solidFill>
+                  <a:schemeClr val="tx1"/>
+                </a:solidFill>
+                <a:effectLst/>
+                <a:latin typeface="+mn-lt"/>
+                <a:ea typeface="+mn-ea"/>
+                <a:cs typeface="+mn-cs"/>
+              </a:rPr>
+              <a:t>大幅度减少参数数量。因为每层的卷积核尺寸都比较小，输出通道数较少 </a:t>
+            </a:r>
+            <a:r>
+              <a:rPr lang="en-US" altLang="zh-CN" sz="1200" b="0" i="0" kern="1200" dirty="0">
+                <a:solidFill>
+                  <a:schemeClr val="tx1"/>
+                </a:solidFill>
+                <a:effectLst/>
+                <a:latin typeface="+mn-lt"/>
+                <a:ea typeface="+mn-ea"/>
+                <a:cs typeface="+mn-cs"/>
+              </a:rPr>
+              <a:t>(</a:t>
+            </a:r>
+            <a:r>
+              <a:rPr lang="zh-CN" altLang="en-US" sz="1200" b="0" i="0" kern="1200" dirty="0">
+                <a:solidFill>
+                  <a:schemeClr val="tx1"/>
+                </a:solidFill>
+                <a:effectLst/>
+                <a:latin typeface="+mn-lt"/>
+                <a:ea typeface="+mn-ea"/>
+                <a:cs typeface="+mn-cs"/>
+              </a:rPr>
+              <a:t>由增长率</a:t>
+            </a:r>
+            <a:r>
+              <a:rPr lang="en-US" altLang="zh-CN" sz="1200" b="0" i="0" kern="1200" dirty="0">
+                <a:solidFill>
+                  <a:schemeClr val="tx1"/>
+                </a:solidFill>
+                <a:effectLst/>
+                <a:latin typeface="+mn-lt"/>
+                <a:ea typeface="+mn-ea"/>
+                <a:cs typeface="+mn-cs"/>
+              </a:rPr>
+              <a:t>k</a:t>
+            </a:r>
+            <a:r>
+              <a:rPr lang="zh-CN" altLang="en-US" sz="1200" b="0" i="0" kern="1200" dirty="0">
+                <a:solidFill>
+                  <a:schemeClr val="tx1"/>
+                </a:solidFill>
+                <a:effectLst/>
+                <a:latin typeface="+mn-lt"/>
+                <a:ea typeface="+mn-ea"/>
+                <a:cs typeface="+mn-cs"/>
+              </a:rPr>
+              <a:t>决定</a:t>
+            </a:r>
+            <a:r>
+              <a:rPr lang="en-US" altLang="zh-CN" sz="1200" b="0" i="0" kern="1200" dirty="0">
+                <a:solidFill>
+                  <a:schemeClr val="tx1"/>
+                </a:solidFill>
+                <a:effectLst/>
+                <a:latin typeface="+mn-lt"/>
+                <a:ea typeface="+mn-ea"/>
+                <a:cs typeface="+mn-cs"/>
+              </a:rPr>
+              <a:t>)</a:t>
+            </a:r>
+            <a:r>
+              <a:rPr lang="zh-CN" altLang="en-US" sz="1200" b="0" i="0" kern="1200" dirty="0">
+                <a:solidFill>
+                  <a:schemeClr val="tx1"/>
+                </a:solidFill>
+                <a:effectLst/>
+                <a:latin typeface="+mn-lt"/>
+                <a:ea typeface="+mn-ea"/>
+                <a:cs typeface="+mn-cs"/>
+              </a:rPr>
+              <a:t>。</a:t>
+            </a:r>
+          </a:p>
+          <a:p>
+            <a:endParaRPr lang="zh-CN" altLang="en-US" dirty="0"/>
+          </a:p>
+        </p:txBody>
+      </p:sp>
+      <p:sp>
+        <p:nvSpPr>
+          <p:cNvPr id="4" name="灯片编号占位符 3"/>
+          <p:cNvSpPr>
+            <a:spLocks noGrp="1"/>
+          </p:cNvSpPr>
+          <p:nvPr>
+            <p:ph type="sldNum" sz="quarter" idx="5"/>
+          </p:nvPr>
+        </p:nvSpPr>
+        <p:spPr/>
+        <p:txBody>
+          <a:bodyPr/>
+          <a:lstStyle/>
+          <a:p>
+            <a:fld id="{9D43EA00-B718-4ADE-AC24-1709D54B376C}" type="slidenum">
+              <a:rPr lang="zh-CN" altLang="en-US" smtClean="0"/>
+              <a:t>25</a:t>
+            </a:fld>
+            <a:endParaRPr lang="zh-CN" altLang="en-US"/>
+          </a:p>
+        </p:txBody>
+      </p:sp>
+    </p:spTree>
+    <p:extLst>
+      <p:ext uri="{BB962C8B-B14F-4D97-AF65-F5344CB8AC3E}">
+        <p14:creationId xmlns:p14="http://schemas.microsoft.com/office/powerpoint/2010/main" val="3990160817"/>
       </p:ext>
     </p:extLst>
   </p:cSld>
@@ -2639,6 +3326,26 @@
               <a:tabLst/>
               <a:defRPr/>
             </a:pPr>
+            <a:endParaRPr lang="en-US" altLang="zh-CN" dirty="0"/>
+          </a:p>
+          <a:p>
+            <a:pPr marL="0" marR="0" lvl="0" indent="0" algn="l" defTabSz="914400" rtl="0" eaLnBrk="1" fontAlgn="auto" latinLnBrk="0" hangingPunct="1">
+              <a:lnSpc>
+                <a:spcPct val="100000"/>
+              </a:lnSpc>
+              <a:spcBef>
+                <a:spcPts val="0"/>
+              </a:spcBef>
+              <a:spcAft>
+                <a:spcPts val="0"/>
+              </a:spcAft>
+              <a:buClrTx/>
+              <a:buSzTx/>
+              <a:buFontTx/>
+              <a:buNone/>
+              <a:tabLst/>
+              <a:defRPr/>
+            </a:pPr>
             <a:r>
               <a:rPr lang="zh-CN" altLang="en-US" dirty="0"/>
               <a:t>输入固定原因（</a:t>
@@ -2683,6 +3390,26 @@
               <a:rPr lang="zh-CN" altLang="en-US" dirty="0"/>
               <a:t>）</a:t>
             </a:r>
+            <a:endParaRPr lang="en-US" altLang="zh-CN" dirty="0"/>
+          </a:p>
+          <a:p>
+            <a:pPr marL="0" marR="0" lvl="0" indent="0" algn="l" defTabSz="914400" rtl="0" eaLnBrk="1" fontAlgn="auto" latinLnBrk="0" hangingPunct="1">
+              <a:lnSpc>
+                <a:spcPct val="100000"/>
+              </a:lnSpc>
+              <a:spcBef>
+                <a:spcPts val="0"/>
+              </a:spcBef>
+              <a:spcAft>
+                <a:spcPts val="0"/>
+              </a:spcAft>
+              <a:buClrTx/>
+              <a:buSzTx/>
+              <a:buFontTx/>
+              <a:buNone/>
+              <a:tabLst/>
+              <a:defRPr/>
+            </a:pPr>
             <a:endParaRPr lang="en-US" altLang="zh-CN" dirty="0"/>
           </a:p>
           <a:p>
@@ -5454,7 +6181,7 @@
           <a:p>
             <a:fld id="{CB1D299A-6B22-4BCA-929F-609FF49119CF}" type="datetimeFigureOut">
               <a:rPr lang="zh-CN" altLang="en-US" smtClean="0"/>
-              <a:t>2018/10/14</a:t>
+              <a:t>2018/10/15</a:t>
             </a:fld>
             <a:endParaRPr lang="zh-CN" altLang="en-US"/>
           </a:p>
@@ -5652,7 +6379,7 @@
           <a:p>
             <a:fld id="{CB1D299A-6B22-4BCA-929F-609FF49119CF}" type="datetimeFigureOut">
               <a:rPr lang="zh-CN" altLang="en-US" smtClean="0"/>
-              <a:t>2018/10/14</a:t>
+              <a:t>2018/10/15</a:t>
             </a:fld>
             <a:endParaRPr lang="zh-CN" altLang="en-US"/>
           </a:p>
@@ -5860,7 +6587,7 @@
           <a:p>
             <a:fld id="{CB1D299A-6B22-4BCA-929F-609FF49119CF}" type="datetimeFigureOut">
               <a:rPr lang="zh-CN" altLang="en-US" smtClean="0"/>
-              <a:t>2018/10/14</a:t>
+              <a:t>2018/10/15</a:t>
             </a:fld>
             <a:endParaRPr lang="zh-CN" altLang="en-US"/>
           </a:p>
@@ -6058,7 +6785,7 @@
           <a:p>
             <a:fld id="{CB1D299A-6B22-4BCA-929F-609FF49119CF}" type="datetimeFigureOut">
               <a:rPr lang="zh-CN" altLang="en-US" smtClean="0"/>
-              <a:t>2018/10/14</a:t>
+              <a:t>2018/10/15</a:t>
             </a:fld>
             <a:endParaRPr lang="zh-CN" altLang="en-US"/>
           </a:p>
@@ -6333,7 +7060,7 @@
           <a:p>
             <a:fld id="{CB1D299A-6B22-4BCA-929F-609FF49119CF}" type="datetimeFigureOut">
               <a:rPr lang="zh-CN" altLang="en-US" smtClean="0"/>
-              <a:t>2018/10/14</a:t>
+              <a:t>2018/10/15</a:t>
             </a:fld>
             <a:endParaRPr lang="zh-CN" altLang="en-US"/>
           </a:p>
@@ -6598,7 +7325,7 @@
           <a:p>
             <a:fld id="{CB1D299A-6B22-4BCA-929F-609FF49119CF}" type="datetimeFigureOut">
               <a:rPr lang="zh-CN" altLang="en-US" smtClean="0"/>
-              <a:t>2018/10/14</a:t>
+              <a:t>2018/10/15</a:t>
             </a:fld>
             <a:endParaRPr lang="zh-CN" altLang="en-US"/>
           </a:p>
@@ -7010,7 +7737,7 @@
           <a:p>
             <a:fld id="{CB1D299A-6B22-4BCA-929F-609FF49119CF}" type="datetimeFigureOut">
               <a:rPr lang="zh-CN" altLang="en-US" smtClean="0"/>
-              <a:t>2018/10/14</a:t>
+              <a:t>2018/10/15</a:t>
             </a:fld>
             <a:endParaRPr lang="zh-CN" altLang="en-US"/>
           </a:p>
@@ -7151,7 +7878,7 @@
           <a:p>
             <a:fld id="{CB1D299A-6B22-4BCA-929F-609FF49119CF}" type="datetimeFigureOut">
               <a:rPr lang="zh-CN" altLang="en-US" smtClean="0"/>
-              <a:t>2018/10/14</a:t>
+              <a:t>2018/10/15</a:t>
             </a:fld>
             <a:endParaRPr lang="zh-CN" altLang="en-US"/>
           </a:p>
@@ -7264,7 +7991,7 @@
           <a:p>
             <a:fld id="{CB1D299A-6B22-4BCA-929F-609FF49119CF}" type="datetimeFigureOut">
               <a:rPr lang="zh-CN" altLang="en-US" smtClean="0"/>
-              <a:t>2018/10/14</a:t>
+              <a:t>2018/10/15</a:t>
             </a:fld>
             <a:endParaRPr lang="zh-CN" altLang="en-US"/>
           </a:p>
@@ -7575,7 +8302,7 @@
           <a:p>
             <a:fld id="{CB1D299A-6B22-4BCA-929F-609FF49119CF}" type="datetimeFigureOut">
               <a:rPr lang="zh-CN" altLang="en-US" smtClean="0"/>
-              <a:t>2018/10/14</a:t>
+              <a:t>2018/10/15</a:t>
             </a:fld>
             <a:endParaRPr lang="zh-CN" altLang="en-US"/>
           </a:p>
@@ -7863,7 +8590,7 @@
           <a:p>
             <a:fld id="{CB1D299A-6B22-4BCA-929F-609FF49119CF}" type="datetimeFigureOut">
               <a:rPr lang="zh-CN" altLang="en-US" smtClean="0"/>
-              <a:t>2018/10/14</a:t>
+              <a:t>2018/10/15</a:t>
             </a:fld>
             <a:endParaRPr lang="zh-CN" altLang="en-US"/>
           </a:p>
@@ -8104,7 +8831,7 @@
           <a:p>
             <a:fld id="{CB1D299A-6B22-4BCA-929F-609FF49119CF}" type="datetimeFigureOut">
               <a:rPr lang="zh-CN" altLang="en-US" smtClean="0"/>
-              <a:t>2018/10/14</a:t>
+              <a:t>2018/10/15</a:t>
             </a:fld>
             <a:endParaRPr lang="zh-CN" altLang="en-US"/>
           </a:p>
@@ -8539,8 +9266,8 @@
         </p:nvSpPr>
         <p:spPr>
           <a:xfrm>
-            <a:off x="4388555" y="2798233"/>
-            <a:ext cx="3414889" cy="1261534"/>
+            <a:off x="3901157" y="2802466"/>
+            <a:ext cx="4389684" cy="1261534"/>
           </a:xfrm>
         </p:spPr>
         <p:txBody>
@@ -8551,12 +9278,8 @@
           <a:p>
             <a:r>
               <a:rPr lang="zh-CN" altLang="en-US" sz="5400" dirty="0"/>
-              <a:t>论文总结</a:t>
-            </a:r>
-            <a:br>
-              <a:rPr lang="en-US" altLang="zh-CN" sz="5400" dirty="0"/>
-            </a:br>
-            <a:endParaRPr lang="zh-CN" altLang="en-US" sz="5400" dirty="0"/>
+              <a:t>组会论文汇报</a:t>
+            </a:r>
           </a:p>
         </p:txBody>
       </p:sp>
@@ -9478,8 +10201,24 @@
               </a:lnSpc>
             </a:pPr>
             <a:r>
+              <a:rPr lang="zh-CN" altLang="en-US" dirty="0"/>
+              <a:t>背景：</a:t>
+            </a:r>
+            <a:r>
               <a:rPr lang="zh-CN" altLang="zh-CN" dirty="0"/>
-              <a:t>最近的工作表明，如果卷积网络在靠近输入的层和靠近输出的层之间包含较短的连接，则卷积网络可以更深，更准确，并且更有效。</a:t>
+              <a:t>卷积网络在靠近输入的层和靠近输出的层之间包含较短的连接，则卷积网络可以更深，更准确，并且更有效</a:t>
+            </a:r>
+            <a:r>
+              <a:rPr lang="zh-CN" altLang="en-US" dirty="0"/>
+              <a:t>（</a:t>
+            </a:r>
+            <a:r>
+              <a:rPr lang="en-US" altLang="zh-CN" dirty="0" err="1"/>
+              <a:t>ResNet</a:t>
+            </a:r>
+            <a:r>
+              <a:rPr lang="zh-CN" altLang="en-US" dirty="0"/>
+              <a:t>）</a:t>
             </a:r>
             <a:endParaRPr lang="en-US" altLang="zh-CN" dirty="0"/>
           </a:p>
@@ -9530,21 +10269,18 @@
               <a:t> </a:t>
             </a:r>
             <a:r>
-              <a:rPr lang="en-US" altLang="zh-CN" dirty="0" err="1"/>
-              <a:t>DenseNets</a:t>
+              <a:rPr lang="zh-CN" altLang="en-US" dirty="0"/>
+              <a:t>贡献</a:t>
             </a:r>
             <a:r>
               <a:rPr lang="zh-CN" altLang="zh-CN" dirty="0"/>
-              <a:t>具有几个引人注目的优点：它们可以缓解消失梯度问题，加强特征传播，并大幅减少参数数量。</a:t>
-            </a:r>
-          </a:p>
-          <a:p>
-            <a:pPr>
-              <a:lnSpc>
-                <a:spcPct val="170000"/>
-              </a:lnSpc>
-            </a:pPr>
-            <a:endParaRPr lang="zh-CN" altLang="en-US" dirty="0"/>
+              <a:t>：</a:t>
+            </a:r>
+            <a:r>
+              <a:rPr lang="zh-CN" altLang="en-US" dirty="0"/>
+              <a:t>不是通过更深或者更宽的结构，而是通过特征重用来提升网络的学习能力。</a:t>
+            </a:r>
+            <a:endParaRPr lang="zh-CN" altLang="zh-CN" dirty="0"/>
           </a:p>
         </p:txBody>
       </p:sp>
@@ -9583,7 +10319,7 @@
           <p:cNvPr id="2" name="标题 1">
             <a:extLst>
               <a:ext uri="{FF2B5EF4-FFF2-40B4-BE49-F238E27FC236}">
-                <a16:creationId xmlns:a16="http://schemas.microsoft.com/office/drawing/2014/main" id="{C17B3800-E761-4996-9893-8AE753F5BA25}"/>
+                <a16:creationId xmlns:a16="http://schemas.microsoft.com/office/drawing/2014/main" id="{912FBE75-2C1D-4AB4-A2D5-8751AB0F9589}"/>
               </a:ext>
             </a:extLst>
           </p:cNvPr>
@@ -9600,8 +10336,12 @@
           <a:lstStyle/>
           <a:p>
             <a:r>
+              <a:rPr lang="en-US" altLang="zh-CN" dirty="0" err="1"/>
+              <a:t>DenseNet</a:t>
+            </a:r>
+            <a:r>
               <a:rPr lang="zh-CN" altLang="en-US" dirty="0"/>
-              <a:t>特点</a:t>
+              <a:t>设计</a:t>
             </a:r>
           </a:p>
         </p:txBody>
@@ -9611,7 +10351,7 @@
           <p:cNvPr id="3" name="内容占位符 2">
             <a:extLst>
               <a:ext uri="{FF2B5EF4-FFF2-40B4-BE49-F238E27FC236}">
-                <a16:creationId xmlns:a16="http://schemas.microsoft.com/office/drawing/2014/main" id="{335AF711-EC88-4AC5-9480-68B58ACD40A4}"/>
+                <a16:creationId xmlns:a16="http://schemas.microsoft.com/office/drawing/2014/main" id="{DCB6F769-7065-4128-98F2-EA278AAF1884}"/>
               </a:ext>
             </a:extLst>
           </p:cNvPr>
@@ -9622,12 +10362,265 @@
             <p:ph idx="1"/>
           </p:nvPr>
         </p:nvSpPr>
-        <p:spPr/>
+        <p:spPr>
+          <a:xfrm>
+            <a:off x="838200" y="1825624"/>
+            <a:ext cx="10515600" cy="4575175"/>
+          </a:xfrm>
+        </p:spPr>
         <p:txBody>
           <a:bodyPr>
-            <a:normAutofit fontScale="85000" lnSpcReduction="20000"/>
+            <a:normAutofit/>
           </a:bodyPr>
           <a:lstStyle/>
+          <a:p>
+            <a:pPr>
+              <a:lnSpc>
+                <a:spcPct val="160000"/>
+              </a:lnSpc>
+            </a:pPr>
+            <a:r>
+              <a:rPr lang="zh-CN" altLang="zh-CN" dirty="0">
+                <a:latin typeface="Times New Roman" panose="02020603050405020304" pitchFamily="18" charset="0"/>
+                <a:ea typeface="宋体" panose="02010600030101010101" pitchFamily="2" charset="-122"/>
+                <a:cs typeface="Times New Roman" panose="02020603050405020304" pitchFamily="18" charset="0"/>
+              </a:rPr>
+              <a:t>非线性转换</a:t>
+            </a:r>
+            <a:r>
+              <a:rPr lang="en-US" altLang="zh-CN" dirty="0">
+                <a:latin typeface="Times New Roman" panose="02020603050405020304" pitchFamily="18" charset="0"/>
+                <a:ea typeface="宋体" panose="02010600030101010101" pitchFamily="2" charset="-122"/>
+                <a:cs typeface="Times New Roman" panose="02020603050405020304" pitchFamily="18" charset="0"/>
+              </a:rPr>
+              <a:t>(non-linear transformation ) Hl(.)</a:t>
+            </a:r>
+            <a:r>
+              <a:rPr lang="zh-CN" altLang="en-US" dirty="0">
+                <a:latin typeface="Times New Roman" panose="02020603050405020304" pitchFamily="18" charset="0"/>
+                <a:ea typeface="宋体" panose="02010600030101010101" pitchFamily="2" charset="-122"/>
+                <a:cs typeface="Times New Roman" panose="02020603050405020304" pitchFamily="18" charset="0"/>
+              </a:rPr>
+              <a:t> ，包含</a:t>
+            </a:r>
+            <a:r>
+              <a:rPr lang="en-US" altLang="zh-CN" dirty="0">
+                <a:latin typeface="Times New Roman" panose="02020603050405020304" pitchFamily="18" charset="0"/>
+                <a:ea typeface="宋体" panose="02010600030101010101" pitchFamily="2" charset="-122"/>
+                <a:cs typeface="Times New Roman" panose="02020603050405020304" pitchFamily="18" charset="0"/>
+              </a:rPr>
+              <a:t>Batch Normalization (BN)</a:t>
+            </a:r>
+            <a:r>
+              <a:rPr lang="zh-CN" altLang="zh-CN" dirty="0">
+                <a:latin typeface="Times New Roman" panose="02020603050405020304" pitchFamily="18" charset="0"/>
+                <a:ea typeface="宋体" panose="02010600030101010101" pitchFamily="2" charset="-122"/>
+                <a:cs typeface="Times New Roman" panose="02020603050405020304" pitchFamily="18" charset="0"/>
+              </a:rPr>
+              <a:t>，</a:t>
+            </a:r>
+            <a:r>
+              <a:rPr lang="en-US" altLang="zh-CN" dirty="0" err="1">
+                <a:latin typeface="Times New Roman" panose="02020603050405020304" pitchFamily="18" charset="0"/>
+                <a:ea typeface="宋体" panose="02010600030101010101" pitchFamily="2" charset="-122"/>
+                <a:cs typeface="Times New Roman" panose="02020603050405020304" pitchFamily="18" charset="0"/>
+              </a:rPr>
+              <a:t>ReLU</a:t>
+            </a:r>
+            <a:r>
+              <a:rPr lang="zh-CN" altLang="zh-CN" dirty="0">
+                <a:latin typeface="Times New Roman" panose="02020603050405020304" pitchFamily="18" charset="0"/>
+                <a:ea typeface="宋体" panose="02010600030101010101" pitchFamily="2" charset="-122"/>
+                <a:cs typeface="Times New Roman" panose="02020603050405020304" pitchFamily="18" charset="0"/>
+              </a:rPr>
+              <a:t>激活函数和</a:t>
+            </a:r>
+            <a:r>
+              <a:rPr lang="en-US" altLang="zh-CN" dirty="0">
+                <a:latin typeface="Times New Roman" panose="02020603050405020304" pitchFamily="18" charset="0"/>
+                <a:ea typeface="宋体" panose="02010600030101010101" pitchFamily="2" charset="-122"/>
+                <a:cs typeface="Times New Roman" panose="02020603050405020304" pitchFamily="18" charset="0"/>
+              </a:rPr>
+              <a:t>3</a:t>
+            </a:r>
+            <a:r>
+              <a:rPr lang="zh-CN" altLang="zh-CN" dirty="0">
+                <a:latin typeface="Times New Roman" panose="02020603050405020304" pitchFamily="18" charset="0"/>
+                <a:ea typeface="宋体" panose="02010600030101010101" pitchFamily="2" charset="-122"/>
+                <a:cs typeface="Times New Roman" panose="02020603050405020304" pitchFamily="18" charset="0"/>
+              </a:rPr>
+              <a:t>×</a:t>
+            </a:r>
+            <a:r>
+              <a:rPr lang="en-US" altLang="zh-CN" dirty="0">
+                <a:latin typeface="Times New Roman" panose="02020603050405020304" pitchFamily="18" charset="0"/>
+                <a:ea typeface="宋体" panose="02010600030101010101" pitchFamily="2" charset="-122"/>
+                <a:cs typeface="Times New Roman" panose="02020603050405020304" pitchFamily="18" charset="0"/>
+              </a:rPr>
+              <a:t>3</a:t>
+            </a:r>
+            <a:r>
+              <a:rPr lang="zh-CN" altLang="zh-CN" dirty="0">
+                <a:latin typeface="Times New Roman" panose="02020603050405020304" pitchFamily="18" charset="0"/>
+                <a:ea typeface="宋体" panose="02010600030101010101" pitchFamily="2" charset="-122"/>
+                <a:cs typeface="Times New Roman" panose="02020603050405020304" pitchFamily="18" charset="0"/>
+              </a:rPr>
+              <a:t>的卷积</a:t>
+            </a:r>
+            <a:endParaRPr lang="en-US" altLang="zh-CN" dirty="0">
+              <a:latin typeface="Times New Roman" panose="02020603050405020304" pitchFamily="18" charset="0"/>
+              <a:ea typeface="宋体" panose="02010600030101010101" pitchFamily="2" charset="-122"/>
+              <a:cs typeface="Times New Roman" panose="02020603050405020304" pitchFamily="18" charset="0"/>
+            </a:endParaRPr>
+          </a:p>
+          <a:p>
+            <a:pPr>
+              <a:lnSpc>
+                <a:spcPct val="160000"/>
+              </a:lnSpc>
+            </a:pPr>
+            <a:r>
+              <a:rPr lang="zh-CN" altLang="en-US" dirty="0">
+                <a:latin typeface="Times New Roman" panose="02020603050405020304" pitchFamily="18" charset="0"/>
+                <a:ea typeface="宋体" panose="02010600030101010101" pitchFamily="2" charset="-122"/>
+                <a:cs typeface="Times New Roman" panose="02020603050405020304" pitchFamily="18" charset="0"/>
+              </a:rPr>
+              <a:t>引入</a:t>
+            </a:r>
+            <a:r>
+              <a:rPr lang="en-US" altLang="zh-CN" dirty="0">
+                <a:latin typeface="Times New Roman" panose="02020603050405020304" pitchFamily="18" charset="0"/>
+                <a:ea typeface="宋体" panose="02010600030101010101" pitchFamily="2" charset="-122"/>
+                <a:cs typeface="Times New Roman" panose="02020603050405020304" pitchFamily="18" charset="0"/>
+              </a:rPr>
+              <a:t>dense blocks</a:t>
+            </a:r>
+            <a:r>
+              <a:rPr lang="zh-CN" altLang="en-US" dirty="0">
+                <a:latin typeface="Times New Roman" panose="02020603050405020304" pitchFamily="18" charset="0"/>
+                <a:ea typeface="宋体" panose="02010600030101010101" pitchFamily="2" charset="-122"/>
+                <a:cs typeface="Times New Roman" panose="02020603050405020304" pitchFamily="18" charset="0"/>
+              </a:rPr>
+              <a:t>和</a:t>
+            </a:r>
+            <a:r>
+              <a:rPr lang="en-US" altLang="zh-CN" dirty="0">
+                <a:latin typeface="Times New Roman" panose="02020603050405020304" pitchFamily="18" charset="0"/>
+                <a:ea typeface="宋体" panose="02010600030101010101" pitchFamily="2" charset="-122"/>
+                <a:cs typeface="Times New Roman" panose="02020603050405020304" pitchFamily="18" charset="0"/>
+              </a:rPr>
+              <a:t>transition layers</a:t>
+            </a:r>
+            <a:r>
+              <a:rPr lang="zh-CN" altLang="zh-CN" dirty="0">
+                <a:latin typeface="Times New Roman" panose="02020603050405020304" pitchFamily="18" charset="0"/>
+                <a:ea typeface="宋体" panose="02010600030101010101" pitchFamily="2" charset="-122"/>
+                <a:cs typeface="Times New Roman" panose="02020603050405020304" pitchFamily="18" charset="0"/>
+              </a:rPr>
+              <a:t>（过渡层</a:t>
+            </a:r>
+            <a:r>
+              <a:rPr lang="zh-CN" altLang="en-US" dirty="0">
+                <a:latin typeface="Times New Roman" panose="02020603050405020304" pitchFamily="18" charset="0"/>
+                <a:ea typeface="宋体" panose="02010600030101010101" pitchFamily="2" charset="-122"/>
+                <a:cs typeface="Times New Roman" panose="02020603050405020304" pitchFamily="18" charset="0"/>
+              </a:rPr>
+              <a:t>）</a:t>
+            </a:r>
+            <a:endParaRPr lang="en-US" altLang="zh-CN" dirty="0">
+              <a:latin typeface="Times New Roman" panose="02020603050405020304" pitchFamily="18" charset="0"/>
+              <a:ea typeface="宋体" panose="02010600030101010101" pitchFamily="2" charset="-122"/>
+              <a:cs typeface="Times New Roman" panose="02020603050405020304" pitchFamily="18" charset="0"/>
+            </a:endParaRPr>
+          </a:p>
+          <a:p>
+            <a:pPr>
+              <a:lnSpc>
+                <a:spcPct val="160000"/>
+              </a:lnSpc>
+            </a:pPr>
+            <a:r>
+              <a:rPr lang="zh-CN" altLang="en-US" dirty="0">
+                <a:latin typeface="Times New Roman" panose="02020603050405020304" pitchFamily="18" charset="0"/>
+                <a:ea typeface="宋体" panose="02010600030101010101" pitchFamily="2" charset="-122"/>
+                <a:cs typeface="Times New Roman" panose="02020603050405020304" pitchFamily="18" charset="0"/>
+              </a:rPr>
+              <a:t>超参数</a:t>
+            </a:r>
+            <a:r>
+              <a:rPr lang="en-US" altLang="zh-CN" dirty="0">
+                <a:latin typeface="Times New Roman" panose="02020603050405020304" pitchFamily="18" charset="0"/>
+                <a:ea typeface="宋体" panose="02010600030101010101" pitchFamily="2" charset="-122"/>
+                <a:cs typeface="Times New Roman" panose="02020603050405020304" pitchFamily="18" charset="0"/>
+              </a:rPr>
+              <a:t>Growth rate</a:t>
+            </a:r>
+            <a:r>
+              <a:rPr lang="zh-CN" altLang="en-US" dirty="0">
+                <a:latin typeface="Times New Roman" panose="02020603050405020304" pitchFamily="18" charset="0"/>
+                <a:ea typeface="宋体" panose="02010600030101010101" pitchFamily="2" charset="-122"/>
+                <a:cs typeface="Times New Roman" panose="02020603050405020304" pitchFamily="18" charset="0"/>
+              </a:rPr>
+              <a:t>：</a:t>
+            </a:r>
+            <a:r>
+              <a:rPr lang="en-US" altLang="zh-CN" dirty="0">
+                <a:latin typeface="Times New Roman" panose="02020603050405020304" pitchFamily="18" charset="0"/>
+                <a:ea typeface="宋体" panose="02010600030101010101" pitchFamily="2" charset="-122"/>
+                <a:cs typeface="Times New Roman" panose="02020603050405020304" pitchFamily="18" charset="0"/>
+              </a:rPr>
+              <a:t>k</a:t>
+            </a:r>
+            <a:r>
+              <a:rPr lang="zh-CN" altLang="en-US" dirty="0">
+                <a:latin typeface="Times New Roman" panose="02020603050405020304" pitchFamily="18" charset="0"/>
+                <a:ea typeface="宋体" panose="02010600030101010101" pitchFamily="2" charset="-122"/>
+                <a:cs typeface="Times New Roman" panose="02020603050405020304" pitchFamily="18" charset="0"/>
+              </a:rPr>
+              <a:t>。</a:t>
+            </a:r>
+            <a:r>
+              <a:rPr lang="zh-CN" altLang="zh-CN" dirty="0"/>
+              <a:t>第</a:t>
+            </a:r>
+            <a:r>
+              <a:rPr lang="en-US" altLang="zh-CN" dirty="0">
+                <a:latin typeface="Times New Roman" panose="02020603050405020304" pitchFamily="18" charset="0"/>
+                <a:cs typeface="Times New Roman" panose="02020603050405020304" pitchFamily="18" charset="0"/>
+              </a:rPr>
+              <a:t>l</a:t>
+            </a:r>
+            <a:r>
+              <a:rPr lang="zh-CN" altLang="zh-CN" dirty="0">
+                <a:latin typeface="Times New Roman" panose="02020603050405020304" pitchFamily="18" charset="0"/>
+                <a:cs typeface="Times New Roman" panose="02020603050405020304" pitchFamily="18" charset="0"/>
+              </a:rPr>
+              <a:t>层有</a:t>
+            </a:r>
+            <a:r>
+              <a:rPr lang="en-US" altLang="zh-CN" dirty="0">
+                <a:latin typeface="Times New Roman" panose="02020603050405020304" pitchFamily="18" charset="0"/>
+                <a:cs typeface="Times New Roman" panose="02020603050405020304" pitchFamily="18" charset="0"/>
+              </a:rPr>
+              <a:t>k(l-1)+k0</a:t>
+            </a:r>
+            <a:r>
+              <a:rPr lang="zh-CN" altLang="zh-CN" dirty="0">
+                <a:latin typeface="Times New Roman" panose="02020603050405020304" pitchFamily="18" charset="0"/>
+                <a:cs typeface="Times New Roman" panose="02020603050405020304" pitchFamily="18" charset="0"/>
+              </a:rPr>
+              <a:t>个</a:t>
+            </a:r>
+            <a:r>
+              <a:rPr lang="zh-CN" altLang="zh-CN" dirty="0"/>
+              <a:t>输入特征图</a:t>
+            </a:r>
+            <a:endParaRPr lang="en-US" altLang="zh-CN" dirty="0">
+              <a:latin typeface="Times New Roman" panose="02020603050405020304" pitchFamily="18" charset="0"/>
+              <a:ea typeface="宋体" panose="02010600030101010101" pitchFamily="2" charset="-122"/>
+              <a:cs typeface="Times New Roman" panose="02020603050405020304" pitchFamily="18" charset="0"/>
+            </a:endParaRPr>
+          </a:p>
           <a:p>
             <a:pPr>
               <a:lnSpc>
@@ -9635,136 +10628,145 @@
               </a:lnSpc>
             </a:pPr>
             <a:r>
-              <a:rPr lang="zh-CN" altLang="zh-CN" dirty="0"/>
-              <a:t>保证网络中层间最大的信息流，将每个层都直接的连在一起。</a:t>
-            </a:r>
+              <a:rPr lang="en-US" altLang="zh-CN" dirty="0">
+                <a:latin typeface="Times New Roman" panose="02020603050405020304" pitchFamily="18" charset="0"/>
+                <a:ea typeface="宋体" panose="02010600030101010101" pitchFamily="2" charset="-122"/>
+                <a:cs typeface="Times New Roman" panose="02020603050405020304" pitchFamily="18" charset="0"/>
+              </a:rPr>
+              <a:t>Bottleneck layers</a:t>
+            </a:r>
+            <a:r>
+              <a:rPr lang="zh-CN" altLang="en-US" dirty="0">
+                <a:latin typeface="Times New Roman" panose="02020603050405020304" pitchFamily="18" charset="0"/>
+                <a:ea typeface="宋体" panose="02010600030101010101" pitchFamily="2" charset="-122"/>
+                <a:cs typeface="Times New Roman" panose="02020603050405020304" pitchFamily="18" charset="0"/>
+              </a:rPr>
+              <a:t>：</a:t>
+            </a:r>
+            <a:r>
+              <a:rPr lang="en-US" altLang="zh-CN" dirty="0">
+                <a:latin typeface="Times New Roman" panose="02020603050405020304" pitchFamily="18" charset="0"/>
+                <a:ea typeface="宋体" panose="02010600030101010101" pitchFamily="2" charset="-122"/>
+                <a:cs typeface="Times New Roman" panose="02020603050405020304" pitchFamily="18" charset="0"/>
+              </a:rPr>
+              <a:t>BN-</a:t>
+            </a:r>
+            <a:r>
+              <a:rPr lang="en-US" altLang="zh-CN" dirty="0" err="1">
+                <a:latin typeface="Times New Roman" panose="02020603050405020304" pitchFamily="18" charset="0"/>
+                <a:ea typeface="宋体" panose="02010600030101010101" pitchFamily="2" charset="-122"/>
+                <a:cs typeface="Times New Roman" panose="02020603050405020304" pitchFamily="18" charset="0"/>
+              </a:rPr>
+              <a:t>ReLU</a:t>
+            </a:r>
+            <a:r>
+              <a:rPr lang="en-US" altLang="zh-CN" dirty="0">
+                <a:latin typeface="Times New Roman" panose="02020603050405020304" pitchFamily="18" charset="0"/>
+                <a:ea typeface="宋体" panose="02010600030101010101" pitchFamily="2" charset="-122"/>
+                <a:cs typeface="Times New Roman" panose="02020603050405020304" pitchFamily="18" charset="0"/>
+              </a:rPr>
+              <a:t>-Conv(1× 1)-BN-</a:t>
+            </a:r>
+            <a:r>
+              <a:rPr lang="en-US" altLang="zh-CN" dirty="0" err="1">
+                <a:latin typeface="Times New Roman" panose="02020603050405020304" pitchFamily="18" charset="0"/>
+                <a:ea typeface="宋体" panose="02010600030101010101" pitchFamily="2" charset="-122"/>
+                <a:cs typeface="Times New Roman" panose="02020603050405020304" pitchFamily="18" charset="0"/>
+              </a:rPr>
+              <a:t>ReLU</a:t>
+            </a:r>
+            <a:r>
+              <a:rPr lang="en-US" altLang="zh-CN" dirty="0">
+                <a:latin typeface="Times New Roman" panose="02020603050405020304" pitchFamily="18" charset="0"/>
+                <a:ea typeface="宋体" panose="02010600030101010101" pitchFamily="2" charset="-122"/>
+                <a:cs typeface="Times New Roman" panose="02020603050405020304" pitchFamily="18" charset="0"/>
+              </a:rPr>
+              <a:t>-Conv(3×3) </a:t>
+            </a:r>
+            <a:r>
+              <a:rPr lang="zh-CN" altLang="zh-CN" dirty="0">
+                <a:latin typeface="Times New Roman" panose="02020603050405020304" pitchFamily="18" charset="0"/>
+                <a:ea typeface="宋体" panose="02010600030101010101" pitchFamily="2" charset="-122"/>
+                <a:cs typeface="Times New Roman" panose="02020603050405020304" pitchFamily="18" charset="0"/>
+              </a:rPr>
+              <a:t>版本的</a:t>
+            </a:r>
+            <a:r>
+              <a:rPr lang="en-US" altLang="zh-CN" dirty="0">
+                <a:latin typeface="Times New Roman" panose="02020603050405020304" pitchFamily="18" charset="0"/>
+                <a:ea typeface="宋体" panose="02010600030101010101" pitchFamily="2" charset="-122"/>
+                <a:cs typeface="Times New Roman" panose="02020603050405020304" pitchFamily="18" charset="0"/>
+              </a:rPr>
+              <a:t>Hl(.)</a:t>
+            </a:r>
+            <a:r>
+              <a:rPr lang="zh-CN" altLang="en-US" dirty="0">
+                <a:latin typeface="Times New Roman" panose="02020603050405020304" pitchFamily="18" charset="0"/>
+                <a:ea typeface="宋体" panose="02010600030101010101" pitchFamily="2" charset="-122"/>
+                <a:cs typeface="Times New Roman" panose="02020603050405020304" pitchFamily="18" charset="0"/>
+              </a:rPr>
+              <a:t>，</a:t>
+            </a:r>
+            <a:r>
+              <a:rPr lang="zh-CN" altLang="zh-CN" dirty="0">
+                <a:latin typeface="Times New Roman" panose="02020603050405020304" pitchFamily="18" charset="0"/>
+                <a:ea typeface="宋体" panose="02010600030101010101" pitchFamily="2" charset="-122"/>
+                <a:cs typeface="Times New Roman" panose="02020603050405020304" pitchFamily="18" charset="0"/>
+              </a:rPr>
+              <a:t>称为</a:t>
+            </a:r>
+            <a:r>
+              <a:rPr lang="en-US" altLang="zh-CN" dirty="0" err="1">
+                <a:latin typeface="Times New Roman" panose="02020603050405020304" pitchFamily="18" charset="0"/>
+                <a:ea typeface="宋体" panose="02010600030101010101" pitchFamily="2" charset="-122"/>
+                <a:cs typeface="Times New Roman" panose="02020603050405020304" pitchFamily="18" charset="0"/>
+              </a:rPr>
+              <a:t>DenseNet</a:t>
+            </a:r>
+            <a:r>
+              <a:rPr lang="en-US" altLang="zh-CN" dirty="0">
+                <a:latin typeface="Times New Roman" panose="02020603050405020304" pitchFamily="18" charset="0"/>
+                <a:ea typeface="宋体" panose="02010600030101010101" pitchFamily="2" charset="-122"/>
+                <a:cs typeface="Times New Roman" panose="02020603050405020304" pitchFamily="18" charset="0"/>
+              </a:rPr>
+              <a:t>-B</a:t>
+            </a:r>
+            <a:endParaRPr lang="zh-CN" altLang="zh-CN" dirty="0">
+              <a:latin typeface="Times New Roman" panose="02020603050405020304" pitchFamily="18" charset="0"/>
+              <a:ea typeface="宋体" panose="02010600030101010101" pitchFamily="2" charset="-122"/>
+              <a:cs typeface="Times New Roman" panose="02020603050405020304" pitchFamily="18" charset="0"/>
+            </a:endParaRPr>
           </a:p>
           <a:p>
             <a:pPr>
               <a:lnSpc>
-                <a:spcPct val="150000"/>
+                <a:spcPct val="160000"/>
               </a:lnSpc>
             </a:pPr>
-            <a:r>
-              <a:rPr lang="zh-CN" altLang="zh-CN" dirty="0"/>
-              <a:t>每层都获得了额外的来自之前所有层的输入，并且把自己的特征图传给所有的下面的层</a:t>
-            </a:r>
-            <a:r>
-              <a:rPr lang="zh-CN" altLang="en-US" dirty="0"/>
-              <a:t>。</a:t>
-            </a:r>
-            <a:endParaRPr lang="zh-CN" altLang="zh-CN" dirty="0"/>
+            <a:endParaRPr lang="zh-CN" altLang="zh-CN" dirty="0">
+              <a:latin typeface="Times New Roman" panose="02020603050405020304" pitchFamily="18" charset="0"/>
+              <a:ea typeface="宋体" panose="02010600030101010101" pitchFamily="2" charset="-122"/>
+              <a:cs typeface="Times New Roman" panose="02020603050405020304" pitchFamily="18" charset="0"/>
+            </a:endParaRPr>
           </a:p>
           <a:p>
             <a:pPr>
               <a:lnSpc>
-                <a:spcPct val="150000"/>
+                <a:spcPct val="160000"/>
               </a:lnSpc>
             </a:pPr>
-            <a:r>
-              <a:rPr lang="en-US" altLang="zh-CN" dirty="0" err="1"/>
-              <a:t>ResNet</a:t>
-            </a:r>
-            <a:r>
-              <a:rPr lang="zh-CN" altLang="en-US" dirty="0"/>
-              <a:t>通过相加</a:t>
-            </a:r>
-            <a:r>
-              <a:rPr lang="en-US" altLang="zh-CN" dirty="0"/>
-              <a:t>(summation)</a:t>
-            </a:r>
-            <a:r>
-              <a:rPr lang="zh-CN" altLang="en-US" dirty="0"/>
-              <a:t>来结合特征</a:t>
-            </a:r>
-            <a:r>
-              <a:rPr lang="zh-CN" altLang="zh-CN" dirty="0"/>
-              <a:t>，我们通过连接</a:t>
-            </a:r>
-            <a:r>
-              <a:rPr lang="en-US" altLang="zh-CN" dirty="0"/>
-              <a:t>(concatenate)</a:t>
-            </a:r>
-            <a:r>
-              <a:rPr lang="zh-CN" altLang="zh-CN" dirty="0"/>
-              <a:t>来结合特征。第</a:t>
-            </a:r>
-            <a:r>
-              <a:rPr lang="en-US" altLang="zh-CN" dirty="0"/>
-              <a:t>l</a:t>
-            </a:r>
-            <a:r>
-              <a:rPr lang="zh-CN" altLang="zh-CN" dirty="0"/>
-              <a:t>层有</a:t>
-            </a:r>
-            <a:r>
-              <a:rPr lang="en-US" altLang="zh-CN" dirty="0"/>
-              <a:t>l</a:t>
-            </a:r>
-            <a:r>
-              <a:rPr lang="zh-CN" altLang="zh-CN" dirty="0"/>
-              <a:t>个输入，包含所有之前的卷积</a:t>
-            </a:r>
-            <a:r>
-              <a:rPr lang="en-US" altLang="zh-CN" dirty="0"/>
-              <a:t>block</a:t>
-            </a:r>
-            <a:r>
-              <a:rPr lang="zh-CN" altLang="zh-CN" dirty="0"/>
-              <a:t>的特征图，它的自己的特征图传给了所有的后面的</a:t>
-            </a:r>
-            <a:r>
-              <a:rPr lang="en-US" altLang="zh-CN" dirty="0"/>
-              <a:t>L-l</a:t>
-            </a:r>
-            <a:r>
-              <a:rPr lang="zh-CN" altLang="zh-CN" dirty="0"/>
-              <a:t>层。这样在</a:t>
-            </a:r>
-            <a:r>
-              <a:rPr lang="en-US" altLang="zh-CN" dirty="0"/>
-              <a:t>L</a:t>
-            </a:r>
-            <a:r>
-              <a:rPr lang="zh-CN" altLang="zh-CN" dirty="0"/>
-              <a:t>层的网络中有</a:t>
-            </a:r>
-            <a:r>
-              <a:rPr lang="en-US" altLang="zh-CN" dirty="0"/>
-              <a:t>L(L+1)/2</a:t>
-            </a:r>
-            <a:r>
-              <a:rPr lang="zh-CN" altLang="zh-CN" dirty="0"/>
-              <a:t>个连接。因为这种密集连接模式，此网络成为</a:t>
-            </a:r>
-            <a:r>
-              <a:rPr lang="en-US" altLang="zh-CN" dirty="0"/>
-              <a:t>Dense Convolutional  Network (</a:t>
-            </a:r>
-            <a:r>
-              <a:rPr lang="en-US" altLang="zh-CN" dirty="0" err="1"/>
-              <a:t>DenseNet</a:t>
-            </a:r>
-            <a:r>
-              <a:rPr lang="en-US" altLang="zh-CN" dirty="0"/>
-              <a:t>).</a:t>
-            </a:r>
-            <a:endParaRPr lang="zh-CN" altLang="zh-CN" dirty="0"/>
-          </a:p>
-          <a:p>
-            <a:pPr>
-              <a:lnSpc>
-                <a:spcPct val="150000"/>
-              </a:lnSpc>
-            </a:pPr>
-            <a:endParaRPr lang="zh-CN" altLang="en-US" dirty="0"/>
+            <a:endParaRPr lang="zh-CN" altLang="en-US" dirty="0">
+              <a:latin typeface="Times New Roman" panose="02020603050405020304" pitchFamily="18" charset="0"/>
+              <a:ea typeface="宋体" panose="02010600030101010101" pitchFamily="2" charset="-122"/>
+              <a:cs typeface="Times New Roman" panose="02020603050405020304" pitchFamily="18" charset="0"/>
+            </a:endParaRPr>
           </a:p>
         </p:txBody>
       </p:sp>
     </p:spTree>
     <p:extLst>
       <p:ext uri="{BB962C8B-B14F-4D97-AF65-F5344CB8AC3E}">
-        <p14:creationId xmlns:p14="http://schemas.microsoft.com/office/powerpoint/2010/main" val="2993886571"/>
+        <p14:creationId xmlns:p14="http://schemas.microsoft.com/office/powerpoint/2010/main" val="2256525570"/>
       </p:ext>
     </p:extLst>
   </p:cSld>
@@ -9791,6 +10793,177 @@
           <a:chExt cx="0" cy="0"/>
         </a:xfrm>
       </p:grpSpPr>
+      <p:pic>
+        <p:nvPicPr>
+          <p:cNvPr id="4" name="内容占位符 3">
+            <a:extLst>
+              <a:ext uri="{FF2B5EF4-FFF2-40B4-BE49-F238E27FC236}">
+                <a16:creationId xmlns:a16="http://schemas.microsoft.com/office/drawing/2014/main" id="{F8FBBCC9-0144-4CDA-818F-486F3762549E}"/>
+              </a:ext>
+            </a:extLst>
+          </p:cNvPr>
+          <p:cNvPicPr>
+            <a:picLocks noGrp="1"/>
+          </p:cNvPicPr>
+          <p:nvPr>
+            <p:ph idx="1"/>
+          </p:nvPr>
+        </p:nvPicPr>
+        <p:blipFill>
+          <a:blip r:embed="rId3"/>
+          <a:stretch>
+            <a:fillRect/>
+          </a:stretch>
+        </p:blipFill>
+        <p:spPr>
+          <a:xfrm>
+            <a:off x="1156548" y="305792"/>
+            <a:ext cx="9878904" cy="6246415"/>
+          </a:xfrm>
+          <a:prstGeom prst="rect">
+            <a:avLst/>
+          </a:prstGeom>
+        </p:spPr>
+      </p:pic>
+      <p:sp>
+        <p:nvSpPr>
+          <p:cNvPr id="2" name="文本框 1">
+            <a:extLst>
+              <a:ext uri="{FF2B5EF4-FFF2-40B4-BE49-F238E27FC236}">
+                <a16:creationId xmlns:a16="http://schemas.microsoft.com/office/drawing/2014/main" id="{8BAAE4D5-3C9B-4683-92DD-6E164BE35A8A}"/>
+              </a:ext>
+            </a:extLst>
+          </p:cNvPr>
+          <p:cNvSpPr txBox="1"/>
+          <p:nvPr/>
+        </p:nvSpPr>
+        <p:spPr>
+          <a:xfrm>
+            <a:off x="6507480" y="1097280"/>
+            <a:ext cx="3627120" cy="830997"/>
+          </a:xfrm>
+          <a:prstGeom prst="rect">
+            <a:avLst/>
+          </a:prstGeom>
+          <a:noFill/>
+        </p:spPr>
+        <p:txBody>
+          <a:bodyPr wrap="square" rtlCol="0">
+            <a:spAutoFit/>
+          </a:bodyPr>
+          <a:lstStyle/>
+          <a:p>
+            <a:r>
+              <a:rPr lang="en-US" altLang="zh-CN" sz="4800" dirty="0">
+                <a:latin typeface="Times New Roman" panose="02020603050405020304" pitchFamily="18" charset="0"/>
+                <a:cs typeface="Times New Roman" panose="02020603050405020304" pitchFamily="18" charset="0"/>
+              </a:rPr>
+              <a:t>Dense Block</a:t>
+            </a:r>
+            <a:endParaRPr lang="zh-CN" altLang="en-US" sz="4800" dirty="0">
+              <a:latin typeface="Times New Roman" panose="02020603050405020304" pitchFamily="18" charset="0"/>
+              <a:cs typeface="Times New Roman" panose="02020603050405020304" pitchFamily="18" charset="0"/>
+            </a:endParaRPr>
+          </a:p>
+        </p:txBody>
+      </p:sp>
+    </p:spTree>
+    <p:extLst>
+      <p:ext uri="{BB962C8B-B14F-4D97-AF65-F5344CB8AC3E}">
+        <p14:creationId xmlns:p14="http://schemas.microsoft.com/office/powerpoint/2010/main" val="3530238187"/>
+      </p:ext>
+    </p:extLst>
+  </p:cSld>
+  <p:clrMapOvr>
+    <a:masterClrMapping/>
+  </p:clrMapOvr>
+</p:sld>
+</file>
+
+<file path=ppt/slides/slide2.xml><?xml version="1.0" encoding="utf-8"?>
+<p:sld xmlns:a="http://schemas.openxmlformats.org/drawingml/2006/main" xmlns:r="http://schemas.openxmlformats.org/officeDocument/2006/relationships" xmlns:p="http://schemas.openxmlformats.org/presentationml/2006/main">
+  <p:cSld>
+    <p:spTree>
+      <p:nvGrpSpPr>
+        <p:cNvPr id="1" name=""/>
+        <p:cNvGrpSpPr/>
+        <p:nvPr/>
+      </p:nvGrpSpPr>
+      <p:grpSpPr>
+        <a:xfrm>
+          <a:off x="0" y="0"/>
+          <a:ext cx="0" cy="0"/>
+          <a:chOff x="0" y="0"/>
+          <a:chExt cx="0" cy="0"/>
+        </a:xfrm>
+      </p:grpSpPr>
+      <p:sp>
+        <p:nvSpPr>
+          <p:cNvPr id="3" name="内容占位符 2">
+            <a:extLst>
+              <a:ext uri="{FF2B5EF4-FFF2-40B4-BE49-F238E27FC236}">
+                <a16:creationId xmlns:a16="http://schemas.microsoft.com/office/drawing/2014/main" id="{BC353F59-4DCE-4081-B27B-732B7ABD8F41}"/>
+              </a:ext>
+            </a:extLst>
+          </p:cNvPr>
+          <p:cNvSpPr>
+            <a:spLocks noGrp="1"/>
+          </p:cNvSpPr>
+          <p:nvPr>
+            <p:ph idx="1"/>
+          </p:nvPr>
+        </p:nvSpPr>
+        <p:spPr>
+          <a:xfrm>
+            <a:off x="1435100" y="2917825"/>
+            <a:ext cx="9321800" cy="511175"/>
+          </a:xfrm>
+        </p:spPr>
+        <p:txBody>
+          <a:bodyPr/>
+          <a:lstStyle/>
+          <a:p>
+            <a:pPr marL="0" indent="0">
+              <a:buNone/>
+            </a:pPr>
+            <a:r>
+              <a:rPr lang="en-US" altLang="zh-CN" dirty="0"/>
+              <a:t>Fully Convolutional Networks for Semantic Segmentation</a:t>
+            </a:r>
+            <a:endParaRPr lang="zh-CN" altLang="en-US" dirty="0"/>
+          </a:p>
+        </p:txBody>
+      </p:sp>
+    </p:spTree>
+    <p:extLst>
+      <p:ext uri="{BB962C8B-B14F-4D97-AF65-F5344CB8AC3E}">
+        <p14:creationId xmlns:p14="http://schemas.microsoft.com/office/powerpoint/2010/main" val="2467074975"/>
+      </p:ext>
+    </p:extLst>
+  </p:cSld>
+  <p:clrMapOvr>
+    <a:masterClrMapping/>
+  </p:clrMapOvr>
+</p:sld>
+</file>
+
+<file path=ppt/slides/slide20.xml><?xml version="1.0" encoding="utf-8"?>
+<p:sld xmlns:a="http://schemas.openxmlformats.org/drawingml/2006/main" xmlns:r="http://schemas.openxmlformats.org/officeDocument/2006/relationships" xmlns:p="http://schemas.openxmlformats.org/presentationml/2006/main">
+  <p:cSld>
+    <p:spTree>
+      <p:nvGrpSpPr>
+        <p:cNvPr id="1" name=""/>
+        <p:cNvGrpSpPr/>
+        <p:nvPr/>
+      </p:nvGrpSpPr>
+      <p:grpSpPr>
+        <a:xfrm>
+          <a:off x="0" y="0"/>
+          <a:ext cx="0" cy="0"/>
+          <a:chOff x="0" y="0"/>
+          <a:chExt cx="0" cy="0"/>
+        </a:xfrm>
+      </p:grpSpPr>
       <p:sp>
         <p:nvSpPr>
           <p:cNvPr id="2" name="标题 1">
@@ -9818,32 +10991,11 @@
               <a:rPr lang="en-US" altLang="zh-CN" b="1" dirty="0"/>
             </a:br>
             <a:r>
-              <a:rPr lang="en-US" altLang="zh-CN" dirty="0" err="1">
-                <a:latin typeface="宋体" panose="02010600030101010101" pitchFamily="2" charset="-122"/>
-                <a:ea typeface="宋体" panose="02010600030101010101" pitchFamily="2" charset="-122"/>
-              </a:rPr>
-              <a:t>DenseNet</a:t>
-            </a:r>
-            <a:r>
               <a:rPr lang="zh-CN" altLang="en-US" dirty="0">
                 <a:latin typeface="宋体" panose="02010600030101010101" pitchFamily="2" charset="-122"/>
                 <a:ea typeface="宋体" panose="02010600030101010101" pitchFamily="2" charset="-122"/>
               </a:rPr>
-              <a:t>与</a:t>
-            </a:r>
-            <a:r>
-              <a:rPr lang="en-US" altLang="zh-CN" dirty="0" err="1">
-                <a:latin typeface="宋体" panose="02010600030101010101" pitchFamily="2" charset="-122"/>
-                <a:ea typeface="宋体" panose="02010600030101010101" pitchFamily="2" charset="-122"/>
-              </a:rPr>
-              <a:t>ResNet</a:t>
-            </a:r>
-            <a:r>
-              <a:rPr lang="zh-CN" altLang="en-US" dirty="0">
-                <a:latin typeface="宋体" panose="02010600030101010101" pitchFamily="2" charset="-122"/>
-                <a:ea typeface="宋体" panose="02010600030101010101" pitchFamily="2" charset="-122"/>
-              </a:rPr>
-              <a:t>对比</a:t>
+              <a:t>三种网络对比</a:t>
             </a:r>
             <a:br>
               <a:rPr lang="zh-CN" altLang="en-US" b="1" dirty="0"/>
@@ -9900,8 +11052,8 @@
         </p:nvSpPr>
         <p:spPr>
           <a:xfrm>
-            <a:off x="6096000" y="3064080"/>
-            <a:ext cx="5257800" cy="1584120"/>
+            <a:off x="6012024" y="3287463"/>
+            <a:ext cx="5257800" cy="1205721"/>
           </a:xfrm>
         </p:spPr>
         <p:txBody>
@@ -9917,52 +11069,20 @@
               <a:buNone/>
             </a:pPr>
             <a:r>
-              <a:rPr lang="en-US" altLang="zh-CN" sz="1800" dirty="0" err="1"/>
+              <a:rPr lang="en-US" altLang="zh-CN" sz="2400" dirty="0" err="1"/>
               <a:t>ResNet</a:t>
             </a:r>
             <a:r>
-              <a:rPr lang="zh-CN" altLang="en-US" sz="1800" dirty="0"/>
-              <a:t>除了本层与下一层的连接之外，还增加了一个</a:t>
-            </a:r>
-            <a:r>
-              <a:rPr lang="en-US" altLang="zh-CN" sz="1800" dirty="0"/>
-              <a:t>skip-connection</a:t>
-            </a:r>
-            <a:r>
-              <a:rPr lang="zh-CN" altLang="en-US" sz="1800" dirty="0"/>
-              <a:t>。对于</a:t>
-            </a:r>
-            <a:r>
-              <a:rPr lang="en-US" altLang="zh-CN" sz="1800" dirty="0" err="1"/>
-              <a:t>ResNet</a:t>
-            </a:r>
-            <a:r>
-              <a:rPr lang="zh-CN" altLang="en-US" sz="1800" dirty="0"/>
-              <a:t>，</a:t>
-            </a:r>
-            <a:r>
-              <a:rPr lang="en-US" altLang="zh-CN" sz="1800" dirty="0"/>
-              <a:t>l</a:t>
-            </a:r>
-            <a:r>
-              <a:rPr lang="zh-CN" altLang="en-US" sz="1800" dirty="0"/>
-              <a:t>层的输出是</a:t>
-            </a:r>
-            <a:r>
-              <a:rPr lang="en-US" altLang="zh-CN" sz="1800" dirty="0"/>
-              <a:t>l-1</a:t>
-            </a:r>
-            <a:r>
-              <a:rPr lang="zh-CN" altLang="en-US" sz="1800" dirty="0"/>
-              <a:t>层的输出加上对</a:t>
-            </a:r>
-            <a:r>
-              <a:rPr lang="en-US" altLang="zh-CN" sz="1800" dirty="0"/>
-              <a:t>l-1</a:t>
-            </a:r>
-            <a:r>
-              <a:rPr lang="zh-CN" altLang="en-US" sz="1800" dirty="0"/>
-              <a:t>层输出的非线性变换。</a:t>
+              <a:rPr lang="zh-CN" altLang="en-US" sz="2400" dirty="0"/>
+              <a:t>采用相加</a:t>
+            </a:r>
+            <a:r>
+              <a:rPr lang="en-US" altLang="zh-CN" sz="2400" dirty="0"/>
+              <a:t>(summation)</a:t>
+            </a:r>
+            <a:r>
+              <a:rPr lang="zh-CN" altLang="en-US" sz="2400" dirty="0"/>
+              <a:t>来结合特征</a:t>
             </a:r>
           </a:p>
         </p:txBody>
@@ -10011,7 +11131,7 @@
         </p:nvSpPr>
         <p:spPr>
           <a:xfrm>
-            <a:off x="6096000" y="1825214"/>
+            <a:off x="6096000" y="1741113"/>
             <a:ext cx="4927600" cy="968791"/>
           </a:xfrm>
           <a:prstGeom prst="rect">
@@ -10097,8 +11217,8 @@
         </p:nvSpPr>
         <p:spPr>
           <a:xfrm>
-            <a:off x="6096000" y="4767518"/>
-            <a:ext cx="5089848" cy="1296637"/>
+            <a:off x="6095999" y="4793322"/>
+            <a:ext cx="5341775" cy="1430456"/>
           </a:xfrm>
           <a:prstGeom prst="rect">
             <a:avLst/>
@@ -10117,19 +11237,35 @@
               </a:lnSpc>
             </a:pPr>
             <a:r>
-              <a:rPr lang="en-US" altLang="zh-CN" dirty="0" err="1"/>
+              <a:rPr lang="en-US" altLang="zh-CN" sz="2000" dirty="0" err="1"/>
               <a:t>DenseNet</a:t>
             </a:r>
             <a:r>
-              <a:rPr lang="zh-CN" altLang="en-US" dirty="0"/>
-              <a:t>则是让</a:t>
-            </a:r>
-            <a:r>
-              <a:rPr lang="en-US" altLang="zh-CN" dirty="0"/>
+              <a:rPr lang="zh-CN" altLang="en-US" sz="2000" dirty="0"/>
+              <a:t>通过</a:t>
+            </a:r>
+            <a:r>
+              <a:rPr lang="zh-CN" altLang="zh-CN" sz="2000" dirty="0"/>
+              <a:t>连接</a:t>
+            </a:r>
+            <a:r>
+              <a:rPr lang="en-US" altLang="zh-CN" sz="2000" dirty="0"/>
+              <a:t>(concatenate)</a:t>
+            </a:r>
+            <a:r>
+              <a:rPr lang="zh-CN" altLang="zh-CN" sz="2000" dirty="0"/>
+              <a:t>来结合特征</a:t>
+            </a:r>
+            <a:r>
+              <a:rPr lang="zh-CN" altLang="en-US" sz="2000" dirty="0"/>
+              <a:t>。则是让</a:t>
+            </a:r>
+            <a:r>
+              <a:rPr lang="en-US" altLang="zh-CN" sz="2000" dirty="0"/>
               <a:t>l</a:t>
             </a:r>
             <a:r>
-              <a:rPr lang="zh-CN" altLang="en-US" dirty="0"/>
+              <a:rPr lang="zh-CN" altLang="en-US" sz="2000" dirty="0"/>
               <a:t>层的输入直接影响到之后的所有层，并且由于每一层都包含之前所有层的输出信息。</a:t>
             </a:r>
           </a:p>
@@ -10139,435 +11275,6 @@
     <p:extLst>
       <p:ext uri="{BB962C8B-B14F-4D97-AF65-F5344CB8AC3E}">
         <p14:creationId xmlns:p14="http://schemas.microsoft.com/office/powerpoint/2010/main" val="3973744190"/>
-      </p:ext>
-    </p:extLst>
-  </p:cSld>
-  <p:clrMapOvr>
-    <a:masterClrMapping/>
-  </p:clrMapOvr>
-</p:sld>
-</file>
-
-<file path=ppt/slides/slide2.xml><?xml version="1.0" encoding="utf-8"?>
-<p:sld xmlns:a="http://schemas.openxmlformats.org/drawingml/2006/main" xmlns:r="http://schemas.openxmlformats.org/officeDocument/2006/relationships" xmlns:p="http://schemas.openxmlformats.org/presentationml/2006/main">
-  <p:cSld>
-    <p:spTree>
-      <p:nvGrpSpPr>
-        <p:cNvPr id="1" name=""/>
-        <p:cNvGrpSpPr/>
-        <p:nvPr/>
-      </p:nvGrpSpPr>
-      <p:grpSpPr>
-        <a:xfrm>
-          <a:off x="0" y="0"/>
-          <a:ext cx="0" cy="0"/>
-          <a:chOff x="0" y="0"/>
-          <a:chExt cx="0" cy="0"/>
-        </a:xfrm>
-      </p:grpSpPr>
-      <p:sp>
-        <p:nvSpPr>
-          <p:cNvPr id="3" name="内容占位符 2">
-            <a:extLst>
-              <a:ext uri="{FF2B5EF4-FFF2-40B4-BE49-F238E27FC236}">
-                <a16:creationId xmlns:a16="http://schemas.microsoft.com/office/drawing/2014/main" id="{BC353F59-4DCE-4081-B27B-732B7ABD8F41}"/>
-              </a:ext>
-            </a:extLst>
-          </p:cNvPr>
-          <p:cNvSpPr>
-            <a:spLocks noGrp="1"/>
-          </p:cNvSpPr>
-          <p:nvPr>
-            <p:ph idx="1"/>
-          </p:nvPr>
-        </p:nvSpPr>
-        <p:spPr>
-          <a:xfrm>
-            <a:off x="1435100" y="2917825"/>
-            <a:ext cx="9321800" cy="511175"/>
-          </a:xfrm>
-        </p:spPr>
-        <p:txBody>
-          <a:bodyPr/>
-          <a:lstStyle/>
-          <a:p>
-            <a:pPr marL="0" indent="0">
-              <a:buNone/>
-            </a:pPr>
-            <a:r>
-              <a:rPr lang="en-US" altLang="zh-CN" dirty="0"/>
-              <a:t>Fully Convolutional Networks for Semantic Segmentation</a:t>
-            </a:r>
-            <a:endParaRPr lang="zh-CN" altLang="en-US" dirty="0"/>
-          </a:p>
-        </p:txBody>
-      </p:sp>
-    </p:spTree>
-    <p:extLst>
-      <p:ext uri="{BB962C8B-B14F-4D97-AF65-F5344CB8AC3E}">
-        <p14:creationId xmlns:p14="http://schemas.microsoft.com/office/powerpoint/2010/main" val="2467074975"/>
-      </p:ext>
-    </p:extLst>
-  </p:cSld>
-  <p:clrMapOvr>
-    <a:masterClrMapping/>
-  </p:clrMapOvr>
-</p:sld>
-</file>
-
-<file path=ppt/slides/slide20.xml><?xml version="1.0" encoding="utf-8"?>
-<p:sld xmlns:a="http://schemas.openxmlformats.org/drawingml/2006/main" xmlns:r="http://schemas.openxmlformats.org/officeDocument/2006/relationships" xmlns:p="http://schemas.openxmlformats.org/presentationml/2006/main">
-  <p:cSld>
-    <p:spTree>
-      <p:nvGrpSpPr>
-        <p:cNvPr id="1" name=""/>
-        <p:cNvGrpSpPr/>
-        <p:nvPr/>
-      </p:nvGrpSpPr>
-      <p:grpSpPr>
-        <a:xfrm>
-          <a:off x="0" y="0"/>
-          <a:ext cx="0" cy="0"/>
-          <a:chOff x="0" y="0"/>
-          <a:chExt cx="0" cy="0"/>
-        </a:xfrm>
-      </p:grpSpPr>
-      <p:sp>
-        <p:nvSpPr>
-          <p:cNvPr id="2" name="标题 1">
-            <a:extLst>
-              <a:ext uri="{FF2B5EF4-FFF2-40B4-BE49-F238E27FC236}">
-                <a16:creationId xmlns:a16="http://schemas.microsoft.com/office/drawing/2014/main" id="{912FBE75-2C1D-4AB4-A2D5-8751AB0F9589}"/>
-              </a:ext>
-            </a:extLst>
-          </p:cNvPr>
-          <p:cNvSpPr>
-            <a:spLocks noGrp="1"/>
-          </p:cNvSpPr>
-          <p:nvPr>
-            <p:ph type="title"/>
-          </p:nvPr>
-        </p:nvSpPr>
-        <p:spPr/>
-        <p:txBody>
-          <a:bodyPr/>
-          <a:lstStyle/>
-          <a:p>
-            <a:r>
-              <a:rPr lang="en-US" altLang="zh-CN" dirty="0" err="1"/>
-              <a:t>DenseNet</a:t>
-            </a:r>
-            <a:r>
-              <a:rPr lang="zh-CN" altLang="en-US" dirty="0"/>
-              <a:t>设计</a:t>
-            </a:r>
-          </a:p>
-        </p:txBody>
-      </p:sp>
-      <p:sp>
-        <p:nvSpPr>
-          <p:cNvPr id="3" name="内容占位符 2">
-            <a:extLst>
-              <a:ext uri="{FF2B5EF4-FFF2-40B4-BE49-F238E27FC236}">
-                <a16:creationId xmlns:a16="http://schemas.microsoft.com/office/drawing/2014/main" id="{DCB6F769-7065-4128-98F2-EA278AAF1884}"/>
-              </a:ext>
-            </a:extLst>
-          </p:cNvPr>
-          <p:cNvSpPr>
-            <a:spLocks noGrp="1"/>
-          </p:cNvSpPr>
-          <p:nvPr>
-            <p:ph idx="1"/>
-          </p:nvPr>
-        </p:nvSpPr>
-        <p:spPr>
-          <a:xfrm>
-            <a:off x="838200" y="1825624"/>
-            <a:ext cx="10515600" cy="4575175"/>
-          </a:xfrm>
-        </p:spPr>
-        <p:txBody>
-          <a:bodyPr>
-            <a:normAutofit fontScale="77500" lnSpcReduction="20000"/>
-          </a:bodyPr>
-          <a:lstStyle/>
-          <a:p>
-            <a:pPr>
-              <a:lnSpc>
-                <a:spcPct val="160000"/>
-              </a:lnSpc>
-            </a:pPr>
-            <a:r>
-              <a:rPr lang="en-US" altLang="zh-CN" dirty="0"/>
-              <a:t>Hl(.)</a:t>
-            </a:r>
-            <a:r>
-              <a:rPr lang="zh-CN" altLang="zh-CN" dirty="0"/>
-              <a:t>代表一种非线性的转换</a:t>
-            </a:r>
-            <a:r>
-              <a:rPr lang="zh-CN" altLang="en-US" dirty="0"/>
-              <a:t>，为</a:t>
-            </a:r>
-            <a:r>
-              <a:rPr lang="en-US" altLang="zh-CN" dirty="0"/>
-              <a:t>Batch Normalization (BN)</a:t>
-            </a:r>
-            <a:r>
-              <a:rPr lang="zh-CN" altLang="zh-CN" dirty="0"/>
-              <a:t>，</a:t>
-            </a:r>
-            <a:r>
-              <a:rPr lang="en-US" altLang="zh-CN" dirty="0" err="1"/>
-              <a:t>ReLU</a:t>
-            </a:r>
-            <a:r>
-              <a:rPr lang="zh-CN" altLang="zh-CN" dirty="0"/>
-              <a:t>激活函数和</a:t>
-            </a:r>
-            <a:r>
-              <a:rPr lang="en-US" altLang="zh-CN" dirty="0"/>
-              <a:t>3</a:t>
-            </a:r>
-            <a:r>
-              <a:rPr lang="zh-CN" altLang="zh-CN" dirty="0"/>
-              <a:t>×</a:t>
-            </a:r>
-            <a:r>
-              <a:rPr lang="en-US" altLang="zh-CN" dirty="0"/>
-              <a:t>3</a:t>
-            </a:r>
-            <a:r>
-              <a:rPr lang="zh-CN" altLang="zh-CN" dirty="0"/>
-              <a:t>的卷积</a:t>
-            </a:r>
-            <a:endParaRPr lang="en-US" altLang="zh-CN" dirty="0"/>
-          </a:p>
-          <a:p>
-            <a:pPr>
-              <a:lnSpc>
-                <a:spcPct val="160000"/>
-              </a:lnSpc>
-            </a:pPr>
-            <a:r>
-              <a:rPr lang="zh-CN" altLang="en-US" dirty="0"/>
-              <a:t>引入</a:t>
-            </a:r>
-            <a:r>
-              <a:rPr lang="en-US" altLang="zh-CN" dirty="0"/>
-              <a:t>dense blocks</a:t>
-            </a:r>
-            <a:r>
-              <a:rPr lang="zh-CN" altLang="en-US" dirty="0"/>
-              <a:t>和</a:t>
-            </a:r>
-            <a:r>
-              <a:rPr lang="en-US" altLang="zh-CN" dirty="0"/>
-              <a:t>transition layers</a:t>
-            </a:r>
-            <a:r>
-              <a:rPr lang="zh-CN" altLang="zh-CN" dirty="0"/>
-              <a:t>（过渡层</a:t>
-            </a:r>
-            <a:r>
-              <a:rPr lang="zh-CN" altLang="en-US" dirty="0"/>
-              <a:t>）</a:t>
-            </a:r>
-            <a:endParaRPr lang="en-US" altLang="zh-CN" dirty="0"/>
-          </a:p>
-          <a:p>
-            <a:pPr>
-              <a:lnSpc>
-                <a:spcPct val="160000"/>
-              </a:lnSpc>
-            </a:pPr>
-            <a:r>
-              <a:rPr lang="en-US" altLang="zh-CN" dirty="0"/>
-              <a:t>Growth rate k</a:t>
-            </a:r>
-          </a:p>
-          <a:p>
-            <a:pPr>
-              <a:lnSpc>
-                <a:spcPct val="150000"/>
-              </a:lnSpc>
-            </a:pPr>
-            <a:r>
-              <a:rPr lang="en-US" altLang="zh-CN" dirty="0"/>
-              <a:t>Bottleneck layers</a:t>
-            </a:r>
-            <a:r>
-              <a:rPr lang="zh-CN" altLang="en-US" dirty="0"/>
-              <a:t>：</a:t>
-            </a:r>
-            <a:r>
-              <a:rPr lang="en-US" altLang="zh-CN" dirty="0"/>
-              <a:t>BN-</a:t>
-            </a:r>
-            <a:r>
-              <a:rPr lang="en-US" altLang="zh-CN" dirty="0" err="1"/>
-              <a:t>ReLU</a:t>
-            </a:r>
-            <a:r>
-              <a:rPr lang="en-US" altLang="zh-CN" dirty="0"/>
-              <a:t>-Conv(1× 1)-BN-</a:t>
-            </a:r>
-            <a:r>
-              <a:rPr lang="en-US" altLang="zh-CN" dirty="0" err="1"/>
-              <a:t>ReLU</a:t>
-            </a:r>
-            <a:r>
-              <a:rPr lang="en-US" altLang="zh-CN" dirty="0"/>
-              <a:t>-Conv(3×3) </a:t>
-            </a:r>
-            <a:r>
-              <a:rPr lang="zh-CN" altLang="zh-CN" dirty="0"/>
-              <a:t>版本的</a:t>
-            </a:r>
-            <a:r>
-              <a:rPr lang="en-US" altLang="zh-CN" dirty="0"/>
-              <a:t>Hl(.)</a:t>
-            </a:r>
-            <a:r>
-              <a:rPr lang="zh-CN" altLang="en-US" dirty="0"/>
-              <a:t>，</a:t>
-            </a:r>
-            <a:r>
-              <a:rPr lang="zh-CN" altLang="zh-CN" dirty="0"/>
-              <a:t>称为</a:t>
-            </a:r>
-            <a:r>
-              <a:rPr lang="en-US" altLang="zh-CN" dirty="0" err="1"/>
-              <a:t>DenseNet</a:t>
-            </a:r>
-            <a:r>
-              <a:rPr lang="en-US" altLang="zh-CN" dirty="0"/>
-              <a:t>-B</a:t>
-            </a:r>
-            <a:endParaRPr lang="zh-CN" altLang="zh-CN" dirty="0"/>
-          </a:p>
-          <a:p>
-            <a:pPr>
-              <a:lnSpc>
-                <a:spcPct val="150000"/>
-              </a:lnSpc>
-            </a:pPr>
-            <a:r>
-              <a:rPr lang="en-US" altLang="zh-CN" dirty="0"/>
-              <a:t>Compression</a:t>
-            </a:r>
-            <a:r>
-              <a:rPr lang="zh-CN" altLang="zh-CN" dirty="0"/>
-              <a:t>压缩</a:t>
-            </a:r>
-            <a:r>
-              <a:rPr lang="zh-CN" altLang="en-US" dirty="0"/>
-              <a:t>：</a:t>
-            </a:r>
-            <a:r>
-              <a:rPr lang="zh-CN" altLang="zh-CN" dirty="0"/>
-              <a:t>在</a:t>
-            </a:r>
-            <a:r>
-              <a:rPr lang="en-US" altLang="zh-CN" dirty="0"/>
-              <a:t>transition layers</a:t>
-            </a:r>
-            <a:r>
-              <a:rPr lang="zh-CN" altLang="zh-CN" dirty="0"/>
-              <a:t>中使用</a:t>
-            </a:r>
-            <a:r>
-              <a:rPr lang="zh-CN" altLang="en-US" dirty="0"/>
-              <a:t>，</a:t>
-            </a:r>
-            <a:r>
-              <a:rPr lang="zh-CN" altLang="zh-CN" dirty="0"/>
-              <a:t>产生</a:t>
-            </a:r>
-            <a:r>
-              <a:rPr lang="en-US" altLang="zh-CN" dirty="0" err="1"/>
-              <a:t>θm</a:t>
-            </a:r>
-            <a:r>
-              <a:rPr lang="zh-CN" altLang="zh-CN" dirty="0"/>
-              <a:t>个输出。将</a:t>
-            </a:r>
-            <a:r>
-              <a:rPr lang="en-US" altLang="zh-CN" dirty="0"/>
-              <a:t>θ&lt;1</a:t>
-            </a:r>
-            <a:r>
-              <a:rPr lang="zh-CN" altLang="zh-CN" dirty="0"/>
-              <a:t>的</a:t>
-            </a:r>
-            <a:r>
-              <a:rPr lang="en-US" altLang="zh-CN" dirty="0" err="1"/>
-              <a:t>DenseNet</a:t>
-            </a:r>
-            <a:r>
-              <a:rPr lang="zh-CN" altLang="zh-CN" dirty="0"/>
-              <a:t>称为</a:t>
-            </a:r>
-            <a:r>
-              <a:rPr lang="en-US" altLang="zh-CN" dirty="0" err="1"/>
-              <a:t>DenseNet</a:t>
-            </a:r>
-            <a:r>
-              <a:rPr lang="en-US" altLang="zh-CN" dirty="0"/>
-              <a:t>-C</a:t>
-            </a:r>
-            <a:r>
-              <a:rPr lang="zh-CN" altLang="zh-CN" dirty="0"/>
-              <a:t>，如果同时使用</a:t>
-            </a:r>
-            <a:r>
-              <a:rPr lang="en-US" altLang="zh-CN" dirty="0"/>
-              <a:t>bottleneck </a:t>
-            </a:r>
-            <a:r>
-              <a:rPr lang="zh-CN" altLang="zh-CN" dirty="0"/>
-              <a:t>和</a:t>
-            </a:r>
-            <a:r>
-              <a:rPr lang="en-US" altLang="zh-CN" dirty="0"/>
-              <a:t>θ &lt; 1 </a:t>
-            </a:r>
-            <a:r>
-              <a:rPr lang="zh-CN" altLang="zh-CN" dirty="0"/>
-              <a:t>，称为</a:t>
-            </a:r>
-            <a:r>
-              <a:rPr lang="en-US" altLang="zh-CN" dirty="0" err="1"/>
-              <a:t>DenseNet</a:t>
-            </a:r>
-            <a:r>
-              <a:rPr lang="en-US" altLang="zh-CN" dirty="0"/>
-              <a:t>-BC.</a:t>
-            </a:r>
-            <a:endParaRPr lang="zh-CN" altLang="zh-CN" dirty="0"/>
-          </a:p>
-          <a:p>
-            <a:pPr>
-              <a:lnSpc>
-                <a:spcPct val="160000"/>
-              </a:lnSpc>
-            </a:pPr>
-            <a:endParaRPr lang="zh-CN" altLang="zh-CN" dirty="0"/>
-          </a:p>
-          <a:p>
-            <a:pPr>
-              <a:lnSpc>
-                <a:spcPct val="160000"/>
-              </a:lnSpc>
-            </a:pPr>
-            <a:endParaRPr lang="zh-CN" altLang="en-US" dirty="0"/>
-          </a:p>
-        </p:txBody>
-      </p:sp>
-    </p:spTree>
-    <p:extLst>
-      <p:ext uri="{BB962C8B-B14F-4D97-AF65-F5344CB8AC3E}">
-        <p14:creationId xmlns:p14="http://schemas.microsoft.com/office/powerpoint/2010/main" val="2256525570"/>
       </p:ext>
     </p:extLst>
   </p:cSld>
@@ -10594,21 +11301,415 @@
           <a:chExt cx="0" cy="0"/>
         </a:xfrm>
       </p:grpSpPr>
-      <p:pic>
-        <p:nvPicPr>
-          <p:cNvPr id="4" name="内容占位符 3">
+      <p:sp>
+        <p:nvSpPr>
+          <p:cNvPr id="2" name="标题 1">
             <a:extLst>
               <a:ext uri="{FF2B5EF4-FFF2-40B4-BE49-F238E27FC236}">
-                <a16:creationId xmlns:a16="http://schemas.microsoft.com/office/drawing/2014/main" id="{7AFF4B8F-3B46-43FF-8B7E-B7901D394724}"/>
+                <a16:creationId xmlns:a16="http://schemas.microsoft.com/office/drawing/2014/main" id="{69E5B362-C91B-4FB8-957D-71124339BB86}"/>
               </a:ext>
             </a:extLst>
           </p:cNvPr>
-          <p:cNvPicPr>
-            <a:picLocks noGrp="1"/>
-          </p:cNvPicPr>
+          <p:cNvSpPr>
+            <a:spLocks noGrp="1"/>
+          </p:cNvSpPr>
+          <p:nvPr>
+            <p:ph type="title"/>
+          </p:nvPr>
+        </p:nvSpPr>
+        <p:spPr/>
+        <p:txBody>
+          <a:bodyPr/>
+          <a:lstStyle/>
+          <a:p>
+            <a:r>
+              <a:rPr lang="en-US" altLang="zh-CN" dirty="0"/>
+              <a:t>Transition Layer</a:t>
+            </a:r>
+            <a:endParaRPr lang="zh-CN" altLang="en-US" dirty="0"/>
+          </a:p>
+        </p:txBody>
+      </p:sp>
+      <p:sp>
+        <p:nvSpPr>
+          <p:cNvPr id="3" name="内容占位符 2">
+            <a:extLst>
+              <a:ext uri="{FF2B5EF4-FFF2-40B4-BE49-F238E27FC236}">
+                <a16:creationId xmlns:a16="http://schemas.microsoft.com/office/drawing/2014/main" id="{8CA8C40E-4A64-43B0-91E2-05C959EC08AF}"/>
+              </a:ext>
+            </a:extLst>
+          </p:cNvPr>
+          <p:cNvSpPr>
+            <a:spLocks noGrp="1"/>
+          </p:cNvSpPr>
           <p:nvPr>
             <p:ph idx="1"/>
           </p:nvPr>
+        </p:nvSpPr>
+        <p:spPr>
+          <a:xfrm>
+            <a:off x="838200" y="1447800"/>
+            <a:ext cx="10515600" cy="2956559"/>
+          </a:xfrm>
+        </p:spPr>
+        <p:txBody>
+          <a:bodyPr>
+            <a:normAutofit fontScale="77500" lnSpcReduction="20000"/>
+          </a:bodyPr>
+          <a:lstStyle/>
+          <a:p>
+            <a:pPr>
+              <a:lnSpc>
+                <a:spcPct val="170000"/>
+              </a:lnSpc>
+            </a:pPr>
+            <a:r>
+              <a:rPr lang="zh-CN" altLang="en-US" dirty="0">
+                <a:latin typeface="Times New Roman" panose="02020603050405020304" pitchFamily="18" charset="0"/>
+                <a:ea typeface="宋体" panose="02010600030101010101" pitchFamily="2" charset="-122"/>
+                <a:cs typeface="Times New Roman" panose="02020603050405020304" pitchFamily="18" charset="0"/>
+              </a:rPr>
+              <a:t>其主要作用是连接不同的</a:t>
+            </a:r>
+            <a:r>
+              <a:rPr lang="en-US" altLang="zh-CN" dirty="0" err="1">
+                <a:latin typeface="Times New Roman" panose="02020603050405020304" pitchFamily="18" charset="0"/>
+                <a:ea typeface="宋体" panose="02010600030101010101" pitchFamily="2" charset="-122"/>
+                <a:cs typeface="Times New Roman" panose="02020603050405020304" pitchFamily="18" charset="0"/>
+              </a:rPr>
+              <a:t>DenseNet</a:t>
+            </a:r>
+            <a:r>
+              <a:rPr lang="zh-CN" altLang="en-US" dirty="0">
+                <a:latin typeface="Times New Roman" panose="02020603050405020304" pitchFamily="18" charset="0"/>
+                <a:ea typeface="宋体" panose="02010600030101010101" pitchFamily="2" charset="-122"/>
+                <a:cs typeface="Times New Roman" panose="02020603050405020304" pitchFamily="18" charset="0"/>
+              </a:rPr>
+              <a:t>块，改变前一个</a:t>
+            </a:r>
+            <a:r>
+              <a:rPr lang="en-US" altLang="zh-CN" dirty="0">
+                <a:latin typeface="Times New Roman" panose="02020603050405020304" pitchFamily="18" charset="0"/>
+                <a:ea typeface="宋体" panose="02010600030101010101" pitchFamily="2" charset="-122"/>
+                <a:cs typeface="Times New Roman" panose="02020603050405020304" pitchFamily="18" charset="0"/>
+              </a:rPr>
+              <a:t>Dense Block</a:t>
+            </a:r>
+            <a:r>
+              <a:rPr lang="zh-CN" altLang="en-US" dirty="0">
+                <a:latin typeface="Times New Roman" panose="02020603050405020304" pitchFamily="18" charset="0"/>
+                <a:ea typeface="宋体" panose="02010600030101010101" pitchFamily="2" charset="-122"/>
+                <a:cs typeface="Times New Roman" panose="02020603050405020304" pitchFamily="18" charset="0"/>
+              </a:rPr>
+              <a:t>的输出</a:t>
+            </a:r>
+            <a:r>
+              <a:rPr lang="en-US" altLang="zh-CN" dirty="0">
+                <a:latin typeface="Times New Roman" panose="02020603050405020304" pitchFamily="18" charset="0"/>
+                <a:ea typeface="宋体" panose="02010600030101010101" pitchFamily="2" charset="-122"/>
+                <a:cs typeface="Times New Roman" panose="02020603050405020304" pitchFamily="18" charset="0"/>
+              </a:rPr>
+              <a:t>feature map </a:t>
+            </a:r>
+            <a:r>
+              <a:rPr lang="zh-CN" altLang="en-US" dirty="0">
+                <a:latin typeface="Times New Roman" panose="02020603050405020304" pitchFamily="18" charset="0"/>
+                <a:ea typeface="宋体" panose="02010600030101010101" pitchFamily="2" charset="-122"/>
+                <a:cs typeface="Times New Roman" panose="02020603050405020304" pitchFamily="18" charset="0"/>
+              </a:rPr>
+              <a:t>的大小</a:t>
+            </a:r>
+            <a:endParaRPr lang="en-US" altLang="zh-CN" dirty="0">
+              <a:latin typeface="Times New Roman" panose="02020603050405020304" pitchFamily="18" charset="0"/>
+              <a:ea typeface="宋体" panose="02010600030101010101" pitchFamily="2" charset="-122"/>
+              <a:cs typeface="Times New Roman" panose="02020603050405020304" pitchFamily="18" charset="0"/>
+            </a:endParaRPr>
+          </a:p>
+          <a:p>
+            <a:pPr>
+              <a:lnSpc>
+                <a:spcPct val="170000"/>
+              </a:lnSpc>
+            </a:pPr>
+            <a:r>
+              <a:rPr lang="zh-CN" altLang="en-US" dirty="0">
+                <a:latin typeface="Times New Roman" panose="02020603050405020304" pitchFamily="18" charset="0"/>
+                <a:ea typeface="宋体" panose="02010600030101010101" pitchFamily="2" charset="-122"/>
+                <a:cs typeface="Times New Roman" panose="02020603050405020304" pitchFamily="18" charset="0"/>
+              </a:rPr>
+              <a:t>过渡层由一个</a:t>
+            </a:r>
+            <a:r>
+              <a:rPr lang="en-US" altLang="zh-CN" dirty="0">
+                <a:latin typeface="Times New Roman" panose="02020603050405020304" pitchFamily="18" charset="0"/>
+                <a:ea typeface="宋体" panose="02010600030101010101" pitchFamily="2" charset="-122"/>
+                <a:cs typeface="Times New Roman" panose="02020603050405020304" pitchFamily="18" charset="0"/>
+              </a:rPr>
+              <a:t>BN</a:t>
+            </a:r>
+            <a:r>
+              <a:rPr lang="zh-CN" altLang="en-US" dirty="0">
+                <a:latin typeface="Times New Roman" panose="02020603050405020304" pitchFamily="18" charset="0"/>
+                <a:ea typeface="宋体" panose="02010600030101010101" pitchFamily="2" charset="-122"/>
+                <a:cs typeface="Times New Roman" panose="02020603050405020304" pitchFamily="18" charset="0"/>
+              </a:rPr>
+              <a:t>层、一个</a:t>
+            </a:r>
+            <a:r>
+              <a:rPr lang="en-US" altLang="zh-CN" dirty="0">
+                <a:latin typeface="Times New Roman" panose="02020603050405020304" pitchFamily="18" charset="0"/>
+                <a:ea typeface="宋体" panose="02010600030101010101" pitchFamily="2" charset="-122"/>
+                <a:cs typeface="Times New Roman" panose="02020603050405020304" pitchFamily="18" charset="0"/>
+              </a:rPr>
+              <a:t>1x1 </a:t>
+            </a:r>
+            <a:r>
+              <a:rPr lang="zh-CN" altLang="en-US" dirty="0">
+                <a:latin typeface="Times New Roman" panose="02020603050405020304" pitchFamily="18" charset="0"/>
+                <a:ea typeface="宋体" panose="02010600030101010101" pitchFamily="2" charset="-122"/>
+                <a:cs typeface="Times New Roman" panose="02020603050405020304" pitchFamily="18" charset="0"/>
+              </a:rPr>
+              <a:t>卷积层、一个</a:t>
+            </a:r>
+            <a:r>
+              <a:rPr lang="en-US" altLang="zh-CN" dirty="0">
+                <a:latin typeface="Times New Roman" panose="02020603050405020304" pitchFamily="18" charset="0"/>
+                <a:ea typeface="宋体" panose="02010600030101010101" pitchFamily="2" charset="-122"/>
+                <a:cs typeface="Times New Roman" panose="02020603050405020304" pitchFamily="18" charset="0"/>
+              </a:rPr>
+              <a:t>2x2 </a:t>
+            </a:r>
+            <a:r>
+              <a:rPr lang="zh-CN" altLang="en-US" dirty="0">
+                <a:latin typeface="Times New Roman" panose="02020603050405020304" pitchFamily="18" charset="0"/>
+                <a:ea typeface="宋体" panose="02010600030101010101" pitchFamily="2" charset="-122"/>
+                <a:cs typeface="Times New Roman" panose="02020603050405020304" pitchFamily="18" charset="0"/>
+              </a:rPr>
+              <a:t>平均池化层组成。</a:t>
+            </a:r>
+            <a:endParaRPr lang="en-US" altLang="zh-CN" dirty="0">
+              <a:latin typeface="Times New Roman" panose="02020603050405020304" pitchFamily="18" charset="0"/>
+              <a:ea typeface="宋体" panose="02010600030101010101" pitchFamily="2" charset="-122"/>
+              <a:cs typeface="Times New Roman" panose="02020603050405020304" pitchFamily="18" charset="0"/>
+            </a:endParaRPr>
+          </a:p>
+          <a:p>
+            <a:pPr>
+              <a:lnSpc>
+                <a:spcPct val="170000"/>
+              </a:lnSpc>
+            </a:pPr>
+            <a:r>
+              <a:rPr lang="en-US" altLang="zh-CN" dirty="0">
+                <a:latin typeface="Times New Roman" panose="02020603050405020304" pitchFamily="18" charset="0"/>
+                <a:ea typeface="宋体" panose="02010600030101010101" pitchFamily="2" charset="-122"/>
+                <a:cs typeface="Times New Roman" panose="02020603050405020304" pitchFamily="18" charset="0"/>
+              </a:rPr>
+              <a:t>Compression</a:t>
+            </a:r>
+            <a:r>
+              <a:rPr lang="zh-CN" altLang="zh-CN" dirty="0">
+                <a:latin typeface="Times New Roman" panose="02020603050405020304" pitchFamily="18" charset="0"/>
+                <a:ea typeface="宋体" panose="02010600030101010101" pitchFamily="2" charset="-122"/>
+                <a:cs typeface="Times New Roman" panose="02020603050405020304" pitchFamily="18" charset="0"/>
+              </a:rPr>
+              <a:t>压缩</a:t>
+            </a:r>
+            <a:r>
+              <a:rPr lang="zh-CN" altLang="en-US" dirty="0">
+                <a:latin typeface="Times New Roman" panose="02020603050405020304" pitchFamily="18" charset="0"/>
+                <a:ea typeface="宋体" panose="02010600030101010101" pitchFamily="2" charset="-122"/>
+                <a:cs typeface="Times New Roman" panose="02020603050405020304" pitchFamily="18" charset="0"/>
+              </a:rPr>
+              <a:t>：</a:t>
+            </a:r>
+            <a:r>
+              <a:rPr lang="zh-CN" altLang="zh-CN" dirty="0">
+                <a:latin typeface="Times New Roman" panose="02020603050405020304" pitchFamily="18" charset="0"/>
+                <a:ea typeface="宋体" panose="02010600030101010101" pitchFamily="2" charset="-122"/>
+                <a:cs typeface="Times New Roman" panose="02020603050405020304" pitchFamily="18" charset="0"/>
+              </a:rPr>
+              <a:t>在</a:t>
+            </a:r>
+            <a:r>
+              <a:rPr lang="en-US" altLang="zh-CN" dirty="0">
+                <a:latin typeface="Times New Roman" panose="02020603050405020304" pitchFamily="18" charset="0"/>
+                <a:ea typeface="宋体" panose="02010600030101010101" pitchFamily="2" charset="-122"/>
+                <a:cs typeface="Times New Roman" panose="02020603050405020304" pitchFamily="18" charset="0"/>
+              </a:rPr>
+              <a:t>transition layers</a:t>
+            </a:r>
+            <a:r>
+              <a:rPr lang="zh-CN" altLang="zh-CN" dirty="0">
+                <a:latin typeface="Times New Roman" panose="02020603050405020304" pitchFamily="18" charset="0"/>
+                <a:ea typeface="宋体" panose="02010600030101010101" pitchFamily="2" charset="-122"/>
+                <a:cs typeface="Times New Roman" panose="02020603050405020304" pitchFamily="18" charset="0"/>
+              </a:rPr>
+              <a:t>中使用</a:t>
+            </a:r>
+            <a:r>
+              <a:rPr lang="zh-CN" altLang="en-US" dirty="0">
+                <a:latin typeface="Times New Roman" panose="02020603050405020304" pitchFamily="18" charset="0"/>
+                <a:ea typeface="宋体" panose="02010600030101010101" pitchFamily="2" charset="-122"/>
+                <a:cs typeface="Times New Roman" panose="02020603050405020304" pitchFamily="18" charset="0"/>
+              </a:rPr>
+              <a:t>，</a:t>
+            </a:r>
+            <a:r>
+              <a:rPr lang="zh-CN" altLang="zh-CN" dirty="0">
+                <a:latin typeface="Times New Roman" panose="02020603050405020304" pitchFamily="18" charset="0"/>
+                <a:ea typeface="宋体" panose="02010600030101010101" pitchFamily="2" charset="-122"/>
+                <a:cs typeface="Times New Roman" panose="02020603050405020304" pitchFamily="18" charset="0"/>
+              </a:rPr>
+              <a:t>产生</a:t>
+            </a:r>
+            <a:r>
+              <a:rPr lang="en-US" altLang="zh-CN" dirty="0" err="1">
+                <a:latin typeface="Times New Roman" panose="02020603050405020304" pitchFamily="18" charset="0"/>
+                <a:ea typeface="宋体" panose="02010600030101010101" pitchFamily="2" charset="-122"/>
+                <a:cs typeface="Times New Roman" panose="02020603050405020304" pitchFamily="18" charset="0"/>
+              </a:rPr>
+              <a:t>θm</a:t>
+            </a:r>
+            <a:r>
+              <a:rPr lang="zh-CN" altLang="zh-CN" dirty="0">
+                <a:latin typeface="Times New Roman" panose="02020603050405020304" pitchFamily="18" charset="0"/>
+                <a:ea typeface="宋体" panose="02010600030101010101" pitchFamily="2" charset="-122"/>
+                <a:cs typeface="Times New Roman" panose="02020603050405020304" pitchFamily="18" charset="0"/>
+              </a:rPr>
+              <a:t>个输出。将</a:t>
+            </a:r>
+            <a:r>
+              <a:rPr lang="en-US" altLang="zh-CN" dirty="0">
+                <a:latin typeface="Times New Roman" panose="02020603050405020304" pitchFamily="18" charset="0"/>
+                <a:ea typeface="宋体" panose="02010600030101010101" pitchFamily="2" charset="-122"/>
+                <a:cs typeface="Times New Roman" panose="02020603050405020304" pitchFamily="18" charset="0"/>
+              </a:rPr>
+              <a:t>θ&lt;1</a:t>
+            </a:r>
+            <a:r>
+              <a:rPr lang="zh-CN" altLang="zh-CN" dirty="0">
+                <a:latin typeface="Times New Roman" panose="02020603050405020304" pitchFamily="18" charset="0"/>
+                <a:ea typeface="宋体" panose="02010600030101010101" pitchFamily="2" charset="-122"/>
+                <a:cs typeface="Times New Roman" panose="02020603050405020304" pitchFamily="18" charset="0"/>
+              </a:rPr>
+              <a:t>的</a:t>
+            </a:r>
+            <a:r>
+              <a:rPr lang="en-US" altLang="zh-CN" dirty="0" err="1">
+                <a:latin typeface="Times New Roman" panose="02020603050405020304" pitchFamily="18" charset="0"/>
+                <a:ea typeface="宋体" panose="02010600030101010101" pitchFamily="2" charset="-122"/>
+                <a:cs typeface="Times New Roman" panose="02020603050405020304" pitchFamily="18" charset="0"/>
+              </a:rPr>
+              <a:t>DenseNet</a:t>
+            </a:r>
+            <a:r>
+              <a:rPr lang="zh-CN" altLang="zh-CN" dirty="0">
+                <a:latin typeface="Times New Roman" panose="02020603050405020304" pitchFamily="18" charset="0"/>
+                <a:ea typeface="宋体" panose="02010600030101010101" pitchFamily="2" charset="-122"/>
+                <a:cs typeface="Times New Roman" panose="02020603050405020304" pitchFamily="18" charset="0"/>
+              </a:rPr>
+              <a:t>称为</a:t>
+            </a:r>
+            <a:r>
+              <a:rPr lang="en-US" altLang="zh-CN" dirty="0" err="1">
+                <a:latin typeface="Times New Roman" panose="02020603050405020304" pitchFamily="18" charset="0"/>
+                <a:ea typeface="宋体" panose="02010600030101010101" pitchFamily="2" charset="-122"/>
+                <a:cs typeface="Times New Roman" panose="02020603050405020304" pitchFamily="18" charset="0"/>
+              </a:rPr>
+              <a:t>DenseNet</a:t>
+            </a:r>
+            <a:r>
+              <a:rPr lang="en-US" altLang="zh-CN" dirty="0">
+                <a:latin typeface="Times New Roman" panose="02020603050405020304" pitchFamily="18" charset="0"/>
+                <a:ea typeface="宋体" panose="02010600030101010101" pitchFamily="2" charset="-122"/>
+                <a:cs typeface="Times New Roman" panose="02020603050405020304" pitchFamily="18" charset="0"/>
+              </a:rPr>
+              <a:t>-C</a:t>
+            </a:r>
+            <a:r>
+              <a:rPr lang="zh-CN" altLang="zh-CN" dirty="0">
+                <a:latin typeface="Times New Roman" panose="02020603050405020304" pitchFamily="18" charset="0"/>
+                <a:ea typeface="宋体" panose="02010600030101010101" pitchFamily="2" charset="-122"/>
+                <a:cs typeface="Times New Roman" panose="02020603050405020304" pitchFamily="18" charset="0"/>
+              </a:rPr>
+              <a:t>，如果同时使用</a:t>
+            </a:r>
+            <a:r>
+              <a:rPr lang="en-US" altLang="zh-CN" dirty="0">
+                <a:latin typeface="Times New Roman" panose="02020603050405020304" pitchFamily="18" charset="0"/>
+                <a:ea typeface="宋体" panose="02010600030101010101" pitchFamily="2" charset="-122"/>
+                <a:cs typeface="Times New Roman" panose="02020603050405020304" pitchFamily="18" charset="0"/>
+              </a:rPr>
+              <a:t>bottleneck </a:t>
+            </a:r>
+            <a:r>
+              <a:rPr lang="zh-CN" altLang="zh-CN" dirty="0">
+                <a:latin typeface="Times New Roman" panose="02020603050405020304" pitchFamily="18" charset="0"/>
+                <a:ea typeface="宋体" panose="02010600030101010101" pitchFamily="2" charset="-122"/>
+                <a:cs typeface="Times New Roman" panose="02020603050405020304" pitchFamily="18" charset="0"/>
+              </a:rPr>
+              <a:t>和</a:t>
+            </a:r>
+            <a:r>
+              <a:rPr lang="en-US" altLang="zh-CN" dirty="0">
+                <a:latin typeface="Times New Roman" panose="02020603050405020304" pitchFamily="18" charset="0"/>
+                <a:ea typeface="宋体" panose="02010600030101010101" pitchFamily="2" charset="-122"/>
+                <a:cs typeface="Times New Roman" panose="02020603050405020304" pitchFamily="18" charset="0"/>
+              </a:rPr>
+              <a:t>θ &lt; 1 </a:t>
+            </a:r>
+            <a:r>
+              <a:rPr lang="zh-CN" altLang="zh-CN" dirty="0">
+                <a:latin typeface="Times New Roman" panose="02020603050405020304" pitchFamily="18" charset="0"/>
+                <a:ea typeface="宋体" panose="02010600030101010101" pitchFamily="2" charset="-122"/>
+                <a:cs typeface="Times New Roman" panose="02020603050405020304" pitchFamily="18" charset="0"/>
+              </a:rPr>
+              <a:t>，称为</a:t>
+            </a:r>
+            <a:r>
+              <a:rPr lang="en-US" altLang="zh-CN" dirty="0" err="1">
+                <a:latin typeface="Times New Roman" panose="02020603050405020304" pitchFamily="18" charset="0"/>
+                <a:ea typeface="宋体" panose="02010600030101010101" pitchFamily="2" charset="-122"/>
+                <a:cs typeface="Times New Roman" panose="02020603050405020304" pitchFamily="18" charset="0"/>
+              </a:rPr>
+              <a:t>DenseNet</a:t>
+            </a:r>
+            <a:r>
+              <a:rPr lang="en-US" altLang="zh-CN" dirty="0">
+                <a:latin typeface="Times New Roman" panose="02020603050405020304" pitchFamily="18" charset="0"/>
+                <a:ea typeface="宋体" panose="02010600030101010101" pitchFamily="2" charset="-122"/>
+                <a:cs typeface="Times New Roman" panose="02020603050405020304" pitchFamily="18" charset="0"/>
+              </a:rPr>
+              <a:t>-BC.</a:t>
+            </a:r>
+            <a:endParaRPr lang="zh-CN" altLang="zh-CN" dirty="0">
+              <a:latin typeface="Times New Roman" panose="02020603050405020304" pitchFamily="18" charset="0"/>
+              <a:ea typeface="宋体" panose="02010600030101010101" pitchFamily="2" charset="-122"/>
+              <a:cs typeface="Times New Roman" panose="02020603050405020304" pitchFamily="18" charset="0"/>
+            </a:endParaRPr>
+          </a:p>
+          <a:p>
+            <a:pPr>
+              <a:lnSpc>
+                <a:spcPct val="170000"/>
+              </a:lnSpc>
+            </a:pPr>
+            <a:endParaRPr lang="zh-CN" altLang="en-US" dirty="0"/>
+          </a:p>
+        </p:txBody>
+      </p:sp>
+      <p:pic>
+        <p:nvPicPr>
+          <p:cNvPr id="5" name="图片 4">
+            <a:extLst>
+              <a:ext uri="{FF2B5EF4-FFF2-40B4-BE49-F238E27FC236}">
+                <a16:creationId xmlns:a16="http://schemas.microsoft.com/office/drawing/2014/main" id="{E74D0FB8-C427-4AA9-892E-D778AB794F5A}"/>
+              </a:ext>
+            </a:extLst>
+          </p:cNvPr>
+          <p:cNvPicPr/>
+          <p:nvPr/>
         </p:nvPicPr>
         <p:blipFill>
           <a:blip r:embed="rId3"/>
@@ -10618,8 +11719,8 @@
         </p:blipFill>
         <p:spPr>
           <a:xfrm>
-            <a:off x="419100" y="2506334"/>
-            <a:ext cx="11353800" cy="1845332"/>
+            <a:off x="1139031" y="4236720"/>
+            <a:ext cx="9913938" cy="2121218"/>
           </a:xfrm>
           <a:prstGeom prst="rect">
             <a:avLst/>
@@ -10629,7 +11730,7 @@
     </p:spTree>
     <p:extLst>
       <p:ext uri="{BB962C8B-B14F-4D97-AF65-F5344CB8AC3E}">
-        <p14:creationId xmlns:p14="http://schemas.microsoft.com/office/powerpoint/2010/main" val="4074150995"/>
+        <p14:creationId xmlns:p14="http://schemas.microsoft.com/office/powerpoint/2010/main" val="778850632"/>
       </p:ext>
     </p:extLst>
   </p:cSld>
@@ -10661,7 +11762,7 @@
           <p:cNvPr id="4" name="内容占位符 3">
             <a:extLst>
               <a:ext uri="{FF2B5EF4-FFF2-40B4-BE49-F238E27FC236}">
-                <a16:creationId xmlns:a16="http://schemas.microsoft.com/office/drawing/2014/main" id="{F8FBBCC9-0144-4CDA-818F-486F3762549E}"/>
+                <a16:creationId xmlns:a16="http://schemas.microsoft.com/office/drawing/2014/main" id="{29CAE4D2-A666-4778-B265-171BBF8E5C31}"/>
               </a:ext>
             </a:extLst>
           </p:cNvPr>
@@ -10673,15 +11774,15 @@
           </p:nvPr>
         </p:nvPicPr>
         <p:blipFill>
-          <a:blip r:embed="rId3"/>
+          <a:blip r:embed="rId2"/>
           <a:stretch>
             <a:fillRect/>
           </a:stretch>
         </p:blipFill>
         <p:spPr>
           <a:xfrm>
-            <a:off x="1156548" y="305792"/>
-            <a:ext cx="9878904" cy="6246415"/>
+            <a:off x="993405" y="937418"/>
+            <a:ext cx="10205189" cy="4983163"/>
           </a:xfrm>
           <a:prstGeom prst="rect">
             <a:avLst/>
@@ -10691,7 +11792,7 @@
     </p:spTree>
     <p:extLst>
       <p:ext uri="{BB962C8B-B14F-4D97-AF65-F5344CB8AC3E}">
-        <p14:creationId xmlns:p14="http://schemas.microsoft.com/office/powerpoint/2010/main" val="3530238187"/>
+        <p14:creationId xmlns:p14="http://schemas.microsoft.com/office/powerpoint/2010/main" val="1737157274"/>
       </p:ext>
     </p:extLst>
   </p:cSld>
@@ -10720,10 +11821,10 @@
       </p:grpSpPr>
       <p:sp>
         <p:nvSpPr>
-          <p:cNvPr id="2" name="标题 1">
+          <p:cNvPr id="3" name="内容占位符 2">
             <a:extLst>
               <a:ext uri="{FF2B5EF4-FFF2-40B4-BE49-F238E27FC236}">
-                <a16:creationId xmlns:a16="http://schemas.microsoft.com/office/drawing/2014/main" id="{177335D0-419D-4856-B652-042B74CA0AC6}"/>
+                <a16:creationId xmlns:a16="http://schemas.microsoft.com/office/drawing/2014/main" id="{22425CA8-895A-4DE9-B41A-BBF5DC08A9AD}"/>
               </a:ext>
             </a:extLst>
           </p:cNvPr>
@@ -10731,53 +11832,13 @@
             <a:spLocks noGrp="1"/>
           </p:cNvSpPr>
           <p:nvPr>
-            <p:ph type="title"/>
-          </p:nvPr>
-        </p:nvSpPr>
-        <p:spPr/>
-        <p:txBody>
-          <a:bodyPr/>
-          <a:lstStyle/>
-          <a:p>
-            <a:r>
-              <a:rPr lang="en-US" altLang="zh-CN" dirty="0" err="1"/>
-              <a:t>DenseNet</a:t>
-            </a:r>
-            <a:r>
-              <a:rPr lang="zh-CN" altLang="en-US" dirty="0"/>
-              <a:t>中</a:t>
-            </a:r>
-            <a:r>
-              <a:rPr lang="en-US" altLang="zh-CN" dirty="0"/>
-              <a:t>transition layer</a:t>
-            </a:r>
-            <a:r>
-              <a:rPr lang="zh-CN" altLang="en-US" dirty="0"/>
-              <a:t>作用</a:t>
-            </a:r>
-          </a:p>
-        </p:txBody>
-      </p:sp>
-      <p:sp>
-        <p:nvSpPr>
-          <p:cNvPr id="3" name="内容占位符 2">
-            <a:extLst>
-              <a:ext uri="{FF2B5EF4-FFF2-40B4-BE49-F238E27FC236}">
-                <a16:creationId xmlns:a16="http://schemas.microsoft.com/office/drawing/2014/main" id="{C09DB33B-1D6C-491C-B125-F584F61C67EA}"/>
-              </a:ext>
-            </a:extLst>
-          </p:cNvPr>
-          <p:cNvSpPr>
-            <a:spLocks noGrp="1"/>
-          </p:cNvSpPr>
-          <p:nvPr>
             <p:ph idx="1"/>
           </p:nvPr>
         </p:nvSpPr>
         <p:spPr>
           <a:xfrm>
-            <a:off x="838200" y="2926637"/>
-            <a:ext cx="10515600" cy="3566238"/>
+            <a:off x="838200" y="594360"/>
+            <a:ext cx="10515600" cy="5730239"/>
           </a:xfrm>
         </p:spPr>
         <p:txBody>
@@ -10788,211 +11849,130 @@
           <a:p>
             <a:pPr>
               <a:lnSpc>
-                <a:spcPct val="120000"/>
+                <a:spcPct val="170000"/>
               </a:lnSpc>
             </a:pPr>
             <a:r>
-              <a:rPr lang="en-US" altLang="zh-CN" dirty="0" err="1"/>
-              <a:t>Compreession</a:t>
-            </a:r>
-            <a:r>
-              <a:rPr lang="zh-CN" altLang="en-US" dirty="0"/>
-              <a:t>：在两个</a:t>
-            </a:r>
-            <a:r>
-              <a:rPr lang="en-US" altLang="zh-CN" dirty="0"/>
-              <a:t>Dense block</a:t>
-            </a:r>
-            <a:r>
-              <a:rPr lang="zh-CN" altLang="en-US" dirty="0"/>
-              <a:t>中出现，为了减少通道数。假设一个</a:t>
-            </a:r>
-            <a:r>
-              <a:rPr lang="en-US" altLang="zh-CN" dirty="0"/>
-              <a:t>Dense block</a:t>
-            </a:r>
-            <a:r>
-              <a:rPr lang="zh-CN" altLang="en-US" dirty="0"/>
-              <a:t>的输出是</a:t>
-            </a:r>
-            <a:r>
-              <a:rPr lang="en-US" altLang="zh-CN" dirty="0"/>
-              <a:t>m</a:t>
-            </a:r>
-            <a:r>
-              <a:rPr lang="zh-CN" altLang="en-US" dirty="0"/>
-              <a:t>，设置一个压缩值</a:t>
-            </a:r>
-            <a:r>
-              <a:rPr lang="en-US" altLang="zh-CN" dirty="0"/>
-              <a:t>θ</a:t>
-            </a:r>
-            <a:r>
-              <a:rPr lang="zh-CN" altLang="en-US" dirty="0"/>
-              <a:t>，每两个</a:t>
-            </a:r>
-            <a:r>
-              <a:rPr lang="en-US" altLang="zh-CN" dirty="0"/>
-              <a:t>dense block</a:t>
-            </a:r>
-            <a:r>
-              <a:rPr lang="zh-CN" altLang="en-US" dirty="0"/>
-              <a:t>之间又增加了</a:t>
-            </a:r>
-            <a:r>
-              <a:rPr lang="en-US" altLang="zh-CN" dirty="0"/>
-              <a:t>1*1</a:t>
-            </a:r>
-            <a:r>
-              <a:rPr lang="zh-CN" altLang="en-US" dirty="0"/>
-              <a:t>的卷积操作，将</a:t>
-            </a:r>
-            <a:r>
-              <a:rPr lang="en-US" altLang="zh-CN" dirty="0"/>
-              <a:t>dense block</a:t>
-            </a:r>
-            <a:r>
-              <a:rPr lang="zh-CN" altLang="en-US" dirty="0"/>
-              <a:t>的输出压缩成</a:t>
-            </a:r>
-            <a:r>
-              <a:rPr lang="en-US" altLang="zh-CN" dirty="0" err="1"/>
-              <a:t>θm</a:t>
-            </a:r>
-            <a:r>
-              <a:rPr lang="zh-CN" altLang="en-US" dirty="0"/>
-              <a:t>个通道。一般来说</a:t>
-            </a:r>
-            <a:r>
-              <a:rPr lang="en-US" altLang="zh-CN" dirty="0"/>
-              <a:t>θ</a:t>
-            </a:r>
-            <a:r>
-              <a:rPr lang="zh-CN" altLang="en-US" dirty="0"/>
-              <a:t>设置成</a:t>
-            </a:r>
-            <a:r>
-              <a:rPr lang="en-US" altLang="zh-CN" dirty="0"/>
-              <a:t>0.5</a:t>
-            </a:r>
-            <a:r>
-              <a:rPr lang="zh-CN" altLang="en-US" dirty="0"/>
+              <a:rPr lang="en-US" altLang="zh-CN" sz="2400" dirty="0" err="1"/>
+              <a:t>DenseNet</a:t>
+            </a:r>
+            <a:r>
+              <a:rPr lang="en-US" altLang="zh-CN" sz="2400" dirty="0"/>
+              <a:t> </a:t>
+            </a:r>
+            <a:r>
+              <a:rPr lang="zh-CN" altLang="en-US" sz="2400" dirty="0"/>
+              <a:t>块中，每层都可以访问块内的所有早前层输出的</a:t>
+            </a:r>
+            <a:r>
+              <a:rPr lang="en-US" altLang="zh-CN" sz="2400" dirty="0"/>
+              <a:t>feature map</a:t>
+            </a:r>
+            <a:r>
+              <a:rPr lang="zh-CN" altLang="en-US" sz="2400" dirty="0"/>
+              <a:t>。特征图可视作</a:t>
+            </a:r>
+            <a:r>
+              <a:rPr lang="en-US" altLang="zh-CN" sz="2400" dirty="0" err="1"/>
+              <a:t>DenseNet</a:t>
+            </a:r>
+            <a:r>
+              <a:rPr lang="en-US" altLang="zh-CN" sz="2400" dirty="0"/>
+              <a:t> </a:t>
+            </a:r>
+            <a:r>
+              <a:rPr lang="zh-CN" altLang="en-US" sz="2400" dirty="0"/>
+              <a:t>的全局状态</a:t>
+            </a:r>
+            <a:r>
+              <a:rPr lang="en-US" altLang="zh-CN" sz="2400" dirty="0"/>
+              <a:t>(global state )</a:t>
+            </a:r>
+            <a:r>
+              <a:rPr lang="zh-CN" altLang="en-US" sz="2400" dirty="0"/>
               <a:t>。</a:t>
             </a:r>
-            <a:endParaRPr lang="en-US" altLang="zh-CN" dirty="0"/>
+            <a:endParaRPr lang="en-US" altLang="zh-CN" sz="2400" dirty="0"/>
           </a:p>
           <a:p>
             <a:pPr>
               <a:lnSpc>
-                <a:spcPct val="120000"/>
+                <a:spcPct val="170000"/>
               </a:lnSpc>
             </a:pPr>
             <a:r>
-              <a:rPr lang="en-US" altLang="zh-CN" dirty="0" err="1"/>
-              <a:t>Compresion</a:t>
-            </a:r>
-            <a:r>
-              <a:rPr lang="zh-CN" altLang="en-US" dirty="0"/>
-              <a:t>属于</a:t>
-            </a:r>
-            <a:r>
-              <a:rPr lang="en-US" altLang="zh-CN" dirty="0"/>
-              <a:t>transition layers</a:t>
-            </a:r>
-            <a:r>
-              <a:rPr lang="zh-CN" altLang="en-US" dirty="0"/>
-              <a:t>，如果使用了</a:t>
-            </a:r>
-            <a:r>
-              <a:rPr lang="en-US" altLang="zh-CN" dirty="0"/>
-              <a:t>bottleneck</a:t>
-            </a:r>
-            <a:r>
-              <a:rPr lang="zh-CN" altLang="en-US" dirty="0"/>
-              <a:t>和</a:t>
-            </a:r>
-            <a:r>
-              <a:rPr lang="en-US" altLang="zh-CN" dirty="0"/>
-              <a:t>compression</a:t>
-            </a:r>
-            <a:r>
-              <a:rPr lang="zh-CN" altLang="en-US" dirty="0"/>
-              <a:t>，网络就称作</a:t>
-            </a:r>
-            <a:r>
-              <a:rPr lang="en-US" altLang="zh-CN" dirty="0" err="1"/>
-              <a:t>DenseNet</a:t>
-            </a:r>
-            <a:r>
-              <a:rPr lang="en-US" altLang="zh-CN" dirty="0"/>
-              <a:t>-BC</a:t>
-            </a:r>
-            <a:r>
-              <a:rPr lang="zh-CN" altLang="en-US" dirty="0"/>
-              <a:t>。</a:t>
-            </a:r>
-            <a:endParaRPr lang="en-US" altLang="zh-CN" b="1" dirty="0"/>
+              <a:rPr lang="zh-CN" altLang="en-US" sz="2400" dirty="0"/>
+              <a:t>全局状态可以理解为网络块的“集体知识”</a:t>
+            </a:r>
+            <a:r>
+              <a:rPr lang="en-US" altLang="zh-CN" sz="2400" dirty="0"/>
+              <a:t>(collective knowledge)</a:t>
+            </a:r>
+            <a:r>
+              <a:rPr lang="zh-CN" altLang="en-US" sz="2400" dirty="0"/>
+              <a:t>，由块内所有层共享。</a:t>
+            </a:r>
           </a:p>
           <a:p>
             <a:pPr>
               <a:lnSpc>
-                <a:spcPct val="120000"/>
+                <a:spcPct val="170000"/>
               </a:lnSpc>
             </a:pPr>
-            <a:endParaRPr lang="en-US" altLang="zh-CN" b="1" dirty="0"/>
+            <a:r>
+              <a:rPr lang="en-US" altLang="zh-CN" sz="2400" dirty="0" err="1"/>
+              <a:t>DenseNet</a:t>
+            </a:r>
+            <a:r>
+              <a:rPr lang="en-US" altLang="zh-CN" sz="2400" dirty="0"/>
+              <a:t> </a:t>
+            </a:r>
+            <a:r>
+              <a:rPr lang="zh-CN" altLang="en-US" sz="2400" dirty="0"/>
+              <a:t>将“变动”的信息（当前层输出的</a:t>
+            </a:r>
+            <a:r>
+              <a:rPr lang="en-US" altLang="zh-CN" sz="2400" dirty="0"/>
+              <a:t>feature map</a:t>
+            </a:r>
+            <a:r>
+              <a:rPr lang="zh-CN" altLang="en-US" sz="2400" dirty="0"/>
+              <a:t>） 添加到</a:t>
+            </a:r>
+            <a:r>
+              <a:rPr lang="en-US" altLang="zh-CN" sz="2400" dirty="0"/>
+              <a:t>collective knowledge</a:t>
+            </a:r>
+            <a:r>
+              <a:rPr lang="zh-CN" altLang="en-US" sz="2400" dirty="0"/>
+              <a:t> 。最终分类器基于网络中所有的特征图预测。</a:t>
+            </a:r>
           </a:p>
           <a:p>
             <a:pPr>
               <a:lnSpc>
-                <a:spcPct val="120000"/>
+                <a:spcPct val="170000"/>
               </a:lnSpc>
             </a:pPr>
-            <a:endParaRPr lang="en-US" altLang="zh-CN" b="1" dirty="0"/>
-          </a:p>
-          <a:p>
-            <a:pPr>
-              <a:lnSpc>
-                <a:spcPct val="120000"/>
-              </a:lnSpc>
-            </a:pPr>
-            <a:endParaRPr lang="zh-CN" altLang="en-US" dirty="0"/>
-          </a:p>
-        </p:txBody>
-      </p:sp>
-      <p:pic>
-        <p:nvPicPr>
-          <p:cNvPr id="5" name="图片 4">
-            <a:extLst>
-              <a:ext uri="{FF2B5EF4-FFF2-40B4-BE49-F238E27FC236}">
-                <a16:creationId xmlns:a16="http://schemas.microsoft.com/office/drawing/2014/main" id="{241A2FA4-44C1-488B-BDBF-973BBDF7AB90}"/>
-              </a:ext>
-            </a:extLst>
-          </p:cNvPr>
-          <p:cNvPicPr>
-            <a:picLocks noChangeAspect="1"/>
-          </p:cNvPicPr>
-          <p:nvPr/>
-        </p:nvPicPr>
-        <p:blipFill>
-          <a:blip r:embed="rId2"/>
-          <a:stretch>
-            <a:fillRect/>
-          </a:stretch>
-        </p:blipFill>
-        <p:spPr>
-          <a:xfrm>
-            <a:off x="1908782" y="1352938"/>
-            <a:ext cx="8374436" cy="1448900"/>
-          </a:xfrm>
-          <a:prstGeom prst="rect">
-            <a:avLst/>
-          </a:prstGeom>
-        </p:spPr>
-      </p:pic>
+            <a:r>
+              <a:rPr lang="en-US" altLang="zh-CN" sz="2400" dirty="0" err="1"/>
+              <a:t>DenseNet</a:t>
+            </a:r>
+            <a:r>
+              <a:rPr lang="en-US" altLang="zh-CN" sz="2400" dirty="0"/>
+              <a:t> </a:t>
+            </a:r>
+            <a:r>
+              <a:rPr lang="zh-CN" altLang="en-US" sz="2400" dirty="0"/>
+              <a:t>提高精度的解释：各层通过较短的连接直接从损失函数中接收额外的监督信息。</a:t>
+            </a:r>
+          </a:p>
+        </p:txBody>
+      </p:sp>
     </p:spTree>
     <p:extLst>
       <p:ext uri="{BB962C8B-B14F-4D97-AF65-F5344CB8AC3E}">
-        <p14:creationId xmlns:p14="http://schemas.microsoft.com/office/powerpoint/2010/main" val="3958604092"/>
+        <p14:creationId xmlns:p14="http://schemas.microsoft.com/office/powerpoint/2010/main" val="1469090674"/>
       </p:ext>
     </p:extLst>
   </p:cSld>
@@ -11024,68 +12004,6 @@
           <p:cNvPr id="4" name="内容占位符 3">
             <a:extLst>
               <a:ext uri="{FF2B5EF4-FFF2-40B4-BE49-F238E27FC236}">
-                <a16:creationId xmlns:a16="http://schemas.microsoft.com/office/drawing/2014/main" id="{29CAE4D2-A666-4778-B265-171BBF8E5C31}"/>
-              </a:ext>
-            </a:extLst>
-          </p:cNvPr>
-          <p:cNvPicPr>
-            <a:picLocks noGrp="1"/>
-          </p:cNvPicPr>
-          <p:nvPr>
-            <p:ph idx="1"/>
-          </p:nvPr>
-        </p:nvPicPr>
-        <p:blipFill>
-          <a:blip r:embed="rId2"/>
-          <a:stretch>
-            <a:fillRect/>
-          </a:stretch>
-        </p:blipFill>
-        <p:spPr>
-          <a:xfrm>
-            <a:off x="993405" y="937418"/>
-            <a:ext cx="10205189" cy="4983163"/>
-          </a:xfrm>
-          <a:prstGeom prst="rect">
-            <a:avLst/>
-          </a:prstGeom>
-        </p:spPr>
-      </p:pic>
-    </p:spTree>
-    <p:extLst>
-      <p:ext uri="{BB962C8B-B14F-4D97-AF65-F5344CB8AC3E}">
-        <p14:creationId xmlns:p14="http://schemas.microsoft.com/office/powerpoint/2010/main" val="1737157274"/>
-      </p:ext>
-    </p:extLst>
-  </p:cSld>
-  <p:clrMapOvr>
-    <a:masterClrMapping/>
-  </p:clrMapOvr>
-</p:sld>
-</file>
-
-<file path=ppt/slides/slide25.xml><?xml version="1.0" encoding="utf-8"?>
-<p:sld xmlns:a="http://schemas.openxmlformats.org/drawingml/2006/main" xmlns:r="http://schemas.openxmlformats.org/officeDocument/2006/relationships" xmlns:p="http://schemas.openxmlformats.org/presentationml/2006/main">
-  <p:cSld>
-    <p:spTree>
-      <p:nvGrpSpPr>
-        <p:cNvPr id="1" name=""/>
-        <p:cNvGrpSpPr/>
-        <p:nvPr/>
-      </p:nvGrpSpPr>
-      <p:grpSpPr>
-        <a:xfrm>
-          <a:off x="0" y="0"/>
-          <a:ext cx="0" cy="0"/>
-          <a:chOff x="0" y="0"/>
-          <a:chExt cx="0" cy="0"/>
-        </a:xfrm>
-      </p:grpSpPr>
-      <p:pic>
-        <p:nvPicPr>
-          <p:cNvPr id="4" name="内容占位符 3">
-            <a:extLst>
-              <a:ext uri="{FF2B5EF4-FFF2-40B4-BE49-F238E27FC236}">
                 <a16:creationId xmlns:a16="http://schemas.microsoft.com/office/drawing/2014/main" id="{523C7C11-4667-4ED6-BDA9-3C6DFF2F8370}"/>
               </a:ext>
             </a:extLst>
@@ -11126,7 +12044,7 @@
 </p:sld>
 </file>
 
-<file path=ppt/slides/slide26.xml><?xml version="1.0" encoding="utf-8"?>
+<file path=ppt/slides/slide25.xml><?xml version="1.0" encoding="utf-8"?>
 <p:sld xmlns:a="http://schemas.openxmlformats.org/drawingml/2006/main" xmlns:r="http://schemas.openxmlformats.org/officeDocument/2006/relationships" xmlns:p="http://schemas.openxmlformats.org/presentationml/2006/main">
   <p:cSld>
     <p:spTree>
@@ -11148,7 +12066,7 @@
           <p:cNvPr id="2" name="标题 1">
             <a:extLst>
               <a:ext uri="{FF2B5EF4-FFF2-40B4-BE49-F238E27FC236}">
-                <a16:creationId xmlns:a16="http://schemas.microsoft.com/office/drawing/2014/main" id="{177335D0-419D-4856-B652-042B74CA0AC6}"/>
+                <a16:creationId xmlns:a16="http://schemas.microsoft.com/office/drawing/2014/main" id="{C17B3800-E761-4996-9893-8AE753F5BA25}"/>
               </a:ext>
             </a:extLst>
           </p:cNvPr>
@@ -11180,7 +12098,7 @@
           <p:cNvPr id="3" name="内容占位符 2">
             <a:extLst>
               <a:ext uri="{FF2B5EF4-FFF2-40B4-BE49-F238E27FC236}">
-                <a16:creationId xmlns:a16="http://schemas.microsoft.com/office/drawing/2014/main" id="{C09DB33B-1D6C-491C-B125-F584F61C67EA}"/>
+                <a16:creationId xmlns:a16="http://schemas.microsoft.com/office/drawing/2014/main" id="{335AF711-EC88-4AC5-9480-68B58ACD40A4}"/>
               </a:ext>
             </a:extLst>
           </p:cNvPr>
@@ -11193,7 +12111,9 @@
         </p:nvSpPr>
         <p:spPr/>
         <p:txBody>
-          <a:bodyPr/>
+          <a:bodyPr>
+            <a:normAutofit/>
+          </a:bodyPr>
           <a:lstStyle/>
           <a:p>
             <a:pPr>
@@ -11202,16 +12122,10 @@
               </a:lnSpc>
             </a:pPr>
             <a:r>
-              <a:rPr lang="zh-CN" altLang="en-US" dirty="0">
-                <a:latin typeface="宋体" panose="02010600030101010101" pitchFamily="2" charset="-122"/>
-                <a:ea typeface="宋体" panose="02010600030101010101" pitchFamily="2" charset="-122"/>
-              </a:rPr>
-              <a:t>减轻了梯度消失</a:t>
-            </a:r>
-            <a:endParaRPr lang="en-US" altLang="zh-CN" dirty="0">
-              <a:latin typeface="宋体" panose="02010600030101010101" pitchFamily="2" charset="-122"/>
-              <a:ea typeface="宋体" panose="02010600030101010101" pitchFamily="2" charset="-122"/>
-            </a:endParaRPr>
+              <a:rPr lang="zh-CN" altLang="en-US" dirty="0"/>
+              <a:t>缓解梯度消失</a:t>
+            </a:r>
+            <a:endParaRPr lang="en-US" altLang="zh-CN" dirty="0"/>
           </a:p>
           <a:p>
             <a:pPr>
@@ -11220,30 +12134,10 @@
               </a:lnSpc>
             </a:pPr>
             <a:r>
-              <a:rPr lang="zh-CN" altLang="en-US" dirty="0">
-                <a:latin typeface="宋体" panose="02010600030101010101" pitchFamily="2" charset="-122"/>
-                <a:ea typeface="宋体" panose="02010600030101010101" pitchFamily="2" charset="-122"/>
-              </a:rPr>
-              <a:t>加强了</a:t>
-            </a:r>
-            <a:r>
-              <a:rPr lang="en-US" altLang="zh-CN" dirty="0">
-                <a:latin typeface="宋体" panose="02010600030101010101" pitchFamily="2" charset="-122"/>
-                <a:ea typeface="宋体" panose="02010600030101010101" pitchFamily="2" charset="-122"/>
-              </a:rPr>
-              <a:t>feature</a:t>
-            </a:r>
-            <a:r>
-              <a:rPr lang="zh-CN" altLang="en-US" dirty="0">
-                <a:latin typeface="宋体" panose="02010600030101010101" pitchFamily="2" charset="-122"/>
-                <a:ea typeface="宋体" panose="02010600030101010101" pitchFamily="2" charset="-122"/>
-              </a:rPr>
-              <a:t>的传递 </a:t>
-            </a:r>
-            <a:endParaRPr lang="en-US" altLang="zh-CN" dirty="0">
-              <a:latin typeface="宋体" panose="02010600030101010101" pitchFamily="2" charset="-122"/>
-              <a:ea typeface="宋体" panose="02010600030101010101" pitchFamily="2" charset="-122"/>
-            </a:endParaRPr>
+              <a:rPr lang="zh-CN" altLang="en-US" dirty="0"/>
+              <a:t>正则化效应</a:t>
+            </a:r>
+            <a:endParaRPr lang="en-US" altLang="zh-CN" dirty="0"/>
           </a:p>
           <a:p>
             <a:pPr>
@@ -11252,19 +12146,10 @@
               </a:lnSpc>
             </a:pPr>
             <a:r>
-              <a:rPr lang="zh-CN" altLang="en-US" dirty="0">
-                <a:latin typeface="宋体" panose="02010600030101010101" pitchFamily="2" charset="-122"/>
-                <a:ea typeface="宋体" panose="02010600030101010101" pitchFamily="2" charset="-122"/>
-              </a:rPr>
-              <a:t>更有效地利用了</a:t>
-            </a:r>
-            <a:r>
-              <a:rPr lang="en-US" altLang="zh-CN" dirty="0">
-                <a:latin typeface="宋体" panose="02010600030101010101" pitchFamily="2" charset="-122"/>
-                <a:ea typeface="宋体" panose="02010600030101010101" pitchFamily="2" charset="-122"/>
-              </a:rPr>
-              <a:t>feature </a:t>
-            </a:r>
+              <a:rPr lang="zh-CN" altLang="en-US" dirty="0"/>
+              <a:t>特征重用</a:t>
+            </a:r>
+            <a:endParaRPr lang="en-US" altLang="zh-CN" dirty="0"/>
           </a:p>
           <a:p>
             <a:pPr>
@@ -11273,19 +12158,25 @@
               </a:lnSpc>
             </a:pPr>
             <a:r>
-              <a:rPr lang="zh-CN" altLang="en-US" dirty="0">
-                <a:latin typeface="宋体" panose="02010600030101010101" pitchFamily="2" charset="-122"/>
-                <a:ea typeface="宋体" panose="02010600030101010101" pitchFamily="2" charset="-122"/>
-              </a:rPr>
-              <a:t>一定程度上较少了参数数量</a:t>
-            </a:r>
+              <a:rPr lang="zh-CN" altLang="en-US" dirty="0"/>
+              <a:t>参数数量较少</a:t>
+            </a:r>
+            <a:endParaRPr lang="en-US" altLang="zh-CN" dirty="0"/>
+          </a:p>
+          <a:p>
+            <a:pPr>
+              <a:lnSpc>
+                <a:spcPct val="150000"/>
+              </a:lnSpc>
+            </a:pPr>
+            <a:endParaRPr lang="zh-CN" altLang="en-US" dirty="0"/>
           </a:p>
         </p:txBody>
       </p:sp>
     </p:spTree>
     <p:extLst>
       <p:ext uri="{BB962C8B-B14F-4D97-AF65-F5344CB8AC3E}">
-        <p14:creationId xmlns:p14="http://schemas.microsoft.com/office/powerpoint/2010/main" val="1229496484"/>
+        <p14:creationId xmlns:p14="http://schemas.microsoft.com/office/powerpoint/2010/main" val="2993886571"/>
       </p:ext>
     </p:extLst>
   </p:cSld>
@@ -11937,28 +12828,56 @@
           <a:p>
             <a:r>
               <a:rPr lang="zh-CN" altLang="zh-CN" dirty="0">
-                <a:latin typeface="宋体" panose="02010600030101010101" pitchFamily="2" charset="-122"/>
+                <a:latin typeface="Times New Roman" panose="02020603050405020304" pitchFamily="18" charset="0"/>
                 <a:ea typeface="宋体" panose="02010600030101010101" pitchFamily="2" charset="-122"/>
+                <a:cs typeface="Times New Roman" panose="02020603050405020304" pitchFamily="18" charset="0"/>
               </a:rPr>
               <a:t>采用</a:t>
             </a:r>
             <a:r>
               <a:rPr lang="zh-CN" altLang="en-US" dirty="0">
-                <a:latin typeface="宋体" panose="02010600030101010101" pitchFamily="2" charset="-122"/>
+                <a:latin typeface="Times New Roman" panose="02020603050405020304" pitchFamily="18" charset="0"/>
                 <a:ea typeface="宋体" panose="02010600030101010101" pitchFamily="2" charset="-122"/>
+                <a:cs typeface="Times New Roman" panose="02020603050405020304" pitchFamily="18" charset="0"/>
               </a:rPr>
               <a:t>转置卷积</a:t>
             </a:r>
             <a:r>
+              <a:rPr lang="en-US" altLang="zh-CN" dirty="0">
+                <a:latin typeface="Times New Roman" panose="02020603050405020304" pitchFamily="18" charset="0"/>
+                <a:ea typeface="宋体" panose="02010600030101010101" pitchFamily="2" charset="-122"/>
+                <a:cs typeface="Times New Roman" panose="02020603050405020304" pitchFamily="18" charset="0"/>
+              </a:rPr>
+              <a:t>(transpose convolution)</a:t>
+            </a:r>
+            <a:r>
               <a:rPr lang="zh-CN" altLang="zh-CN" dirty="0">
-                <a:latin typeface="宋体" panose="02010600030101010101" pitchFamily="2" charset="-122"/>
+                <a:latin typeface="Times New Roman" panose="02020603050405020304" pitchFamily="18" charset="0"/>
                 <a:ea typeface="宋体" panose="02010600030101010101" pitchFamily="2" charset="-122"/>
-              </a:rPr>
-              <a:t>对最后一个卷基层的特征图进行上采样，使它恢复到输入图像相同的尺寸，从而可以对每一个像素都产生一个预测，同时保留了原始输入图像中的空间信息</a:t>
+                <a:cs typeface="Times New Roman" panose="02020603050405020304" pitchFamily="18" charset="0"/>
+              </a:rPr>
+              <a:t>对最后一个</a:t>
+            </a:r>
+            <a:r>
+              <a:rPr lang="zh-CN" altLang="en-US" dirty="0">
+                <a:latin typeface="Times New Roman" panose="02020603050405020304" pitchFamily="18" charset="0"/>
+                <a:ea typeface="宋体" panose="02010600030101010101" pitchFamily="2" charset="-122"/>
+                <a:cs typeface="Times New Roman" panose="02020603050405020304" pitchFamily="18" charset="0"/>
+              </a:rPr>
+              <a:t>卷积层</a:t>
+            </a:r>
+            <a:r>
+              <a:rPr lang="zh-CN" altLang="zh-CN" dirty="0">
+                <a:latin typeface="Times New Roman" panose="02020603050405020304" pitchFamily="18" charset="0"/>
+                <a:ea typeface="宋体" panose="02010600030101010101" pitchFamily="2" charset="-122"/>
+                <a:cs typeface="Times New Roman" panose="02020603050405020304" pitchFamily="18" charset="0"/>
+              </a:rPr>
+              <a:t>的特征图进行上采样，使它恢复到输入图像相同的尺寸，从而可以对每一个像素都产生一个预测，同时保留了原始输入图像中的空间信息</a:t>
             </a:r>
             <a:endParaRPr lang="en-US" altLang="zh-CN" dirty="0">
-              <a:latin typeface="宋体" panose="02010600030101010101" pitchFamily="2" charset="-122"/>
+              <a:latin typeface="Times New Roman" panose="02020603050405020304" pitchFamily="18" charset="0"/>
               <a:ea typeface="宋体" panose="02010600030101010101" pitchFamily="2" charset="-122"/>
+              <a:cs typeface="Times New Roman" panose="02020603050405020304" pitchFamily="18" charset="0"/>
             </a:endParaRPr>
           </a:p>
         </p:txBody>

--- a/第二次组会_2018.10.15.pptx
+++ b/第二次组会_2018.10.15.pptx
@@ -233,7 +233,7 @@
           <a:p>
             <a:fld id="{F3AB8877-6806-4B49-9E07-DB6DB68152F3}" type="datetimeFigureOut">
               <a:rPr lang="zh-CN" altLang="en-US" smtClean="0"/>
-              <a:t>2018/10/15</a:t>
+              <a:t>2018/11/8</a:t>
             </a:fld>
             <a:endParaRPr lang="zh-CN" altLang="en-US"/>
           </a:p>
@@ -6181,7 +6181,7 @@
           <a:p>
             <a:fld id="{CB1D299A-6B22-4BCA-929F-609FF49119CF}" type="datetimeFigureOut">
               <a:rPr lang="zh-CN" altLang="en-US" smtClean="0"/>
-              <a:t>2018/10/15</a:t>
+              <a:t>2018/11/8</a:t>
             </a:fld>
             <a:endParaRPr lang="zh-CN" altLang="en-US"/>
           </a:p>
@@ -6379,7 +6379,7 @@
           <a:p>
             <a:fld id="{CB1D299A-6B22-4BCA-929F-609FF49119CF}" type="datetimeFigureOut">
               <a:rPr lang="zh-CN" altLang="en-US" smtClean="0"/>
-              <a:t>2018/10/15</a:t>
+              <a:t>2018/11/8</a:t>
             </a:fld>
             <a:endParaRPr lang="zh-CN" altLang="en-US"/>
           </a:p>
@@ -6587,7 +6587,7 @@
           <a:p>
             <a:fld id="{CB1D299A-6B22-4BCA-929F-609FF49119CF}" type="datetimeFigureOut">
               <a:rPr lang="zh-CN" altLang="en-US" smtClean="0"/>
-              <a:t>2018/10/15</a:t>
+              <a:t>2018/11/8</a:t>
             </a:fld>
             <a:endParaRPr lang="zh-CN" altLang="en-US"/>
           </a:p>
@@ -6785,7 +6785,7 @@
           <a:p>
             <a:fld id="{CB1D299A-6B22-4BCA-929F-609FF49119CF}" type="datetimeFigureOut">
               <a:rPr lang="zh-CN" altLang="en-US" smtClean="0"/>
-              <a:t>2018/10/15</a:t>
+              <a:t>2018/11/8</a:t>
             </a:fld>
             <a:endParaRPr lang="zh-CN" altLang="en-US"/>
           </a:p>
@@ -7060,7 +7060,7 @@
           <a:p>
             <a:fld id="{CB1D299A-6B22-4BCA-929F-609FF49119CF}" type="datetimeFigureOut">
               <a:rPr lang="zh-CN" altLang="en-US" smtClean="0"/>
-              <a:t>2018/10/15</a:t>
+              <a:t>2018/11/8</a:t>
             </a:fld>
             <a:endParaRPr lang="zh-CN" altLang="en-US"/>
           </a:p>
@@ -7325,7 +7325,7 @@
           <a:p>
             <a:fld id="{CB1D299A-6B22-4BCA-929F-609FF49119CF}" type="datetimeFigureOut">
               <a:rPr lang="zh-CN" altLang="en-US" smtClean="0"/>
-              <a:t>2018/10/15</a:t>
+              <a:t>2018/11/8</a:t>
             </a:fld>
             <a:endParaRPr lang="zh-CN" altLang="en-US"/>
           </a:p>
@@ -7737,7 +7737,7 @@
           <a:p>
             <a:fld id="{CB1D299A-6B22-4BCA-929F-609FF49119CF}" type="datetimeFigureOut">
               <a:rPr lang="zh-CN" altLang="en-US" smtClean="0"/>
-              <a:t>2018/10/15</a:t>
+              <a:t>2018/11/8</a:t>
             </a:fld>
             <a:endParaRPr lang="zh-CN" altLang="en-US"/>
           </a:p>
@@ -7878,7 +7878,7 @@
           <a:p>
             <a:fld id="{CB1D299A-6B22-4BCA-929F-609FF49119CF}" type="datetimeFigureOut">
               <a:rPr lang="zh-CN" altLang="en-US" smtClean="0"/>
-              <a:t>2018/10/15</a:t>
+              <a:t>2018/11/8</a:t>
             </a:fld>
             <a:endParaRPr lang="zh-CN" altLang="en-US"/>
           </a:p>
@@ -7991,7 +7991,7 @@
           <a:p>
             <a:fld id="{CB1D299A-6B22-4BCA-929F-609FF49119CF}" type="datetimeFigureOut">
               <a:rPr lang="zh-CN" altLang="en-US" smtClean="0"/>
-              <a:t>2018/10/15</a:t>
+              <a:t>2018/11/8</a:t>
             </a:fld>
             <a:endParaRPr lang="zh-CN" altLang="en-US"/>
           </a:p>
@@ -8302,7 +8302,7 @@
           <a:p>
             <a:fld id="{CB1D299A-6B22-4BCA-929F-609FF49119CF}" type="datetimeFigureOut">
               <a:rPr lang="zh-CN" altLang="en-US" smtClean="0"/>
-              <a:t>2018/10/15</a:t>
+              <a:t>2018/11/8</a:t>
             </a:fld>
             <a:endParaRPr lang="zh-CN" altLang="en-US"/>
           </a:p>
@@ -8590,7 +8590,7 @@
           <a:p>
             <a:fld id="{CB1D299A-6B22-4BCA-929F-609FF49119CF}" type="datetimeFigureOut">
               <a:rPr lang="zh-CN" altLang="en-US" smtClean="0"/>
-              <a:t>2018/10/15</a:t>
+              <a:t>2018/11/8</a:t>
             </a:fld>
             <a:endParaRPr lang="zh-CN" altLang="en-US"/>
           </a:p>
@@ -8831,7 +8831,7 @@
           <a:p>
             <a:fld id="{CB1D299A-6B22-4BCA-929F-609FF49119CF}" type="datetimeFigureOut">
               <a:rPr lang="zh-CN" altLang="en-US" smtClean="0"/>
-              <a:t>2018/10/15</a:t>
+              <a:t>2018/11/8</a:t>
             </a:fld>
             <a:endParaRPr lang="zh-CN" altLang="en-US"/>
           </a:p>
